--- a/vue培训 v1.pptx
+++ b/vue培训 v1.pptx
@@ -5,19 +5,22 @@
     <p:sldMasterId id="2147483648" r:id="rId1"/>
   </p:sldMasterIdLst>
   <p:notesMasterIdLst>
-    <p:notesMasterId r:id="rId8"/>
+    <p:notesMasterId r:id="rId7"/>
   </p:notesMasterIdLst>
   <p:sldIdLst>
     <p:sldId id="256" r:id="rId3"/>
     <p:sldId id="417" r:id="rId4"/>
     <p:sldId id="416" r:id="rId5"/>
     <p:sldId id="420" r:id="rId6"/>
-    <p:sldId id="422" r:id="rId7"/>
-    <p:sldId id="421" r:id="rId9"/>
-    <p:sldId id="423" r:id="rId10"/>
-    <p:sldId id="424" r:id="rId11"/>
-    <p:sldId id="425" r:id="rId12"/>
-    <p:sldId id="282" r:id="rId13"/>
+    <p:sldId id="422" r:id="rId8"/>
+    <p:sldId id="429" r:id="rId9"/>
+    <p:sldId id="421" r:id="rId10"/>
+    <p:sldId id="428" r:id="rId11"/>
+    <p:sldId id="423" r:id="rId12"/>
+    <p:sldId id="430" r:id="rId13"/>
+    <p:sldId id="424" r:id="rId14"/>
+    <p:sldId id="425" r:id="rId15"/>
+    <p:sldId id="282" r:id="rId16"/>
   </p:sldIdLst>
   <p:sldSz cx="9144000" cy="6858000" type="screen4x3"/>
   <p:notesSz cx="6858000" cy="9144000"/>
@@ -651,341 +654,6 @@
         <p:txBody>
           <a:bodyPr/>
           <a:p>
-            <a:r>
-              <a:rPr lang="en-US" altLang="zh-CN" dirty="0">
-                <a:sym typeface="+mn-ea"/>
-              </a:rPr>
-              <a:t>1 </a:t>
-            </a:r>
-            <a:r>
-              <a:rPr lang="zh-CN" altLang="en-US" dirty="0">
-                <a:sym typeface="+mn-ea"/>
-              </a:rPr>
-              <a:t>构建用户页面的 渐进式框架，采用自底向上增量开发的设计 </a:t>
-            </a:r>
-            <a:r>
-              <a:rPr lang="en-US" altLang="zh-CN" dirty="0" err="1">
-                <a:sym typeface="+mn-ea"/>
-              </a:rPr>
-              <a:t>Vue</a:t>
-            </a:r>
-            <a:r>
-              <a:rPr lang="en-US" altLang="zh-CN" dirty="0">
-                <a:sym typeface="+mn-ea"/>
-              </a:rPr>
-              <a:t> </a:t>
-            </a:r>
-            <a:r>
-              <a:rPr lang="zh-CN" altLang="en-US" dirty="0">
-                <a:sym typeface="+mn-ea"/>
-              </a:rPr>
-              <a:t>的核心库只关注视图层</a:t>
-            </a:r>
-            <a:endParaRPr lang="en-US" altLang="zh-CN" dirty="0"/>
-          </a:p>
-          <a:p>
-            <a:endParaRPr lang="zh-CN" altLang="en-US"/>
-          </a:p>
-          <a:p>
-            <a:r>
-              <a:rPr lang="en-US" altLang="zh-CN" dirty="0" smtClean="0">
-                <a:sym typeface="+mn-ea"/>
-              </a:rPr>
-              <a:t> 2 </a:t>
-            </a:r>
-            <a:r>
-              <a:rPr lang="en-US" altLang="zh-CN" dirty="0" err="1" smtClean="0">
-                <a:sym typeface="+mn-ea"/>
-              </a:rPr>
-              <a:t>jquey</a:t>
-            </a:r>
-            <a:r>
-              <a:rPr lang="zh-CN" altLang="en-US" dirty="0" smtClean="0">
-                <a:sym typeface="+mn-ea"/>
-              </a:rPr>
-              <a:t>是通过操作</a:t>
-            </a:r>
-            <a:r>
-              <a:rPr lang="en-US" altLang="zh-CN" dirty="0" err="1" smtClean="0">
-                <a:sym typeface="+mn-ea"/>
-              </a:rPr>
-              <a:t>dom</a:t>
-            </a:r>
-            <a:r>
-              <a:rPr lang="zh-CN" altLang="en-US" dirty="0" smtClean="0">
-                <a:sym typeface="+mn-ea"/>
-              </a:rPr>
-              <a:t>来实现数据的绑定，大量的操作</a:t>
-            </a:r>
-            <a:r>
-              <a:rPr lang="en-US" altLang="zh-CN" dirty="0" err="1" smtClean="0">
-                <a:sym typeface="+mn-ea"/>
-              </a:rPr>
-              <a:t>dom</a:t>
-            </a:r>
-            <a:r>
-              <a:rPr lang="zh-CN" altLang="en-US" dirty="0" smtClean="0">
-                <a:sym typeface="+mn-ea"/>
-              </a:rPr>
-              <a:t>是会导致性能下降。</a:t>
-            </a:r>
-            <a:r>
-              <a:rPr lang="en-US" altLang="zh-CN" dirty="0" err="1" smtClean="0">
-                <a:sym typeface="+mn-ea"/>
-              </a:rPr>
-              <a:t>Vue</a:t>
-            </a:r>
-            <a:r>
-              <a:rPr lang="en-US" altLang="zh-CN" dirty="0" smtClean="0">
-                <a:sym typeface="+mn-ea"/>
-              </a:rPr>
-              <a:t> </a:t>
-            </a:r>
-            <a:r>
-              <a:rPr lang="zh-CN" altLang="en-US" dirty="0" smtClean="0">
-                <a:sym typeface="+mn-ea"/>
-              </a:rPr>
-              <a:t>是通过数据来驱动（双向绑定），为什么</a:t>
-            </a:r>
-            <a:r>
-              <a:rPr lang="en-US" altLang="zh-CN" dirty="0" err="1" smtClean="0">
-                <a:sym typeface="+mn-ea"/>
-              </a:rPr>
-              <a:t>vue</a:t>
-            </a:r>
-            <a:r>
-              <a:rPr lang="zh-CN" altLang="en-US" dirty="0" smtClean="0">
-                <a:sym typeface="+mn-ea"/>
-              </a:rPr>
-              <a:t>不会影响性能呢？ 虚拟</a:t>
-            </a:r>
-            <a:r>
-              <a:rPr lang="en-US" altLang="zh-CN" dirty="0" err="1" smtClean="0">
-                <a:sym typeface="+mn-ea"/>
-              </a:rPr>
-              <a:t>dom</a:t>
-            </a:r>
-            <a:endParaRPr lang="en-US" altLang="zh-CN" dirty="0" err="1" smtClean="0">
-              <a:sym typeface="+mn-ea"/>
-            </a:endParaRPr>
-          </a:p>
-          <a:p>
-            <a:endParaRPr lang="en-US" altLang="zh-CN" dirty="0" err="1" smtClean="0">
-              <a:sym typeface="+mn-ea"/>
-            </a:endParaRPr>
-          </a:p>
-          <a:p>
-            <a:r>
-              <a:rPr lang="en-US" altLang="zh-CN" dirty="0">
-                <a:sym typeface="+mn-ea"/>
-              </a:rPr>
-              <a:t>3 </a:t>
-            </a:r>
-            <a:r>
-              <a:rPr lang="zh-CN" altLang="en-US" dirty="0">
-                <a:sym typeface="+mn-ea"/>
-              </a:rPr>
-              <a:t>浏览器本身处理</a:t>
-            </a:r>
-            <a:r>
-              <a:rPr lang="en-US" altLang="zh-CN" dirty="0">
-                <a:sym typeface="+mn-ea"/>
-              </a:rPr>
-              <a:t>DOM</a:t>
-            </a:r>
-            <a:r>
-              <a:rPr lang="zh-CN" altLang="en-US" dirty="0">
-                <a:sym typeface="+mn-ea"/>
-              </a:rPr>
-              <a:t>也是有性能瓶颈的，尤其是在传统开发中，用</a:t>
-            </a:r>
-            <a:r>
-              <a:rPr lang="en-US" altLang="zh-CN" dirty="0" err="1">
-                <a:sym typeface="+mn-ea"/>
-              </a:rPr>
-              <a:t>JQuery</a:t>
-            </a:r>
-            <a:r>
-              <a:rPr lang="zh-CN" altLang="en-US" dirty="0">
-                <a:sym typeface="+mn-ea"/>
-              </a:rPr>
-              <a:t>或者原生的</a:t>
-            </a:r>
-            <a:r>
-              <a:rPr lang="en-US" altLang="zh-CN" dirty="0">
-                <a:sym typeface="+mn-ea"/>
-              </a:rPr>
-              <a:t>JavaScript DOM</a:t>
-            </a:r>
-            <a:r>
-              <a:rPr lang="zh-CN" altLang="en-US" dirty="0">
-                <a:sym typeface="+mn-ea"/>
-              </a:rPr>
-              <a:t>操作函数对</a:t>
-            </a:r>
-            <a:r>
-              <a:rPr lang="en-US" altLang="zh-CN" dirty="0">
-                <a:sym typeface="+mn-ea"/>
-              </a:rPr>
-              <a:t>DOM</a:t>
-            </a:r>
-            <a:r>
-              <a:rPr lang="zh-CN" altLang="en-US" dirty="0">
-                <a:sym typeface="+mn-ea"/>
-              </a:rPr>
-              <a:t>进行频繁操作的时候，浏览器要不停的渲染新的</a:t>
-            </a:r>
-            <a:r>
-              <a:rPr lang="en-US" altLang="zh-CN" dirty="0">
-                <a:sym typeface="+mn-ea"/>
-              </a:rPr>
-              <a:t>DOM</a:t>
-            </a:r>
-            <a:r>
-              <a:rPr lang="zh-CN" altLang="en-US" dirty="0">
-                <a:sym typeface="+mn-ea"/>
-              </a:rPr>
-              <a:t>树，导致页面看起来非常卡顿。而</a:t>
-            </a:r>
-            <a:r>
-              <a:rPr lang="en-US" altLang="zh-CN" dirty="0">
-                <a:sym typeface="+mn-ea"/>
-              </a:rPr>
-              <a:t>Virtual DOM</a:t>
-            </a:r>
-            <a:r>
-              <a:rPr lang="zh-CN" altLang="en-US" dirty="0">
-                <a:sym typeface="+mn-ea"/>
-              </a:rPr>
-              <a:t>则是虚拟</a:t>
-            </a:r>
-            <a:r>
-              <a:rPr lang="en-US" altLang="zh-CN" dirty="0">
-                <a:sym typeface="+mn-ea"/>
-              </a:rPr>
-              <a:t>DOM</a:t>
-            </a:r>
-            <a:r>
-              <a:rPr lang="zh-CN" altLang="en-US" dirty="0">
-                <a:sym typeface="+mn-ea"/>
-              </a:rPr>
-              <a:t>的英文，简单来说，他就是一种可以预先通过</a:t>
-            </a:r>
-            <a:r>
-              <a:rPr lang="en-US" altLang="zh-CN" dirty="0">
-                <a:sym typeface="+mn-ea"/>
-              </a:rPr>
-              <a:t>JavaScript</a:t>
-            </a:r>
-            <a:r>
-              <a:rPr lang="zh-CN" altLang="en-US" dirty="0">
-                <a:sym typeface="+mn-ea"/>
-              </a:rPr>
-              <a:t>进行各种计算，把最终的</a:t>
-            </a:r>
-            <a:r>
-              <a:rPr lang="en-US" altLang="zh-CN" dirty="0">
-                <a:sym typeface="+mn-ea"/>
-              </a:rPr>
-              <a:t>DOM</a:t>
-            </a:r>
-            <a:r>
-              <a:rPr lang="zh-CN" altLang="en-US" dirty="0">
-                <a:sym typeface="+mn-ea"/>
-              </a:rPr>
-              <a:t>操作计算出来并优化，由于这个</a:t>
-            </a:r>
-            <a:r>
-              <a:rPr lang="en-US" altLang="zh-CN" dirty="0">
-                <a:sym typeface="+mn-ea"/>
-              </a:rPr>
-              <a:t>DOM</a:t>
-            </a:r>
-            <a:r>
-              <a:rPr lang="zh-CN" altLang="en-US" dirty="0">
-                <a:sym typeface="+mn-ea"/>
-              </a:rPr>
-              <a:t>操作属于预处理操作，并没有真实的操作</a:t>
-            </a:r>
-            <a:r>
-              <a:rPr lang="en-US" altLang="zh-CN" dirty="0">
-                <a:sym typeface="+mn-ea"/>
-              </a:rPr>
-              <a:t>DOM</a:t>
-            </a:r>
-            <a:r>
-              <a:rPr lang="zh-CN" altLang="en-US" dirty="0">
-                <a:sym typeface="+mn-ea"/>
-              </a:rPr>
-              <a:t>，所以叫做虚拟</a:t>
-            </a:r>
-            <a:r>
-              <a:rPr lang="en-US" altLang="zh-CN" dirty="0">
-                <a:sym typeface="+mn-ea"/>
-              </a:rPr>
-              <a:t>DOM</a:t>
-            </a:r>
-            <a:r>
-              <a:rPr lang="zh-CN" altLang="en-US" dirty="0">
-                <a:sym typeface="+mn-ea"/>
-              </a:rPr>
-              <a:t>。最后在计算完毕才真正将</a:t>
-            </a:r>
-            <a:r>
-              <a:rPr lang="en-US" altLang="zh-CN" dirty="0">
-                <a:sym typeface="+mn-ea"/>
-              </a:rPr>
-              <a:t>DOM</a:t>
-            </a:r>
-            <a:r>
-              <a:rPr lang="zh-CN" altLang="en-US" dirty="0">
-                <a:sym typeface="+mn-ea"/>
-              </a:rPr>
-              <a:t>操作提交，将</a:t>
-            </a:r>
-            <a:r>
-              <a:rPr lang="en-US" altLang="zh-CN" dirty="0">
-                <a:sym typeface="+mn-ea"/>
-              </a:rPr>
-              <a:t>DOM</a:t>
-            </a:r>
-            <a:r>
-              <a:rPr lang="zh-CN" altLang="en-US" dirty="0">
-                <a:sym typeface="+mn-ea"/>
-              </a:rPr>
-              <a:t>操作变化反映到</a:t>
-            </a:r>
-            <a:r>
-              <a:rPr lang="en-US" altLang="zh-CN" dirty="0">
-                <a:sym typeface="+mn-ea"/>
-              </a:rPr>
-              <a:t>DOM</a:t>
-            </a:r>
-            <a:r>
-              <a:rPr lang="zh-CN" altLang="en-US" dirty="0">
-                <a:sym typeface="+mn-ea"/>
-              </a:rPr>
-              <a:t>树上。</a:t>
-            </a:r>
-            <a:endParaRPr lang="zh-CN" altLang="en-US" dirty="0">
-              <a:sym typeface="+mn-ea"/>
-            </a:endParaRPr>
-          </a:p>
-          <a:p>
-            <a:endParaRPr lang="zh-CN" altLang="en-US" dirty="0">
-              <a:sym typeface="+mn-ea"/>
-            </a:endParaRPr>
-          </a:p>
-          <a:p>
-            <a:endParaRPr lang="en-US" altLang="zh-CN" dirty="0"/>
-          </a:p>
-          <a:p>
-            <a:endParaRPr lang="zh-CN" altLang="en-US" dirty="0"/>
-          </a:p>
-          <a:p>
-            <a:endParaRPr lang="zh-CN" altLang="en-US"/>
-          </a:p>
-          <a:p>
             <a:endParaRPr lang="zh-CN" altLang="en-US"/>
           </a:p>
         </p:txBody>
@@ -1034,285 +702,335 @@
               <a:rPr lang="en-US" altLang="zh-CN" dirty="0">
                 <a:sym typeface="+mn-ea"/>
               </a:rPr>
-              <a:t>1</a:t>
+              <a:t>1 </a:t>
             </a:r>
             <a:r>
               <a:rPr lang="zh-CN" altLang="en-US" dirty="0">
                 <a:sym typeface="+mn-ea"/>
               </a:rPr>
-              <a:t>、</a:t>
+              <a:t>构建用户页面的 渐进式框架，采用自底向上增量开发的设计 </a:t>
+            </a:r>
+            <a:r>
+              <a:rPr lang="en-US" altLang="zh-CN" dirty="0" err="1">
+                <a:sym typeface="+mn-ea"/>
+              </a:rPr>
+              <a:t>Vue</a:t>
             </a:r>
             <a:r>
               <a:rPr lang="en-US" altLang="zh-CN" dirty="0">
                 <a:sym typeface="+mn-ea"/>
               </a:rPr>
-              <a:t>beforeCreate          这个阶段的时候data</a:t>
+              <a:t> </a:t>
             </a:r>
             <a:r>
               <a:rPr lang="zh-CN" altLang="en-US" dirty="0">
                 <a:sym typeface="+mn-ea"/>
               </a:rPr>
-              <a:t>、</a:t>
-            </a:r>
+              <a:t>的核心库只关注视图层</a:t>
+            </a:r>
+            <a:endParaRPr lang="en-US" altLang="zh-CN" dirty="0"/>
+          </a:p>
+          <a:p>
+            <a:endParaRPr lang="zh-CN" altLang="en-US"/>
+          </a:p>
+          <a:p>
+            <a:r>
+              <a:rPr lang="en-US" altLang="zh-CN" dirty="0" smtClean="0">
+                <a:sym typeface="+mn-ea"/>
+              </a:rPr>
+              <a:t> 2 </a:t>
+            </a:r>
+            <a:r>
+              <a:rPr lang="en-US" altLang="zh-CN" dirty="0" err="1" smtClean="0">
+                <a:sym typeface="+mn-ea"/>
+              </a:rPr>
+              <a:t>jquey</a:t>
+            </a:r>
+            <a:r>
+              <a:rPr lang="zh-CN" altLang="en-US" dirty="0" smtClean="0">
+                <a:sym typeface="+mn-ea"/>
+              </a:rPr>
+              <a:t>是通过操作</a:t>
+            </a:r>
+            <a:r>
+              <a:rPr lang="en-US" altLang="zh-CN" dirty="0" err="1" smtClean="0">
+                <a:sym typeface="+mn-ea"/>
+              </a:rPr>
+              <a:t>dom</a:t>
+            </a:r>
+            <a:r>
+              <a:rPr lang="zh-CN" altLang="en-US" dirty="0" smtClean="0">
+                <a:sym typeface="+mn-ea"/>
+              </a:rPr>
+              <a:t>来实现数据的绑定，大量的操作</a:t>
+            </a:r>
+            <a:r>
+              <a:rPr lang="en-US" altLang="zh-CN" dirty="0" err="1" smtClean="0">
+                <a:sym typeface="+mn-ea"/>
+              </a:rPr>
+              <a:t>dom</a:t>
+            </a:r>
+            <a:r>
+              <a:rPr lang="zh-CN" altLang="en-US" dirty="0" smtClean="0">
+                <a:sym typeface="+mn-ea"/>
+              </a:rPr>
+              <a:t>是会导致性能下降。</a:t>
+            </a:r>
+            <a:r>
+              <a:rPr lang="en-US" altLang="zh-CN" dirty="0" err="1" smtClean="0">
+                <a:sym typeface="+mn-ea"/>
+              </a:rPr>
+              <a:t>Vue</a:t>
+            </a:r>
+            <a:r>
+              <a:rPr lang="en-US" altLang="zh-CN" dirty="0" smtClean="0">
+                <a:sym typeface="+mn-ea"/>
+              </a:rPr>
+              <a:t> </a:t>
+            </a:r>
+            <a:r>
+              <a:rPr lang="zh-CN" altLang="en-US" dirty="0" smtClean="0">
+                <a:sym typeface="+mn-ea"/>
+              </a:rPr>
+              <a:t>是通过数据来驱动（双向绑定），为什么</a:t>
+            </a:r>
+            <a:r>
+              <a:rPr lang="en-US" altLang="zh-CN" dirty="0" err="1" smtClean="0">
+                <a:sym typeface="+mn-ea"/>
+              </a:rPr>
+              <a:t>vue</a:t>
+            </a:r>
+            <a:r>
+              <a:rPr lang="zh-CN" altLang="en-US" dirty="0" smtClean="0">
+                <a:sym typeface="+mn-ea"/>
+              </a:rPr>
+              <a:t>不会影响性能呢？ 虚拟</a:t>
+            </a:r>
+            <a:r>
+              <a:rPr lang="en-US" altLang="zh-CN" dirty="0" err="1" smtClean="0">
+                <a:sym typeface="+mn-ea"/>
+              </a:rPr>
+              <a:t>dom</a:t>
+            </a:r>
+            <a:endParaRPr lang="en-US" altLang="zh-CN" dirty="0" err="1" smtClean="0">
+              <a:sym typeface="+mn-ea"/>
+            </a:endParaRPr>
+          </a:p>
+          <a:p>
+            <a:endParaRPr lang="en-US" altLang="zh-CN" dirty="0" err="1" smtClean="0">
+              <a:sym typeface="+mn-ea"/>
+            </a:endParaRPr>
+          </a:p>
+          <a:p>
             <a:r>
               <a:rPr lang="en-US" altLang="zh-CN" dirty="0">
                 <a:sym typeface="+mn-ea"/>
               </a:rPr>
-              <a:t>$el</a:t>
+              <a:t>3 </a:t>
             </a:r>
             <a:r>
               <a:rPr lang="zh-CN" altLang="en-US" dirty="0">
                 <a:sym typeface="+mn-ea"/>
               </a:rPr>
-              <a:t>、</a:t>
+              <a:t>浏览器本身处理</a:t>
             </a:r>
             <a:r>
               <a:rPr lang="en-US" altLang="zh-CN" dirty="0">
                 <a:sym typeface="+mn-ea"/>
               </a:rPr>
-              <a:t>method都是拿不到的（通常在实例以外调用）</a:t>
-            </a:r>
+              <a:t>DOM</a:t>
+            </a:r>
+            <a:r>
+              <a:rPr lang="zh-CN" altLang="en-US" dirty="0">
+                <a:sym typeface="+mn-ea"/>
+              </a:rPr>
+              <a:t>也是有性能瓶颈的，尤其是在传统开发中，用</a:t>
+            </a:r>
+            <a:r>
+              <a:rPr lang="en-US" altLang="zh-CN" dirty="0" err="1">
+                <a:sym typeface="+mn-ea"/>
+              </a:rPr>
+              <a:t>JQuery</a:t>
+            </a:r>
+            <a:r>
+              <a:rPr lang="zh-CN" altLang="en-US" dirty="0">
+                <a:sym typeface="+mn-ea"/>
+              </a:rPr>
+              <a:t>或者原生的</a:t>
+            </a:r>
+            <a:r>
+              <a:rPr lang="en-US" altLang="zh-CN" dirty="0">
+                <a:sym typeface="+mn-ea"/>
+              </a:rPr>
+              <a:t>JavaScript DOM</a:t>
+            </a:r>
+            <a:r>
+              <a:rPr lang="zh-CN" altLang="en-US" dirty="0">
+                <a:sym typeface="+mn-ea"/>
+              </a:rPr>
+              <a:t>操作函数对</a:t>
+            </a:r>
+            <a:r>
+              <a:rPr lang="en-US" altLang="zh-CN" dirty="0">
+                <a:sym typeface="+mn-ea"/>
+              </a:rPr>
+              <a:t>DOM</a:t>
+            </a:r>
+            <a:r>
+              <a:rPr lang="zh-CN" altLang="en-US" dirty="0">
+                <a:sym typeface="+mn-ea"/>
+              </a:rPr>
+              <a:t>进行频繁操作的时候，浏览器要不停的渲染新的</a:t>
+            </a:r>
+            <a:r>
+              <a:rPr lang="en-US" altLang="zh-CN" dirty="0">
+                <a:sym typeface="+mn-ea"/>
+              </a:rPr>
+              <a:t>DOM</a:t>
+            </a:r>
+            <a:r>
+              <a:rPr lang="zh-CN" altLang="en-US" dirty="0">
+                <a:sym typeface="+mn-ea"/>
+              </a:rPr>
+              <a:t>树，导致页面看起来非常卡顿。而</a:t>
+            </a:r>
+            <a:r>
+              <a:rPr lang="en-US" altLang="zh-CN" dirty="0">
+                <a:sym typeface="+mn-ea"/>
+              </a:rPr>
+              <a:t>Virtual DOM</a:t>
+            </a:r>
+            <a:r>
+              <a:rPr lang="zh-CN" altLang="en-US" dirty="0">
+                <a:sym typeface="+mn-ea"/>
+              </a:rPr>
+              <a:t>则是虚拟</a:t>
+            </a:r>
+            <a:r>
+              <a:rPr lang="en-US" altLang="zh-CN" dirty="0">
+                <a:sym typeface="+mn-ea"/>
+              </a:rPr>
+              <a:t>DOM</a:t>
+            </a:r>
+            <a:r>
+              <a:rPr lang="zh-CN" altLang="en-US" dirty="0">
+                <a:sym typeface="+mn-ea"/>
+              </a:rPr>
+              <a:t>的英文，简单来说，他就是一种可以预先通过</a:t>
+            </a:r>
+            <a:r>
+              <a:rPr lang="en-US" altLang="zh-CN" dirty="0">
+                <a:sym typeface="+mn-ea"/>
+              </a:rPr>
+              <a:t>JavaScript</a:t>
+            </a:r>
+            <a:r>
+              <a:rPr lang="zh-CN" altLang="en-US" dirty="0">
+                <a:sym typeface="+mn-ea"/>
+              </a:rPr>
+              <a:t>进行各种计算，把最终的</a:t>
+            </a:r>
+            <a:r>
+              <a:rPr lang="en-US" altLang="zh-CN" dirty="0">
+                <a:sym typeface="+mn-ea"/>
+              </a:rPr>
+              <a:t>DOM</a:t>
+            </a:r>
+            <a:r>
+              <a:rPr lang="zh-CN" altLang="en-US" dirty="0">
+                <a:sym typeface="+mn-ea"/>
+              </a:rPr>
+              <a:t>操作计算出来并优化，由于这个</a:t>
+            </a:r>
+            <a:r>
+              <a:rPr lang="en-US" altLang="zh-CN" dirty="0">
+                <a:sym typeface="+mn-ea"/>
+              </a:rPr>
+              <a:t>DOM</a:t>
+            </a:r>
+            <a:r>
+              <a:rPr lang="zh-CN" altLang="en-US" dirty="0">
+                <a:sym typeface="+mn-ea"/>
+              </a:rPr>
+              <a:t>操作属于预处理操作，并没有真实的操作</a:t>
+            </a:r>
+            <a:r>
+              <a:rPr lang="en-US" altLang="zh-CN" dirty="0">
+                <a:sym typeface="+mn-ea"/>
+              </a:rPr>
+              <a:t>DOM</a:t>
+            </a:r>
+            <a:r>
+              <a:rPr lang="zh-CN" altLang="en-US" dirty="0">
+                <a:sym typeface="+mn-ea"/>
+              </a:rPr>
+              <a:t>，所以叫做虚拟</a:t>
+            </a:r>
+            <a:r>
+              <a:rPr lang="en-US" altLang="zh-CN" dirty="0">
+                <a:sym typeface="+mn-ea"/>
+              </a:rPr>
+              <a:t>DOM</a:t>
+            </a:r>
+            <a:r>
+              <a:rPr lang="zh-CN" altLang="en-US" dirty="0">
+                <a:sym typeface="+mn-ea"/>
+              </a:rPr>
+              <a:t>。最后在计算完毕才真正将</a:t>
+            </a:r>
+            <a:r>
+              <a:rPr lang="en-US" altLang="zh-CN" dirty="0">
+                <a:sym typeface="+mn-ea"/>
+              </a:rPr>
+              <a:t>DOM</a:t>
+            </a:r>
+            <a:r>
+              <a:rPr lang="zh-CN" altLang="en-US" dirty="0">
+                <a:sym typeface="+mn-ea"/>
+              </a:rPr>
+              <a:t>操作提交，将</a:t>
+            </a:r>
+            <a:r>
+              <a:rPr lang="en-US" altLang="zh-CN" dirty="0">
+                <a:sym typeface="+mn-ea"/>
+              </a:rPr>
+              <a:t>DOM</a:t>
+            </a:r>
+            <a:r>
+              <a:rPr lang="zh-CN" altLang="en-US" dirty="0">
+                <a:sym typeface="+mn-ea"/>
+              </a:rPr>
+              <a:t>操作变化反映到</a:t>
+            </a:r>
+            <a:r>
+              <a:rPr lang="en-US" altLang="zh-CN" dirty="0">
+                <a:sym typeface="+mn-ea"/>
+              </a:rPr>
+              <a:t>DOM</a:t>
+            </a:r>
+            <a:r>
+              <a:rPr lang="zh-CN" altLang="en-US" dirty="0">
+                <a:sym typeface="+mn-ea"/>
+              </a:rPr>
+              <a:t>树上。</a:t>
+            </a:r>
+            <a:endParaRPr lang="zh-CN" altLang="en-US" dirty="0">
+              <a:sym typeface="+mn-ea"/>
+            </a:endParaRPr>
+          </a:p>
+          <a:p>
+            <a:endParaRPr lang="zh-CN" altLang="en-US" dirty="0">
+              <a:sym typeface="+mn-ea"/>
+            </a:endParaRPr>
+          </a:p>
+          <a:p>
             <a:endParaRPr lang="en-US" altLang="zh-CN" dirty="0"/>
           </a:p>
           <a:p>
-            <a:r>
-              <a:rPr lang="en-US" altLang="zh-CN" dirty="0">
-                <a:sym typeface="+mn-ea"/>
-              </a:rPr>
-              <a:t>2</a:t>
-            </a:r>
-            <a:r>
-              <a:rPr lang="zh-CN" altLang="en-US" dirty="0">
-                <a:sym typeface="+mn-ea"/>
-              </a:rPr>
-              <a:t>、</a:t>
-            </a:r>
-            <a:r>
-              <a:rPr lang="en-US" altLang="zh-CN" dirty="0">
-                <a:sym typeface="+mn-ea"/>
-              </a:rPr>
-              <a:t>created                   这个可以调用实例的数据和实例的方法</a:t>
-            </a:r>
-            <a:r>
-              <a:rPr lang="zh-CN" altLang="en-US" dirty="0">
-                <a:sym typeface="+mn-ea"/>
-              </a:rPr>
-              <a:t>，</a:t>
-            </a:r>
-            <a:r>
-              <a:rPr lang="en-US" altLang="zh-CN" dirty="0">
-                <a:sym typeface="+mn-ea"/>
-              </a:rPr>
-              <a:t>但 $el 没有初始化</a:t>
-            </a:r>
-            <a:r>
-              <a:rPr lang="en-US" altLang="zh-CN" dirty="0">
-                <a:sym typeface="+mn-ea"/>
-              </a:rPr>
-              <a:t>（异步请求</a:t>
-            </a:r>
-            <a:r>
-              <a:rPr lang="en-US" altLang="zh-CN" dirty="0">
-                <a:sym typeface="+mn-ea"/>
-              </a:rPr>
-              <a:t>数据</a:t>
-            </a:r>
-            <a:r>
-              <a:rPr lang="en-US" altLang="zh-CN" dirty="0">
-                <a:sym typeface="+mn-ea"/>
-              </a:rPr>
-              <a:t>）</a:t>
-            </a:r>
-            <a:endParaRPr lang="en-US" altLang="zh-CN" dirty="0"/>
-          </a:p>
-          <a:p>
-            <a:r>
-              <a:rPr lang="en-US" altLang="zh-CN" dirty="0">
-                <a:sym typeface="+mn-ea"/>
-              </a:rPr>
-              <a:t>3</a:t>
-            </a:r>
-            <a:r>
-              <a:rPr lang="zh-CN" altLang="en-US" dirty="0">
-                <a:sym typeface="+mn-ea"/>
-              </a:rPr>
-              <a:t>、</a:t>
-            </a:r>
-            <a:r>
-              <a:rPr lang="en-US" altLang="zh-CN" dirty="0">
-                <a:sym typeface="+mn-ea"/>
-              </a:rPr>
-              <a:t>beforeMount          相关的 render 函数首次被调用,data 和 $el 均已存在，但 DOM 为虚拟DOM 仍未完全加载 eg： &lt;div&gt;{{message}}&lt;/div&gt;</a:t>
-            </a:r>
-            <a:endParaRPr lang="en-US" altLang="zh-CN" dirty="0"/>
-          </a:p>
-          <a:p>
-            <a:r>
-              <a:rPr lang="en-US" altLang="zh-CN" dirty="0">
-                <a:sym typeface="+mn-ea"/>
-              </a:rPr>
-              <a:t>4</a:t>
-            </a:r>
-            <a:r>
-              <a:rPr lang="zh-CN" altLang="en-US" dirty="0">
-                <a:sym typeface="+mn-ea"/>
-              </a:rPr>
-              <a:t>、</a:t>
-            </a:r>
-            <a:r>
-              <a:rPr lang="en-US" altLang="zh-CN" dirty="0">
-                <a:sym typeface="+mn-ea"/>
-              </a:rPr>
-              <a:t>mounted                 data 和 $el 均已存在，并且 DOM 加载完成（需要操作dom的方法放这里）</a:t>
-            </a:r>
-            <a:endParaRPr lang="en-US" altLang="zh-CN" dirty="0"/>
-          </a:p>
-          <a:p>
-            <a:r>
-              <a:rPr lang="en-US" altLang="zh-CN" dirty="0">
-                <a:sym typeface="+mn-ea"/>
-              </a:rPr>
-              <a:t>5</a:t>
-            </a:r>
-            <a:r>
-              <a:rPr lang="zh-CN" altLang="en-US" dirty="0">
-                <a:sym typeface="+mn-ea"/>
-              </a:rPr>
-              <a:t>、</a:t>
-            </a:r>
-            <a:r>
-              <a:rPr lang="en-US" altLang="zh-CN" dirty="0">
-                <a:sym typeface="+mn-ea"/>
-              </a:rPr>
-              <a:t>beforeUpdate         渲染完成，并监测到data发生变化，在变化的数据重新渲染视图之前会触发，这也是重新渲染之前最后修改数据的机会</a:t>
-            </a:r>
-            <a:endParaRPr lang="en-US" altLang="zh-CN" dirty="0"/>
-          </a:p>
-          <a:p>
-            <a:r>
-              <a:rPr lang="en-US" altLang="zh-CN" dirty="0">
-                <a:sym typeface="+mn-ea"/>
-              </a:rPr>
-              <a:t>6</a:t>
-            </a:r>
-            <a:r>
-              <a:rPr lang="zh-CN" altLang="en-US" dirty="0">
-                <a:sym typeface="+mn-ea"/>
-              </a:rPr>
-              <a:t>、</a:t>
-            </a:r>
-            <a:r>
-              <a:rPr lang="en-US" altLang="zh-CN" dirty="0">
-                <a:sym typeface="+mn-ea"/>
-              </a:rPr>
-              <a:t>updated	            用于对数据更新做统一处理 （如果想分别区分不同的数据更新，同时进行dom操作就使用$nextTick）</a:t>
-            </a:r>
-            <a:endParaRPr lang="en-US" altLang="zh-CN" dirty="0"/>
-          </a:p>
-          <a:p>
-            <a:r>
-              <a:rPr lang="en-US" altLang="zh-CN" dirty="0">
-                <a:sym typeface="+mn-ea"/>
-              </a:rPr>
-              <a:t>7</a:t>
-            </a:r>
-            <a:r>
-              <a:rPr lang="zh-CN" altLang="en-US" dirty="0">
-                <a:sym typeface="+mn-ea"/>
-              </a:rPr>
-              <a:t>、</a:t>
-            </a:r>
-            <a:r>
-              <a:rPr lang="en-US" altLang="zh-CN" dirty="0">
-                <a:sym typeface="+mn-ea"/>
-              </a:rPr>
-              <a:t>beforeDestroy        实例销毁之前调用 ， 实例仍然完全可用。</a:t>
-            </a:r>
-            <a:endParaRPr lang="en-US" altLang="zh-CN" dirty="0"/>
-          </a:p>
-          <a:p>
-            <a:r>
-              <a:rPr lang="en-US" altLang="zh-CN" dirty="0">
-                <a:sym typeface="+mn-ea"/>
-              </a:rPr>
-              <a:t>8</a:t>
-            </a:r>
-            <a:r>
-              <a:rPr lang="zh-CN" altLang="en-US" dirty="0">
-                <a:sym typeface="+mn-ea"/>
-              </a:rPr>
-              <a:t>、</a:t>
-            </a:r>
-            <a:r>
-              <a:rPr lang="en-US" altLang="zh-CN" dirty="0">
-                <a:sym typeface="+mn-ea"/>
-              </a:rPr>
-              <a:t>destroyed	            实例销毁后调用。调用后，实例指示的所有东西都会解绑定，所有的事件监听器会被移除，所有的子实例也会被销毁。</a:t>
-            </a:r>
-            <a:endParaRPr lang="en-US" altLang="zh-CN" dirty="0"/>
-          </a:p>
-          <a:p>
-            <a:r>
-              <a:rPr lang="en-US" altLang="zh-CN" dirty="0">
-                <a:sym typeface="+mn-ea"/>
-              </a:rPr>
-              <a:t>另外还有 keep-alive 独有的生命周期，分别为 activated 和 deactivated</a:t>
-            </a:r>
-            <a:endParaRPr lang="en-US" altLang="zh-CN" dirty="0"/>
-          </a:p>
-          <a:p>
-            <a:r>
-              <a:rPr lang="en-US" altLang="zh-CN" dirty="0">
-                <a:sym typeface="+mn-ea"/>
-              </a:rPr>
-              <a:t>vm.$mount                  如果 Vue 实例在实例化时没有收到 el 选项，则它处于“未挂载”状态，没有关联的 DOM 元素。可以使用 vm.$mount() 手动地挂载一个未挂载的实例。</a:t>
-            </a:r>
-            <a:endParaRPr lang="en-US" altLang="zh-CN" dirty="0"/>
-          </a:p>
-          <a:p>
-            <a:r>
-              <a:rPr lang="en-US" altLang="zh-CN" dirty="0">
-                <a:sym typeface="+mn-ea"/>
-              </a:rPr>
-              <a:t>                                     如果没有提供 elementOrSelector 参数，模板将被渲染为文档之外的的元素，并且你必须使用原生 DOM API 把它插入文档中。</a:t>
-            </a:r>
-            <a:endParaRPr lang="en-US" altLang="zh-CN" dirty="0"/>
-          </a:p>
-          <a:p>
-            <a:r>
-              <a:rPr lang="en-US" altLang="zh-CN" dirty="0">
-                <a:sym typeface="+mn-ea"/>
-              </a:rPr>
-              <a:t>                                     这个方法返回实例自身，因而可以链式调用其它实例方法。</a:t>
-            </a:r>
-            <a:endParaRPr lang="en-US" altLang="zh-CN" dirty="0"/>
-          </a:p>
-          <a:p>
-            <a:r>
-              <a:rPr lang="en-US" altLang="zh-CN" dirty="0">
-                <a:sym typeface="+mn-ea"/>
-              </a:rPr>
-              <a:t>vm.$nextTick               将回调延迟到下次 DOM 更新循环之后执行。在修改数据之后立即使用它，然后等待 DOM 更新。它跟全局方法 Vue.nextTick 一样，不同的是回调的 this 自动绑定到调用它的实例上。</a:t>
-            </a:r>
-            <a:endParaRPr lang="en-US" altLang="zh-CN" dirty="0"/>
-          </a:p>
-          <a:p>
-            <a:r>
-              <a:rPr lang="en-US" altLang="zh-CN" dirty="0">
-                <a:sym typeface="+mn-ea"/>
-              </a:rPr>
-              <a:t>vm.$forceUpdate        迫使 Vue 实例重新渲染。注意它仅仅影响实例本身和插入插槽内容的子组件，而不是所有子组件。</a:t>
-            </a:r>
-            <a:endParaRPr lang="en-US" altLang="zh-CN" dirty="0"/>
-          </a:p>
-          <a:p>
-            <a:r>
-              <a:rPr lang="en-US" altLang="zh-CN" dirty="0">
-                <a:sym typeface="+mn-ea"/>
-              </a:rPr>
-              <a:t>vm.$destroy                完全销毁一个实例。清理它与其它实例的连接，解绑它的全部指令及事件监听器。触发 beforeDestroy 和 destroyed 的钩子。</a:t>
-            </a:r>
-            <a:endParaRPr lang="en-US" altLang="zh-CN" dirty="0"/>
+            <a:endParaRPr lang="zh-CN" altLang="en-US" dirty="0"/>
+          </a:p>
+          <a:p>
+            <a:endParaRPr lang="zh-CN" altLang="en-US"/>
           </a:p>
           <a:p>
             <a:endParaRPr lang="zh-CN" altLang="en-US"/>
@@ -1328,6 +1046,646 @@
 </file>
 
 <file path=ppt/notesSlides/notesSlide4.xml><?xml version="1.0" encoding="utf-8"?>
+<p:notes xmlns:a="http://schemas.openxmlformats.org/drawingml/2006/main" xmlns:r="http://schemas.openxmlformats.org/officeDocument/2006/relationships" xmlns:p="http://schemas.openxmlformats.org/presentationml/2006/main">
+  <p:cSld>
+    <p:spTree>
+      <p:nvGrpSpPr>
+        <p:cNvPr id="1" name=""/>
+        <p:cNvGrpSpPr/>
+        <p:nvPr/>
+      </p:nvGrpSpPr>
+      <p:grpSpPr/>
+      <p:sp>
+        <p:nvSpPr>
+          <p:cNvPr id="2" name="幻灯片图像占位符 1"/>
+          <p:cNvSpPr/>
+          <p:nvPr>
+            <p:ph type="sldImg" idx="2"/>
+          </p:nvPr>
+        </p:nvSpPr>
+        <p:spPr/>
+      </p:sp>
+      <p:sp>
+        <p:nvSpPr>
+          <p:cNvPr id="3" name="文本占位符 2"/>
+          <p:cNvSpPr/>
+          <p:nvPr>
+            <p:ph type="body" idx="3"/>
+          </p:nvPr>
+        </p:nvSpPr>
+        <p:spPr/>
+        <p:txBody>
+          <a:bodyPr/>
+          <a:p>
+            <a:r>
+              <a:rPr lang="en-US" altLang="zh-CN">
+                <a:sym typeface="+mn-ea"/>
+              </a:rPr>
+              <a:t>1</a:t>
+            </a:r>
+            <a:r>
+              <a:rPr lang="zh-CN" altLang="en-US">
+                <a:sym typeface="+mn-ea"/>
+              </a:rPr>
+              <a:t>：都是一种设计思想</a:t>
+            </a:r>
+            <a:r>
+              <a:rPr lang="en-US" altLang="zh-CN">
+                <a:sym typeface="+mn-ea"/>
+              </a:rPr>
+              <a:t>,主要就是 mvc 中 Controller 演变成 mvvm 中的 viewModel,mvvm 主要解决了 mvc 中大量的 DOM 操作使页面渲染性能降低，加载速度变慢，影响用户体验。和当 Model 频繁发生变化，开发者需要主动更新到 View 。</a:t>
+            </a:r>
+            <a:endParaRPr lang="en-US" altLang="zh-CN"/>
+          </a:p>
+          <a:p>
+            <a:endParaRPr lang="en-US" altLang="zh-CN"/>
+          </a:p>
+          <a:p>
+            <a:r>
+              <a:rPr lang="en-US" altLang="zh-CN">
+                <a:sym typeface="+mn-ea"/>
+              </a:rPr>
+              <a:t>2</a:t>
+            </a:r>
+            <a:r>
+              <a:rPr lang="zh-CN" altLang="en-US">
+                <a:sym typeface="+mn-ea"/>
+              </a:rPr>
+              <a:t>：低耦合 视图（View）可以独立于 Model 变化和修改，一个 ViewModel 可以绑定到不同的"View"上，当 View 变化的时候 Model 可以不变，当 Model 变化的时候 View 也可以不变。</a:t>
+            </a:r>
+            <a:endParaRPr lang="zh-CN" altLang="en-US"/>
+          </a:p>
+          <a:p>
+            <a:r>
+              <a:rPr lang="en-US" altLang="zh-CN">
+                <a:sym typeface="+mn-ea"/>
+              </a:rPr>
+              <a:t>     </a:t>
+            </a:r>
+            <a:r>
+              <a:rPr lang="zh-CN" altLang="en-US">
+                <a:sym typeface="+mn-ea"/>
+              </a:rPr>
+              <a:t>可重用性  你可以把一些视图逻辑放在一个 ViewModel 里面，让很多 view 重用这段视图逻辑。、</a:t>
+            </a:r>
+            <a:endParaRPr lang="zh-CN" altLang="en-US"/>
+          </a:p>
+          <a:p>
+            <a:r>
+              <a:rPr lang="en-US" altLang="zh-CN">
+                <a:sym typeface="+mn-ea"/>
+              </a:rPr>
+              <a:t>      独立开发。开发人员可以专注于业务逻辑和数据的开发（ViewModel），设计人员可以专注于页面设计</a:t>
+            </a:r>
+            <a:r>
+              <a:rPr lang="zh-CN" altLang="en-US">
+                <a:sym typeface="+mn-ea"/>
+              </a:rPr>
+              <a:t>、</a:t>
+            </a:r>
+            <a:endParaRPr lang="zh-CN" altLang="en-US"/>
+          </a:p>
+          <a:p>
+            <a:endParaRPr lang="zh-CN" altLang="en-US"/>
+          </a:p>
+          <a:p>
+            <a:r>
+              <a:rPr lang="en-US" altLang="zh-CN">
+                <a:sym typeface="+mn-ea"/>
+              </a:rPr>
+              <a:t>3</a:t>
+            </a:r>
+            <a:r>
+              <a:rPr lang="zh-CN" altLang="en-US">
+                <a:sym typeface="+mn-ea"/>
+              </a:rPr>
+              <a:t>：vue数据双向绑定是通过数据劫持结合发布者-订阅者模式的方式来实现的，</a:t>
+            </a:r>
+            <a:endParaRPr lang="zh-CN" altLang="en-US"/>
+          </a:p>
+          <a:p>
+            <a:r>
+              <a:rPr lang="zh-CN" altLang="en-US">
+                <a:sym typeface="+mn-ea"/>
+              </a:rPr>
+              <a:t>Object.defineProperty()来实现数据劫持的，它可以来控制一个对象属性的一些特有操作，比如读写权、是否可以枚举</a:t>
+            </a:r>
+            <a:endParaRPr lang="zh-CN" altLang="en-US"/>
+          </a:p>
+        </p:txBody>
+      </p:sp>
+    </p:spTree>
+  </p:cSld>
+  <p:clrMapOvr>
+    <a:masterClrMapping/>
+  </p:clrMapOvr>
+</p:notes>
+</file>
+
+<file path=ppt/notesSlides/notesSlide5.xml><?xml version="1.0" encoding="utf-8"?>
+<p:notes xmlns:a="http://schemas.openxmlformats.org/drawingml/2006/main" xmlns:r="http://schemas.openxmlformats.org/officeDocument/2006/relationships" xmlns:p="http://schemas.openxmlformats.org/presentationml/2006/main">
+  <p:cSld>
+    <p:spTree>
+      <p:nvGrpSpPr>
+        <p:cNvPr id="1" name=""/>
+        <p:cNvGrpSpPr/>
+        <p:nvPr/>
+      </p:nvGrpSpPr>
+      <p:grpSpPr/>
+      <p:sp>
+        <p:nvSpPr>
+          <p:cNvPr id="2" name="幻灯片图像占位符 1"/>
+          <p:cNvSpPr/>
+          <p:nvPr>
+            <p:ph type="sldImg" idx="2"/>
+          </p:nvPr>
+        </p:nvSpPr>
+        <p:spPr/>
+      </p:sp>
+      <p:sp>
+        <p:nvSpPr>
+          <p:cNvPr id="3" name="文本占位符 2"/>
+          <p:cNvSpPr/>
+          <p:nvPr>
+            <p:ph type="body" idx="3"/>
+          </p:nvPr>
+        </p:nvSpPr>
+        <p:spPr/>
+        <p:txBody>
+          <a:bodyPr/>
+          <a:p>
+            <a:r>
+              <a:rPr lang="en-US" altLang="zh-CN" dirty="0">
+                <a:sym typeface="+mn-ea"/>
+              </a:rPr>
+              <a:t>1</a:t>
+            </a:r>
+            <a:r>
+              <a:rPr lang="zh-CN" altLang="en-US" dirty="0">
+                <a:sym typeface="+mn-ea"/>
+              </a:rPr>
+              <a:t>、</a:t>
+            </a:r>
+            <a:r>
+              <a:rPr lang="en-US" altLang="zh-CN" dirty="0">
+                <a:sym typeface="+mn-ea"/>
+              </a:rPr>
+              <a:t>beforeCreate          这个阶段的时候data</a:t>
+            </a:r>
+            <a:r>
+              <a:rPr lang="zh-CN" altLang="en-US" dirty="0">
+                <a:sym typeface="+mn-ea"/>
+              </a:rPr>
+              <a:t>、</a:t>
+            </a:r>
+            <a:r>
+              <a:rPr lang="en-US" altLang="zh-CN" dirty="0">
+                <a:sym typeface="+mn-ea"/>
+              </a:rPr>
+              <a:t>$el</a:t>
+            </a:r>
+            <a:r>
+              <a:rPr lang="zh-CN" altLang="en-US" dirty="0">
+                <a:sym typeface="+mn-ea"/>
+              </a:rPr>
+              <a:t>、</a:t>
+            </a:r>
+            <a:r>
+              <a:rPr lang="en-US" altLang="zh-CN" dirty="0">
+                <a:sym typeface="+mn-ea"/>
+              </a:rPr>
+              <a:t>method都是拿不到的（通常在实例以外调用）</a:t>
+            </a:r>
+            <a:endParaRPr lang="en-US" altLang="zh-CN" dirty="0"/>
+          </a:p>
+          <a:p>
+            <a:r>
+              <a:rPr lang="en-US" altLang="zh-CN" dirty="0">
+                <a:sym typeface="+mn-ea"/>
+              </a:rPr>
+              <a:t>2</a:t>
+            </a:r>
+            <a:r>
+              <a:rPr lang="zh-CN" altLang="en-US" dirty="0">
+                <a:sym typeface="+mn-ea"/>
+              </a:rPr>
+              <a:t>、</a:t>
+            </a:r>
+            <a:r>
+              <a:rPr lang="en-US" altLang="zh-CN" dirty="0">
+                <a:sym typeface="+mn-ea"/>
+              </a:rPr>
+              <a:t>created                   这个可以调用实例的数据和实例的方法</a:t>
+            </a:r>
+            <a:r>
+              <a:rPr lang="zh-CN" altLang="en-US" dirty="0">
+                <a:sym typeface="+mn-ea"/>
+              </a:rPr>
+              <a:t>，</a:t>
+            </a:r>
+            <a:r>
+              <a:rPr lang="en-US" altLang="zh-CN" dirty="0">
+                <a:sym typeface="+mn-ea"/>
+              </a:rPr>
+              <a:t>但 $el 没有初始化</a:t>
+            </a:r>
+            <a:r>
+              <a:rPr lang="en-US" altLang="zh-CN" dirty="0">
+                <a:sym typeface="+mn-ea"/>
+              </a:rPr>
+              <a:t>（异步请求</a:t>
+            </a:r>
+            <a:r>
+              <a:rPr lang="en-US" altLang="zh-CN" dirty="0">
+                <a:sym typeface="+mn-ea"/>
+              </a:rPr>
+              <a:t>数据</a:t>
+            </a:r>
+            <a:r>
+              <a:rPr lang="en-US" altLang="zh-CN" dirty="0">
+                <a:sym typeface="+mn-ea"/>
+              </a:rPr>
+              <a:t>）</a:t>
+            </a:r>
+            <a:endParaRPr lang="en-US" altLang="zh-CN" dirty="0"/>
+          </a:p>
+          <a:p>
+            <a:r>
+              <a:rPr lang="en-US" altLang="zh-CN" dirty="0">
+                <a:sym typeface="+mn-ea"/>
+              </a:rPr>
+              <a:t>3</a:t>
+            </a:r>
+            <a:r>
+              <a:rPr lang="zh-CN" altLang="en-US" dirty="0">
+                <a:sym typeface="+mn-ea"/>
+              </a:rPr>
+              <a:t>、</a:t>
+            </a:r>
+            <a:r>
+              <a:rPr lang="en-US" altLang="zh-CN" dirty="0">
+                <a:sym typeface="+mn-ea"/>
+              </a:rPr>
+              <a:t>beforeMount          相关的 render 函数首次被调用,data 和 $el 均已存在，但 DOM 为虚拟DOM 仍未完全加载 eg： &lt;div&gt;{{message}}&lt;/div&gt;</a:t>
+            </a:r>
+            <a:endParaRPr lang="en-US" altLang="zh-CN" dirty="0"/>
+          </a:p>
+          <a:p>
+            <a:r>
+              <a:rPr lang="en-US" altLang="zh-CN" dirty="0">
+                <a:sym typeface="+mn-ea"/>
+              </a:rPr>
+              <a:t>4</a:t>
+            </a:r>
+            <a:r>
+              <a:rPr lang="zh-CN" altLang="en-US" dirty="0">
+                <a:sym typeface="+mn-ea"/>
+              </a:rPr>
+              <a:t>、</a:t>
+            </a:r>
+            <a:r>
+              <a:rPr lang="en-US" altLang="zh-CN" dirty="0">
+                <a:sym typeface="+mn-ea"/>
+              </a:rPr>
+              <a:t>mounted                 data 和 $el 均已存在，并且 DOM 加载完成（需要操作dom的方法放这里）</a:t>
+            </a:r>
+            <a:endParaRPr lang="en-US" altLang="zh-CN" dirty="0"/>
+          </a:p>
+          <a:p>
+            <a:r>
+              <a:rPr lang="en-US" altLang="zh-CN" dirty="0">
+                <a:sym typeface="+mn-ea"/>
+              </a:rPr>
+              <a:t>5</a:t>
+            </a:r>
+            <a:r>
+              <a:rPr lang="zh-CN" altLang="en-US" dirty="0">
+                <a:sym typeface="+mn-ea"/>
+              </a:rPr>
+              <a:t>、</a:t>
+            </a:r>
+            <a:r>
+              <a:rPr lang="en-US" altLang="zh-CN" dirty="0">
+                <a:sym typeface="+mn-ea"/>
+              </a:rPr>
+              <a:t>beforeUpdate         渲染完成，并监测到data发生变化，在变化的数据重新渲染视图之前会触发，这也是重新渲染之前最后修改数据的机会</a:t>
+            </a:r>
+            <a:endParaRPr lang="en-US" altLang="zh-CN" dirty="0"/>
+          </a:p>
+          <a:p>
+            <a:r>
+              <a:rPr lang="en-US" altLang="zh-CN" dirty="0">
+                <a:sym typeface="+mn-ea"/>
+              </a:rPr>
+              <a:t>6</a:t>
+            </a:r>
+            <a:r>
+              <a:rPr lang="zh-CN" altLang="en-US" dirty="0">
+                <a:sym typeface="+mn-ea"/>
+              </a:rPr>
+              <a:t>、</a:t>
+            </a:r>
+            <a:r>
+              <a:rPr lang="en-US" altLang="zh-CN" dirty="0">
+                <a:sym typeface="+mn-ea"/>
+              </a:rPr>
+              <a:t>updated	            用于对数据更新做统一处理 （如果想分别区分不同的数据更新，同时进行dom操作就使用$nextTick）</a:t>
+            </a:r>
+            <a:endParaRPr lang="en-US" altLang="zh-CN" dirty="0"/>
+          </a:p>
+          <a:p>
+            <a:r>
+              <a:rPr lang="en-US" altLang="zh-CN" dirty="0">
+                <a:sym typeface="+mn-ea"/>
+              </a:rPr>
+              <a:t>7</a:t>
+            </a:r>
+            <a:r>
+              <a:rPr lang="zh-CN" altLang="en-US" dirty="0">
+                <a:sym typeface="+mn-ea"/>
+              </a:rPr>
+              <a:t>、</a:t>
+            </a:r>
+            <a:r>
+              <a:rPr lang="en-US" altLang="zh-CN" dirty="0">
+                <a:sym typeface="+mn-ea"/>
+              </a:rPr>
+              <a:t>beforeDestroy        实例销毁之前调用 ， 实例仍然完全可用。</a:t>
+            </a:r>
+            <a:endParaRPr lang="en-US" altLang="zh-CN" dirty="0"/>
+          </a:p>
+          <a:p>
+            <a:r>
+              <a:rPr lang="en-US" altLang="zh-CN" dirty="0">
+                <a:sym typeface="+mn-ea"/>
+              </a:rPr>
+              <a:t>8</a:t>
+            </a:r>
+            <a:r>
+              <a:rPr lang="zh-CN" altLang="en-US" dirty="0">
+                <a:sym typeface="+mn-ea"/>
+              </a:rPr>
+              <a:t>、</a:t>
+            </a:r>
+            <a:r>
+              <a:rPr lang="en-US" altLang="zh-CN" dirty="0">
+                <a:sym typeface="+mn-ea"/>
+              </a:rPr>
+              <a:t>destroyed	            实例销毁后调用。调用后，实例指示的所有东西都会解绑定，所有的事件监听器会被移除，所有的子实例也会被销毁。</a:t>
+            </a:r>
+            <a:endParaRPr lang="en-US" altLang="zh-CN" dirty="0"/>
+          </a:p>
+          <a:p>
+            <a:r>
+              <a:rPr lang="en-US" altLang="zh-CN" dirty="0">
+                <a:sym typeface="+mn-ea"/>
+              </a:rPr>
+              <a:t>另外还有 keep-alive 独有的生命周期，分别为 activated 和 deactivated</a:t>
+            </a:r>
+            <a:endParaRPr lang="en-US" altLang="zh-CN" dirty="0"/>
+          </a:p>
+          <a:p>
+            <a:r>
+              <a:rPr lang="en-US" altLang="zh-CN" dirty="0">
+                <a:sym typeface="+mn-ea"/>
+              </a:rPr>
+              <a:t>vm.$mount                  如果 Vue 实例在实例化时没有收到 el 选项，则它处于“未挂载”状态，没有关联的 DOM 元素。可以使用 vm.$mount() 手动地挂载一个未挂载的实例。</a:t>
+            </a:r>
+            <a:endParaRPr lang="en-US" altLang="zh-CN" dirty="0"/>
+          </a:p>
+          <a:p>
+            <a:r>
+              <a:rPr lang="en-US" altLang="zh-CN" dirty="0">
+                <a:sym typeface="+mn-ea"/>
+              </a:rPr>
+              <a:t>                                     如果没有提供 elementOrSelector 参数，模板将被渲染为文档之外的的元素，并且你必须使用原生 DOM API 把它插入文档中。</a:t>
+            </a:r>
+            <a:endParaRPr lang="en-US" altLang="zh-CN" dirty="0"/>
+          </a:p>
+          <a:p>
+            <a:r>
+              <a:rPr lang="en-US" altLang="zh-CN" dirty="0">
+                <a:sym typeface="+mn-ea"/>
+              </a:rPr>
+              <a:t>                                     这个方法返回实例自身，因而可以链式调用其它实例方法。</a:t>
+            </a:r>
+            <a:endParaRPr lang="en-US" altLang="zh-CN" dirty="0"/>
+          </a:p>
+          <a:p>
+            <a:r>
+              <a:rPr lang="en-US" altLang="zh-CN" dirty="0">
+                <a:sym typeface="+mn-ea"/>
+              </a:rPr>
+              <a:t>vm.$nextTick               将回调延迟到下次 DOM 更新循环之后执行。在修改数据之后立即使用它，然后等待 DOM 更新。它跟全局方法 Vue.nextTick 一样，不同的是回调的 this 自动绑定到调用它的实例上。</a:t>
+            </a:r>
+            <a:endParaRPr lang="en-US" altLang="zh-CN" dirty="0"/>
+          </a:p>
+          <a:p>
+            <a:r>
+              <a:rPr lang="en-US" altLang="zh-CN" dirty="0">
+                <a:sym typeface="+mn-ea"/>
+              </a:rPr>
+              <a:t>vm.$forceUpdate        迫使 Vue 实例重新渲染。注意它仅仅影响实例本身和插入插槽内容的子组件，而不是所有子组件。</a:t>
+            </a:r>
+            <a:endParaRPr lang="en-US" altLang="zh-CN" dirty="0"/>
+          </a:p>
+          <a:p>
+            <a:r>
+              <a:rPr lang="en-US" altLang="zh-CN" dirty="0">
+                <a:sym typeface="+mn-ea"/>
+              </a:rPr>
+              <a:t>vm.$destroy                完全销毁一个实例。清理它与其它实例的连接，解绑它的全部指令及事件监听器。触发 beforeDestroy 和 destroyed 的钩子。</a:t>
+            </a:r>
+            <a:endParaRPr lang="en-US" altLang="zh-CN" dirty="0"/>
+          </a:p>
+          <a:p>
+            <a:endParaRPr lang="zh-CN" altLang="en-US"/>
+          </a:p>
+        </p:txBody>
+      </p:sp>
+    </p:spTree>
+  </p:cSld>
+  <p:clrMapOvr>
+    <a:masterClrMapping/>
+  </p:clrMapOvr>
+</p:notes>
+</file>
+
+<file path=ppt/notesSlides/notesSlide6.xml><?xml version="1.0" encoding="utf-8"?>
+<p:notes xmlns:a="http://schemas.openxmlformats.org/drawingml/2006/main" xmlns:r="http://schemas.openxmlformats.org/officeDocument/2006/relationships" xmlns:p="http://schemas.openxmlformats.org/presentationml/2006/main">
+  <p:cSld>
+    <p:spTree>
+      <p:nvGrpSpPr>
+        <p:cNvPr id="1" name=""/>
+        <p:cNvGrpSpPr/>
+        <p:nvPr/>
+      </p:nvGrpSpPr>
+      <p:grpSpPr/>
+      <p:sp>
+        <p:nvSpPr>
+          <p:cNvPr id="2" name="幻灯片图像占位符 1"/>
+          <p:cNvSpPr/>
+          <p:nvPr>
+            <p:ph type="sldImg" idx="2"/>
+          </p:nvPr>
+        </p:nvSpPr>
+        <p:spPr/>
+      </p:sp>
+      <p:sp>
+        <p:nvSpPr>
+          <p:cNvPr id="3" name="文本占位符 2"/>
+          <p:cNvSpPr/>
+          <p:nvPr>
+            <p:ph type="body" idx="3"/>
+          </p:nvPr>
+        </p:nvSpPr>
+        <p:spPr/>
+        <p:txBody>
+          <a:bodyPr/>
+          <a:p>
+            <a:r>
+              <a:rPr lang="zh-CN" altLang="en-US"/>
+              <a:t>程序 </a:t>
+            </a:r>
+            <a:r>
+              <a:rPr lang="en-US" altLang="zh-CN"/>
+              <a:t>= </a:t>
+            </a:r>
+            <a:r>
+              <a:rPr lang="zh-CN" altLang="en-US"/>
+              <a:t>数据结构 </a:t>
+            </a:r>
+            <a:r>
+              <a:rPr lang="en-US" altLang="zh-CN"/>
+              <a:t>+ </a:t>
+            </a:r>
+            <a:r>
+              <a:rPr lang="zh-CN" altLang="en-US"/>
+              <a:t>算法。在前段并不这么纯粹 因为前端需要跟界面打交道， </a:t>
+            </a:r>
+            <a:r>
+              <a:rPr lang="en-US" altLang="zh-CN"/>
+              <a:t>html+css</a:t>
+            </a:r>
+            <a:r>
+              <a:rPr lang="zh-CN" altLang="en-US"/>
+              <a:t>并没有被抽象成某种在</a:t>
+            </a:r>
+            <a:r>
+              <a:rPr lang="en-US" altLang="zh-CN"/>
+              <a:t>js</a:t>
+            </a:r>
+            <a:r>
+              <a:rPr lang="zh-CN" altLang="en-US"/>
+              <a:t>中是用的数据结构。</a:t>
+            </a:r>
+            <a:endParaRPr lang="zh-CN" altLang="en-US"/>
+          </a:p>
+          <a:p>
+            <a:r>
+              <a:rPr lang="en-US" altLang="zh-CN"/>
+              <a:t>jq</a:t>
+            </a:r>
+            <a:r>
+              <a:rPr lang="zh-CN" altLang="en-US"/>
+              <a:t>程序员看待他们的方式就一块块的</a:t>
+            </a:r>
+            <a:r>
+              <a:rPr lang="en-US" altLang="zh-CN"/>
+              <a:t>UI </a:t>
+            </a:r>
+            <a:r>
+              <a:rPr lang="zh-CN" altLang="en-US"/>
+              <a:t>用的时候</a:t>
+            </a:r>
+            <a:r>
+              <a:rPr lang="en-US" altLang="zh-CN"/>
+              <a:t>$</a:t>
+            </a:r>
+            <a:r>
+              <a:rPr lang="zh-CN" altLang="en-US"/>
+              <a:t>一下 获取之后修改。都是零零散散的节点操作。 但这样在</a:t>
+            </a:r>
+            <a:r>
+              <a:rPr lang="en-US" altLang="zh-CN"/>
+              <a:t>UI</a:t>
+            </a:r>
+            <a:r>
+              <a:rPr lang="zh-CN" altLang="en-US"/>
+              <a:t>有联动的时候 如果没有一种机制来管理</a:t>
+            </a:r>
+            <a:r>
+              <a:rPr lang="en-US" altLang="zh-CN"/>
+              <a:t>UI</a:t>
+            </a:r>
+            <a:r>
+              <a:rPr lang="zh-CN" altLang="en-US"/>
+              <a:t>之间的修改 那么依赖程序员自己去手动管理这些</a:t>
+            </a:r>
+            <a:r>
+              <a:rPr lang="en-US" altLang="zh-CN"/>
+              <a:t>UI</a:t>
+            </a:r>
+            <a:r>
+              <a:rPr lang="zh-CN" altLang="en-US"/>
+              <a:t>状态 会让人烦不胜烦。</a:t>
+            </a:r>
+            <a:endParaRPr lang="zh-CN" altLang="en-US"/>
+          </a:p>
+          <a:p>
+            <a:endParaRPr lang="zh-CN" altLang="en-US"/>
+          </a:p>
+          <a:p>
+            <a:r>
+              <a:rPr lang="zh-CN" altLang="en-US"/>
+              <a:t>程序眼 </a:t>
+            </a:r>
+            <a:r>
+              <a:rPr lang="en-US" altLang="zh-CN"/>
+              <a:t>= </a:t>
+            </a:r>
+            <a:r>
+              <a:rPr lang="zh-CN" altLang="en-US"/>
+              <a:t>拼界面 </a:t>
+            </a:r>
+            <a:r>
+              <a:rPr lang="en-US" altLang="zh-CN"/>
+              <a:t>+ </a:t>
+            </a:r>
+            <a:r>
+              <a:rPr lang="zh-CN" altLang="en-US"/>
+              <a:t>操作</a:t>
+            </a:r>
+            <a:r>
+              <a:rPr lang="en-US" altLang="zh-CN"/>
+              <a:t>UI + </a:t>
+            </a:r>
+            <a:r>
+              <a:rPr lang="zh-CN" altLang="en-US"/>
+              <a:t>算法</a:t>
+            </a:r>
+            <a:endParaRPr lang="zh-CN" altLang="en-US"/>
+          </a:p>
+          <a:p>
+            <a:endParaRPr lang="zh-CN" altLang="en-US"/>
+          </a:p>
+          <a:p>
+            <a:endParaRPr lang="zh-CN" altLang="en-US"/>
+          </a:p>
+          <a:p>
+            <a:endParaRPr lang="zh-CN" altLang="en-US"/>
+          </a:p>
+        </p:txBody>
+      </p:sp>
+    </p:spTree>
+  </p:cSld>
+  <p:clrMapOvr>
+    <a:masterClrMapping/>
+  </p:clrMapOvr>
+</p:notes>
+</file>
+
+<file path=ppt/notesSlides/notesSlide7.xml><?xml version="1.0" encoding="utf-8"?>
 <p:notes xmlns:a="http://schemas.openxmlformats.org/drawingml/2006/main" xmlns:r="http://schemas.openxmlformats.org/officeDocument/2006/relationships" xmlns:p="http://schemas.openxmlformats.org/presentationml/2006/main">
   <p:cSld>
     <p:spTree>
@@ -6255,17 +6613,10 @@
         <p:cNvGrpSpPr/>
         <p:nvPr/>
       </p:nvGrpSpPr>
-      <p:grpSpPr>
-        <a:xfrm>
-          <a:off x="0" y="0"/>
-          <a:ext cx="0" cy="0"/>
-          <a:chOff x="0" y="0"/>
-          <a:chExt cx="0" cy="0"/>
-        </a:xfrm>
-      </p:grpSpPr>
-      <p:sp>
-        <p:nvSpPr>
-          <p:cNvPr id="4" name="标题 3"/>
+      <p:grpSpPr/>
+      <p:sp>
+        <p:nvSpPr>
+          <p:cNvPr id="2" name="标题 1"/>
           <p:cNvSpPr>
             <a:spLocks noGrp="1"/>
           </p:cNvSpPr>
@@ -6273,126 +6624,13 @@
             <p:ph type="title"/>
           </p:nvPr>
         </p:nvSpPr>
-        <p:spPr>
-          <a:xfrm>
-            <a:off x="0" y="3989388"/>
-            <a:ext cx="9144000" cy="954087"/>
-          </a:xfrm>
-        </p:spPr>
-        <p:txBody>
-          <a:bodyPr rtlCol="0"/>
-          <a:lstStyle/>
-          <a:p>
-            <a:pPr eaLnBrk="1" fontAlgn="auto" hangingPunct="1">
-              <a:spcAft>
-                <a:spcPts val="0"/>
-              </a:spcAft>
-              <a:defRPr/>
-            </a:pPr>
-            <a:r>
-              <a:rPr lang="zh-CN" altLang="en-US" dirty="0" smtClean="0"/>
-              <a:t>谢 谢</a:t>
-            </a:r>
-            <a:endParaRPr lang="zh-CN" altLang="en-US" dirty="0"/>
-          </a:p>
-        </p:txBody>
-      </p:sp>
-    </p:spTree>
-  </p:cSld>
-  <p:clrMapOvr>
-    <a:masterClrMapping/>
-  </p:clrMapOvr>
-  <p:timing>
-    <p:tnLst>
-      <p:par>
-        <p:cTn id="1" dur="indefinite" restart="never" nodeType="tmRoot"/>
-      </p:par>
-    </p:tnLst>
-  </p:timing>
-</p:sld>
-</file>
-
-<file path=ppt/slides/slide2.xml><?xml version="1.0" encoding="utf-8"?>
-<p:sld xmlns:a="http://schemas.openxmlformats.org/drawingml/2006/main" xmlns:r="http://schemas.openxmlformats.org/officeDocument/2006/relationships" xmlns:p="http://schemas.openxmlformats.org/presentationml/2006/main">
-  <p:cSld>
-    <p:spTree>
-      <p:nvGrpSpPr>
-        <p:cNvPr id="1" name=""/>
-        <p:cNvGrpSpPr/>
-        <p:nvPr/>
-      </p:nvGrpSpPr>
-      <p:grpSpPr/>
-      <p:sp>
-        <p:nvSpPr>
-          <p:cNvPr id="2" name="标题 1"/>
-          <p:cNvSpPr>
-            <a:spLocks noGrp="1"/>
-          </p:cNvSpPr>
-          <p:nvPr>
-            <p:ph type="title"/>
-          </p:nvPr>
-        </p:nvSpPr>
         <p:spPr/>
         <p:txBody>
           <a:bodyPr/>
           <a:p>
             <a:r>
               <a:rPr lang="zh-CN" altLang="en-US"/>
-              <a:t>开场</a:t>
-            </a:r>
-            <a:endParaRPr lang="zh-CN" altLang="en-US"/>
-          </a:p>
-        </p:txBody>
-      </p:sp>
-      <p:sp>
-        <p:nvSpPr>
-          <p:cNvPr id="3" name="内容占位符 2"/>
-          <p:cNvSpPr>
-            <a:spLocks noGrp="1"/>
-          </p:cNvSpPr>
-          <p:nvPr>
-            <p:ph idx="1"/>
-          </p:nvPr>
-        </p:nvSpPr>
-        <p:spPr/>
-        <p:txBody>
-          <a:bodyPr/>
-          <a:p>
-            <a:r>
-              <a:rPr lang="zh-CN" altLang="en-US"/>
-              <a:t>首先 感谢大家主（被）动（动）的放弃大好的周末休息时间。来学习知识                             </a:t>
-            </a:r>
-            <a:endParaRPr lang="zh-CN" altLang="en-US"/>
-          </a:p>
-          <a:p>
-            <a:endParaRPr lang="zh-CN" altLang="en-US"/>
-          </a:p>
-          <a:p>
-            <a:endParaRPr lang="zh-CN" altLang="en-US"/>
-          </a:p>
-          <a:p>
-            <a:endParaRPr lang="zh-CN" altLang="en-US"/>
-          </a:p>
-          <a:p>
-            <a:endParaRPr lang="zh-CN" altLang="en-US"/>
-          </a:p>
-          <a:p>
-            <a:endParaRPr lang="zh-CN" altLang="en-US"/>
-          </a:p>
-          <a:p>
-            <a:pPr marL="0" indent="0">
-              <a:buNone/>
-            </a:pPr>
-            <a:r>
-              <a:rPr lang="zh-CN" altLang="en-US"/>
-              <a:t>         </a:t>
-            </a:r>
-            <a:endParaRPr lang="zh-CN" altLang="en-US"/>
-          </a:p>
-          <a:p>
-            <a:r>
-              <a:rPr lang="zh-CN" altLang="en-US"/>
-              <a:t> 谢谢大家</a:t>
+              <a:t>数据驱动</a:t>
             </a:r>
             <a:endParaRPr lang="zh-CN" altLang="en-US"/>
           </a:p>
@@ -6448,11 +6686,13 @@
       </p:sp>
       <p:pic>
         <p:nvPicPr>
-          <p:cNvPr id="8" name="图片 7"/>
+          <p:cNvPr id="6" name="内容占位符 5"/>
           <p:cNvPicPr>
             <a:picLocks noChangeAspect="1"/>
           </p:cNvPicPr>
-          <p:nvPr/>
+          <p:nvPr>
+            <p:ph idx="1"/>
+          </p:nvPr>
         </p:nvPicPr>
         <p:blipFill>
           <a:blip r:embed="rId1"/>
@@ -6462,8 +6702,8 @@
         </p:blipFill>
         <p:spPr>
           <a:xfrm>
-            <a:off x="5330825" y="2790825"/>
-            <a:ext cx="3375660" cy="3517900"/>
+            <a:off x="1204595" y="1062990"/>
+            <a:ext cx="6877050" cy="5162550"/>
           </a:xfrm>
           <a:prstGeom prst="rect">
             <a:avLst/>
@@ -6478,1184 +6718,7 @@
 </p:sld>
 </file>
 
-<file path=ppt/slides/slide3.xml><?xml version="1.0" encoding="utf-8"?>
-<p:sld xmlns:a="http://schemas.openxmlformats.org/drawingml/2006/main" xmlns:r="http://schemas.openxmlformats.org/officeDocument/2006/relationships" xmlns:p="http://schemas.openxmlformats.org/presentationml/2006/main">
-  <p:cSld>
-    <p:spTree>
-      <p:nvGrpSpPr>
-        <p:cNvPr id="1" name=""/>
-        <p:cNvGrpSpPr/>
-        <p:nvPr/>
-      </p:nvGrpSpPr>
-      <p:grpSpPr/>
-      <p:sp>
-        <p:nvSpPr>
-          <p:cNvPr id="2" name="标题 1"/>
-          <p:cNvSpPr>
-            <a:spLocks noGrp="1"/>
-          </p:cNvSpPr>
-          <p:nvPr>
-            <p:ph type="title"/>
-          </p:nvPr>
-        </p:nvSpPr>
-        <p:spPr/>
-        <p:txBody>
-          <a:bodyPr/>
-          <a:p>
-            <a:r>
-              <a:rPr lang="en-US" altLang="zh-CN"/>
-              <a:t>vue</a:t>
-            </a:r>
-            <a:r>
-              <a:rPr lang="zh-CN" altLang="en-US"/>
-              <a:t>知识图谱</a:t>
-            </a:r>
-            <a:endParaRPr lang="zh-CN" altLang="en-US"/>
-          </a:p>
-        </p:txBody>
-      </p:sp>
-      <p:sp>
-        <p:nvSpPr>
-          <p:cNvPr id="4" name="日期占位符 3"/>
-          <p:cNvSpPr>
-            <a:spLocks noGrp="1"/>
-          </p:cNvSpPr>
-          <p:nvPr>
-            <p:ph type="dt" sz="half" idx="10"/>
-          </p:nvPr>
-        </p:nvSpPr>
-        <p:spPr/>
-        <p:txBody>
-          <a:bodyPr/>
-          <a:p>
-            <a:pPr>
-              <a:defRPr/>
-            </a:pPr>
-            <a:fld id="{BDABD382-6269-4314-BED9-F777FF741BD9}" type="datetime1">
-              <a:rPr lang="zh-CN" altLang="en-US"/>
-            </a:fld>
-            <a:endParaRPr lang="zh-CN" altLang="en-US" dirty="0"/>
-          </a:p>
-        </p:txBody>
-      </p:sp>
-      <p:sp>
-        <p:nvSpPr>
-          <p:cNvPr id="5" name="灯片编号占位符 4"/>
-          <p:cNvSpPr>
-            <a:spLocks noGrp="1"/>
-          </p:cNvSpPr>
-          <p:nvPr>
-            <p:ph type="sldNum" sz="quarter" idx="12"/>
-          </p:nvPr>
-        </p:nvSpPr>
-        <p:spPr/>
-        <p:txBody>
-          <a:bodyPr/>
-          <a:p>
-            <a:pPr>
-              <a:defRPr/>
-            </a:pPr>
-            <a:fld id="{24CDF228-198A-44C2-BDC3-8F2BB7497790}" type="slidenum">
-              <a:rPr lang="zh-CN" altLang="en-US"/>
-            </a:fld>
-            <a:endParaRPr lang="zh-CN" altLang="en-US" dirty="0"/>
-          </a:p>
-        </p:txBody>
-      </p:sp>
-      <p:pic>
-        <p:nvPicPr>
-          <p:cNvPr id="6" name="内容占位符 5"/>
-          <p:cNvPicPr>
-            <a:picLocks noChangeAspect="1"/>
-          </p:cNvPicPr>
-          <p:nvPr>
-            <p:ph idx="1"/>
-          </p:nvPr>
-        </p:nvPicPr>
-        <p:blipFill>
-          <a:blip r:embed="rId1"/>
-          <a:stretch>
-            <a:fillRect/>
-          </a:stretch>
-        </p:blipFill>
-        <p:spPr>
-          <a:xfrm>
-            <a:off x="719455" y="1227455"/>
-            <a:ext cx="7848600" cy="4832985"/>
-          </a:xfrm>
-          <a:prstGeom prst="rect">
-            <a:avLst/>
-          </a:prstGeom>
-        </p:spPr>
-      </p:pic>
-    </p:spTree>
-  </p:cSld>
-  <p:clrMapOvr>
-    <a:masterClrMapping/>
-  </p:clrMapOvr>
-</p:sld>
-</file>
-
-<file path=ppt/slides/slide4.xml><?xml version="1.0" encoding="utf-8"?>
-<p:sld xmlns:a="http://schemas.openxmlformats.org/drawingml/2006/main" xmlns:r="http://schemas.openxmlformats.org/officeDocument/2006/relationships" xmlns:p="http://schemas.openxmlformats.org/presentationml/2006/main">
-  <p:cSld>
-    <p:spTree>
-      <p:nvGrpSpPr>
-        <p:cNvPr id="1" name=""/>
-        <p:cNvGrpSpPr/>
-        <p:nvPr/>
-      </p:nvGrpSpPr>
-      <p:grpSpPr/>
-      <p:sp>
-        <p:nvSpPr>
-          <p:cNvPr id="2" name="标题 1"/>
-          <p:cNvSpPr>
-            <a:spLocks noGrp="1"/>
-          </p:cNvSpPr>
-          <p:nvPr>
-            <p:ph type="title"/>
-          </p:nvPr>
-        </p:nvSpPr>
-        <p:spPr/>
-        <p:txBody>
-          <a:bodyPr/>
-          <a:p>
-            <a:r>
-              <a:rPr lang="zh-CN" altLang="en-US"/>
-              <a:t>通过培训 能提升什么</a:t>
-            </a:r>
-            <a:endParaRPr lang="zh-CN" altLang="en-US"/>
-          </a:p>
-        </p:txBody>
-      </p:sp>
-      <p:sp>
-        <p:nvSpPr>
-          <p:cNvPr id="3" name="内容占位符 2"/>
-          <p:cNvSpPr>
-            <a:spLocks noGrp="1"/>
-          </p:cNvSpPr>
-          <p:nvPr>
-            <p:ph idx="1"/>
-          </p:nvPr>
-        </p:nvSpPr>
-        <p:spPr>
-          <a:xfrm>
-            <a:off x="719572" y="908973"/>
-            <a:ext cx="7848872" cy="5328592"/>
-          </a:xfrm>
-        </p:spPr>
-        <p:txBody>
-          <a:bodyPr/>
-          <a:p>
-            <a:r>
-              <a:rPr lang="zh-CN" altLang="en-US">
-                <a:sym typeface="+mn-ea"/>
-              </a:rPr>
-              <a:t>了解前端项目结构</a:t>
-            </a:r>
-            <a:endParaRPr lang="zh-CN" altLang="en-US">
-              <a:sym typeface="+mn-ea"/>
-            </a:endParaRPr>
-          </a:p>
-          <a:p>
-            <a:r>
-              <a:rPr lang="zh-CN" altLang="en-US">
-                <a:sym typeface="+mn-ea"/>
-              </a:rPr>
-              <a:t>修改</a:t>
-            </a:r>
-            <a:r>
-              <a:rPr lang="en-US" altLang="zh-CN">
-                <a:sym typeface="+mn-ea"/>
-              </a:rPr>
-              <a:t>&amp;</a:t>
-            </a:r>
-            <a:r>
-              <a:rPr lang="zh-CN" altLang="en-US">
-                <a:sym typeface="+mn-ea"/>
-              </a:rPr>
-              <a:t>开发前端模块</a:t>
-            </a:r>
-            <a:endParaRPr lang="zh-CN" altLang="en-US">
-              <a:sym typeface="+mn-ea"/>
-            </a:endParaRPr>
-          </a:p>
-          <a:p>
-            <a:r>
-              <a:rPr lang="zh-CN" altLang="en-US">
-                <a:sym typeface="+mn-ea"/>
-              </a:rPr>
-              <a:t>了解组件化</a:t>
-            </a:r>
-            <a:endParaRPr lang="zh-CN" altLang="en-US">
-              <a:sym typeface="+mn-ea"/>
-            </a:endParaRPr>
-          </a:p>
-          <a:p>
-            <a:r>
-              <a:rPr lang="zh-CN" altLang="en-US">
-                <a:sym typeface="+mn-ea"/>
-              </a:rPr>
-              <a:t>修改问题能快速定位源代码</a:t>
-            </a:r>
-            <a:endParaRPr lang="zh-CN" altLang="en-US">
-              <a:sym typeface="+mn-ea"/>
-            </a:endParaRPr>
-          </a:p>
-          <a:p>
-            <a:r>
-              <a:rPr lang="en-US" altLang="zh-CN">
-                <a:sym typeface="+mn-ea"/>
-              </a:rPr>
-              <a:t>LESS</a:t>
-            </a:r>
-            <a:endParaRPr lang="en-US" altLang="zh-CN">
-              <a:sym typeface="+mn-ea"/>
-            </a:endParaRPr>
-          </a:p>
-          <a:p>
-            <a:r>
-              <a:rPr lang="zh-CN" altLang="en-US">
-                <a:sym typeface="+mn-ea"/>
-              </a:rPr>
-              <a:t>基础</a:t>
-            </a:r>
-            <a:r>
-              <a:rPr lang="en-US" altLang="zh-CN">
-                <a:sym typeface="+mn-ea"/>
-              </a:rPr>
-              <a:t>vue</a:t>
-            </a:r>
-            <a:r>
-              <a:rPr lang="zh-CN" altLang="en-US">
-                <a:sym typeface="+mn-ea"/>
-              </a:rPr>
-              <a:t>指令</a:t>
-            </a:r>
-            <a:endParaRPr lang="zh-CN" altLang="en-US">
-              <a:sym typeface="+mn-ea"/>
-            </a:endParaRPr>
-          </a:p>
-          <a:p>
-            <a:pPr marL="0" indent="0">
-              <a:buNone/>
-            </a:pPr>
-            <a:endParaRPr lang="zh-CN" altLang="en-US"/>
-          </a:p>
-          <a:p>
-            <a:endParaRPr lang="zh-CN" altLang="en-US"/>
-          </a:p>
-        </p:txBody>
-      </p:sp>
-      <p:sp>
-        <p:nvSpPr>
-          <p:cNvPr id="4" name="日期占位符 3"/>
-          <p:cNvSpPr>
-            <a:spLocks noGrp="1"/>
-          </p:cNvSpPr>
-          <p:nvPr>
-            <p:ph type="dt" sz="half" idx="10"/>
-          </p:nvPr>
-        </p:nvSpPr>
-        <p:spPr/>
-        <p:txBody>
-          <a:bodyPr/>
-          <a:p>
-            <a:pPr>
-              <a:defRPr/>
-            </a:pPr>
-            <a:fld id="{BDABD382-6269-4314-BED9-F777FF741BD9}" type="datetime1">
-              <a:rPr lang="zh-CN" altLang="en-US"/>
-            </a:fld>
-            <a:endParaRPr lang="zh-CN" altLang="en-US" dirty="0"/>
-          </a:p>
-        </p:txBody>
-      </p:sp>
-      <p:sp>
-        <p:nvSpPr>
-          <p:cNvPr id="5" name="灯片编号占位符 4"/>
-          <p:cNvSpPr>
-            <a:spLocks noGrp="1"/>
-          </p:cNvSpPr>
-          <p:nvPr>
-            <p:ph type="sldNum" sz="quarter" idx="12"/>
-          </p:nvPr>
-        </p:nvSpPr>
-        <p:spPr/>
-        <p:txBody>
-          <a:bodyPr/>
-          <a:p>
-            <a:pPr>
-              <a:defRPr/>
-            </a:pPr>
-            <a:fld id="{24CDF228-198A-44C2-BDC3-8F2BB7497790}" type="slidenum">
-              <a:rPr lang="zh-CN" altLang="en-US"/>
-            </a:fld>
-            <a:endParaRPr lang="zh-CN" altLang="en-US" dirty="0"/>
-          </a:p>
-        </p:txBody>
-      </p:sp>
-    </p:spTree>
-  </p:cSld>
-  <p:clrMapOvr>
-    <a:masterClrMapping/>
-  </p:clrMapOvr>
-</p:sld>
-</file>
-
-<file path=ppt/slides/slide5.xml><?xml version="1.0" encoding="utf-8"?>
-<p:sld xmlns:a="http://schemas.openxmlformats.org/drawingml/2006/main" xmlns:r="http://schemas.openxmlformats.org/officeDocument/2006/relationships" xmlns:p="http://schemas.openxmlformats.org/presentationml/2006/main">
-  <p:cSld>
-    <p:spTree>
-      <p:nvGrpSpPr>
-        <p:cNvPr id="1" name=""/>
-        <p:cNvGrpSpPr/>
-        <p:nvPr/>
-      </p:nvGrpSpPr>
-      <p:grpSpPr/>
-      <p:sp>
-        <p:nvSpPr>
-          <p:cNvPr id="2" name="标题 1"/>
-          <p:cNvSpPr>
-            <a:spLocks noGrp="1"/>
-          </p:cNvSpPr>
-          <p:nvPr>
-            <p:ph type="title"/>
-          </p:nvPr>
-        </p:nvSpPr>
-        <p:spPr/>
-        <p:txBody>
-          <a:bodyPr/>
-          <a:p>
-            <a:r>
-              <a:rPr lang="zh-CN" altLang="en-US"/>
-              <a:t>一个前端项目都需要什么</a:t>
-            </a:r>
-            <a:endParaRPr lang="zh-CN" altLang="en-US"/>
-          </a:p>
-        </p:txBody>
-      </p:sp>
-      <p:sp>
-        <p:nvSpPr>
-          <p:cNvPr id="3" name="内容占位符 2"/>
-          <p:cNvSpPr>
-            <a:spLocks noGrp="1"/>
-          </p:cNvSpPr>
-          <p:nvPr>
-            <p:ph idx="1"/>
-          </p:nvPr>
-        </p:nvSpPr>
-        <p:spPr/>
-        <p:txBody>
-          <a:bodyPr/>
-          <a:p>
-            <a:pPr algn="l" eaLnBrk="1" hangingPunct="1">
-              <a:lnSpc>
-                <a:spcPct val="150000"/>
-              </a:lnSpc>
-            </a:pPr>
-            <a:r>
-              <a:rPr altLang="zh-CN" sz="1200">
-                <a:solidFill>
-                  <a:schemeClr val="tx1"/>
-                </a:solidFill>
-                <a:effectLst>
-                  <a:outerShdw blurRad="38100" dist="38100" dir="2700000" algn="tl">
-                    <a:srgbClr val="C0C0C0"/>
-                  </a:outerShdw>
-                </a:effectLst>
-                <a:sym typeface="+mn-ea"/>
-              </a:rPr>
-              <a:t>vue.js 核心，不解释。</a:t>
-            </a:r>
-            <a:endParaRPr altLang="zh-CN" sz="1200" noProof="1">
-              <a:solidFill>
-                <a:schemeClr val="tx1"/>
-              </a:solidFill>
-              <a:effectLst>
-                <a:outerShdw blurRad="38100" dist="38100" dir="2700000" algn="tl">
-                  <a:srgbClr val="C0C0C0"/>
-                </a:outerShdw>
-              </a:effectLst>
-            </a:endParaRPr>
-          </a:p>
-          <a:p>
-            <a:pPr algn="l" eaLnBrk="1" hangingPunct="1">
-              <a:lnSpc>
-                <a:spcPct val="150000"/>
-              </a:lnSpc>
-            </a:pPr>
-            <a:r>
-              <a:rPr altLang="zh-CN" sz="1200">
-                <a:solidFill>
-                  <a:schemeClr val="tx1"/>
-                </a:solidFill>
-                <a:effectLst>
-                  <a:outerShdw blurRad="38100" dist="38100" dir="2700000" algn="tl">
-                    <a:srgbClr val="C0C0C0"/>
-                  </a:outerShdw>
-                </a:effectLst>
-                <a:sym typeface="+mn-ea"/>
-              </a:rPr>
-              <a:t>VueRouter2 实现路由组织工具。</a:t>
-            </a:r>
-            <a:endParaRPr altLang="zh-CN" sz="1200" noProof="1">
-              <a:solidFill>
-                <a:schemeClr val="tx1"/>
-              </a:solidFill>
-              <a:effectLst>
-                <a:outerShdw blurRad="38100" dist="38100" dir="2700000" algn="tl">
-                  <a:srgbClr val="C0C0C0"/>
-                </a:outerShdw>
-              </a:effectLst>
-            </a:endParaRPr>
-          </a:p>
-          <a:p>
-            <a:pPr algn="l" eaLnBrk="1" hangingPunct="1">
-              <a:lnSpc>
-                <a:spcPct val="150000"/>
-              </a:lnSpc>
-            </a:pPr>
-            <a:r>
-              <a:rPr altLang="zh-CN" sz="1200">
-                <a:solidFill>
-                  <a:schemeClr val="tx1"/>
-                </a:solidFill>
-                <a:effectLst>
-                  <a:outerShdw blurRad="38100" dist="38100" dir="2700000" algn="tl">
-                    <a:srgbClr val="C0C0C0"/>
-                  </a:outerShdw>
-                </a:effectLst>
-                <a:sym typeface="+mn-ea"/>
-              </a:rPr>
-              <a:t>webpack 项目打包以及编译工具。</a:t>
-            </a:r>
-            <a:endParaRPr altLang="zh-CN" sz="1200" noProof="1">
-              <a:solidFill>
-                <a:schemeClr val="tx1"/>
-              </a:solidFill>
-              <a:effectLst>
-                <a:outerShdw blurRad="38100" dist="38100" dir="2700000" algn="tl">
-                  <a:srgbClr val="C0C0C0"/>
-                </a:outerShdw>
-              </a:effectLst>
-            </a:endParaRPr>
-          </a:p>
-          <a:p>
-            <a:pPr algn="l" eaLnBrk="1" hangingPunct="1">
-              <a:lnSpc>
-                <a:spcPct val="150000"/>
-              </a:lnSpc>
-            </a:pPr>
-            <a:r>
-              <a:rPr altLang="zh-CN" sz="1200">
-                <a:solidFill>
-                  <a:schemeClr val="tx1"/>
-                </a:solidFill>
-                <a:effectLst>
-                  <a:outerShdw blurRad="38100" dist="38100" dir="2700000" algn="tl">
-                    <a:srgbClr val="C0C0C0"/>
-                  </a:outerShdw>
-                </a:effectLst>
-                <a:sym typeface="+mn-ea"/>
-              </a:rPr>
-              <a:t>nodejs 前端开发环境。</a:t>
-            </a:r>
-            <a:endParaRPr altLang="zh-CN" sz="1200" noProof="1">
-              <a:solidFill>
-                <a:schemeClr val="tx1"/>
-              </a:solidFill>
-              <a:effectLst>
-                <a:outerShdw blurRad="38100" dist="38100" dir="2700000" algn="tl">
-                  <a:srgbClr val="C0C0C0"/>
-                </a:outerShdw>
-              </a:effectLst>
-            </a:endParaRPr>
-          </a:p>
-          <a:p>
-            <a:pPr algn="l" eaLnBrk="1" hangingPunct="1">
-              <a:lnSpc>
-                <a:spcPct val="150000"/>
-              </a:lnSpc>
-            </a:pPr>
-            <a:r>
-              <a:rPr altLang="zh-CN" sz="1200">
-                <a:solidFill>
-                  <a:schemeClr val="tx1"/>
-                </a:solidFill>
-                <a:effectLst>
-                  <a:outerShdw blurRad="38100" dist="38100" dir="2700000" algn="tl">
-                    <a:srgbClr val="C0C0C0"/>
-                  </a:outerShdw>
-                </a:effectLst>
-                <a:sym typeface="+mn-ea"/>
-              </a:rPr>
-              <a:t>npm 前端包管理器。</a:t>
-            </a:r>
-            <a:endParaRPr altLang="zh-CN" sz="1200" noProof="1">
-              <a:solidFill>
-                <a:schemeClr val="tx1"/>
-              </a:solidFill>
-              <a:effectLst>
-                <a:outerShdw blurRad="38100" dist="38100" dir="2700000" algn="tl">
-                  <a:srgbClr val="C0C0C0"/>
-                </a:outerShdw>
-              </a:effectLst>
-            </a:endParaRPr>
-          </a:p>
-          <a:p>
-            <a:pPr algn="l" eaLnBrk="1" hangingPunct="1">
-              <a:lnSpc>
-                <a:spcPct val="150000"/>
-              </a:lnSpc>
-            </a:pPr>
-            <a:r>
-              <a:rPr altLang="zh-CN" sz="1200">
-                <a:solidFill>
-                  <a:schemeClr val="tx1"/>
-                </a:solidFill>
-                <a:effectLst>
-                  <a:outerShdw blurRad="38100" dist="38100" dir="2700000" algn="tl">
-                    <a:srgbClr val="C0C0C0"/>
-                  </a:outerShdw>
-                </a:effectLst>
-                <a:sym typeface="+mn-ea"/>
-              </a:rPr>
-              <a:t>axios ajax  </a:t>
-            </a:r>
-            <a:r>
-              <a:rPr lang="en-US" sz="1200">
-                <a:solidFill>
-                  <a:schemeClr val="tx1"/>
-                </a:solidFill>
-                <a:effectLst>
-                  <a:outerShdw blurRad="38100" dist="38100" dir="2700000" algn="tl">
-                    <a:srgbClr val="C0C0C0"/>
-                  </a:outerShdw>
-                </a:effectLst>
-                <a:sym typeface="+mn-ea"/>
-              </a:rPr>
-              <a:t>fetch $http </a:t>
-            </a:r>
-            <a:r>
-              <a:rPr altLang="zh-CN" sz="1200">
-                <a:solidFill>
-                  <a:schemeClr val="tx1"/>
-                </a:solidFill>
-                <a:effectLst>
-                  <a:outerShdw blurRad="38100" dist="38100" dir="2700000" algn="tl">
-                    <a:srgbClr val="C0C0C0"/>
-                  </a:outerShdw>
-                </a:effectLst>
-                <a:sym typeface="+mn-ea"/>
-              </a:rPr>
-              <a:t>接口请求工具。</a:t>
-            </a:r>
-            <a:endParaRPr altLang="zh-CN" sz="1200" noProof="1">
-              <a:solidFill>
-                <a:schemeClr val="tx1"/>
-              </a:solidFill>
-              <a:effectLst>
-                <a:outerShdw blurRad="38100" dist="38100" dir="2700000" algn="tl">
-                  <a:srgbClr val="C0C0C0"/>
-                </a:outerShdw>
-              </a:effectLst>
-            </a:endParaRPr>
-          </a:p>
-          <a:p>
-            <a:pPr algn="l" eaLnBrk="1" hangingPunct="1">
-              <a:lnSpc>
-                <a:spcPct val="150000"/>
-              </a:lnSpc>
-            </a:pPr>
-            <a:r>
-              <a:rPr altLang="zh-CN" sz="1200">
-                <a:solidFill>
-                  <a:schemeClr val="tx1"/>
-                </a:solidFill>
-                <a:effectLst>
-                  <a:outerShdw blurRad="38100" dist="38100" dir="2700000" algn="tl">
-                    <a:srgbClr val="C0C0C0"/>
-                  </a:outerShdw>
-                </a:effectLst>
-                <a:sym typeface="+mn-ea"/>
-              </a:rPr>
-              <a:t>sass </a:t>
-            </a:r>
-            <a:r>
-              <a:rPr lang="zh-CN" sz="1200">
-                <a:solidFill>
-                  <a:schemeClr val="tx1"/>
-                </a:solidFill>
-                <a:effectLst>
-                  <a:outerShdw blurRad="38100" dist="38100" dir="2700000" algn="tl">
-                    <a:srgbClr val="C0C0C0"/>
-                  </a:outerShdw>
-                </a:effectLst>
-                <a:sym typeface="+mn-ea"/>
-              </a:rPr>
-              <a:t>或</a:t>
-            </a:r>
-            <a:r>
-              <a:rPr altLang="zh-CN" sz="1200">
-                <a:solidFill>
-                  <a:schemeClr val="tx1"/>
-                </a:solidFill>
-                <a:effectLst>
-                  <a:outerShdw blurRad="38100" dist="38100" dir="2700000" algn="tl">
-                    <a:srgbClr val="C0C0C0"/>
-                  </a:outerShdw>
-                </a:effectLst>
-                <a:sym typeface="+mn-ea"/>
-              </a:rPr>
-              <a:t> </a:t>
-            </a:r>
-            <a:r>
-              <a:rPr lang="en-US" altLang="x-none" sz="1200" dirty="0">
-                <a:solidFill>
-                  <a:schemeClr val="tx1"/>
-                </a:solidFill>
-                <a:effectLst>
-                  <a:outerShdw blurRad="38100" dist="38100" dir="2700000" algn="tl">
-                    <a:srgbClr val="C0C0C0"/>
-                  </a:outerShdw>
-                </a:effectLst>
-                <a:sym typeface="+mn-ea"/>
-              </a:rPr>
-              <a:t>less</a:t>
-            </a:r>
-            <a:r>
-              <a:rPr altLang="zh-CN" sz="1200">
-                <a:solidFill>
-                  <a:schemeClr val="tx1"/>
-                </a:solidFill>
-                <a:effectLst>
-                  <a:outerShdw blurRad="38100" dist="38100" dir="2700000" algn="tl">
-                    <a:srgbClr val="C0C0C0"/>
-                  </a:outerShdw>
-                </a:effectLst>
-                <a:sym typeface="+mn-ea"/>
-              </a:rPr>
-              <a:t> css 预处理。</a:t>
-            </a:r>
-            <a:endParaRPr altLang="zh-CN" sz="1200" noProof="1">
-              <a:solidFill>
-                <a:schemeClr val="tx1"/>
-              </a:solidFill>
-              <a:effectLst>
-                <a:outerShdw blurRad="38100" dist="38100" dir="2700000" algn="tl">
-                  <a:srgbClr val="C0C0C0"/>
-                </a:outerShdw>
-              </a:effectLst>
-            </a:endParaRPr>
-          </a:p>
-          <a:p>
-            <a:pPr algn="l" eaLnBrk="1" hangingPunct="1">
-              <a:lnSpc>
-                <a:spcPct val="150000"/>
-              </a:lnSpc>
-            </a:pPr>
-            <a:r>
-              <a:rPr altLang="zh-CN" sz="1200">
-                <a:solidFill>
-                  <a:schemeClr val="tx1"/>
-                </a:solidFill>
-                <a:effectLst>
-                  <a:outerShdw blurRad="38100" dist="38100" dir="2700000" algn="tl">
-                    <a:srgbClr val="C0C0C0"/>
-                  </a:outerShdw>
-                </a:effectLst>
-                <a:sym typeface="+mn-ea"/>
-              </a:rPr>
-              <a:t>element 基于 vue 的后台组件库。</a:t>
-            </a:r>
-            <a:endParaRPr altLang="zh-CN" sz="1200">
-              <a:solidFill>
-                <a:schemeClr val="tx1"/>
-              </a:solidFill>
-              <a:effectLst>
-                <a:outerShdw blurRad="38100" dist="38100" dir="2700000" algn="tl">
-                  <a:srgbClr val="C0C0C0"/>
-                </a:outerShdw>
-              </a:effectLst>
-              <a:sym typeface="+mn-ea"/>
-            </a:endParaRPr>
-          </a:p>
-          <a:p>
-            <a:pPr algn="l" eaLnBrk="1" hangingPunct="1">
-              <a:lnSpc>
-                <a:spcPct val="150000"/>
-              </a:lnSpc>
-            </a:pPr>
-            <a:r>
-              <a:rPr lang="en-US" sz="1200">
-                <a:solidFill>
-                  <a:schemeClr val="tx1"/>
-                </a:solidFill>
-                <a:effectLst>
-                  <a:outerShdw blurRad="38100" dist="38100" dir="2700000" algn="tl">
-                    <a:srgbClr val="C0C0C0"/>
-                  </a:outerShdw>
-                </a:effectLst>
-                <a:sym typeface="+mn-ea"/>
-              </a:rPr>
-              <a:t>antD </a:t>
-            </a:r>
-            <a:r>
-              <a:rPr lang="zh-CN" altLang="en-US" sz="1200">
-                <a:solidFill>
-                  <a:schemeClr val="tx1"/>
-                </a:solidFill>
-                <a:effectLst>
-                  <a:outerShdw blurRad="38100" dist="38100" dir="2700000" algn="tl">
-                    <a:srgbClr val="C0C0C0"/>
-                  </a:outerShdw>
-                </a:effectLst>
-                <a:sym typeface="+mn-ea"/>
-              </a:rPr>
-              <a:t>同上</a:t>
-            </a:r>
-            <a:endParaRPr altLang="zh-CN" sz="1200" noProof="1">
-              <a:solidFill>
-                <a:schemeClr val="tx1"/>
-              </a:solidFill>
-              <a:effectLst>
-                <a:outerShdw blurRad="38100" dist="38100" dir="2700000" algn="tl">
-                  <a:srgbClr val="C0C0C0"/>
-                </a:outerShdw>
-              </a:effectLst>
-            </a:endParaRPr>
-          </a:p>
-          <a:p>
-            <a:pPr algn="l" eaLnBrk="1" hangingPunct="1">
-              <a:lnSpc>
-                <a:spcPct val="150000"/>
-              </a:lnSpc>
-            </a:pPr>
-            <a:r>
-              <a:rPr altLang="zh-CN" sz="1200">
-                <a:solidFill>
-                  <a:schemeClr val="tx1"/>
-                </a:solidFill>
-                <a:effectLst>
-                  <a:outerShdw blurRad="38100" dist="38100" dir="2700000" algn="tl">
-                    <a:srgbClr val="C0C0C0"/>
-                  </a:outerShdw>
-                </a:effectLst>
-                <a:sym typeface="+mn-ea"/>
-              </a:rPr>
-              <a:t>iview 基于 vue 的另一套后台组件库。</a:t>
-            </a:r>
-            <a:endParaRPr altLang="zh-CN" sz="1200" noProof="1">
-              <a:solidFill>
-                <a:schemeClr val="tx1"/>
-              </a:solidFill>
-              <a:effectLst>
-                <a:outerShdw blurRad="38100" dist="38100" dir="2700000" algn="tl">
-                  <a:srgbClr val="C0C0C0"/>
-                </a:outerShdw>
-              </a:effectLst>
-            </a:endParaRPr>
-          </a:p>
-          <a:p>
-            <a:pPr algn="l" eaLnBrk="1" hangingPunct="1">
-              <a:lnSpc>
-                <a:spcPct val="150000"/>
-              </a:lnSpc>
-            </a:pPr>
-            <a:r>
-              <a:rPr altLang="zh-CN" sz="1200">
-                <a:solidFill>
-                  <a:schemeClr val="tx1"/>
-                </a:solidFill>
-                <a:effectLst>
-                  <a:outerShdw blurRad="38100" dist="38100" dir="2700000" algn="tl">
-                    <a:srgbClr val="C0C0C0"/>
-                  </a:outerShdw>
-                </a:effectLst>
-                <a:sym typeface="+mn-ea"/>
-              </a:rPr>
-              <a:t>vue-cli vue 项目脚手架。一键安装 vue 全家桶的工具。</a:t>
-            </a:r>
-            <a:endParaRPr altLang="zh-CN" sz="1200" noProof="1">
-              <a:solidFill>
-                <a:schemeClr val="tx1"/>
-              </a:solidFill>
-              <a:effectLst>
-                <a:outerShdw blurRad="38100" dist="38100" dir="2700000" algn="tl">
-                  <a:srgbClr val="C0C0C0"/>
-                </a:outerShdw>
-              </a:effectLst>
-            </a:endParaRPr>
-          </a:p>
-          <a:p>
-            <a:endParaRPr lang="zh-CN" altLang="en-US" sz="1200"/>
-          </a:p>
-        </p:txBody>
-      </p:sp>
-      <p:sp>
-        <p:nvSpPr>
-          <p:cNvPr id="4" name="日期占位符 3"/>
-          <p:cNvSpPr>
-            <a:spLocks noGrp="1"/>
-          </p:cNvSpPr>
-          <p:nvPr>
-            <p:ph type="dt" sz="half" idx="10"/>
-          </p:nvPr>
-        </p:nvSpPr>
-        <p:spPr/>
-        <p:txBody>
-          <a:bodyPr/>
-          <a:p>
-            <a:pPr>
-              <a:defRPr/>
-            </a:pPr>
-            <a:fld id="{BDABD382-6269-4314-BED9-F777FF741BD9}" type="datetime1">
-              <a:rPr lang="zh-CN" altLang="en-US"/>
-            </a:fld>
-            <a:endParaRPr lang="zh-CN" altLang="en-US" dirty="0"/>
-          </a:p>
-        </p:txBody>
-      </p:sp>
-      <p:sp>
-        <p:nvSpPr>
-          <p:cNvPr id="5" name="灯片编号占位符 4"/>
-          <p:cNvSpPr>
-            <a:spLocks noGrp="1"/>
-          </p:cNvSpPr>
-          <p:nvPr>
-            <p:ph type="sldNum" sz="quarter" idx="12"/>
-          </p:nvPr>
-        </p:nvSpPr>
-        <p:spPr/>
-        <p:txBody>
-          <a:bodyPr/>
-          <a:p>
-            <a:pPr>
-              <a:defRPr/>
-            </a:pPr>
-            <a:fld id="{24CDF228-198A-44C2-BDC3-8F2BB7497790}" type="slidenum">
-              <a:rPr lang="zh-CN" altLang="en-US"/>
-            </a:fld>
-            <a:endParaRPr lang="zh-CN" altLang="en-US" dirty="0"/>
-          </a:p>
-        </p:txBody>
-      </p:sp>
-    </p:spTree>
-  </p:cSld>
-  <p:clrMapOvr>
-    <a:masterClrMapping/>
-  </p:clrMapOvr>
-</p:sld>
-</file>
-
-<file path=ppt/slides/slide6.xml><?xml version="1.0" encoding="utf-8"?>
-<p:sld xmlns:a="http://schemas.openxmlformats.org/drawingml/2006/main" xmlns:r="http://schemas.openxmlformats.org/officeDocument/2006/relationships" xmlns:p="http://schemas.openxmlformats.org/presentationml/2006/main">
-  <p:cSld>
-    <p:spTree>
-      <p:nvGrpSpPr>
-        <p:cNvPr id="1" name=""/>
-        <p:cNvGrpSpPr/>
-        <p:nvPr/>
-      </p:nvGrpSpPr>
-      <p:grpSpPr/>
-      <p:sp>
-        <p:nvSpPr>
-          <p:cNvPr id="2" name="标题 1"/>
-          <p:cNvSpPr>
-            <a:spLocks noGrp="1"/>
-          </p:cNvSpPr>
-          <p:nvPr>
-            <p:ph type="title"/>
-          </p:nvPr>
-        </p:nvSpPr>
-        <p:spPr/>
-        <p:txBody>
-          <a:bodyPr/>
-          <a:p>
-            <a:r>
-              <a:rPr lang="zh-CN" altLang="en-US"/>
-              <a:t>了解</a:t>
-            </a:r>
-            <a:r>
-              <a:rPr lang="en-US" altLang="zh-CN"/>
-              <a:t>Vue</a:t>
-            </a:r>
-            <a:endParaRPr lang="en-US" altLang="zh-CN"/>
-          </a:p>
-        </p:txBody>
-      </p:sp>
-      <p:sp>
-        <p:nvSpPr>
-          <p:cNvPr id="3" name="内容占位符 2"/>
-          <p:cNvSpPr>
-            <a:spLocks noGrp="1"/>
-          </p:cNvSpPr>
-          <p:nvPr>
-            <p:ph idx="1"/>
-          </p:nvPr>
-        </p:nvSpPr>
-        <p:spPr/>
-        <p:txBody>
-          <a:bodyPr/>
-          <a:p>
-            <a:r>
-              <a:rPr lang="en-US" altLang="zh-CN"/>
-              <a:t>vue.js</a:t>
-            </a:r>
-            <a:r>
-              <a:rPr lang="zh-CN" altLang="en-US"/>
-              <a:t>是什么</a:t>
-            </a:r>
-            <a:endParaRPr lang="en-US" altLang="zh-CN"/>
-          </a:p>
-          <a:p>
-            <a:r>
-              <a:rPr lang="en-US" altLang="zh-CN"/>
-              <a:t>vue</a:t>
-            </a:r>
-            <a:r>
-              <a:rPr lang="zh-CN" altLang="en-US"/>
-              <a:t>和传统</a:t>
-            </a:r>
-            <a:r>
-              <a:rPr lang="en-US" altLang="zh-CN"/>
-              <a:t>jquery</a:t>
-            </a:r>
-            <a:r>
-              <a:rPr lang="zh-CN" altLang="en-US"/>
-              <a:t>有什么区别？</a:t>
-            </a:r>
-            <a:endParaRPr lang="zh-CN" altLang="en-US"/>
-          </a:p>
-          <a:p>
-            <a:r>
-              <a:rPr lang="zh-CN" altLang="en-US"/>
-              <a:t>啥是响应式数据绑定</a:t>
-            </a:r>
-            <a:endParaRPr lang="zh-CN" altLang="en-US"/>
-          </a:p>
-          <a:p>
-            <a:r>
-              <a:rPr lang="zh-CN" altLang="en-US"/>
-              <a:t>什么是组件化开发</a:t>
-            </a:r>
-            <a:endParaRPr lang="zh-CN" altLang="en-US"/>
-          </a:p>
-          <a:p>
-            <a:r>
-              <a:rPr lang="zh-CN" altLang="en-US"/>
-              <a:t>虚拟</a:t>
-            </a:r>
-            <a:r>
-              <a:rPr lang="en-US" altLang="zh-CN"/>
-              <a:t>dom</a:t>
-            </a:r>
-            <a:endParaRPr lang="zh-CN" altLang="en-US"/>
-          </a:p>
-          <a:p>
-            <a:pPr marL="0" indent="0">
-              <a:buNone/>
-            </a:pPr>
-            <a:endParaRPr lang="en-US" altLang="zh-CN"/>
-          </a:p>
-        </p:txBody>
-      </p:sp>
-      <p:sp>
-        <p:nvSpPr>
-          <p:cNvPr id="4" name="日期占位符 3"/>
-          <p:cNvSpPr>
-            <a:spLocks noGrp="1"/>
-          </p:cNvSpPr>
-          <p:nvPr>
-            <p:ph type="dt" sz="half" idx="10"/>
-          </p:nvPr>
-        </p:nvSpPr>
-        <p:spPr/>
-        <p:txBody>
-          <a:bodyPr/>
-          <a:p>
-            <a:pPr>
-              <a:defRPr/>
-            </a:pPr>
-            <a:fld id="{BDABD382-6269-4314-BED9-F777FF741BD9}" type="datetime1">
-              <a:rPr lang="zh-CN" altLang="en-US"/>
-            </a:fld>
-            <a:endParaRPr lang="zh-CN" altLang="en-US" dirty="0"/>
-          </a:p>
-        </p:txBody>
-      </p:sp>
-      <p:sp>
-        <p:nvSpPr>
-          <p:cNvPr id="5" name="灯片编号占位符 4"/>
-          <p:cNvSpPr>
-            <a:spLocks noGrp="1"/>
-          </p:cNvSpPr>
-          <p:nvPr>
-            <p:ph type="sldNum" sz="quarter" idx="12"/>
-          </p:nvPr>
-        </p:nvSpPr>
-        <p:spPr/>
-        <p:txBody>
-          <a:bodyPr/>
-          <a:p>
-            <a:pPr>
-              <a:defRPr/>
-            </a:pPr>
-            <a:fld id="{24CDF228-198A-44C2-BDC3-8F2BB7497790}" type="slidenum">
-              <a:rPr lang="zh-CN" altLang="en-US"/>
-            </a:fld>
-            <a:endParaRPr lang="zh-CN" altLang="en-US" dirty="0"/>
-          </a:p>
-        </p:txBody>
-      </p:sp>
-      <p:pic>
-        <p:nvPicPr>
-          <p:cNvPr id="6" name="图片 5"/>
-          <p:cNvPicPr>
-            <a:picLocks noChangeAspect="1"/>
-          </p:cNvPicPr>
-          <p:nvPr/>
-        </p:nvPicPr>
-        <p:blipFill>
-          <a:blip r:embed="rId1"/>
-          <a:stretch>
-            <a:fillRect/>
-          </a:stretch>
-        </p:blipFill>
-        <p:spPr>
-          <a:xfrm>
-            <a:off x="5154930" y="3136900"/>
-            <a:ext cx="3495675" cy="2962275"/>
-          </a:xfrm>
-          <a:prstGeom prst="rect">
-            <a:avLst/>
-          </a:prstGeom>
-        </p:spPr>
-      </p:pic>
-    </p:spTree>
-  </p:cSld>
-  <p:clrMapOvr>
-    <a:masterClrMapping/>
-  </p:clrMapOvr>
-</p:sld>
-</file>
-
-<file path=ppt/slides/slide7.xml><?xml version="1.0" encoding="utf-8"?>
-<p:sld xmlns:a="http://schemas.openxmlformats.org/drawingml/2006/main" xmlns:r="http://schemas.openxmlformats.org/officeDocument/2006/relationships" xmlns:p="http://schemas.openxmlformats.org/presentationml/2006/main">
-  <p:cSld>
-    <p:spTree>
-      <p:nvGrpSpPr>
-        <p:cNvPr id="1" name=""/>
-        <p:cNvGrpSpPr/>
-        <p:nvPr/>
-      </p:nvGrpSpPr>
-      <p:grpSpPr/>
-      <p:sp>
-        <p:nvSpPr>
-          <p:cNvPr id="2" name="标题 1"/>
-          <p:cNvSpPr>
-            <a:spLocks noGrp="1"/>
-          </p:cNvSpPr>
-          <p:nvPr>
-            <p:ph type="title"/>
-          </p:nvPr>
-        </p:nvSpPr>
-        <p:spPr/>
-        <p:txBody>
-          <a:bodyPr/>
-          <a:p>
-            <a:r>
-              <a:rPr lang="zh-CN" altLang="en-US"/>
-              <a:t>声明周期</a:t>
-            </a:r>
-            <a:endParaRPr lang="zh-CN" altLang="en-US"/>
-          </a:p>
-        </p:txBody>
-      </p:sp>
-      <p:sp>
-        <p:nvSpPr>
-          <p:cNvPr id="4" name="日期占位符 3"/>
-          <p:cNvSpPr>
-            <a:spLocks noGrp="1"/>
-          </p:cNvSpPr>
-          <p:nvPr>
-            <p:ph type="dt" sz="half" idx="10"/>
-          </p:nvPr>
-        </p:nvSpPr>
-        <p:spPr/>
-        <p:txBody>
-          <a:bodyPr/>
-          <a:p>
-            <a:pPr>
-              <a:defRPr/>
-            </a:pPr>
-            <a:fld id="{BDABD382-6269-4314-BED9-F777FF741BD9}" type="datetime1">
-              <a:rPr lang="zh-CN" altLang="en-US"/>
-            </a:fld>
-            <a:endParaRPr lang="zh-CN" altLang="en-US" dirty="0"/>
-          </a:p>
-        </p:txBody>
-      </p:sp>
-      <p:sp>
-        <p:nvSpPr>
-          <p:cNvPr id="5" name="灯片编号占位符 4"/>
-          <p:cNvSpPr>
-            <a:spLocks noGrp="1"/>
-          </p:cNvSpPr>
-          <p:nvPr>
-            <p:ph type="sldNum" sz="quarter" idx="12"/>
-          </p:nvPr>
-        </p:nvSpPr>
-        <p:spPr/>
-        <p:txBody>
-          <a:bodyPr/>
-          <a:p>
-            <a:pPr>
-              <a:defRPr/>
-            </a:pPr>
-            <a:fld id="{24CDF228-198A-44C2-BDC3-8F2BB7497790}" type="slidenum">
-              <a:rPr lang="zh-CN" altLang="en-US"/>
-            </a:fld>
-            <a:endParaRPr lang="zh-CN" altLang="en-US" dirty="0"/>
-          </a:p>
-        </p:txBody>
-      </p:sp>
-      <p:pic>
-        <p:nvPicPr>
-          <p:cNvPr id="6" name="内容占位符 5"/>
-          <p:cNvPicPr>
-            <a:picLocks noChangeAspect="1"/>
-          </p:cNvPicPr>
-          <p:nvPr>
-            <p:ph idx="1"/>
-          </p:nvPr>
-        </p:nvPicPr>
-        <p:blipFill>
-          <a:blip r:embed="rId1"/>
-          <a:stretch>
-            <a:fillRect/>
-          </a:stretch>
-        </p:blipFill>
-        <p:spPr>
-          <a:xfrm>
-            <a:off x="3590925" y="980440"/>
-            <a:ext cx="2104390" cy="5328285"/>
-          </a:xfrm>
-          <a:prstGeom prst="rect">
-            <a:avLst/>
-          </a:prstGeom>
-        </p:spPr>
-      </p:pic>
-    </p:spTree>
-  </p:cSld>
-  <p:clrMapOvr>
-    <a:masterClrMapping/>
-  </p:clrMapOvr>
-</p:sld>
-</file>
-
-<file path=ppt/slides/slide8.xml><?xml version="1.0" encoding="utf-8"?>
+<file path=ppt/slides/slide11.xml><?xml version="1.0" encoding="utf-8"?>
 <p:sld xmlns:a="http://schemas.openxmlformats.org/drawingml/2006/main" xmlns:r="http://schemas.openxmlformats.org/officeDocument/2006/relationships" xmlns:p="http://schemas.openxmlformats.org/presentationml/2006/main">
   <p:cSld>
     <p:spTree>
@@ -7880,7 +6943,7 @@
 </p:sld>
 </file>
 
-<file path=ppt/slides/slide9.xml><?xml version="1.0" encoding="utf-8"?>
+<file path=ppt/slides/slide12.xml><?xml version="1.0" encoding="utf-8"?>
 <p:sld xmlns:a="http://schemas.openxmlformats.org/drawingml/2006/main" xmlns:r="http://schemas.openxmlformats.org/officeDocument/2006/relationships" xmlns:p="http://schemas.openxmlformats.org/presentationml/2006/main">
   <p:cSld>
     <p:spTree>
@@ -8294,6 +7357,1905 @@
     </p:tnLst>
   </p:timing>
 </p:sld>
+</file>
+
+<file path=ppt/slides/slide13.xml><?xml version="1.0" encoding="utf-8"?>
+<p:sld xmlns:a="http://schemas.openxmlformats.org/drawingml/2006/main" xmlns:r="http://schemas.openxmlformats.org/officeDocument/2006/relationships" xmlns:p="http://schemas.openxmlformats.org/presentationml/2006/main">
+  <p:cSld>
+    <p:spTree>
+      <p:nvGrpSpPr>
+        <p:cNvPr id="1" name=""/>
+        <p:cNvGrpSpPr/>
+        <p:nvPr/>
+      </p:nvGrpSpPr>
+      <p:grpSpPr>
+        <a:xfrm>
+          <a:off x="0" y="0"/>
+          <a:ext cx="0" cy="0"/>
+          <a:chOff x="0" y="0"/>
+          <a:chExt cx="0" cy="0"/>
+        </a:xfrm>
+      </p:grpSpPr>
+      <p:sp>
+        <p:nvSpPr>
+          <p:cNvPr id="4" name="标题 3"/>
+          <p:cNvSpPr>
+            <a:spLocks noGrp="1"/>
+          </p:cNvSpPr>
+          <p:nvPr>
+            <p:ph type="title"/>
+          </p:nvPr>
+        </p:nvSpPr>
+        <p:spPr>
+          <a:xfrm>
+            <a:off x="0" y="3989388"/>
+            <a:ext cx="9144000" cy="954087"/>
+          </a:xfrm>
+        </p:spPr>
+        <p:txBody>
+          <a:bodyPr rtlCol="0"/>
+          <a:lstStyle/>
+          <a:p>
+            <a:pPr eaLnBrk="1" fontAlgn="auto" hangingPunct="1">
+              <a:spcAft>
+                <a:spcPts val="0"/>
+              </a:spcAft>
+              <a:defRPr/>
+            </a:pPr>
+            <a:r>
+              <a:rPr lang="zh-CN" altLang="en-US" dirty="0" smtClean="0"/>
+              <a:t>谢 谢</a:t>
+            </a:r>
+            <a:endParaRPr lang="zh-CN" altLang="en-US" dirty="0"/>
+          </a:p>
+        </p:txBody>
+      </p:sp>
+    </p:spTree>
+  </p:cSld>
+  <p:clrMapOvr>
+    <a:masterClrMapping/>
+  </p:clrMapOvr>
+  <p:timing>
+    <p:tnLst>
+      <p:par>
+        <p:cTn id="1" dur="indefinite" restart="never" nodeType="tmRoot"/>
+      </p:par>
+    </p:tnLst>
+  </p:timing>
+</p:sld>
+</file>
+
+<file path=ppt/slides/slide2.xml><?xml version="1.0" encoding="utf-8"?>
+<p:sld xmlns:a="http://schemas.openxmlformats.org/drawingml/2006/main" xmlns:r="http://schemas.openxmlformats.org/officeDocument/2006/relationships" xmlns:p="http://schemas.openxmlformats.org/presentationml/2006/main">
+  <p:cSld>
+    <p:spTree>
+      <p:nvGrpSpPr>
+        <p:cNvPr id="1" name=""/>
+        <p:cNvGrpSpPr/>
+        <p:nvPr/>
+      </p:nvGrpSpPr>
+      <p:grpSpPr/>
+      <p:sp>
+        <p:nvSpPr>
+          <p:cNvPr id="2" name="标题 1"/>
+          <p:cNvSpPr>
+            <a:spLocks noGrp="1"/>
+          </p:cNvSpPr>
+          <p:nvPr>
+            <p:ph type="title"/>
+          </p:nvPr>
+        </p:nvSpPr>
+        <p:spPr/>
+        <p:txBody>
+          <a:bodyPr/>
+          <a:p>
+            <a:r>
+              <a:rPr lang="zh-CN" altLang="en-US"/>
+              <a:t>开场</a:t>
+            </a:r>
+            <a:endParaRPr lang="zh-CN" altLang="en-US"/>
+          </a:p>
+        </p:txBody>
+      </p:sp>
+      <p:sp>
+        <p:nvSpPr>
+          <p:cNvPr id="3" name="内容占位符 2"/>
+          <p:cNvSpPr>
+            <a:spLocks noGrp="1"/>
+          </p:cNvSpPr>
+          <p:nvPr>
+            <p:ph idx="1"/>
+          </p:nvPr>
+        </p:nvSpPr>
+        <p:spPr/>
+        <p:txBody>
+          <a:bodyPr/>
+          <a:p>
+            <a:r>
+              <a:rPr lang="zh-CN" altLang="en-US"/>
+              <a:t>首先 感谢大家主（被）动（动）的放弃大好的周末休息时间。来学习知识                             </a:t>
+            </a:r>
+            <a:endParaRPr lang="zh-CN" altLang="en-US"/>
+          </a:p>
+          <a:p>
+            <a:endParaRPr lang="zh-CN" altLang="en-US"/>
+          </a:p>
+          <a:p>
+            <a:endParaRPr lang="zh-CN" altLang="en-US"/>
+          </a:p>
+          <a:p>
+            <a:endParaRPr lang="zh-CN" altLang="en-US"/>
+          </a:p>
+          <a:p>
+            <a:endParaRPr lang="zh-CN" altLang="en-US"/>
+          </a:p>
+          <a:p>
+            <a:endParaRPr lang="zh-CN" altLang="en-US"/>
+          </a:p>
+          <a:p>
+            <a:pPr marL="0" indent="0">
+              <a:buNone/>
+            </a:pPr>
+            <a:r>
+              <a:rPr lang="zh-CN" altLang="en-US"/>
+              <a:t>         </a:t>
+            </a:r>
+            <a:endParaRPr lang="zh-CN" altLang="en-US"/>
+          </a:p>
+          <a:p>
+            <a:r>
+              <a:rPr lang="zh-CN" altLang="en-US"/>
+              <a:t> 谢谢大家</a:t>
+            </a:r>
+            <a:endParaRPr lang="zh-CN" altLang="en-US"/>
+          </a:p>
+        </p:txBody>
+      </p:sp>
+      <p:sp>
+        <p:nvSpPr>
+          <p:cNvPr id="4" name="日期占位符 3"/>
+          <p:cNvSpPr>
+            <a:spLocks noGrp="1"/>
+          </p:cNvSpPr>
+          <p:nvPr>
+            <p:ph type="dt" sz="half" idx="10"/>
+          </p:nvPr>
+        </p:nvSpPr>
+        <p:spPr/>
+        <p:txBody>
+          <a:bodyPr/>
+          <a:p>
+            <a:pPr>
+              <a:defRPr/>
+            </a:pPr>
+            <a:fld id="{BDABD382-6269-4314-BED9-F777FF741BD9}" type="datetime1">
+              <a:rPr lang="zh-CN" altLang="en-US"/>
+            </a:fld>
+            <a:endParaRPr lang="zh-CN" altLang="en-US" dirty="0"/>
+          </a:p>
+        </p:txBody>
+      </p:sp>
+      <p:sp>
+        <p:nvSpPr>
+          <p:cNvPr id="5" name="灯片编号占位符 4"/>
+          <p:cNvSpPr>
+            <a:spLocks noGrp="1"/>
+          </p:cNvSpPr>
+          <p:nvPr>
+            <p:ph type="sldNum" sz="quarter" idx="12"/>
+          </p:nvPr>
+        </p:nvSpPr>
+        <p:spPr/>
+        <p:txBody>
+          <a:bodyPr/>
+          <a:p>
+            <a:pPr>
+              <a:defRPr/>
+            </a:pPr>
+            <a:fld id="{24CDF228-198A-44C2-BDC3-8F2BB7497790}" type="slidenum">
+              <a:rPr lang="zh-CN" altLang="en-US"/>
+            </a:fld>
+            <a:endParaRPr lang="zh-CN" altLang="en-US" dirty="0"/>
+          </a:p>
+        </p:txBody>
+      </p:sp>
+      <p:pic>
+        <p:nvPicPr>
+          <p:cNvPr id="8" name="图片 7"/>
+          <p:cNvPicPr>
+            <a:picLocks noChangeAspect="1"/>
+          </p:cNvPicPr>
+          <p:nvPr/>
+        </p:nvPicPr>
+        <p:blipFill>
+          <a:blip r:embed="rId1"/>
+          <a:stretch>
+            <a:fillRect/>
+          </a:stretch>
+        </p:blipFill>
+        <p:spPr>
+          <a:xfrm>
+            <a:off x="5330825" y="2790825"/>
+            <a:ext cx="3375660" cy="3517900"/>
+          </a:xfrm>
+          <a:prstGeom prst="rect">
+            <a:avLst/>
+          </a:prstGeom>
+        </p:spPr>
+      </p:pic>
+    </p:spTree>
+  </p:cSld>
+  <p:clrMapOvr>
+    <a:masterClrMapping/>
+  </p:clrMapOvr>
+</p:sld>
+</file>
+
+<file path=ppt/slides/slide3.xml><?xml version="1.0" encoding="utf-8"?>
+<p:sld xmlns:a="http://schemas.openxmlformats.org/drawingml/2006/main" xmlns:r="http://schemas.openxmlformats.org/officeDocument/2006/relationships" xmlns:p="http://schemas.openxmlformats.org/presentationml/2006/main">
+  <p:cSld>
+    <p:spTree>
+      <p:nvGrpSpPr>
+        <p:cNvPr id="1" name=""/>
+        <p:cNvGrpSpPr/>
+        <p:nvPr/>
+      </p:nvGrpSpPr>
+      <p:grpSpPr/>
+      <p:sp>
+        <p:nvSpPr>
+          <p:cNvPr id="2" name="标题 1"/>
+          <p:cNvSpPr>
+            <a:spLocks noGrp="1"/>
+          </p:cNvSpPr>
+          <p:nvPr>
+            <p:ph type="title"/>
+          </p:nvPr>
+        </p:nvSpPr>
+        <p:spPr/>
+        <p:txBody>
+          <a:bodyPr/>
+          <a:p>
+            <a:r>
+              <a:rPr lang="en-US" altLang="zh-CN"/>
+              <a:t>vue</a:t>
+            </a:r>
+            <a:r>
+              <a:rPr lang="zh-CN" altLang="en-US"/>
+              <a:t>知识图谱</a:t>
+            </a:r>
+            <a:endParaRPr lang="zh-CN" altLang="en-US"/>
+          </a:p>
+        </p:txBody>
+      </p:sp>
+      <p:sp>
+        <p:nvSpPr>
+          <p:cNvPr id="4" name="日期占位符 3"/>
+          <p:cNvSpPr>
+            <a:spLocks noGrp="1"/>
+          </p:cNvSpPr>
+          <p:nvPr>
+            <p:ph type="dt" sz="half" idx="10"/>
+          </p:nvPr>
+        </p:nvSpPr>
+        <p:spPr/>
+        <p:txBody>
+          <a:bodyPr/>
+          <a:p>
+            <a:pPr>
+              <a:defRPr/>
+            </a:pPr>
+            <a:fld id="{BDABD382-6269-4314-BED9-F777FF741BD9}" type="datetime1">
+              <a:rPr lang="zh-CN" altLang="en-US"/>
+            </a:fld>
+            <a:endParaRPr lang="zh-CN" altLang="en-US" dirty="0"/>
+          </a:p>
+        </p:txBody>
+      </p:sp>
+      <p:sp>
+        <p:nvSpPr>
+          <p:cNvPr id="5" name="灯片编号占位符 4"/>
+          <p:cNvSpPr>
+            <a:spLocks noGrp="1"/>
+          </p:cNvSpPr>
+          <p:nvPr>
+            <p:ph type="sldNum" sz="quarter" idx="12"/>
+          </p:nvPr>
+        </p:nvSpPr>
+        <p:spPr/>
+        <p:txBody>
+          <a:bodyPr/>
+          <a:p>
+            <a:pPr>
+              <a:defRPr/>
+            </a:pPr>
+            <a:fld id="{24CDF228-198A-44C2-BDC3-8F2BB7497790}" type="slidenum">
+              <a:rPr lang="zh-CN" altLang="en-US"/>
+            </a:fld>
+            <a:endParaRPr lang="zh-CN" altLang="en-US" dirty="0"/>
+          </a:p>
+        </p:txBody>
+      </p:sp>
+      <p:pic>
+        <p:nvPicPr>
+          <p:cNvPr id="6" name="内容占位符 5"/>
+          <p:cNvPicPr>
+            <a:picLocks noChangeAspect="1"/>
+          </p:cNvPicPr>
+          <p:nvPr>
+            <p:ph idx="1"/>
+          </p:nvPr>
+        </p:nvPicPr>
+        <p:blipFill>
+          <a:blip r:embed="rId1"/>
+          <a:stretch>
+            <a:fillRect/>
+          </a:stretch>
+        </p:blipFill>
+        <p:spPr>
+          <a:xfrm>
+            <a:off x="719455" y="1227455"/>
+            <a:ext cx="7848600" cy="4832985"/>
+          </a:xfrm>
+          <a:prstGeom prst="rect">
+            <a:avLst/>
+          </a:prstGeom>
+        </p:spPr>
+      </p:pic>
+    </p:spTree>
+  </p:cSld>
+  <p:clrMapOvr>
+    <a:masterClrMapping/>
+  </p:clrMapOvr>
+</p:sld>
+</file>
+
+<file path=ppt/slides/slide4.xml><?xml version="1.0" encoding="utf-8"?>
+<p:sld xmlns:a="http://schemas.openxmlformats.org/drawingml/2006/main" xmlns:r="http://schemas.openxmlformats.org/officeDocument/2006/relationships" xmlns:p="http://schemas.openxmlformats.org/presentationml/2006/main">
+  <p:cSld>
+    <p:spTree>
+      <p:nvGrpSpPr>
+        <p:cNvPr id="1" name=""/>
+        <p:cNvGrpSpPr/>
+        <p:nvPr/>
+      </p:nvGrpSpPr>
+      <p:grpSpPr/>
+      <p:sp>
+        <p:nvSpPr>
+          <p:cNvPr id="2" name="标题 1"/>
+          <p:cNvSpPr>
+            <a:spLocks noGrp="1"/>
+          </p:cNvSpPr>
+          <p:nvPr>
+            <p:ph type="title"/>
+          </p:nvPr>
+        </p:nvSpPr>
+        <p:spPr/>
+        <p:txBody>
+          <a:bodyPr/>
+          <a:p>
+            <a:r>
+              <a:rPr lang="zh-CN" altLang="en-US"/>
+              <a:t>通过培训 能提升什么</a:t>
+            </a:r>
+            <a:endParaRPr lang="zh-CN" altLang="en-US"/>
+          </a:p>
+        </p:txBody>
+      </p:sp>
+      <p:sp>
+        <p:nvSpPr>
+          <p:cNvPr id="3" name="内容占位符 2"/>
+          <p:cNvSpPr>
+            <a:spLocks noGrp="1"/>
+          </p:cNvSpPr>
+          <p:nvPr>
+            <p:ph idx="1"/>
+          </p:nvPr>
+        </p:nvSpPr>
+        <p:spPr>
+          <a:xfrm>
+            <a:off x="719572" y="908973"/>
+            <a:ext cx="7848872" cy="5328592"/>
+          </a:xfrm>
+        </p:spPr>
+        <p:txBody>
+          <a:bodyPr/>
+          <a:p>
+            <a:r>
+              <a:rPr lang="zh-CN" altLang="en-US">
+                <a:sym typeface="+mn-ea"/>
+              </a:rPr>
+              <a:t>了解前端项目结构</a:t>
+            </a:r>
+            <a:endParaRPr lang="zh-CN" altLang="en-US">
+              <a:sym typeface="+mn-ea"/>
+            </a:endParaRPr>
+          </a:p>
+          <a:p>
+            <a:r>
+              <a:rPr lang="zh-CN" altLang="en-US">
+                <a:sym typeface="+mn-ea"/>
+              </a:rPr>
+              <a:t>可尝试修改</a:t>
+            </a:r>
+            <a:r>
+              <a:rPr lang="en-US" altLang="zh-CN">
+                <a:sym typeface="+mn-ea"/>
+              </a:rPr>
+              <a:t>&amp;</a:t>
+            </a:r>
+            <a:r>
+              <a:rPr lang="zh-CN" altLang="en-US">
+                <a:sym typeface="+mn-ea"/>
+              </a:rPr>
+              <a:t>开发前端模块</a:t>
+            </a:r>
+            <a:endParaRPr lang="zh-CN" altLang="en-US">
+              <a:sym typeface="+mn-ea"/>
+            </a:endParaRPr>
+          </a:p>
+          <a:p>
+            <a:r>
+              <a:rPr lang="zh-CN" altLang="en-US">
+                <a:sym typeface="+mn-ea"/>
+              </a:rPr>
+              <a:t>了解组件化</a:t>
+            </a:r>
+            <a:endParaRPr lang="zh-CN" altLang="en-US">
+              <a:sym typeface="+mn-ea"/>
+            </a:endParaRPr>
+          </a:p>
+          <a:p>
+            <a:r>
+              <a:rPr lang="zh-CN" altLang="en-US">
+                <a:sym typeface="+mn-ea"/>
+              </a:rPr>
+              <a:t>修改问题能快速定位源代码</a:t>
+            </a:r>
+            <a:endParaRPr lang="zh-CN" altLang="en-US">
+              <a:sym typeface="+mn-ea"/>
+            </a:endParaRPr>
+          </a:p>
+          <a:p>
+            <a:r>
+              <a:rPr lang="en-US" altLang="zh-CN">
+                <a:sym typeface="+mn-ea"/>
+              </a:rPr>
+              <a:t>LESS</a:t>
+            </a:r>
+            <a:endParaRPr lang="en-US" altLang="zh-CN">
+              <a:sym typeface="+mn-ea"/>
+            </a:endParaRPr>
+          </a:p>
+          <a:p>
+            <a:r>
+              <a:rPr lang="zh-CN" altLang="en-US">
+                <a:sym typeface="+mn-ea"/>
+              </a:rPr>
+              <a:t>基础</a:t>
+            </a:r>
+            <a:r>
+              <a:rPr lang="en-US" altLang="zh-CN">
+                <a:sym typeface="+mn-ea"/>
+              </a:rPr>
+              <a:t>vue</a:t>
+            </a:r>
+            <a:r>
+              <a:rPr lang="zh-CN" altLang="en-US">
+                <a:sym typeface="+mn-ea"/>
+              </a:rPr>
+              <a:t>指令</a:t>
+            </a:r>
+            <a:endParaRPr lang="zh-CN" altLang="en-US">
+              <a:sym typeface="+mn-ea"/>
+            </a:endParaRPr>
+          </a:p>
+          <a:p>
+            <a:pPr marL="0" indent="0">
+              <a:buNone/>
+            </a:pPr>
+            <a:endParaRPr lang="zh-CN" altLang="en-US"/>
+          </a:p>
+          <a:p>
+            <a:endParaRPr lang="zh-CN" altLang="en-US"/>
+          </a:p>
+        </p:txBody>
+      </p:sp>
+      <p:sp>
+        <p:nvSpPr>
+          <p:cNvPr id="4" name="日期占位符 3"/>
+          <p:cNvSpPr>
+            <a:spLocks noGrp="1"/>
+          </p:cNvSpPr>
+          <p:nvPr>
+            <p:ph type="dt" sz="half" idx="10"/>
+          </p:nvPr>
+        </p:nvSpPr>
+        <p:spPr/>
+        <p:txBody>
+          <a:bodyPr/>
+          <a:p>
+            <a:pPr>
+              <a:defRPr/>
+            </a:pPr>
+            <a:fld id="{BDABD382-6269-4314-BED9-F777FF741BD9}" type="datetime1">
+              <a:rPr lang="zh-CN" altLang="en-US"/>
+            </a:fld>
+            <a:endParaRPr lang="zh-CN" altLang="en-US" dirty="0"/>
+          </a:p>
+        </p:txBody>
+      </p:sp>
+      <p:sp>
+        <p:nvSpPr>
+          <p:cNvPr id="5" name="灯片编号占位符 4"/>
+          <p:cNvSpPr>
+            <a:spLocks noGrp="1"/>
+          </p:cNvSpPr>
+          <p:nvPr>
+            <p:ph type="sldNum" sz="quarter" idx="12"/>
+          </p:nvPr>
+        </p:nvSpPr>
+        <p:spPr/>
+        <p:txBody>
+          <a:bodyPr/>
+          <a:p>
+            <a:pPr>
+              <a:defRPr/>
+            </a:pPr>
+            <a:fld id="{24CDF228-198A-44C2-BDC3-8F2BB7497790}" type="slidenum">
+              <a:rPr lang="zh-CN" altLang="en-US"/>
+            </a:fld>
+            <a:endParaRPr lang="zh-CN" altLang="en-US" dirty="0"/>
+          </a:p>
+        </p:txBody>
+      </p:sp>
+    </p:spTree>
+  </p:cSld>
+  <p:clrMapOvr>
+    <a:masterClrMapping/>
+  </p:clrMapOvr>
+</p:sld>
+</file>
+
+<file path=ppt/slides/slide5.xml><?xml version="1.0" encoding="utf-8"?>
+<p:sld xmlns:a="http://schemas.openxmlformats.org/drawingml/2006/main" xmlns:r="http://schemas.openxmlformats.org/officeDocument/2006/relationships" xmlns:p="http://schemas.openxmlformats.org/presentationml/2006/main">
+  <p:cSld>
+    <p:spTree>
+      <p:nvGrpSpPr>
+        <p:cNvPr id="1" name=""/>
+        <p:cNvGrpSpPr/>
+        <p:nvPr/>
+      </p:nvGrpSpPr>
+      <p:grpSpPr/>
+      <p:sp>
+        <p:nvSpPr>
+          <p:cNvPr id="2" name="标题 1"/>
+          <p:cNvSpPr>
+            <a:spLocks noGrp="1"/>
+          </p:cNvSpPr>
+          <p:nvPr>
+            <p:ph type="title"/>
+          </p:nvPr>
+        </p:nvSpPr>
+        <p:spPr/>
+        <p:txBody>
+          <a:bodyPr/>
+          <a:p>
+            <a:r>
+              <a:rPr lang="zh-CN" altLang="en-US"/>
+              <a:t>一个前端项目都需要什么</a:t>
+            </a:r>
+            <a:endParaRPr lang="zh-CN" altLang="en-US"/>
+          </a:p>
+        </p:txBody>
+      </p:sp>
+      <p:sp>
+        <p:nvSpPr>
+          <p:cNvPr id="3" name="内容占位符 2"/>
+          <p:cNvSpPr>
+            <a:spLocks noGrp="1"/>
+          </p:cNvSpPr>
+          <p:nvPr>
+            <p:ph idx="1"/>
+          </p:nvPr>
+        </p:nvSpPr>
+        <p:spPr/>
+        <p:txBody>
+          <a:bodyPr/>
+          <a:p>
+            <a:pPr algn="l" eaLnBrk="1" hangingPunct="1">
+              <a:lnSpc>
+                <a:spcPct val="150000"/>
+              </a:lnSpc>
+            </a:pPr>
+            <a:r>
+              <a:rPr altLang="zh-CN" sz="1200">
+                <a:solidFill>
+                  <a:schemeClr val="tx1"/>
+                </a:solidFill>
+                <a:effectLst>
+                  <a:outerShdw blurRad="38100" dist="38100" dir="2700000" algn="tl">
+                    <a:srgbClr val="C0C0C0"/>
+                  </a:outerShdw>
+                </a:effectLst>
+                <a:sym typeface="+mn-ea"/>
+              </a:rPr>
+              <a:t>vue.js 核心，不解释。</a:t>
+            </a:r>
+            <a:endParaRPr altLang="zh-CN" sz="1200" noProof="1">
+              <a:solidFill>
+                <a:schemeClr val="tx1"/>
+              </a:solidFill>
+              <a:effectLst>
+                <a:outerShdw blurRad="38100" dist="38100" dir="2700000" algn="tl">
+                  <a:srgbClr val="C0C0C0"/>
+                </a:outerShdw>
+              </a:effectLst>
+            </a:endParaRPr>
+          </a:p>
+          <a:p>
+            <a:pPr algn="l" eaLnBrk="1" hangingPunct="1">
+              <a:lnSpc>
+                <a:spcPct val="150000"/>
+              </a:lnSpc>
+            </a:pPr>
+            <a:r>
+              <a:rPr altLang="zh-CN" sz="1200">
+                <a:solidFill>
+                  <a:schemeClr val="tx1"/>
+                </a:solidFill>
+                <a:effectLst>
+                  <a:outerShdw blurRad="38100" dist="38100" dir="2700000" algn="tl">
+                    <a:srgbClr val="C0C0C0"/>
+                  </a:outerShdw>
+                </a:effectLst>
+                <a:sym typeface="+mn-ea"/>
+              </a:rPr>
+              <a:t>VueRouter2 实现路由组织工具。</a:t>
+            </a:r>
+            <a:endParaRPr altLang="zh-CN" sz="1200" noProof="1">
+              <a:solidFill>
+                <a:schemeClr val="tx1"/>
+              </a:solidFill>
+              <a:effectLst>
+                <a:outerShdw blurRad="38100" dist="38100" dir="2700000" algn="tl">
+                  <a:srgbClr val="C0C0C0"/>
+                </a:outerShdw>
+              </a:effectLst>
+            </a:endParaRPr>
+          </a:p>
+          <a:p>
+            <a:pPr algn="l" eaLnBrk="1" hangingPunct="1">
+              <a:lnSpc>
+                <a:spcPct val="150000"/>
+              </a:lnSpc>
+            </a:pPr>
+            <a:r>
+              <a:rPr altLang="zh-CN" sz="1200">
+                <a:solidFill>
+                  <a:schemeClr val="tx1"/>
+                </a:solidFill>
+                <a:effectLst>
+                  <a:outerShdw blurRad="38100" dist="38100" dir="2700000" algn="tl">
+                    <a:srgbClr val="C0C0C0"/>
+                  </a:outerShdw>
+                </a:effectLst>
+                <a:sym typeface="+mn-ea"/>
+              </a:rPr>
+              <a:t>webpack 项目打包以及编译工具。</a:t>
+            </a:r>
+            <a:endParaRPr altLang="zh-CN" sz="1200" noProof="1">
+              <a:solidFill>
+                <a:schemeClr val="tx1"/>
+              </a:solidFill>
+              <a:effectLst>
+                <a:outerShdw blurRad="38100" dist="38100" dir="2700000" algn="tl">
+                  <a:srgbClr val="C0C0C0"/>
+                </a:outerShdw>
+              </a:effectLst>
+            </a:endParaRPr>
+          </a:p>
+          <a:p>
+            <a:pPr algn="l" eaLnBrk="1" hangingPunct="1">
+              <a:lnSpc>
+                <a:spcPct val="150000"/>
+              </a:lnSpc>
+            </a:pPr>
+            <a:r>
+              <a:rPr altLang="zh-CN" sz="1200">
+                <a:solidFill>
+                  <a:schemeClr val="tx1"/>
+                </a:solidFill>
+                <a:effectLst>
+                  <a:outerShdw blurRad="38100" dist="38100" dir="2700000" algn="tl">
+                    <a:srgbClr val="C0C0C0"/>
+                  </a:outerShdw>
+                </a:effectLst>
+                <a:sym typeface="+mn-ea"/>
+              </a:rPr>
+              <a:t>nodejs 前端开发环境。</a:t>
+            </a:r>
+            <a:endParaRPr altLang="zh-CN" sz="1200" noProof="1">
+              <a:solidFill>
+                <a:schemeClr val="tx1"/>
+              </a:solidFill>
+              <a:effectLst>
+                <a:outerShdw blurRad="38100" dist="38100" dir="2700000" algn="tl">
+                  <a:srgbClr val="C0C0C0"/>
+                </a:outerShdw>
+              </a:effectLst>
+            </a:endParaRPr>
+          </a:p>
+          <a:p>
+            <a:pPr algn="l" eaLnBrk="1" hangingPunct="1">
+              <a:lnSpc>
+                <a:spcPct val="150000"/>
+              </a:lnSpc>
+            </a:pPr>
+            <a:r>
+              <a:rPr altLang="zh-CN" sz="1200">
+                <a:solidFill>
+                  <a:schemeClr val="tx1"/>
+                </a:solidFill>
+                <a:effectLst>
+                  <a:outerShdw blurRad="38100" dist="38100" dir="2700000" algn="tl">
+                    <a:srgbClr val="C0C0C0"/>
+                  </a:outerShdw>
+                </a:effectLst>
+                <a:sym typeface="+mn-ea"/>
+              </a:rPr>
+              <a:t>npm 前端包管理器。</a:t>
+            </a:r>
+            <a:endParaRPr altLang="zh-CN" sz="1200" noProof="1">
+              <a:solidFill>
+                <a:schemeClr val="tx1"/>
+              </a:solidFill>
+              <a:effectLst>
+                <a:outerShdw blurRad="38100" dist="38100" dir="2700000" algn="tl">
+                  <a:srgbClr val="C0C0C0"/>
+                </a:outerShdw>
+              </a:effectLst>
+            </a:endParaRPr>
+          </a:p>
+          <a:p>
+            <a:pPr algn="l" eaLnBrk="1" hangingPunct="1">
+              <a:lnSpc>
+                <a:spcPct val="150000"/>
+              </a:lnSpc>
+            </a:pPr>
+            <a:r>
+              <a:rPr altLang="zh-CN" sz="1200">
+                <a:solidFill>
+                  <a:schemeClr val="tx1"/>
+                </a:solidFill>
+                <a:effectLst>
+                  <a:outerShdw blurRad="38100" dist="38100" dir="2700000" algn="tl">
+                    <a:srgbClr val="C0C0C0"/>
+                  </a:outerShdw>
+                </a:effectLst>
+                <a:sym typeface="+mn-ea"/>
+              </a:rPr>
+              <a:t>axios ajax  </a:t>
+            </a:r>
+            <a:r>
+              <a:rPr lang="en-US" sz="1200">
+                <a:solidFill>
+                  <a:schemeClr val="tx1"/>
+                </a:solidFill>
+                <a:effectLst>
+                  <a:outerShdw blurRad="38100" dist="38100" dir="2700000" algn="tl">
+                    <a:srgbClr val="C0C0C0"/>
+                  </a:outerShdw>
+                </a:effectLst>
+                <a:sym typeface="+mn-ea"/>
+              </a:rPr>
+              <a:t>fetch $http </a:t>
+            </a:r>
+            <a:r>
+              <a:rPr altLang="zh-CN" sz="1200">
+                <a:solidFill>
+                  <a:schemeClr val="tx1"/>
+                </a:solidFill>
+                <a:effectLst>
+                  <a:outerShdw blurRad="38100" dist="38100" dir="2700000" algn="tl">
+                    <a:srgbClr val="C0C0C0"/>
+                  </a:outerShdw>
+                </a:effectLst>
+                <a:sym typeface="+mn-ea"/>
+              </a:rPr>
+              <a:t>接口请求工具。</a:t>
+            </a:r>
+            <a:endParaRPr altLang="zh-CN" sz="1200" noProof="1">
+              <a:solidFill>
+                <a:schemeClr val="tx1"/>
+              </a:solidFill>
+              <a:effectLst>
+                <a:outerShdw blurRad="38100" dist="38100" dir="2700000" algn="tl">
+                  <a:srgbClr val="C0C0C0"/>
+                </a:outerShdw>
+              </a:effectLst>
+            </a:endParaRPr>
+          </a:p>
+          <a:p>
+            <a:pPr algn="l" eaLnBrk="1" hangingPunct="1">
+              <a:lnSpc>
+                <a:spcPct val="150000"/>
+              </a:lnSpc>
+            </a:pPr>
+            <a:r>
+              <a:rPr altLang="zh-CN" sz="1200">
+                <a:solidFill>
+                  <a:schemeClr val="tx1"/>
+                </a:solidFill>
+                <a:effectLst>
+                  <a:outerShdw blurRad="38100" dist="38100" dir="2700000" algn="tl">
+                    <a:srgbClr val="C0C0C0"/>
+                  </a:outerShdw>
+                </a:effectLst>
+                <a:sym typeface="+mn-ea"/>
+              </a:rPr>
+              <a:t>sass </a:t>
+            </a:r>
+            <a:r>
+              <a:rPr lang="zh-CN" sz="1200">
+                <a:solidFill>
+                  <a:schemeClr val="tx1"/>
+                </a:solidFill>
+                <a:effectLst>
+                  <a:outerShdw blurRad="38100" dist="38100" dir="2700000" algn="tl">
+                    <a:srgbClr val="C0C0C0"/>
+                  </a:outerShdw>
+                </a:effectLst>
+                <a:sym typeface="+mn-ea"/>
+              </a:rPr>
+              <a:t>或</a:t>
+            </a:r>
+            <a:r>
+              <a:rPr altLang="zh-CN" sz="1200">
+                <a:solidFill>
+                  <a:schemeClr val="tx1"/>
+                </a:solidFill>
+                <a:effectLst>
+                  <a:outerShdw blurRad="38100" dist="38100" dir="2700000" algn="tl">
+                    <a:srgbClr val="C0C0C0"/>
+                  </a:outerShdw>
+                </a:effectLst>
+                <a:sym typeface="+mn-ea"/>
+              </a:rPr>
+              <a:t> </a:t>
+            </a:r>
+            <a:r>
+              <a:rPr lang="en-US" altLang="x-none" sz="1200" dirty="0">
+                <a:solidFill>
+                  <a:schemeClr val="tx1"/>
+                </a:solidFill>
+                <a:effectLst>
+                  <a:outerShdw blurRad="38100" dist="38100" dir="2700000" algn="tl">
+                    <a:srgbClr val="C0C0C0"/>
+                  </a:outerShdw>
+                </a:effectLst>
+                <a:sym typeface="+mn-ea"/>
+              </a:rPr>
+              <a:t>less</a:t>
+            </a:r>
+            <a:r>
+              <a:rPr altLang="zh-CN" sz="1200">
+                <a:solidFill>
+                  <a:schemeClr val="tx1"/>
+                </a:solidFill>
+                <a:effectLst>
+                  <a:outerShdw blurRad="38100" dist="38100" dir="2700000" algn="tl">
+                    <a:srgbClr val="C0C0C0"/>
+                  </a:outerShdw>
+                </a:effectLst>
+                <a:sym typeface="+mn-ea"/>
+              </a:rPr>
+              <a:t> css 预处理。</a:t>
+            </a:r>
+            <a:endParaRPr altLang="zh-CN" sz="1200" noProof="1">
+              <a:solidFill>
+                <a:schemeClr val="tx1"/>
+              </a:solidFill>
+              <a:effectLst>
+                <a:outerShdw blurRad="38100" dist="38100" dir="2700000" algn="tl">
+                  <a:srgbClr val="C0C0C0"/>
+                </a:outerShdw>
+              </a:effectLst>
+            </a:endParaRPr>
+          </a:p>
+          <a:p>
+            <a:pPr algn="l" eaLnBrk="1" hangingPunct="1">
+              <a:lnSpc>
+                <a:spcPct val="150000"/>
+              </a:lnSpc>
+            </a:pPr>
+            <a:r>
+              <a:rPr altLang="zh-CN" sz="1200">
+                <a:solidFill>
+                  <a:schemeClr val="tx1"/>
+                </a:solidFill>
+                <a:effectLst>
+                  <a:outerShdw blurRad="38100" dist="38100" dir="2700000" algn="tl">
+                    <a:srgbClr val="C0C0C0"/>
+                  </a:outerShdw>
+                </a:effectLst>
+                <a:sym typeface="+mn-ea"/>
+              </a:rPr>
+              <a:t>element 基于 vue 的后台组件库。</a:t>
+            </a:r>
+            <a:endParaRPr altLang="zh-CN" sz="1200">
+              <a:solidFill>
+                <a:schemeClr val="tx1"/>
+              </a:solidFill>
+              <a:effectLst>
+                <a:outerShdw blurRad="38100" dist="38100" dir="2700000" algn="tl">
+                  <a:srgbClr val="C0C0C0"/>
+                </a:outerShdw>
+              </a:effectLst>
+              <a:sym typeface="+mn-ea"/>
+            </a:endParaRPr>
+          </a:p>
+          <a:p>
+            <a:pPr algn="l" eaLnBrk="1" hangingPunct="1">
+              <a:lnSpc>
+                <a:spcPct val="150000"/>
+              </a:lnSpc>
+            </a:pPr>
+            <a:r>
+              <a:rPr lang="en-US" sz="1200">
+                <a:solidFill>
+                  <a:schemeClr val="tx1"/>
+                </a:solidFill>
+                <a:effectLst>
+                  <a:outerShdw blurRad="38100" dist="38100" dir="2700000" algn="tl">
+                    <a:srgbClr val="C0C0C0"/>
+                  </a:outerShdw>
+                </a:effectLst>
+                <a:sym typeface="+mn-ea"/>
+              </a:rPr>
+              <a:t>antD </a:t>
+            </a:r>
+            <a:r>
+              <a:rPr lang="zh-CN" altLang="en-US" sz="1200">
+                <a:solidFill>
+                  <a:schemeClr val="tx1"/>
+                </a:solidFill>
+                <a:effectLst>
+                  <a:outerShdw blurRad="38100" dist="38100" dir="2700000" algn="tl">
+                    <a:srgbClr val="C0C0C0"/>
+                  </a:outerShdw>
+                </a:effectLst>
+                <a:sym typeface="+mn-ea"/>
+              </a:rPr>
+              <a:t>同上</a:t>
+            </a:r>
+            <a:endParaRPr altLang="zh-CN" sz="1200" noProof="1">
+              <a:solidFill>
+                <a:schemeClr val="tx1"/>
+              </a:solidFill>
+              <a:effectLst>
+                <a:outerShdw blurRad="38100" dist="38100" dir="2700000" algn="tl">
+                  <a:srgbClr val="C0C0C0"/>
+                </a:outerShdw>
+              </a:effectLst>
+            </a:endParaRPr>
+          </a:p>
+          <a:p>
+            <a:pPr algn="l" eaLnBrk="1" hangingPunct="1">
+              <a:lnSpc>
+                <a:spcPct val="150000"/>
+              </a:lnSpc>
+            </a:pPr>
+            <a:r>
+              <a:rPr altLang="zh-CN" sz="1200">
+                <a:solidFill>
+                  <a:schemeClr val="tx1"/>
+                </a:solidFill>
+                <a:effectLst>
+                  <a:outerShdw blurRad="38100" dist="38100" dir="2700000" algn="tl">
+                    <a:srgbClr val="C0C0C0"/>
+                  </a:outerShdw>
+                </a:effectLst>
+                <a:sym typeface="+mn-ea"/>
+              </a:rPr>
+              <a:t>iview 基于 vue 的另一套后台组件库。</a:t>
+            </a:r>
+            <a:endParaRPr altLang="zh-CN" sz="1200" noProof="1">
+              <a:solidFill>
+                <a:schemeClr val="tx1"/>
+              </a:solidFill>
+              <a:effectLst>
+                <a:outerShdw blurRad="38100" dist="38100" dir="2700000" algn="tl">
+                  <a:srgbClr val="C0C0C0"/>
+                </a:outerShdw>
+              </a:effectLst>
+            </a:endParaRPr>
+          </a:p>
+          <a:p>
+            <a:pPr algn="l" eaLnBrk="1" hangingPunct="1">
+              <a:lnSpc>
+                <a:spcPct val="150000"/>
+              </a:lnSpc>
+            </a:pPr>
+            <a:r>
+              <a:rPr altLang="zh-CN" sz="1200">
+                <a:solidFill>
+                  <a:schemeClr val="tx1"/>
+                </a:solidFill>
+                <a:effectLst>
+                  <a:outerShdw blurRad="38100" dist="38100" dir="2700000" algn="tl">
+                    <a:srgbClr val="C0C0C0"/>
+                  </a:outerShdw>
+                </a:effectLst>
+                <a:sym typeface="+mn-ea"/>
+              </a:rPr>
+              <a:t>vue-cli vue 项目脚手架。一键安装 vue 全家桶的工具。</a:t>
+            </a:r>
+            <a:endParaRPr altLang="zh-CN" sz="1200" noProof="1">
+              <a:solidFill>
+                <a:schemeClr val="tx1"/>
+              </a:solidFill>
+              <a:effectLst>
+                <a:outerShdw blurRad="38100" dist="38100" dir="2700000" algn="tl">
+                  <a:srgbClr val="C0C0C0"/>
+                </a:outerShdw>
+              </a:effectLst>
+            </a:endParaRPr>
+          </a:p>
+          <a:p>
+            <a:endParaRPr lang="zh-CN" altLang="en-US" sz="1200"/>
+          </a:p>
+        </p:txBody>
+      </p:sp>
+      <p:sp>
+        <p:nvSpPr>
+          <p:cNvPr id="4" name="日期占位符 3"/>
+          <p:cNvSpPr>
+            <a:spLocks noGrp="1"/>
+          </p:cNvSpPr>
+          <p:nvPr>
+            <p:ph type="dt" sz="half" idx="10"/>
+          </p:nvPr>
+        </p:nvSpPr>
+        <p:spPr/>
+        <p:txBody>
+          <a:bodyPr/>
+          <a:p>
+            <a:pPr>
+              <a:defRPr/>
+            </a:pPr>
+            <a:fld id="{BDABD382-6269-4314-BED9-F777FF741BD9}" type="datetime1">
+              <a:rPr lang="zh-CN" altLang="en-US"/>
+            </a:fld>
+            <a:endParaRPr lang="zh-CN" altLang="en-US" dirty="0"/>
+          </a:p>
+        </p:txBody>
+      </p:sp>
+      <p:sp>
+        <p:nvSpPr>
+          <p:cNvPr id="5" name="灯片编号占位符 4"/>
+          <p:cNvSpPr>
+            <a:spLocks noGrp="1"/>
+          </p:cNvSpPr>
+          <p:nvPr>
+            <p:ph type="sldNum" sz="quarter" idx="12"/>
+          </p:nvPr>
+        </p:nvSpPr>
+        <p:spPr/>
+        <p:txBody>
+          <a:bodyPr/>
+          <a:p>
+            <a:pPr>
+              <a:defRPr/>
+            </a:pPr>
+            <a:fld id="{24CDF228-198A-44C2-BDC3-8F2BB7497790}" type="slidenum">
+              <a:rPr lang="zh-CN" altLang="en-US"/>
+            </a:fld>
+            <a:endParaRPr lang="zh-CN" altLang="en-US" dirty="0"/>
+          </a:p>
+        </p:txBody>
+      </p:sp>
+    </p:spTree>
+  </p:cSld>
+  <p:clrMapOvr>
+    <a:masterClrMapping/>
+  </p:clrMapOvr>
+</p:sld>
+</file>
+
+<file path=ppt/slides/slide6.xml><?xml version="1.0" encoding="utf-8"?>
+<p:sld xmlns:a="http://schemas.openxmlformats.org/drawingml/2006/main" xmlns:r="http://schemas.openxmlformats.org/officeDocument/2006/relationships" xmlns:p="http://schemas.openxmlformats.org/presentationml/2006/main">
+  <p:cSld>
+    <p:spTree>
+      <p:nvGrpSpPr>
+        <p:cNvPr id="1" name=""/>
+        <p:cNvGrpSpPr/>
+        <p:nvPr/>
+      </p:nvGrpSpPr>
+      <p:grpSpPr/>
+      <p:sp>
+        <p:nvSpPr>
+          <p:cNvPr id="2" name="标题 1"/>
+          <p:cNvSpPr>
+            <a:spLocks noGrp="1"/>
+          </p:cNvSpPr>
+          <p:nvPr>
+            <p:ph type="title"/>
+          </p:nvPr>
+        </p:nvSpPr>
+        <p:spPr/>
+        <p:txBody>
+          <a:bodyPr/>
+          <a:p>
+            <a:r>
+              <a:rPr lang="zh-CN" altLang="en-US"/>
+              <a:t>我需要掌握什么</a:t>
+            </a:r>
+            <a:endParaRPr lang="zh-CN" altLang="en-US"/>
+          </a:p>
+        </p:txBody>
+      </p:sp>
+      <p:sp>
+        <p:nvSpPr>
+          <p:cNvPr id="3" name="内容占位符 2"/>
+          <p:cNvSpPr>
+            <a:spLocks noGrp="1"/>
+          </p:cNvSpPr>
+          <p:nvPr>
+            <p:ph idx="1"/>
+          </p:nvPr>
+        </p:nvSpPr>
+        <p:spPr/>
+        <p:txBody>
+          <a:bodyPr/>
+          <a:p>
+            <a:pPr eaLnBrk="1" hangingPunct="1">
+              <a:lnSpc>
+                <a:spcPct val="150000"/>
+              </a:lnSpc>
+              <a:spcBef>
+                <a:spcPts val="300"/>
+              </a:spcBef>
+              <a:buClr>
+                <a:srgbClr val="00479D"/>
+              </a:buClr>
+              <a:buSzPct val="60000"/>
+              <a:buFont typeface="Wingdings" panose="05000000000000000000" pitchFamily="2" charset="2"/>
+              <a:buNone/>
+            </a:pPr>
+            <a:r>
+              <a:rPr lang="en-US" altLang="zh-CN" sz="1800" dirty="0" err="1">
+                <a:effectLst>
+                  <a:outerShdw blurRad="38100" dist="38100" dir="2700000" algn="tl">
+                    <a:srgbClr val="C0C0C0"/>
+                  </a:outerShdw>
+                </a:effectLst>
+                <a:sym typeface="Calibri" panose="020F0502020204030204" charset="0"/>
+              </a:rPr>
+              <a:t>html+css+js</a:t>
+            </a:r>
+            <a:endParaRPr lang="en-US" altLang="zh-CN" sz="1800" dirty="0">
+              <a:effectLst>
+                <a:outerShdw blurRad="38100" dist="38100" dir="2700000" algn="tl">
+                  <a:srgbClr val="C0C0C0"/>
+                </a:outerShdw>
+              </a:effectLst>
+              <a:sym typeface="Calibri" panose="020F0502020204030204" charset="0"/>
+            </a:endParaRPr>
+          </a:p>
+          <a:p>
+            <a:pPr eaLnBrk="1" hangingPunct="1">
+              <a:lnSpc>
+                <a:spcPct val="150000"/>
+              </a:lnSpc>
+              <a:spcBef>
+                <a:spcPts val="300"/>
+              </a:spcBef>
+              <a:buClr>
+                <a:srgbClr val="00479D"/>
+              </a:buClr>
+              <a:buSzPct val="60000"/>
+              <a:buFont typeface="Wingdings" panose="05000000000000000000" pitchFamily="2" charset="2"/>
+              <a:buNone/>
+            </a:pPr>
+            <a:r>
+              <a:rPr lang="en-US" altLang="zh-CN" sz="1800" dirty="0">
+                <a:effectLst>
+                  <a:outerShdw blurRad="38100" dist="38100" dir="2700000" algn="tl">
+                    <a:srgbClr val="C0C0C0"/>
+                  </a:outerShdw>
+                </a:effectLst>
+                <a:sym typeface="Calibri" panose="020F0502020204030204" charset="0"/>
+              </a:rPr>
+              <a:t>es5 es6</a:t>
+            </a:r>
+            <a:endParaRPr lang="en-US" altLang="zh-CN" sz="1800" dirty="0">
+              <a:effectLst>
+                <a:outerShdw blurRad="38100" dist="38100" dir="2700000" algn="tl">
+                  <a:srgbClr val="C0C0C0"/>
+                </a:outerShdw>
+              </a:effectLst>
+              <a:sym typeface="Calibri" panose="020F0502020204030204" charset="0"/>
+            </a:endParaRPr>
+          </a:p>
+          <a:p>
+            <a:pPr eaLnBrk="1" hangingPunct="1">
+              <a:lnSpc>
+                <a:spcPct val="150000"/>
+              </a:lnSpc>
+              <a:spcBef>
+                <a:spcPts val="300"/>
+              </a:spcBef>
+              <a:buClr>
+                <a:srgbClr val="00479D"/>
+              </a:buClr>
+              <a:buSzPct val="60000"/>
+              <a:buFont typeface="Wingdings" panose="05000000000000000000" pitchFamily="2" charset="2"/>
+              <a:buNone/>
+            </a:pPr>
+            <a:r>
+              <a:rPr lang="en-US" altLang="zh-CN" sz="1800" dirty="0" err="1">
+                <a:effectLst>
+                  <a:outerShdw blurRad="38100" dist="38100" dir="2700000" algn="tl">
+                    <a:srgbClr val="C0C0C0"/>
+                  </a:outerShdw>
+                </a:effectLst>
+                <a:sym typeface="Calibri" panose="020F0502020204030204" charset="0"/>
+              </a:rPr>
+              <a:t>npm</a:t>
+            </a:r>
+            <a:r>
+              <a:rPr lang="en-US" altLang="zh-CN" sz="1800" dirty="0">
+                <a:effectLst>
+                  <a:outerShdw blurRad="38100" dist="38100" dir="2700000" algn="tl">
+                    <a:srgbClr val="C0C0C0"/>
+                  </a:outerShdw>
+                </a:effectLst>
+                <a:sym typeface="Calibri" panose="020F0502020204030204" charset="0"/>
+              </a:rPr>
+              <a:t> </a:t>
+            </a:r>
+            <a:r>
+              <a:rPr lang="zh-CN" altLang="en-US" sz="1800" dirty="0">
+                <a:effectLst>
+                  <a:outerShdw blurRad="38100" dist="38100" dir="2700000" algn="tl">
+                    <a:srgbClr val="C0C0C0"/>
+                  </a:outerShdw>
+                </a:effectLst>
+                <a:sym typeface="Calibri" panose="020F0502020204030204" charset="0"/>
+              </a:rPr>
+              <a:t>基础指令</a:t>
+            </a:r>
+            <a:endParaRPr lang="zh-CN" altLang="en-US" sz="1800" dirty="0">
+              <a:effectLst>
+                <a:outerShdw blurRad="38100" dist="38100" dir="2700000" algn="tl">
+                  <a:srgbClr val="C0C0C0"/>
+                </a:outerShdw>
+              </a:effectLst>
+              <a:sym typeface="Calibri" panose="020F0502020204030204" charset="0"/>
+            </a:endParaRPr>
+          </a:p>
+          <a:p>
+            <a:pPr eaLnBrk="1" hangingPunct="1">
+              <a:lnSpc>
+                <a:spcPct val="150000"/>
+              </a:lnSpc>
+              <a:spcBef>
+                <a:spcPts val="300"/>
+              </a:spcBef>
+              <a:buClr>
+                <a:srgbClr val="00479D"/>
+              </a:buClr>
+              <a:buSzPct val="60000"/>
+              <a:buFont typeface="Wingdings" panose="05000000000000000000" pitchFamily="2" charset="2"/>
+              <a:buNone/>
+            </a:pPr>
+            <a:r>
+              <a:rPr lang="zh-CN" altLang="en-US" sz="1800" dirty="0">
+                <a:effectLst>
+                  <a:outerShdw blurRad="38100" dist="38100" dir="2700000" algn="tl">
+                    <a:srgbClr val="C0C0C0"/>
+                  </a:outerShdw>
+                </a:effectLst>
+                <a:sym typeface="Calibri" panose="020F0502020204030204" charset="0"/>
+              </a:rPr>
+              <a:t>编译器</a:t>
+            </a:r>
+            <a:endParaRPr lang="zh-CN" altLang="en-US" sz="1800" dirty="0">
+              <a:effectLst>
+                <a:outerShdw blurRad="38100" dist="38100" dir="2700000" algn="tl">
+                  <a:srgbClr val="C0C0C0"/>
+                </a:outerShdw>
+              </a:effectLst>
+              <a:sym typeface="Calibri" panose="020F0502020204030204" charset="0"/>
+            </a:endParaRPr>
+          </a:p>
+          <a:p>
+            <a:pPr eaLnBrk="1" hangingPunct="1">
+              <a:lnSpc>
+                <a:spcPct val="150000"/>
+              </a:lnSpc>
+              <a:spcBef>
+                <a:spcPts val="300"/>
+              </a:spcBef>
+              <a:buClr>
+                <a:srgbClr val="00479D"/>
+              </a:buClr>
+              <a:buSzPct val="60000"/>
+              <a:buFont typeface="Wingdings" panose="05000000000000000000" pitchFamily="2" charset="2"/>
+              <a:buNone/>
+            </a:pPr>
+            <a:r>
+              <a:rPr lang="zh-CN" altLang="en-US" sz="6000" dirty="0">
+                <a:effectLst>
+                  <a:outerShdw blurRad="38100" dist="38100" dir="2700000" algn="tl">
+                    <a:srgbClr val="C0C0C0"/>
+                  </a:outerShdw>
+                </a:effectLst>
+                <a:sym typeface="Calibri" panose="020F0502020204030204" charset="0"/>
+              </a:rPr>
+              <a:t>百度</a:t>
+            </a:r>
+            <a:endParaRPr lang="zh-CN" altLang="en-US" sz="6000" dirty="0">
+              <a:effectLst>
+                <a:outerShdw blurRad="38100" dist="38100" dir="2700000" algn="tl">
+                  <a:srgbClr val="C0C0C0"/>
+                </a:outerShdw>
+              </a:effectLst>
+              <a:sym typeface="Calibri" panose="020F0502020204030204" charset="0"/>
+            </a:endParaRPr>
+          </a:p>
+          <a:p>
+            <a:endParaRPr lang="zh-CN" altLang="en-US" sz="6000"/>
+          </a:p>
+        </p:txBody>
+      </p:sp>
+      <p:sp>
+        <p:nvSpPr>
+          <p:cNvPr id="4" name="日期占位符 3"/>
+          <p:cNvSpPr>
+            <a:spLocks noGrp="1"/>
+          </p:cNvSpPr>
+          <p:nvPr>
+            <p:ph type="dt" sz="half" idx="10"/>
+          </p:nvPr>
+        </p:nvSpPr>
+        <p:spPr/>
+        <p:txBody>
+          <a:bodyPr/>
+          <a:p>
+            <a:pPr>
+              <a:defRPr/>
+            </a:pPr>
+            <a:fld id="{BDABD382-6269-4314-BED9-F777FF741BD9}" type="datetime1">
+              <a:rPr lang="zh-CN" altLang="en-US"/>
+            </a:fld>
+            <a:endParaRPr lang="zh-CN" altLang="en-US" dirty="0"/>
+          </a:p>
+        </p:txBody>
+      </p:sp>
+      <p:sp>
+        <p:nvSpPr>
+          <p:cNvPr id="5" name="灯片编号占位符 4"/>
+          <p:cNvSpPr>
+            <a:spLocks noGrp="1"/>
+          </p:cNvSpPr>
+          <p:nvPr>
+            <p:ph type="sldNum" sz="quarter" idx="12"/>
+          </p:nvPr>
+        </p:nvSpPr>
+        <p:spPr/>
+        <p:txBody>
+          <a:bodyPr/>
+          <a:p>
+            <a:pPr>
+              <a:defRPr/>
+            </a:pPr>
+            <a:fld id="{24CDF228-198A-44C2-BDC3-8F2BB7497790}" type="slidenum">
+              <a:rPr lang="zh-CN" altLang="en-US"/>
+            </a:fld>
+            <a:endParaRPr lang="zh-CN" altLang="en-US" dirty="0"/>
+          </a:p>
+        </p:txBody>
+      </p:sp>
+      <p:pic>
+        <p:nvPicPr>
+          <p:cNvPr id="6" name="图片 5"/>
+          <p:cNvPicPr>
+            <a:picLocks noChangeAspect="1"/>
+          </p:cNvPicPr>
+          <p:nvPr>
+            <p:custDataLst>
+              <p:tags r:id="rId1"/>
+            </p:custDataLst>
+          </p:nvPr>
+        </p:nvPicPr>
+        <p:blipFill>
+          <a:blip r:embed="rId2"/>
+          <a:stretch>
+            <a:fillRect/>
+          </a:stretch>
+        </p:blipFill>
+        <p:spPr>
+          <a:xfrm>
+            <a:off x="4345940" y="2127250"/>
+            <a:ext cx="4020185" cy="2604135"/>
+          </a:xfrm>
+          <a:prstGeom prst="rect">
+            <a:avLst/>
+          </a:prstGeom>
+        </p:spPr>
+      </p:pic>
+    </p:spTree>
+  </p:cSld>
+  <p:clrMapOvr>
+    <a:masterClrMapping/>
+  </p:clrMapOvr>
+</p:sld>
+</file>
+
+<file path=ppt/slides/slide7.xml><?xml version="1.0" encoding="utf-8"?>
+<p:sld xmlns:a="http://schemas.openxmlformats.org/drawingml/2006/main" xmlns:r="http://schemas.openxmlformats.org/officeDocument/2006/relationships" xmlns:p="http://schemas.openxmlformats.org/presentationml/2006/main">
+  <p:cSld>
+    <p:spTree>
+      <p:nvGrpSpPr>
+        <p:cNvPr id="1" name=""/>
+        <p:cNvGrpSpPr/>
+        <p:nvPr/>
+      </p:nvGrpSpPr>
+      <p:grpSpPr/>
+      <p:sp>
+        <p:nvSpPr>
+          <p:cNvPr id="2" name="标题 1"/>
+          <p:cNvSpPr>
+            <a:spLocks noGrp="1"/>
+          </p:cNvSpPr>
+          <p:nvPr>
+            <p:ph type="title"/>
+          </p:nvPr>
+        </p:nvSpPr>
+        <p:spPr/>
+        <p:txBody>
+          <a:bodyPr/>
+          <a:p>
+            <a:r>
+              <a:rPr lang="zh-CN" altLang="en-US"/>
+              <a:t>了解</a:t>
+            </a:r>
+            <a:r>
+              <a:rPr lang="en-US" altLang="zh-CN"/>
+              <a:t>Vue</a:t>
+            </a:r>
+            <a:endParaRPr lang="en-US" altLang="zh-CN"/>
+          </a:p>
+        </p:txBody>
+      </p:sp>
+      <p:sp>
+        <p:nvSpPr>
+          <p:cNvPr id="3" name="内容占位符 2"/>
+          <p:cNvSpPr>
+            <a:spLocks noGrp="1"/>
+          </p:cNvSpPr>
+          <p:nvPr>
+            <p:ph idx="1"/>
+          </p:nvPr>
+        </p:nvSpPr>
+        <p:spPr/>
+        <p:txBody>
+          <a:bodyPr/>
+          <a:p>
+            <a:r>
+              <a:rPr lang="en-US" altLang="zh-CN"/>
+              <a:t>vue.js</a:t>
+            </a:r>
+            <a:r>
+              <a:rPr lang="zh-CN" altLang="en-US"/>
+              <a:t>是什么</a:t>
+            </a:r>
+            <a:endParaRPr lang="en-US" altLang="zh-CN"/>
+          </a:p>
+          <a:p>
+            <a:r>
+              <a:rPr lang="en-US" altLang="zh-CN"/>
+              <a:t>vue</a:t>
+            </a:r>
+            <a:r>
+              <a:rPr lang="zh-CN" altLang="en-US"/>
+              <a:t>和传统</a:t>
+            </a:r>
+            <a:r>
+              <a:rPr lang="en-US" altLang="zh-CN"/>
+              <a:t>jquery</a:t>
+            </a:r>
+            <a:r>
+              <a:rPr lang="zh-CN" altLang="en-US"/>
+              <a:t>有什么区别？</a:t>
+            </a:r>
+            <a:endParaRPr lang="zh-CN" altLang="en-US"/>
+          </a:p>
+          <a:p>
+            <a:r>
+              <a:rPr lang="zh-CN" altLang="en-US"/>
+              <a:t>啥是响应式数据绑定</a:t>
+            </a:r>
+            <a:endParaRPr lang="zh-CN" altLang="en-US"/>
+          </a:p>
+          <a:p>
+            <a:r>
+              <a:rPr lang="zh-CN" altLang="en-US"/>
+              <a:t>什么是组件化开发</a:t>
+            </a:r>
+            <a:endParaRPr lang="zh-CN" altLang="en-US"/>
+          </a:p>
+          <a:p>
+            <a:r>
+              <a:rPr lang="zh-CN" altLang="en-US"/>
+              <a:t>虚拟</a:t>
+            </a:r>
+            <a:r>
+              <a:rPr lang="en-US" altLang="zh-CN"/>
+              <a:t>dom</a:t>
+            </a:r>
+            <a:endParaRPr lang="zh-CN" altLang="en-US"/>
+          </a:p>
+          <a:p>
+            <a:pPr marL="0" indent="0">
+              <a:buNone/>
+            </a:pPr>
+            <a:endParaRPr lang="en-US" altLang="zh-CN"/>
+          </a:p>
+        </p:txBody>
+      </p:sp>
+      <p:sp>
+        <p:nvSpPr>
+          <p:cNvPr id="4" name="日期占位符 3"/>
+          <p:cNvSpPr>
+            <a:spLocks noGrp="1"/>
+          </p:cNvSpPr>
+          <p:nvPr>
+            <p:ph type="dt" sz="half" idx="10"/>
+          </p:nvPr>
+        </p:nvSpPr>
+        <p:spPr/>
+        <p:txBody>
+          <a:bodyPr/>
+          <a:p>
+            <a:pPr>
+              <a:defRPr/>
+            </a:pPr>
+            <a:fld id="{BDABD382-6269-4314-BED9-F777FF741BD9}" type="datetime1">
+              <a:rPr lang="zh-CN" altLang="en-US"/>
+            </a:fld>
+            <a:endParaRPr lang="zh-CN" altLang="en-US" dirty="0"/>
+          </a:p>
+        </p:txBody>
+      </p:sp>
+      <p:sp>
+        <p:nvSpPr>
+          <p:cNvPr id="5" name="灯片编号占位符 4"/>
+          <p:cNvSpPr>
+            <a:spLocks noGrp="1"/>
+          </p:cNvSpPr>
+          <p:nvPr>
+            <p:ph type="sldNum" sz="quarter" idx="12"/>
+          </p:nvPr>
+        </p:nvSpPr>
+        <p:spPr/>
+        <p:txBody>
+          <a:bodyPr/>
+          <a:p>
+            <a:pPr>
+              <a:defRPr/>
+            </a:pPr>
+            <a:fld id="{24CDF228-198A-44C2-BDC3-8F2BB7497790}" type="slidenum">
+              <a:rPr lang="zh-CN" altLang="en-US"/>
+            </a:fld>
+            <a:endParaRPr lang="zh-CN" altLang="en-US" dirty="0"/>
+          </a:p>
+        </p:txBody>
+      </p:sp>
+      <p:pic>
+        <p:nvPicPr>
+          <p:cNvPr id="6" name="图片 5"/>
+          <p:cNvPicPr>
+            <a:picLocks noChangeAspect="1"/>
+          </p:cNvPicPr>
+          <p:nvPr/>
+        </p:nvPicPr>
+        <p:blipFill>
+          <a:blip r:embed="rId1"/>
+          <a:stretch>
+            <a:fillRect/>
+          </a:stretch>
+        </p:blipFill>
+        <p:spPr>
+          <a:xfrm>
+            <a:off x="5154930" y="3136900"/>
+            <a:ext cx="3495675" cy="2962275"/>
+          </a:xfrm>
+          <a:prstGeom prst="rect">
+            <a:avLst/>
+          </a:prstGeom>
+        </p:spPr>
+      </p:pic>
+    </p:spTree>
+  </p:cSld>
+  <p:clrMapOvr>
+    <a:masterClrMapping/>
+  </p:clrMapOvr>
+</p:sld>
+</file>
+
+<file path=ppt/slides/slide8.xml><?xml version="1.0" encoding="utf-8"?>
+<p:sld xmlns:a="http://schemas.openxmlformats.org/drawingml/2006/main" xmlns:r="http://schemas.openxmlformats.org/officeDocument/2006/relationships" xmlns:p="http://schemas.openxmlformats.org/presentationml/2006/main">
+  <p:cSld>
+    <p:spTree>
+      <p:nvGrpSpPr>
+        <p:cNvPr id="1" name=""/>
+        <p:cNvGrpSpPr/>
+        <p:nvPr/>
+      </p:nvGrpSpPr>
+      <p:grpSpPr/>
+      <p:sp>
+        <p:nvSpPr>
+          <p:cNvPr id="2" name="标题 1"/>
+          <p:cNvSpPr>
+            <a:spLocks noGrp="1"/>
+          </p:cNvSpPr>
+          <p:nvPr>
+            <p:ph type="title"/>
+          </p:nvPr>
+        </p:nvSpPr>
+        <p:spPr/>
+        <p:txBody>
+          <a:bodyPr/>
+          <a:p>
+            <a:r>
+              <a:rPr lang="en-US" altLang="zh-CN"/>
+              <a:t>Vue</a:t>
+            </a:r>
+            <a:r>
+              <a:rPr lang="zh-CN" altLang="en-US"/>
+              <a:t>的优点</a:t>
+            </a:r>
+            <a:endParaRPr lang="zh-CN" altLang="en-US"/>
+          </a:p>
+        </p:txBody>
+      </p:sp>
+      <p:sp>
+        <p:nvSpPr>
+          <p:cNvPr id="3" name="内容占位符 2"/>
+          <p:cNvSpPr>
+            <a:spLocks noGrp="1"/>
+          </p:cNvSpPr>
+          <p:nvPr>
+            <p:ph idx="1"/>
+          </p:nvPr>
+        </p:nvSpPr>
+        <p:spPr/>
+        <p:txBody>
+          <a:bodyPr/>
+          <a:p>
+            <a:pPr algn="l" eaLnBrk="1" hangingPunct="1">
+              <a:lnSpc>
+                <a:spcPct val="150000"/>
+              </a:lnSpc>
+            </a:pPr>
+            <a:r>
+              <a:rPr lang="en-US" altLang="zh-CN" sz="1600">
+                <a:sym typeface="+mn-ea"/>
+              </a:rPr>
+              <a:t> 主要解决了 mvc 中大量的 DOM 操作使页面渲染性能降低，加载速度变慢，影响用户体验</a:t>
+            </a:r>
+            <a:endParaRPr lang="en-US" altLang="zh-CN" sz="1600">
+              <a:sym typeface="+mn-ea"/>
+            </a:endParaRPr>
+          </a:p>
+          <a:p>
+            <a:pPr algn="l" eaLnBrk="1" hangingPunct="1">
+              <a:lnSpc>
+                <a:spcPct val="150000"/>
+              </a:lnSpc>
+            </a:pPr>
+            <a:r>
+              <a:rPr lang="en-US" altLang="zh-CN" sz="1600">
+                <a:sym typeface="+mn-ea"/>
+              </a:rPr>
+              <a:t> 低耦合 视图（View）可以独立于 Model 变化和修改</a:t>
+            </a:r>
+            <a:endParaRPr lang="en-US" altLang="zh-CN" sz="1600">
+              <a:sym typeface="+mn-ea"/>
+            </a:endParaRPr>
+          </a:p>
+          <a:p>
+            <a:pPr algn="l" eaLnBrk="1" hangingPunct="1">
+              <a:lnSpc>
+                <a:spcPct val="150000"/>
+              </a:lnSpc>
+            </a:pPr>
+            <a:r>
+              <a:rPr lang="en-US" altLang="zh-CN" sz="1600">
+                <a:sym typeface="+mn-ea"/>
+              </a:rPr>
+              <a:t>开发人员可以专注于业务逻辑和数据的开发（ViewModel），设计人员可以专注于页面设计</a:t>
+            </a:r>
+            <a:endParaRPr lang="zh-CN" altLang="en-US" sz="1600"/>
+          </a:p>
+        </p:txBody>
+      </p:sp>
+      <p:sp>
+        <p:nvSpPr>
+          <p:cNvPr id="4" name="日期占位符 3"/>
+          <p:cNvSpPr>
+            <a:spLocks noGrp="1"/>
+          </p:cNvSpPr>
+          <p:nvPr>
+            <p:ph type="dt" sz="half" idx="10"/>
+          </p:nvPr>
+        </p:nvSpPr>
+        <p:spPr/>
+        <p:txBody>
+          <a:bodyPr/>
+          <a:p>
+            <a:pPr>
+              <a:defRPr/>
+            </a:pPr>
+            <a:fld id="{BDABD382-6269-4314-BED9-F777FF741BD9}" type="datetime1">
+              <a:rPr lang="zh-CN" altLang="en-US"/>
+            </a:fld>
+            <a:endParaRPr lang="zh-CN" altLang="en-US" dirty="0"/>
+          </a:p>
+        </p:txBody>
+      </p:sp>
+      <p:sp>
+        <p:nvSpPr>
+          <p:cNvPr id="5" name="灯片编号占位符 4"/>
+          <p:cNvSpPr>
+            <a:spLocks noGrp="1"/>
+          </p:cNvSpPr>
+          <p:nvPr>
+            <p:ph type="sldNum" sz="quarter" idx="12"/>
+          </p:nvPr>
+        </p:nvSpPr>
+        <p:spPr/>
+        <p:txBody>
+          <a:bodyPr/>
+          <a:p>
+            <a:pPr>
+              <a:defRPr/>
+            </a:pPr>
+            <a:fld id="{24CDF228-198A-44C2-BDC3-8F2BB7497790}" type="slidenum">
+              <a:rPr lang="zh-CN" altLang="en-US"/>
+            </a:fld>
+            <a:endParaRPr lang="zh-CN" altLang="en-US" dirty="0"/>
+          </a:p>
+        </p:txBody>
+      </p:sp>
+    </p:spTree>
+  </p:cSld>
+  <p:clrMapOvr>
+    <a:masterClrMapping/>
+  </p:clrMapOvr>
+</p:sld>
+</file>
+
+<file path=ppt/slides/slide9.xml><?xml version="1.0" encoding="utf-8"?>
+<p:sld xmlns:a="http://schemas.openxmlformats.org/drawingml/2006/main" xmlns:r="http://schemas.openxmlformats.org/officeDocument/2006/relationships" xmlns:p="http://schemas.openxmlformats.org/presentationml/2006/main">
+  <p:cSld>
+    <p:spTree>
+      <p:nvGrpSpPr>
+        <p:cNvPr id="1" name=""/>
+        <p:cNvGrpSpPr/>
+        <p:nvPr/>
+      </p:nvGrpSpPr>
+      <p:grpSpPr/>
+      <p:sp>
+        <p:nvSpPr>
+          <p:cNvPr id="2" name="标题 1"/>
+          <p:cNvSpPr>
+            <a:spLocks noGrp="1"/>
+          </p:cNvSpPr>
+          <p:nvPr>
+            <p:ph type="title"/>
+          </p:nvPr>
+        </p:nvSpPr>
+        <p:spPr/>
+        <p:txBody>
+          <a:bodyPr/>
+          <a:p>
+            <a:r>
+              <a:rPr lang="zh-CN" altLang="en-US"/>
+              <a:t>声明周期</a:t>
+            </a:r>
+            <a:endParaRPr lang="zh-CN" altLang="en-US"/>
+          </a:p>
+        </p:txBody>
+      </p:sp>
+      <p:sp>
+        <p:nvSpPr>
+          <p:cNvPr id="4" name="日期占位符 3"/>
+          <p:cNvSpPr>
+            <a:spLocks noGrp="1"/>
+          </p:cNvSpPr>
+          <p:nvPr>
+            <p:ph type="dt" sz="half" idx="10"/>
+          </p:nvPr>
+        </p:nvSpPr>
+        <p:spPr/>
+        <p:txBody>
+          <a:bodyPr/>
+          <a:p>
+            <a:pPr>
+              <a:defRPr/>
+            </a:pPr>
+            <a:fld id="{BDABD382-6269-4314-BED9-F777FF741BD9}" type="datetime1">
+              <a:rPr lang="zh-CN" altLang="en-US"/>
+            </a:fld>
+            <a:endParaRPr lang="zh-CN" altLang="en-US" dirty="0"/>
+          </a:p>
+        </p:txBody>
+      </p:sp>
+      <p:sp>
+        <p:nvSpPr>
+          <p:cNvPr id="5" name="灯片编号占位符 4"/>
+          <p:cNvSpPr>
+            <a:spLocks noGrp="1"/>
+          </p:cNvSpPr>
+          <p:nvPr>
+            <p:ph type="sldNum" sz="quarter" idx="12"/>
+          </p:nvPr>
+        </p:nvSpPr>
+        <p:spPr/>
+        <p:txBody>
+          <a:bodyPr/>
+          <a:p>
+            <a:pPr>
+              <a:defRPr/>
+            </a:pPr>
+            <a:fld id="{24CDF228-198A-44C2-BDC3-8F2BB7497790}" type="slidenum">
+              <a:rPr lang="zh-CN" altLang="en-US"/>
+            </a:fld>
+            <a:endParaRPr lang="zh-CN" altLang="en-US" dirty="0"/>
+          </a:p>
+        </p:txBody>
+      </p:sp>
+      <p:pic>
+        <p:nvPicPr>
+          <p:cNvPr id="6" name="内容占位符 5"/>
+          <p:cNvPicPr>
+            <a:picLocks noChangeAspect="1"/>
+          </p:cNvPicPr>
+          <p:nvPr>
+            <p:ph idx="1"/>
+          </p:nvPr>
+        </p:nvPicPr>
+        <p:blipFill>
+          <a:blip r:embed="rId1"/>
+          <a:stretch>
+            <a:fillRect/>
+          </a:stretch>
+        </p:blipFill>
+        <p:spPr>
+          <a:xfrm>
+            <a:off x="3590925" y="980440"/>
+            <a:ext cx="2104390" cy="5328285"/>
+          </a:xfrm>
+          <a:prstGeom prst="rect">
+            <a:avLst/>
+          </a:prstGeom>
+        </p:spPr>
+      </p:pic>
+    </p:spTree>
+  </p:cSld>
+  <p:clrMapOvr>
+    <a:masterClrMapping/>
+  </p:clrMapOvr>
+</p:sld>
+</file>
+
+<file path=ppt/tags/tag1.xml><?xml version="1.0" encoding="utf-8"?>
+<p:tagLst xmlns:p="http://schemas.openxmlformats.org/presentationml/2006/main">
+  <p:tag name="KSO_WM_UNIT_PLACING_PICTURE_USER_VIEWPORT" val="{&quot;height&quot;:4101,&quot;width&quot;:6331}"/>
+</p:tagLst>
 </file>
 
 <file path=ppt/theme/theme1.xml><?xml version="1.0" encoding="utf-8"?>

--- a/vue培训 v1.pptx
+++ b/vue培训 v1.pptx
@@ -5,22 +5,23 @@
     <p:sldMasterId id="2147483648" r:id="rId1"/>
   </p:sldMasterIdLst>
   <p:notesMasterIdLst>
-    <p:notesMasterId r:id="rId7"/>
+    <p:notesMasterId r:id="rId16"/>
   </p:notesMasterIdLst>
   <p:sldIdLst>
-    <p:sldId id="256" r:id="rId3"/>
-    <p:sldId id="417" r:id="rId4"/>
-    <p:sldId id="416" r:id="rId5"/>
-    <p:sldId id="420" r:id="rId6"/>
-    <p:sldId id="422" r:id="rId8"/>
-    <p:sldId id="429" r:id="rId9"/>
-    <p:sldId id="421" r:id="rId10"/>
-    <p:sldId id="428" r:id="rId11"/>
-    <p:sldId id="423" r:id="rId12"/>
-    <p:sldId id="430" r:id="rId13"/>
-    <p:sldId id="424" r:id="rId14"/>
-    <p:sldId id="425" r:id="rId15"/>
-    <p:sldId id="282" r:id="rId16"/>
+    <p:sldId id="256" r:id="rId2"/>
+    <p:sldId id="417" r:id="rId3"/>
+    <p:sldId id="416" r:id="rId4"/>
+    <p:sldId id="420" r:id="rId5"/>
+    <p:sldId id="422" r:id="rId6"/>
+    <p:sldId id="429" r:id="rId7"/>
+    <p:sldId id="421" r:id="rId8"/>
+    <p:sldId id="428" r:id="rId9"/>
+    <p:sldId id="423" r:id="rId10"/>
+    <p:sldId id="431" r:id="rId11"/>
+    <p:sldId id="430" r:id="rId12"/>
+    <p:sldId id="424" r:id="rId13"/>
+    <p:sldId id="425" r:id="rId14"/>
+    <p:sldId id="282" r:id="rId15"/>
   </p:sldIdLst>
   <p:sldSz cx="9144000" cy="6858000" type="screen4x3"/>
   <p:notesSz cx="6858000" cy="9144000"/>
@@ -149,6 +150,22 @@
       </a:defRPr>
     </a:lvl9pPr>
   </p:defaultTextStyle>
+  <p:extLst>
+    <p:ext uri="{EFAFB233-063F-42B5-8137-9DF3F51BA10A}">
+      <p15:sldGuideLst xmlns:p15="http://schemas.microsoft.com/office/powerpoint/2012/main">
+        <p15:guide id="1" orient="horz" pos="459">
+          <p15:clr>
+            <a:srgbClr val="A4A3A4"/>
+          </p15:clr>
+        </p15:guide>
+        <p15:guide id="2" pos="521">
+          <p15:clr>
+            <a:srgbClr val="A4A3A4"/>
+          </p15:clr>
+        </p15:guide>
+      </p15:sldGuideLst>
+    </p:ext>
+  </p:extLst>
 </p:presentation>
 </file>
 
@@ -258,6 +275,7 @@
             </a:pPr>
             <a:fld id="{7A9227FD-1AA5-4687-B852-FE564BF3D676}" type="datetimeFigureOut">
               <a:rPr lang="zh-CN" altLang="en-US"/>
+              <a:t>2020/7/30</a:t>
             </a:fld>
             <a:endParaRPr lang="zh-CN" altLang="en-US"/>
           </a:p>
@@ -322,42 +340,37 @@
           <a:p>
             <a:pPr lvl="0"/>
             <a:r>
-              <a:rPr lang="zh-CN" altLang="en-US" noProof="0" smtClean="0"/>
+              <a:rPr lang="zh-CN" altLang="en-US" noProof="0"/>
               <a:t>单击此处编辑母版文本样式</a:t>
             </a:r>
-            <a:endParaRPr lang="zh-CN" altLang="en-US" noProof="0" smtClean="0"/>
           </a:p>
           <a:p>
             <a:pPr lvl="1"/>
             <a:r>
-              <a:rPr lang="zh-CN" altLang="en-US" noProof="0" smtClean="0"/>
+              <a:rPr lang="zh-CN" altLang="en-US" noProof="0"/>
               <a:t>第二级</a:t>
             </a:r>
-            <a:endParaRPr lang="zh-CN" altLang="en-US" noProof="0" smtClean="0"/>
           </a:p>
           <a:p>
             <a:pPr lvl="2"/>
             <a:r>
-              <a:rPr lang="zh-CN" altLang="en-US" noProof="0" smtClean="0"/>
+              <a:rPr lang="zh-CN" altLang="en-US" noProof="0"/>
               <a:t>第三级</a:t>
             </a:r>
-            <a:endParaRPr lang="zh-CN" altLang="en-US" noProof="0" smtClean="0"/>
           </a:p>
           <a:p>
             <a:pPr lvl="3"/>
             <a:r>
-              <a:rPr lang="zh-CN" altLang="en-US" noProof="0" smtClean="0"/>
+              <a:rPr lang="zh-CN" altLang="en-US" noProof="0"/>
               <a:t>第四级</a:t>
             </a:r>
-            <a:endParaRPr lang="zh-CN" altLang="en-US" noProof="0" smtClean="0"/>
           </a:p>
           <a:p>
             <a:pPr lvl="4"/>
             <a:r>
-              <a:rPr lang="zh-CN" altLang="en-US" noProof="0" smtClean="0"/>
+              <a:rPr lang="zh-CN" altLang="en-US" noProof="0"/>
               <a:t>第五级</a:t>
             </a:r>
-            <a:endParaRPr lang="zh-CN" altLang="en-US" noProof="0"/>
           </a:p>
         </p:txBody>
       </p:sp>
@@ -445,6 +458,7 @@
             </a:pPr>
             <a:fld id="{C74DDE03-70CE-4A7F-B333-382359835226}" type="slidenum">
               <a:rPr lang="zh-CN" altLang="en-US"/>
+              <a:t>‹#›</a:t>
             </a:fld>
             <a:endParaRPr lang="zh-CN" altLang="en-US"/>
           </a:p>
@@ -587,11 +601,20 @@
         <p:cNvGrpSpPr/>
         <p:nvPr/>
       </p:nvGrpSpPr>
-      <p:grpSpPr/>
+      <p:grpSpPr>
+        <a:xfrm>
+          <a:off x="0" y="0"/>
+          <a:ext cx="0" cy="0"/>
+          <a:chOff x="0" y="0"/>
+          <a:chExt cx="0" cy="0"/>
+        </a:xfrm>
+      </p:grpSpPr>
       <p:sp>
         <p:nvSpPr>
           <p:cNvPr id="2" name="幻灯片图像占位符 1"/>
-          <p:cNvSpPr/>
+          <p:cNvSpPr>
+            <a:spLocks noGrp="1" noRot="1" noChangeAspect="1"/>
+          </p:cNvSpPr>
           <p:nvPr>
             <p:ph type="sldImg" idx="2"/>
           </p:nvPr>
@@ -601,7 +624,9 @@
       <p:sp>
         <p:nvSpPr>
           <p:cNvPr id="3" name="文本占位符 2"/>
-          <p:cNvSpPr/>
+          <p:cNvSpPr>
+            <a:spLocks noGrp="1"/>
+          </p:cNvSpPr>
           <p:nvPr>
             <p:ph type="body" idx="3"/>
           </p:nvPr>
@@ -609,6 +634,7 @@
         <p:spPr/>
         <p:txBody>
           <a:bodyPr/>
+          <a:lstStyle/>
           <a:p>
             <a:endParaRPr lang="zh-CN" altLang="en-US"/>
           </a:p>
@@ -631,11 +657,20 @@
         <p:cNvGrpSpPr/>
         <p:nvPr/>
       </p:nvGrpSpPr>
-      <p:grpSpPr/>
+      <p:grpSpPr>
+        <a:xfrm>
+          <a:off x="0" y="0"/>
+          <a:ext cx="0" cy="0"/>
+          <a:chOff x="0" y="0"/>
+          <a:chExt cx="0" cy="0"/>
+        </a:xfrm>
+      </p:grpSpPr>
       <p:sp>
         <p:nvSpPr>
           <p:cNvPr id="2" name="幻灯片图像占位符 1"/>
-          <p:cNvSpPr/>
+          <p:cNvSpPr>
+            <a:spLocks noGrp="1" noRot="1" noChangeAspect="1"/>
+          </p:cNvSpPr>
           <p:nvPr>
             <p:ph type="sldImg" idx="2"/>
           </p:nvPr>
@@ -645,7 +680,9 @@
       <p:sp>
         <p:nvSpPr>
           <p:cNvPr id="3" name="文本占位符 2"/>
-          <p:cNvSpPr/>
+          <p:cNvSpPr>
+            <a:spLocks noGrp="1"/>
+          </p:cNvSpPr>
           <p:nvPr>
             <p:ph type="body" idx="3"/>
           </p:nvPr>
@@ -653,6 +690,7 @@
         <p:spPr/>
         <p:txBody>
           <a:bodyPr/>
+          <a:lstStyle/>
           <a:p>
             <a:endParaRPr lang="zh-CN" altLang="en-US"/>
           </a:p>
@@ -675,11 +713,20 @@
         <p:cNvGrpSpPr/>
         <p:nvPr/>
       </p:nvGrpSpPr>
-      <p:grpSpPr/>
+      <p:grpSpPr>
+        <a:xfrm>
+          <a:off x="0" y="0"/>
+          <a:ext cx="0" cy="0"/>
+          <a:chOff x="0" y="0"/>
+          <a:chExt cx="0" cy="0"/>
+        </a:xfrm>
+      </p:grpSpPr>
       <p:sp>
         <p:nvSpPr>
           <p:cNvPr id="2" name="幻灯片图像占位符 1"/>
-          <p:cNvSpPr/>
+          <p:cNvSpPr>
+            <a:spLocks noGrp="1" noRot="1" noChangeAspect="1"/>
+          </p:cNvSpPr>
           <p:nvPr>
             <p:ph type="sldImg" idx="2"/>
           </p:nvPr>
@@ -689,7 +736,9 @@
       <p:sp>
         <p:nvSpPr>
           <p:cNvPr id="3" name="文本占位符 2"/>
-          <p:cNvSpPr/>
+          <p:cNvSpPr>
+            <a:spLocks noGrp="1"/>
+          </p:cNvSpPr>
           <p:nvPr>
             <p:ph type="body" idx="3"/>
           </p:nvPr>
@@ -697,6 +746,7 @@
         <p:spPr/>
         <p:txBody>
           <a:bodyPr/>
+          <a:lstStyle/>
           <a:p>
             <a:r>
               <a:rPr lang="en-US" altLang="zh-CN" dirty="0">
@@ -735,93 +785,90 @@
           </a:p>
           <a:p>
             <a:r>
-              <a:rPr lang="en-US" altLang="zh-CN" dirty="0" smtClean="0">
+              <a:rPr lang="en-US" altLang="zh-CN" dirty="0">
                 <a:sym typeface="+mn-ea"/>
               </a:rPr>
               <a:t> 2 </a:t>
             </a:r>
             <a:r>
-              <a:rPr lang="en-US" altLang="zh-CN" dirty="0" err="1" smtClean="0">
+              <a:rPr lang="en-US" altLang="zh-CN" dirty="0" err="1">
                 <a:sym typeface="+mn-ea"/>
               </a:rPr>
               <a:t>jquey</a:t>
             </a:r>
             <a:r>
-              <a:rPr lang="zh-CN" altLang="en-US" dirty="0" smtClean="0">
+              <a:rPr lang="zh-CN" altLang="en-US" dirty="0">
                 <a:sym typeface="+mn-ea"/>
               </a:rPr>
               <a:t>是通过操作</a:t>
             </a:r>
             <a:r>
-              <a:rPr lang="en-US" altLang="zh-CN" dirty="0" err="1" smtClean="0">
+              <a:rPr lang="en-US" altLang="zh-CN" dirty="0" err="1">
                 <a:sym typeface="+mn-ea"/>
               </a:rPr>
               <a:t>dom</a:t>
             </a:r>
             <a:r>
-              <a:rPr lang="zh-CN" altLang="en-US" dirty="0" smtClean="0">
+              <a:rPr lang="zh-CN" altLang="en-US" dirty="0">
                 <a:sym typeface="+mn-ea"/>
               </a:rPr>
               <a:t>来实现数据的绑定，大量的操作</a:t>
             </a:r>
             <a:r>
-              <a:rPr lang="en-US" altLang="zh-CN" dirty="0" err="1" smtClean="0">
+              <a:rPr lang="en-US" altLang="zh-CN" dirty="0" err="1">
                 <a:sym typeface="+mn-ea"/>
               </a:rPr>
               <a:t>dom</a:t>
             </a:r>
             <a:r>
-              <a:rPr lang="zh-CN" altLang="en-US" dirty="0" smtClean="0">
+              <a:rPr lang="zh-CN" altLang="en-US" dirty="0">
                 <a:sym typeface="+mn-ea"/>
               </a:rPr>
               <a:t>是会导致性能下降。</a:t>
             </a:r>
             <a:r>
-              <a:rPr lang="en-US" altLang="zh-CN" dirty="0" err="1" smtClean="0">
+              <a:rPr lang="en-US" altLang="zh-CN" dirty="0" err="1">
                 <a:sym typeface="+mn-ea"/>
               </a:rPr>
               <a:t>Vue</a:t>
             </a:r>
             <a:r>
-              <a:rPr lang="en-US" altLang="zh-CN" dirty="0" smtClean="0">
+              <a:rPr lang="en-US" altLang="zh-CN" dirty="0">
                 <a:sym typeface="+mn-ea"/>
               </a:rPr>
               <a:t> </a:t>
             </a:r>
             <a:r>
-              <a:rPr lang="zh-CN" altLang="en-US" dirty="0" smtClean="0">
+              <a:rPr lang="zh-CN" altLang="en-US" dirty="0">
                 <a:sym typeface="+mn-ea"/>
               </a:rPr>
               <a:t>是通过数据来驱动（双向绑定），为什么</a:t>
             </a:r>
             <a:r>
-              <a:rPr lang="en-US" altLang="zh-CN" dirty="0" err="1" smtClean="0">
+              <a:rPr lang="en-US" altLang="zh-CN" dirty="0" err="1">
                 <a:sym typeface="+mn-ea"/>
               </a:rPr>
               <a:t>vue</a:t>
             </a:r>
             <a:r>
-              <a:rPr lang="zh-CN" altLang="en-US" dirty="0" smtClean="0">
+              <a:rPr lang="zh-CN" altLang="en-US" dirty="0">
                 <a:sym typeface="+mn-ea"/>
               </a:rPr>
               <a:t>不会影响性能呢？ 虚拟</a:t>
             </a:r>
             <a:r>
-              <a:rPr lang="en-US" altLang="zh-CN" dirty="0" err="1" smtClean="0">
+              <a:rPr lang="en-US" altLang="zh-CN" dirty="0" err="1">
                 <a:sym typeface="+mn-ea"/>
               </a:rPr>
               <a:t>dom</a:t>
             </a:r>
-            <a:endParaRPr lang="en-US" altLang="zh-CN" dirty="0" err="1" smtClean="0">
+          </a:p>
+          <a:p>
+            <a:endParaRPr lang="en-US" altLang="zh-CN" dirty="0" err="1">
               <a:sym typeface="+mn-ea"/>
             </a:endParaRPr>
           </a:p>
           <a:p>
-            <a:endParaRPr lang="en-US" altLang="zh-CN" dirty="0" err="1" smtClean="0">
-              <a:sym typeface="+mn-ea"/>
-            </a:endParaRPr>
-          </a:p>
-          <a:p>
             <a:r>
               <a:rPr lang="en-US" altLang="zh-CN" dirty="0">
                 <a:sym typeface="+mn-ea"/>
@@ -1014,9 +1061,6 @@
               </a:rPr>
               <a:t>树上。</a:t>
             </a:r>
-            <a:endParaRPr lang="zh-CN" altLang="en-US" dirty="0">
-              <a:sym typeface="+mn-ea"/>
-            </a:endParaRPr>
           </a:p>
           <a:p>
             <a:endParaRPr lang="zh-CN" altLang="en-US" dirty="0">
@@ -1054,11 +1098,20 @@
         <p:cNvGrpSpPr/>
         <p:nvPr/>
       </p:nvGrpSpPr>
-      <p:grpSpPr/>
+      <p:grpSpPr>
+        <a:xfrm>
+          <a:off x="0" y="0"/>
+          <a:ext cx="0" cy="0"/>
+          <a:chOff x="0" y="0"/>
+          <a:chExt cx="0" cy="0"/>
+        </a:xfrm>
+      </p:grpSpPr>
       <p:sp>
         <p:nvSpPr>
           <p:cNvPr id="2" name="幻灯片图像占位符 1"/>
-          <p:cNvSpPr/>
+          <p:cNvSpPr>
+            <a:spLocks noGrp="1" noRot="1" noChangeAspect="1"/>
+          </p:cNvSpPr>
           <p:nvPr>
             <p:ph type="sldImg" idx="2"/>
           </p:nvPr>
@@ -1068,7 +1121,9 @@
       <p:sp>
         <p:nvSpPr>
           <p:cNvPr id="3" name="文本占位符 2"/>
-          <p:cNvSpPr/>
+          <p:cNvSpPr>
+            <a:spLocks noGrp="1"/>
+          </p:cNvSpPr>
           <p:nvPr>
             <p:ph type="body" idx="3"/>
           </p:nvPr>
@@ -1076,6 +1131,7 @@
         <p:spPr/>
         <p:txBody>
           <a:bodyPr/>
+          <a:lstStyle/>
           <a:p>
             <a:r>
               <a:rPr lang="en-US" altLang="zh-CN">
@@ -1191,11 +1247,20 @@
         <p:cNvGrpSpPr/>
         <p:nvPr/>
       </p:nvGrpSpPr>
-      <p:grpSpPr/>
+      <p:grpSpPr>
+        <a:xfrm>
+          <a:off x="0" y="0"/>
+          <a:ext cx="0" cy="0"/>
+          <a:chOff x="0" y="0"/>
+          <a:chExt cx="0" cy="0"/>
+        </a:xfrm>
+      </p:grpSpPr>
       <p:sp>
         <p:nvSpPr>
           <p:cNvPr id="2" name="幻灯片图像占位符 1"/>
-          <p:cNvSpPr/>
+          <p:cNvSpPr>
+            <a:spLocks noGrp="1" noRot="1" noChangeAspect="1"/>
+          </p:cNvSpPr>
           <p:nvPr>
             <p:ph type="sldImg" idx="2"/>
           </p:nvPr>
@@ -1205,7 +1270,9 @@
       <p:sp>
         <p:nvSpPr>
           <p:cNvPr id="3" name="文本占位符 2"/>
-          <p:cNvSpPr/>
+          <p:cNvSpPr>
+            <a:spLocks noGrp="1"/>
+          </p:cNvSpPr>
           <p:nvPr>
             <p:ph type="body" idx="3"/>
           </p:nvPr>
@@ -1213,6 +1280,7 @@
         <p:spPr/>
         <p:txBody>
           <a:bodyPr/>
+          <a:lstStyle/>
           <a:p>
             <a:r>
               <a:rPr lang="en-US" altLang="zh-CN" dirty="0">
@@ -1287,25 +1355,7 @@
               <a:rPr lang="en-US" altLang="zh-CN" dirty="0">
                 <a:sym typeface="+mn-ea"/>
               </a:rPr>
-              <a:t>但 $el 没有初始化</a:t>
-            </a:r>
-            <a:r>
-              <a:rPr lang="en-US" altLang="zh-CN" dirty="0">
-                <a:sym typeface="+mn-ea"/>
-              </a:rPr>
-              <a:t>（异步请求</a:t>
-            </a:r>
-            <a:r>
-              <a:rPr lang="en-US" altLang="zh-CN" dirty="0">
-                <a:sym typeface="+mn-ea"/>
-              </a:rPr>
-              <a:t>数据</a:t>
-            </a:r>
-            <a:r>
-              <a:rPr lang="en-US" altLang="zh-CN" dirty="0">
-                <a:sym typeface="+mn-ea"/>
-              </a:rPr>
-              <a:t>）</a:t>
+              <a:t>但 $el 没有初始化（异步请求数据）</a:t>
             </a:r>
             <a:endParaRPr lang="en-US" altLang="zh-CN" dirty="0"/>
           </a:p>
@@ -1520,11 +1570,20 @@
         <p:cNvGrpSpPr/>
         <p:nvPr/>
       </p:nvGrpSpPr>
-      <p:grpSpPr/>
+      <p:grpSpPr>
+        <a:xfrm>
+          <a:off x="0" y="0"/>
+          <a:ext cx="0" cy="0"/>
+          <a:chOff x="0" y="0"/>
+          <a:chExt cx="0" cy="0"/>
+        </a:xfrm>
+      </p:grpSpPr>
       <p:sp>
         <p:nvSpPr>
           <p:cNvPr id="2" name="幻灯片图像占位符 1"/>
-          <p:cNvSpPr/>
+          <p:cNvSpPr>
+            <a:spLocks noGrp="1" noRot="1" noChangeAspect="1"/>
+          </p:cNvSpPr>
           <p:nvPr>
             <p:ph type="sldImg" idx="2"/>
           </p:nvPr>
@@ -1534,7 +1593,9 @@
       <p:sp>
         <p:nvSpPr>
           <p:cNvPr id="3" name="文本占位符 2"/>
-          <p:cNvSpPr/>
+          <p:cNvSpPr>
+            <a:spLocks noGrp="1"/>
+          </p:cNvSpPr>
           <p:nvPr>
             <p:ph type="body" idx="3"/>
           </p:nvPr>
@@ -1542,6 +1603,7 @@
         <p:spPr/>
         <p:txBody>
           <a:bodyPr/>
+          <a:lstStyle/>
           <a:p>
             <a:r>
               <a:rPr lang="zh-CN" altLang="en-US"/>
@@ -1579,7 +1641,6 @@
               <a:rPr lang="zh-CN" altLang="en-US"/>
               <a:t>中是用的数据结构。</a:t>
             </a:r>
-            <a:endParaRPr lang="zh-CN" altLang="en-US"/>
           </a:p>
           <a:p>
             <a:r>
@@ -1630,7 +1691,6 @@
               <a:rPr lang="zh-CN" altLang="en-US"/>
               <a:t>状态 会让人烦不胜烦。</a:t>
             </a:r>
-            <a:endParaRPr lang="zh-CN" altLang="en-US"/>
           </a:p>
           <a:p>
             <a:endParaRPr lang="zh-CN" altLang="en-US"/>
@@ -1664,7 +1724,6 @@
               <a:rPr lang="zh-CN" altLang="en-US"/>
               <a:t>算法</a:t>
             </a:r>
-            <a:endParaRPr lang="zh-CN" altLang="en-US"/>
           </a:p>
           <a:p>
             <a:endParaRPr lang="zh-CN" altLang="en-US"/>
@@ -1694,11 +1753,20 @@
         <p:cNvGrpSpPr/>
         <p:nvPr/>
       </p:nvGrpSpPr>
-      <p:grpSpPr/>
+      <p:grpSpPr>
+        <a:xfrm>
+          <a:off x="0" y="0"/>
+          <a:ext cx="0" cy="0"/>
+          <a:chOff x="0" y="0"/>
+          <a:chExt cx="0" cy="0"/>
+        </a:xfrm>
+      </p:grpSpPr>
       <p:sp>
         <p:nvSpPr>
           <p:cNvPr id="2" name="幻灯片图像占位符 1"/>
-          <p:cNvSpPr/>
+          <p:cNvSpPr>
+            <a:spLocks noGrp="1" noRot="1" noChangeAspect="1"/>
+          </p:cNvSpPr>
           <p:nvPr>
             <p:ph type="sldImg" idx="2"/>
           </p:nvPr>
@@ -1708,7 +1776,9 @@
       <p:sp>
         <p:nvSpPr>
           <p:cNvPr id="3" name="文本占位符 2"/>
-          <p:cNvSpPr/>
+          <p:cNvSpPr>
+            <a:spLocks noGrp="1"/>
+          </p:cNvSpPr>
           <p:nvPr>
             <p:ph type="body" idx="3"/>
           </p:nvPr>
@@ -1716,6 +1786,7 @@
         <p:spPr/>
         <p:txBody>
           <a:bodyPr/>
+          <a:lstStyle/>
           <a:p>
             <a:endParaRPr lang="zh-CN" altLang="en-US"/>
           </a:p>
@@ -1730,7 +1801,7 @@
 </file>
 
 <file path=ppt/slideLayouts/slideLayout1.xml><?xml version="1.0" encoding="utf-8"?>
-<p:sldLayout xmlns:a="http://schemas.openxmlformats.org/drawingml/2006/main" xmlns:r="http://schemas.openxmlformats.org/officeDocument/2006/relationships" xmlns:p="http://schemas.openxmlformats.org/presentationml/2006/main" preserve="1" showMasterSp="0" userDrawn="1">
+<p:sldLayout xmlns:a="http://schemas.openxmlformats.org/drawingml/2006/main" xmlns:r="http://schemas.openxmlformats.org/officeDocument/2006/relationships" xmlns:p="http://schemas.openxmlformats.org/presentationml/2006/main" showMasterSp="0" preserve="1" userDrawn="1">
   <p:cSld name="标题幻灯片">
     <p:spTree>
       <p:nvGrpSpPr>
@@ -2112,7 +2183,7 @@
               <a:defRPr/>
             </a:pPr>
             <a:r>
-              <a:rPr lang="en-US" altLang="zh-CN" sz="1100" dirty="0" smtClean="0">
+              <a:rPr lang="en-US" altLang="zh-CN" sz="1100" dirty="0">
                 <a:solidFill>
                   <a:srgbClr val="0068B7"/>
                 </a:solidFill>
@@ -2121,7 +2192,7 @@
               </a:rPr>
               <a:t>www.thunisoft.com</a:t>
             </a:r>
-            <a:endParaRPr lang="zh-CN" altLang="en-US" sz="1100" dirty="0" smtClean="0">
+            <a:endParaRPr lang="zh-CN" altLang="en-US" sz="1100" dirty="0">
               <a:solidFill>
                 <a:srgbClr val="0068B7"/>
               </a:solidFill>
@@ -2388,6 +2459,7 @@
                 <a:latin typeface="Arial" panose="020B0604020202020204" pitchFamily="34" charset="0"/>
                 <a:cs typeface="Arial" panose="020B0604020202020204" pitchFamily="34" charset="0"/>
               </a:rPr>
+              <a:t>2020/7/30</a:t>
             </a:fld>
             <a:endParaRPr lang="zh-CN" altLang="zh-CN" dirty="0">
               <a:latin typeface="Arial" panose="020B0604020202020204" pitchFamily="34" charset="0"/>
@@ -2429,7 +2501,7 @@
           </a:lstStyle>
           <a:p>
             <a:r>
-              <a:rPr lang="zh-CN" altLang="en-US" smtClean="0"/>
+              <a:rPr lang="zh-CN" altLang="en-US"/>
               <a:t>单击此处编辑母版标题样式</a:t>
             </a:r>
             <a:endParaRPr lang="zh-CN" altLang="en-US" dirty="0"/>
@@ -2463,6 +2535,7 @@
             </a:pPr>
             <a:fld id="{DA56F101-4122-42F7-B522-24899E6D52E4}" type="datetime1">
               <a:rPr lang="zh-CN" altLang="en-US"/>
+              <a:t>2020/7/30</a:t>
             </a:fld>
             <a:endParaRPr lang="zh-CN" altLang="en-US" dirty="0"/>
           </a:p>
@@ -2521,6 +2594,7 @@
             </a:pPr>
             <a:fld id="{5E0CD85B-D93B-4965-A459-B8BD5F550254}" type="slidenum">
               <a:rPr lang="zh-CN" altLang="en-US"/>
+              <a:t>‹#›</a:t>
             </a:fld>
             <a:endParaRPr lang="zh-CN" altLang="en-US" dirty="0"/>
           </a:p>
@@ -2576,10 +2650,9 @@
           </a:lstStyle>
           <a:p>
             <a:r>
-              <a:rPr lang="zh-CN" altLang="en-US" smtClean="0"/>
+              <a:rPr lang="zh-CN" altLang="en-US"/>
               <a:t>单击此处编辑母版标题样式</a:t>
             </a:r>
-            <a:endParaRPr lang="zh-CN" altLang="en-US"/>
           </a:p>
         </p:txBody>
       </p:sp>
@@ -2644,10 +2717,9 @@
           <a:p>
             <a:pPr lvl="0"/>
             <a:r>
-              <a:rPr lang="zh-CN" altLang="en-US" noProof="0" smtClean="0"/>
+              <a:rPr lang="zh-CN" altLang="en-US" noProof="0"/>
               <a:t>单击图标添加图片</a:t>
             </a:r>
-            <a:endParaRPr lang="zh-CN" altLang="en-US" noProof="0"/>
           </a:p>
         </p:txBody>
       </p:sp>
@@ -2710,10 +2782,9 @@
           <a:p>
             <a:pPr lvl="0"/>
             <a:r>
-              <a:rPr lang="zh-CN" altLang="en-US" smtClean="0"/>
+              <a:rPr lang="zh-CN" altLang="en-US"/>
               <a:t>单击此处编辑母版文本样式</a:t>
             </a:r>
-            <a:endParaRPr lang="zh-CN" altLang="en-US" smtClean="0"/>
           </a:p>
         </p:txBody>
       </p:sp>
@@ -2741,6 +2812,7 @@
             </a:pPr>
             <a:fld id="{52141C43-E444-4844-B131-72BECD35C5CC}" type="datetime1">
               <a:rPr lang="zh-CN" altLang="en-US"/>
+              <a:t>2020/7/30</a:t>
             </a:fld>
             <a:endParaRPr lang="zh-CN" altLang="en-US" dirty="0"/>
           </a:p>
@@ -2796,6 +2868,7 @@
             </a:pPr>
             <a:fld id="{FC6947C7-0F59-4374-9F7E-954165F87637}" type="slidenum">
               <a:rPr lang="zh-CN" altLang="en-US"/>
+              <a:t>‹#›</a:t>
             </a:fld>
             <a:endParaRPr lang="zh-CN" altLang="en-US" dirty="0"/>
           </a:p>
@@ -2842,10 +2915,9 @@
           <a:lstStyle/>
           <a:p>
             <a:r>
-              <a:rPr lang="zh-CN" altLang="en-US" smtClean="0"/>
+              <a:rPr lang="zh-CN" altLang="en-US"/>
               <a:t>单击此处编辑母版标题样式</a:t>
             </a:r>
-            <a:endParaRPr lang="zh-CN" altLang="en-US"/>
           </a:p>
         </p:txBody>
       </p:sp>
@@ -2866,42 +2938,37 @@
           <a:p>
             <a:pPr lvl="0"/>
             <a:r>
-              <a:rPr lang="zh-CN" altLang="en-US" smtClean="0"/>
+              <a:rPr lang="zh-CN" altLang="en-US"/>
               <a:t>单击此处编辑母版文本样式</a:t>
             </a:r>
-            <a:endParaRPr lang="zh-CN" altLang="en-US" smtClean="0"/>
           </a:p>
           <a:p>
             <a:pPr lvl="1"/>
             <a:r>
-              <a:rPr lang="zh-CN" altLang="en-US" smtClean="0"/>
+              <a:rPr lang="zh-CN" altLang="en-US"/>
               <a:t>第二级</a:t>
             </a:r>
-            <a:endParaRPr lang="zh-CN" altLang="en-US" smtClean="0"/>
           </a:p>
           <a:p>
             <a:pPr lvl="2"/>
             <a:r>
-              <a:rPr lang="zh-CN" altLang="en-US" smtClean="0"/>
+              <a:rPr lang="zh-CN" altLang="en-US"/>
               <a:t>第三级</a:t>
             </a:r>
-            <a:endParaRPr lang="zh-CN" altLang="en-US" smtClean="0"/>
           </a:p>
           <a:p>
             <a:pPr lvl="3"/>
             <a:r>
-              <a:rPr lang="zh-CN" altLang="en-US" smtClean="0"/>
+              <a:rPr lang="zh-CN" altLang="en-US"/>
               <a:t>第四级</a:t>
             </a:r>
-            <a:endParaRPr lang="zh-CN" altLang="en-US" smtClean="0"/>
           </a:p>
           <a:p>
             <a:pPr lvl="4"/>
             <a:r>
-              <a:rPr lang="zh-CN" altLang="en-US" smtClean="0"/>
+              <a:rPr lang="zh-CN" altLang="en-US"/>
               <a:t>第五级</a:t>
             </a:r>
-            <a:endParaRPr lang="zh-CN" altLang="en-US"/>
           </a:p>
         </p:txBody>
       </p:sp>
@@ -2929,6 +2996,7 @@
             </a:pPr>
             <a:fld id="{D07A2E66-1B28-44EE-957D-21A5FEA14CB1}" type="datetime1">
               <a:rPr lang="zh-CN" altLang="en-US"/>
+              <a:t>2020/7/30</a:t>
             </a:fld>
             <a:endParaRPr lang="zh-CN" altLang="en-US" dirty="0"/>
           </a:p>
@@ -2984,6 +3052,7 @@
             </a:pPr>
             <a:fld id="{5AC2B490-4F4B-4800-B9D7-08098B58B505}" type="slidenum">
               <a:rPr lang="zh-CN" altLang="en-US"/>
+              <a:t>‹#›</a:t>
             </a:fld>
             <a:endParaRPr lang="zh-CN" altLang="en-US" dirty="0"/>
           </a:p>
@@ -3035,10 +3104,9 @@
           <a:lstStyle/>
           <a:p>
             <a:r>
-              <a:rPr lang="zh-CN" altLang="en-US" smtClean="0"/>
+              <a:rPr lang="zh-CN" altLang="en-US"/>
               <a:t>单击此处编辑母版标题样式</a:t>
             </a:r>
-            <a:endParaRPr lang="zh-CN" altLang="en-US"/>
           </a:p>
         </p:txBody>
       </p:sp>
@@ -3064,42 +3132,37 @@
           <a:p>
             <a:pPr lvl="0"/>
             <a:r>
-              <a:rPr lang="zh-CN" altLang="en-US" smtClean="0"/>
+              <a:rPr lang="zh-CN" altLang="en-US"/>
               <a:t>单击此处编辑母版文本样式</a:t>
             </a:r>
-            <a:endParaRPr lang="zh-CN" altLang="en-US" smtClean="0"/>
           </a:p>
           <a:p>
             <a:pPr lvl="1"/>
             <a:r>
-              <a:rPr lang="zh-CN" altLang="en-US" smtClean="0"/>
+              <a:rPr lang="zh-CN" altLang="en-US"/>
               <a:t>第二级</a:t>
             </a:r>
-            <a:endParaRPr lang="zh-CN" altLang="en-US" smtClean="0"/>
           </a:p>
           <a:p>
             <a:pPr lvl="2"/>
             <a:r>
-              <a:rPr lang="zh-CN" altLang="en-US" smtClean="0"/>
+              <a:rPr lang="zh-CN" altLang="en-US"/>
               <a:t>第三级</a:t>
             </a:r>
-            <a:endParaRPr lang="zh-CN" altLang="en-US" smtClean="0"/>
           </a:p>
           <a:p>
             <a:pPr lvl="3"/>
             <a:r>
-              <a:rPr lang="zh-CN" altLang="en-US" smtClean="0"/>
+              <a:rPr lang="zh-CN" altLang="en-US"/>
               <a:t>第四级</a:t>
             </a:r>
-            <a:endParaRPr lang="zh-CN" altLang="en-US" smtClean="0"/>
           </a:p>
           <a:p>
             <a:pPr lvl="4"/>
             <a:r>
-              <a:rPr lang="zh-CN" altLang="en-US" smtClean="0"/>
+              <a:rPr lang="zh-CN" altLang="en-US"/>
               <a:t>第五级</a:t>
             </a:r>
-            <a:endParaRPr lang="zh-CN" altLang="en-US"/>
           </a:p>
         </p:txBody>
       </p:sp>
@@ -3127,6 +3190,7 @@
             </a:pPr>
             <a:fld id="{1F85AE46-B81F-473A-953D-1B53C1E14B4B}" type="datetime1">
               <a:rPr lang="zh-CN" altLang="en-US"/>
+              <a:t>2020/7/30</a:t>
             </a:fld>
             <a:endParaRPr lang="zh-CN" altLang="en-US" dirty="0"/>
           </a:p>
@@ -3182,6 +3246,7 @@
             </a:pPr>
             <a:fld id="{C1D1DF05-84C3-49BD-881B-1E4D5AC2BF3A}" type="slidenum">
               <a:rPr lang="zh-CN" altLang="en-US"/>
+              <a:t>‹#›</a:t>
             </a:fld>
             <a:endParaRPr lang="zh-CN" altLang="en-US" dirty="0"/>
           </a:p>
@@ -3242,7 +3307,7 @@
           </a:lstStyle>
           <a:p>
             <a:r>
-              <a:rPr lang="zh-CN" altLang="en-US" smtClean="0"/>
+              <a:rPr lang="zh-CN" altLang="en-US"/>
               <a:t>单击此处编辑母版标题样式</a:t>
             </a:r>
             <a:endParaRPr lang="zh-CN" altLang="en-US" dirty="0"/>
@@ -3317,39 +3382,35 @@
           <a:p>
             <a:pPr lvl="0"/>
             <a:r>
-              <a:rPr lang="zh-CN" altLang="en-US" smtClean="0"/>
+              <a:rPr lang="zh-CN" altLang="en-US"/>
               <a:t>单击此处编辑母版文本样式</a:t>
             </a:r>
-            <a:endParaRPr lang="zh-CN" altLang="en-US" smtClean="0"/>
           </a:p>
           <a:p>
             <a:pPr lvl="1"/>
             <a:r>
-              <a:rPr lang="zh-CN" altLang="en-US" smtClean="0"/>
+              <a:rPr lang="zh-CN" altLang="en-US"/>
               <a:t>第二级</a:t>
             </a:r>
-            <a:endParaRPr lang="zh-CN" altLang="en-US" smtClean="0"/>
           </a:p>
           <a:p>
             <a:pPr lvl="2"/>
             <a:r>
-              <a:rPr lang="zh-CN" altLang="en-US" smtClean="0"/>
+              <a:rPr lang="zh-CN" altLang="en-US"/>
               <a:t>第三级</a:t>
             </a:r>
-            <a:endParaRPr lang="zh-CN" altLang="en-US" smtClean="0"/>
           </a:p>
           <a:p>
             <a:pPr lvl="3"/>
             <a:r>
-              <a:rPr lang="zh-CN" altLang="en-US" smtClean="0"/>
+              <a:rPr lang="zh-CN" altLang="en-US"/>
               <a:t>第四级</a:t>
             </a:r>
-            <a:endParaRPr lang="zh-CN" altLang="en-US" smtClean="0"/>
           </a:p>
           <a:p>
             <a:pPr lvl="4"/>
             <a:r>
-              <a:rPr lang="zh-CN" altLang="en-US" smtClean="0"/>
+              <a:rPr lang="zh-CN" altLang="en-US"/>
               <a:t>第五级</a:t>
             </a:r>
             <a:endParaRPr lang="zh-CN" altLang="en-US" dirty="0"/>
@@ -3380,6 +3441,7 @@
             </a:pPr>
             <a:fld id="{BDABD382-6269-4314-BED9-F777FF741BD9}" type="datetime1">
               <a:rPr lang="zh-CN" altLang="en-US"/>
+              <a:t>2020/7/30</a:t>
             </a:fld>
             <a:endParaRPr lang="zh-CN" altLang="en-US" dirty="0"/>
           </a:p>
@@ -3435,6 +3497,7 @@
             </a:pPr>
             <a:fld id="{24CDF228-198A-44C2-BDC3-8F2BB7497790}" type="slidenum">
               <a:rPr lang="zh-CN" altLang="en-US"/>
+              <a:t>‹#›</a:t>
             </a:fld>
             <a:endParaRPr lang="zh-CN" altLang="en-US" dirty="0"/>
           </a:p>
@@ -3615,7 +3678,7 @@
               <a:defRPr/>
             </a:pPr>
             <a:r>
-              <a:rPr lang="zh-CN" altLang="en-US" sz="3000" dirty="0" smtClean="0">
+              <a:rPr lang="zh-CN" altLang="en-US" sz="3000" dirty="0">
                 <a:solidFill>
                   <a:srgbClr val="0062AD"/>
                 </a:solidFill>
@@ -3711,34 +3774,30 @@
           <a:p>
             <a:pPr lvl="0"/>
             <a:r>
-              <a:rPr lang="zh-CN" altLang="en-US" dirty="0" smtClean="0"/>
+              <a:rPr lang="zh-CN" altLang="en-US" dirty="0"/>
               <a:t>单击此处编辑母版文本样式</a:t>
             </a:r>
-            <a:endParaRPr lang="zh-CN" altLang="en-US" dirty="0" smtClean="0"/>
           </a:p>
           <a:p>
             <a:pPr lvl="1"/>
             <a:r>
-              <a:rPr lang="zh-CN" altLang="en-US" dirty="0" smtClean="0"/>
+              <a:rPr lang="zh-CN" altLang="en-US" dirty="0"/>
               <a:t>第二级</a:t>
             </a:r>
-            <a:endParaRPr lang="zh-CN" altLang="en-US" dirty="0" smtClean="0"/>
           </a:p>
           <a:p>
             <a:pPr lvl="2"/>
             <a:r>
-              <a:rPr lang="zh-CN" altLang="en-US" dirty="0" smtClean="0"/>
+              <a:rPr lang="zh-CN" altLang="en-US" dirty="0"/>
               <a:t>第三级</a:t>
             </a:r>
-            <a:endParaRPr lang="zh-CN" altLang="en-US" dirty="0" smtClean="0"/>
           </a:p>
           <a:p>
             <a:pPr lvl="3"/>
             <a:r>
-              <a:rPr lang="zh-CN" altLang="en-US" dirty="0" smtClean="0"/>
+              <a:rPr lang="zh-CN" altLang="en-US" dirty="0"/>
               <a:t>第四级</a:t>
             </a:r>
-            <a:endParaRPr lang="zh-CN" altLang="en-US" dirty="0" smtClean="0"/>
           </a:p>
         </p:txBody>
       </p:sp>
@@ -3766,6 +3825,7 @@
             </a:pPr>
             <a:fld id="{E3DC315B-1D8F-47C7-BEA6-E89B72D51E1D}" type="datetime1">
               <a:rPr lang="zh-CN" altLang="en-US"/>
+              <a:t>2020/7/30</a:t>
             </a:fld>
             <a:endParaRPr lang="zh-CN" altLang="en-US" dirty="0"/>
           </a:p>
@@ -3827,6 +3887,7 @@
             </a:pPr>
             <a:fld id="{9BE908CB-1334-448D-838A-DBB26CC976FE}" type="slidenum">
               <a:rPr lang="zh-CN" altLang="en-US"/>
+              <a:t>‹#›</a:t>
             </a:fld>
             <a:endParaRPr lang="zh-CN" altLang="en-US"/>
           </a:p>
@@ -3841,7 +3902,7 @@
 </file>
 
 <file path=ppt/slideLayouts/slideLayout4.xml><?xml version="1.0" encoding="utf-8"?>
-<p:sldLayout xmlns:a="http://schemas.openxmlformats.org/drawingml/2006/main" xmlns:r="http://schemas.openxmlformats.org/officeDocument/2006/relationships" xmlns:p="http://schemas.openxmlformats.org/presentationml/2006/main" preserve="1" showMasterSp="0" userDrawn="1">
+<p:sldLayout xmlns:a="http://schemas.openxmlformats.org/drawingml/2006/main" xmlns:r="http://schemas.openxmlformats.org/officeDocument/2006/relationships" xmlns:p="http://schemas.openxmlformats.org/presentationml/2006/main" showMasterSp="0" preserve="1" userDrawn="1">
   <p:cSld name="节标题">
     <p:spTree>
       <p:nvGrpSpPr>
@@ -4217,7 +4278,7 @@
           </a:lstStyle>
           <a:p>
             <a:r>
-              <a:rPr lang="zh-CN" altLang="en-US" smtClean="0"/>
+              <a:rPr lang="zh-CN" altLang="en-US"/>
               <a:t>单击此处编辑母版标题样式</a:t>
             </a:r>
             <a:endParaRPr lang="zh-CN" altLang="en-US" dirty="0"/>
@@ -4265,10 +4326,9 @@
           <a:lstStyle/>
           <a:p>
             <a:r>
-              <a:rPr lang="zh-CN" altLang="en-US" smtClean="0"/>
+              <a:rPr lang="zh-CN" altLang="en-US"/>
               <a:t>单击此处编辑母版标题样式</a:t>
             </a:r>
-            <a:endParaRPr lang="zh-CN" altLang="en-US"/>
           </a:p>
         </p:txBody>
       </p:sp>
@@ -4322,42 +4382,37 @@
           <a:p>
             <a:pPr lvl="0"/>
             <a:r>
-              <a:rPr lang="zh-CN" altLang="en-US" smtClean="0"/>
+              <a:rPr lang="zh-CN" altLang="en-US"/>
               <a:t>单击此处编辑母版文本样式</a:t>
             </a:r>
-            <a:endParaRPr lang="zh-CN" altLang="en-US" smtClean="0"/>
           </a:p>
           <a:p>
             <a:pPr lvl="1"/>
             <a:r>
-              <a:rPr lang="zh-CN" altLang="en-US" smtClean="0"/>
+              <a:rPr lang="zh-CN" altLang="en-US"/>
               <a:t>第二级</a:t>
             </a:r>
-            <a:endParaRPr lang="zh-CN" altLang="en-US" smtClean="0"/>
           </a:p>
           <a:p>
             <a:pPr lvl="2"/>
             <a:r>
-              <a:rPr lang="zh-CN" altLang="en-US" smtClean="0"/>
+              <a:rPr lang="zh-CN" altLang="en-US"/>
               <a:t>第三级</a:t>
             </a:r>
-            <a:endParaRPr lang="zh-CN" altLang="en-US" smtClean="0"/>
           </a:p>
           <a:p>
             <a:pPr lvl="3"/>
             <a:r>
-              <a:rPr lang="zh-CN" altLang="en-US" smtClean="0"/>
+              <a:rPr lang="zh-CN" altLang="en-US"/>
               <a:t>第四级</a:t>
             </a:r>
-            <a:endParaRPr lang="zh-CN" altLang="en-US" smtClean="0"/>
           </a:p>
           <a:p>
             <a:pPr lvl="4"/>
             <a:r>
-              <a:rPr lang="zh-CN" altLang="en-US" smtClean="0"/>
+              <a:rPr lang="zh-CN" altLang="en-US"/>
               <a:t>第五级</a:t>
             </a:r>
-            <a:endParaRPr lang="zh-CN" altLang="en-US"/>
           </a:p>
         </p:txBody>
       </p:sp>
@@ -4411,42 +4466,37 @@
           <a:p>
             <a:pPr lvl="0"/>
             <a:r>
-              <a:rPr lang="zh-CN" altLang="en-US" smtClean="0"/>
+              <a:rPr lang="zh-CN" altLang="en-US"/>
               <a:t>单击此处编辑母版文本样式</a:t>
             </a:r>
-            <a:endParaRPr lang="zh-CN" altLang="en-US" smtClean="0"/>
           </a:p>
           <a:p>
             <a:pPr lvl="1"/>
             <a:r>
-              <a:rPr lang="zh-CN" altLang="en-US" smtClean="0"/>
+              <a:rPr lang="zh-CN" altLang="en-US"/>
               <a:t>第二级</a:t>
             </a:r>
-            <a:endParaRPr lang="zh-CN" altLang="en-US" smtClean="0"/>
           </a:p>
           <a:p>
             <a:pPr lvl="2"/>
             <a:r>
-              <a:rPr lang="zh-CN" altLang="en-US" smtClean="0"/>
+              <a:rPr lang="zh-CN" altLang="en-US"/>
               <a:t>第三级</a:t>
             </a:r>
-            <a:endParaRPr lang="zh-CN" altLang="en-US" smtClean="0"/>
           </a:p>
           <a:p>
             <a:pPr lvl="3"/>
             <a:r>
-              <a:rPr lang="zh-CN" altLang="en-US" smtClean="0"/>
+              <a:rPr lang="zh-CN" altLang="en-US"/>
               <a:t>第四级</a:t>
             </a:r>
-            <a:endParaRPr lang="zh-CN" altLang="en-US" smtClean="0"/>
           </a:p>
           <a:p>
             <a:pPr lvl="4"/>
             <a:r>
-              <a:rPr lang="zh-CN" altLang="en-US" smtClean="0"/>
+              <a:rPr lang="zh-CN" altLang="en-US"/>
               <a:t>第五级</a:t>
             </a:r>
-            <a:endParaRPr lang="zh-CN" altLang="en-US"/>
           </a:p>
         </p:txBody>
       </p:sp>
@@ -4474,6 +4524,7 @@
             </a:pPr>
             <a:fld id="{7D12C1CF-D2E3-49BD-9B9C-1FDA05456A14}" type="datetime1">
               <a:rPr lang="zh-CN" altLang="en-US"/>
+              <a:t>2020/7/30</a:t>
             </a:fld>
             <a:endParaRPr lang="zh-CN" altLang="en-US" dirty="0"/>
           </a:p>
@@ -4529,6 +4580,7 @@
             </a:pPr>
             <a:fld id="{21A0B30E-BAD0-4937-9049-287890F677C4}" type="slidenum">
               <a:rPr lang="zh-CN" altLang="en-US"/>
+              <a:t>‹#›</a:t>
             </a:fld>
             <a:endParaRPr lang="zh-CN" altLang="en-US" dirty="0"/>
           </a:p>
@@ -4579,10 +4631,9 @@
           </a:lstStyle>
           <a:p>
             <a:r>
-              <a:rPr lang="zh-CN" altLang="en-US" smtClean="0"/>
+              <a:rPr lang="zh-CN" altLang="en-US"/>
               <a:t>单击此处编辑母版标题样式</a:t>
             </a:r>
-            <a:endParaRPr lang="zh-CN" altLang="en-US"/>
           </a:p>
         </p:txBody>
       </p:sp>
@@ -4645,10 +4696,9 @@
           <a:p>
             <a:pPr lvl="0"/>
             <a:r>
-              <a:rPr lang="zh-CN" altLang="en-US" smtClean="0"/>
+              <a:rPr lang="zh-CN" altLang="en-US"/>
               <a:t>单击此处编辑母版文本样式</a:t>
             </a:r>
-            <a:endParaRPr lang="zh-CN" altLang="en-US" smtClean="0"/>
           </a:p>
         </p:txBody>
       </p:sp>
@@ -4702,42 +4752,37 @@
           <a:p>
             <a:pPr lvl="0"/>
             <a:r>
-              <a:rPr lang="zh-CN" altLang="en-US" smtClean="0"/>
+              <a:rPr lang="zh-CN" altLang="en-US"/>
               <a:t>单击此处编辑母版文本样式</a:t>
             </a:r>
-            <a:endParaRPr lang="zh-CN" altLang="en-US" smtClean="0"/>
           </a:p>
           <a:p>
             <a:pPr lvl="1"/>
             <a:r>
-              <a:rPr lang="zh-CN" altLang="en-US" smtClean="0"/>
+              <a:rPr lang="zh-CN" altLang="en-US"/>
               <a:t>第二级</a:t>
             </a:r>
-            <a:endParaRPr lang="zh-CN" altLang="en-US" smtClean="0"/>
           </a:p>
           <a:p>
             <a:pPr lvl="2"/>
             <a:r>
-              <a:rPr lang="zh-CN" altLang="en-US" smtClean="0"/>
+              <a:rPr lang="zh-CN" altLang="en-US"/>
               <a:t>第三级</a:t>
             </a:r>
-            <a:endParaRPr lang="zh-CN" altLang="en-US" smtClean="0"/>
           </a:p>
           <a:p>
             <a:pPr lvl="3"/>
             <a:r>
-              <a:rPr lang="zh-CN" altLang="en-US" smtClean="0"/>
+              <a:rPr lang="zh-CN" altLang="en-US"/>
               <a:t>第四级</a:t>
             </a:r>
-            <a:endParaRPr lang="zh-CN" altLang="en-US" smtClean="0"/>
           </a:p>
           <a:p>
             <a:pPr lvl="4"/>
             <a:r>
-              <a:rPr lang="zh-CN" altLang="en-US" smtClean="0"/>
+              <a:rPr lang="zh-CN" altLang="en-US"/>
               <a:t>第五级</a:t>
             </a:r>
-            <a:endParaRPr lang="zh-CN" altLang="en-US"/>
           </a:p>
         </p:txBody>
       </p:sp>
@@ -4800,10 +4845,9 @@
           <a:p>
             <a:pPr lvl="0"/>
             <a:r>
-              <a:rPr lang="zh-CN" altLang="en-US" smtClean="0"/>
+              <a:rPr lang="zh-CN" altLang="en-US"/>
               <a:t>单击此处编辑母版文本样式</a:t>
             </a:r>
-            <a:endParaRPr lang="zh-CN" altLang="en-US" smtClean="0"/>
           </a:p>
         </p:txBody>
       </p:sp>
@@ -4857,42 +4901,37 @@
           <a:p>
             <a:pPr lvl="0"/>
             <a:r>
-              <a:rPr lang="zh-CN" altLang="en-US" smtClean="0"/>
+              <a:rPr lang="zh-CN" altLang="en-US"/>
               <a:t>单击此处编辑母版文本样式</a:t>
             </a:r>
-            <a:endParaRPr lang="zh-CN" altLang="en-US" smtClean="0"/>
           </a:p>
           <a:p>
             <a:pPr lvl="1"/>
             <a:r>
-              <a:rPr lang="zh-CN" altLang="en-US" smtClean="0"/>
+              <a:rPr lang="zh-CN" altLang="en-US"/>
               <a:t>第二级</a:t>
             </a:r>
-            <a:endParaRPr lang="zh-CN" altLang="en-US" smtClean="0"/>
           </a:p>
           <a:p>
             <a:pPr lvl="2"/>
             <a:r>
-              <a:rPr lang="zh-CN" altLang="en-US" smtClean="0"/>
+              <a:rPr lang="zh-CN" altLang="en-US"/>
               <a:t>第三级</a:t>
             </a:r>
-            <a:endParaRPr lang="zh-CN" altLang="en-US" smtClean="0"/>
           </a:p>
           <a:p>
             <a:pPr lvl="3"/>
             <a:r>
-              <a:rPr lang="zh-CN" altLang="en-US" smtClean="0"/>
+              <a:rPr lang="zh-CN" altLang="en-US"/>
               <a:t>第四级</a:t>
             </a:r>
-            <a:endParaRPr lang="zh-CN" altLang="en-US" smtClean="0"/>
           </a:p>
           <a:p>
             <a:pPr lvl="4"/>
             <a:r>
-              <a:rPr lang="zh-CN" altLang="en-US" smtClean="0"/>
+              <a:rPr lang="zh-CN" altLang="en-US"/>
               <a:t>第五级</a:t>
             </a:r>
-            <a:endParaRPr lang="zh-CN" altLang="en-US"/>
           </a:p>
         </p:txBody>
       </p:sp>
@@ -4920,6 +4959,7 @@
             </a:pPr>
             <a:fld id="{0785EFA1-2C22-444A-9767-1084D5DB9B3B}" type="datetime1">
               <a:rPr lang="zh-CN" altLang="en-US"/>
+              <a:t>2020/7/30</a:t>
             </a:fld>
             <a:endParaRPr lang="zh-CN" altLang="en-US" dirty="0"/>
           </a:p>
@@ -4975,6 +5015,7 @@
             </a:pPr>
             <a:fld id="{2485F8B0-0258-44E1-A188-14D26997767B}" type="slidenum">
               <a:rPr lang="zh-CN" altLang="en-US"/>
+              <a:t>‹#›</a:t>
             </a:fld>
             <a:endParaRPr lang="zh-CN" altLang="en-US" dirty="0"/>
           </a:p>
@@ -5021,10 +5062,9 @@
           <a:lstStyle/>
           <a:p>
             <a:r>
-              <a:rPr lang="zh-CN" altLang="en-US" smtClean="0"/>
+              <a:rPr lang="zh-CN" altLang="en-US"/>
               <a:t>单击此处编辑母版标题样式</a:t>
             </a:r>
-            <a:endParaRPr lang="zh-CN" altLang="en-US"/>
           </a:p>
         </p:txBody>
       </p:sp>
@@ -5052,6 +5092,7 @@
             </a:pPr>
             <a:fld id="{ACA1B443-77B4-42A2-9738-C6B4F08CDBC3}" type="datetime1">
               <a:rPr lang="zh-CN" altLang="en-US"/>
+              <a:t>2020/7/30</a:t>
             </a:fld>
             <a:endParaRPr lang="zh-CN" altLang="en-US" dirty="0"/>
           </a:p>
@@ -5107,6 +5148,7 @@
             </a:pPr>
             <a:fld id="{7AF6CB2A-5F76-4693-8384-90EB38C71648}" type="slidenum">
               <a:rPr lang="zh-CN" altLang="en-US"/>
+              <a:t>‹#›</a:t>
             </a:fld>
             <a:endParaRPr lang="zh-CN" altLang="en-US" dirty="0"/>
           </a:p>
@@ -5161,6 +5203,7 @@
             </a:pPr>
             <a:fld id="{AED73BBC-A389-4179-B797-CC778D9B6194}" type="datetime1">
               <a:rPr lang="zh-CN" altLang="en-US"/>
+              <a:t>2020/7/30</a:t>
             </a:fld>
             <a:endParaRPr lang="zh-CN" altLang="en-US" dirty="0"/>
           </a:p>
@@ -5216,6 +5259,7 @@
             </a:pPr>
             <a:fld id="{6D0D9EA9-B15C-4837-877E-97BB21841FEF}" type="slidenum">
               <a:rPr lang="zh-CN" altLang="en-US"/>
+              <a:t>‹#›</a:t>
             </a:fld>
             <a:endParaRPr lang="zh-CN" altLang="en-US" dirty="0"/>
           </a:p>
@@ -5271,10 +5315,9 @@
           </a:lstStyle>
           <a:p>
             <a:r>
-              <a:rPr lang="zh-CN" altLang="en-US" smtClean="0"/>
+              <a:rPr lang="zh-CN" altLang="en-US"/>
               <a:t>单击此处编辑母版标题样式</a:t>
             </a:r>
-            <a:endParaRPr lang="zh-CN" altLang="en-US"/>
           </a:p>
         </p:txBody>
       </p:sp>
@@ -5328,42 +5371,37 @@
           <a:p>
             <a:pPr lvl="0"/>
             <a:r>
-              <a:rPr lang="zh-CN" altLang="en-US" smtClean="0"/>
+              <a:rPr lang="zh-CN" altLang="en-US"/>
               <a:t>单击此处编辑母版文本样式</a:t>
             </a:r>
-            <a:endParaRPr lang="zh-CN" altLang="en-US" smtClean="0"/>
           </a:p>
           <a:p>
             <a:pPr lvl="1"/>
             <a:r>
-              <a:rPr lang="zh-CN" altLang="en-US" smtClean="0"/>
+              <a:rPr lang="zh-CN" altLang="en-US"/>
               <a:t>第二级</a:t>
             </a:r>
-            <a:endParaRPr lang="zh-CN" altLang="en-US" smtClean="0"/>
           </a:p>
           <a:p>
             <a:pPr lvl="2"/>
             <a:r>
-              <a:rPr lang="zh-CN" altLang="en-US" smtClean="0"/>
+              <a:rPr lang="zh-CN" altLang="en-US"/>
               <a:t>第三级</a:t>
             </a:r>
-            <a:endParaRPr lang="zh-CN" altLang="en-US" smtClean="0"/>
           </a:p>
           <a:p>
             <a:pPr lvl="3"/>
             <a:r>
-              <a:rPr lang="zh-CN" altLang="en-US" smtClean="0"/>
+              <a:rPr lang="zh-CN" altLang="en-US"/>
               <a:t>第四级</a:t>
             </a:r>
-            <a:endParaRPr lang="zh-CN" altLang="en-US" smtClean="0"/>
           </a:p>
           <a:p>
             <a:pPr lvl="4"/>
             <a:r>
-              <a:rPr lang="zh-CN" altLang="en-US" smtClean="0"/>
+              <a:rPr lang="zh-CN" altLang="en-US"/>
               <a:t>第五级</a:t>
             </a:r>
-            <a:endParaRPr lang="zh-CN" altLang="en-US"/>
           </a:p>
         </p:txBody>
       </p:sp>
@@ -5426,10 +5464,9 @@
           <a:p>
             <a:pPr lvl="0"/>
             <a:r>
-              <a:rPr lang="zh-CN" altLang="en-US" smtClean="0"/>
+              <a:rPr lang="zh-CN" altLang="en-US"/>
               <a:t>单击此处编辑母版文本样式</a:t>
             </a:r>
-            <a:endParaRPr lang="zh-CN" altLang="en-US" smtClean="0"/>
           </a:p>
         </p:txBody>
       </p:sp>
@@ -5457,6 +5494,7 @@
             </a:pPr>
             <a:fld id="{71F51774-7118-4E84-A97F-B86B56E06435}" type="datetime1">
               <a:rPr lang="zh-CN" altLang="en-US"/>
+              <a:t>2020/7/30</a:t>
             </a:fld>
             <a:endParaRPr lang="zh-CN" altLang="en-US" dirty="0"/>
           </a:p>
@@ -5512,6 +5550,7 @@
             </a:pPr>
             <a:fld id="{AD3D471B-F25C-4B6B-B7B3-88F12265387F}" type="slidenum">
               <a:rPr lang="zh-CN" altLang="en-US"/>
+              <a:t>‹#›</a:t>
             </a:fld>
             <a:endParaRPr lang="zh-CN" altLang="en-US" dirty="0"/>
           </a:p>
@@ -5577,10 +5616,9 @@
           <a:p>
             <a:pPr lvl="0"/>
             <a:r>
-              <a:rPr lang="zh-CN" altLang="en-US" smtClean="0"/>
+              <a:rPr lang="zh-CN" altLang="en-US"/>
               <a:t>单击此处编辑母版标题样式</a:t>
             </a:r>
-            <a:endParaRPr lang="zh-CN" altLang="en-US" smtClean="0"/>
           </a:p>
         </p:txBody>
       </p:sp>
@@ -5614,42 +5652,37 @@
           <a:p>
             <a:pPr lvl="0"/>
             <a:r>
-              <a:rPr lang="zh-CN" altLang="en-US" smtClean="0"/>
+              <a:rPr lang="zh-CN" altLang="en-US"/>
               <a:t>单击此处编辑母版文本样式</a:t>
             </a:r>
-            <a:endParaRPr lang="zh-CN" altLang="en-US" smtClean="0"/>
           </a:p>
           <a:p>
             <a:pPr lvl="1"/>
             <a:r>
-              <a:rPr lang="zh-CN" altLang="en-US" smtClean="0"/>
+              <a:rPr lang="zh-CN" altLang="en-US"/>
               <a:t>第二级</a:t>
             </a:r>
-            <a:endParaRPr lang="zh-CN" altLang="en-US" smtClean="0"/>
           </a:p>
           <a:p>
             <a:pPr lvl="2"/>
             <a:r>
-              <a:rPr lang="zh-CN" altLang="en-US" smtClean="0"/>
+              <a:rPr lang="zh-CN" altLang="en-US"/>
               <a:t>第三级</a:t>
             </a:r>
-            <a:endParaRPr lang="zh-CN" altLang="en-US" smtClean="0"/>
           </a:p>
           <a:p>
             <a:pPr lvl="3"/>
             <a:r>
-              <a:rPr lang="zh-CN" altLang="en-US" smtClean="0"/>
+              <a:rPr lang="zh-CN" altLang="en-US"/>
               <a:t>第四级</a:t>
             </a:r>
-            <a:endParaRPr lang="zh-CN" altLang="en-US" smtClean="0"/>
           </a:p>
           <a:p>
             <a:pPr lvl="4"/>
             <a:r>
-              <a:rPr lang="zh-CN" altLang="en-US" smtClean="0"/>
+              <a:rPr lang="zh-CN" altLang="en-US"/>
               <a:t>第五级</a:t>
             </a:r>
-            <a:endParaRPr lang="zh-CN" altLang="en-US" smtClean="0"/>
           </a:p>
         </p:txBody>
       </p:sp>
@@ -5698,6 +5731,7 @@
             </a:pPr>
             <a:fld id="{9E1E15A4-8D64-47BC-8229-034C68B9B3FF}" type="datetime1">
               <a:rPr lang="zh-CN" altLang="en-US"/>
+              <a:t>2020/7/30</a:t>
             </a:fld>
             <a:endParaRPr lang="zh-CN" altLang="en-US" dirty="0"/>
           </a:p>
@@ -5796,6 +5830,7 @@
             </a:pPr>
             <a:fld id="{E9A2E420-90EE-40A6-9FC4-B68633894ED4}" type="slidenum">
               <a:rPr lang="zh-CN" altLang="en-US"/>
+              <a:t>‹#›</a:t>
             </a:fld>
             <a:endParaRPr lang="zh-CN" altLang="en-US" dirty="0"/>
           </a:p>
@@ -5997,7 +6032,7 @@
           <p:nvPr/>
         </p:nvPicPr>
         <p:blipFill>
-          <a:blip r:embed="rId13" cstate="print"/>
+          <a:blip r:embed="rId14" cstate="print"/>
           <a:srcRect/>
           <a:stretch>
             <a:fillRect/>
@@ -6526,13 +6561,6 @@
               </a:rPr>
               <a:t>培训</a:t>
             </a:r>
-            <a:endParaRPr lang="zh-CN" altLang="en-US" sz="2800" dirty="0">
-              <a:solidFill>
-                <a:schemeClr val="bg1"/>
-              </a:solidFill>
-              <a:latin typeface="微软雅黑" panose="020B0503020204020204" pitchFamily="34" charset="-122"/>
-              <a:ea typeface="微软雅黑" panose="020B0503020204020204" pitchFamily="34" charset="-122"/>
-            </a:endParaRPr>
           </a:p>
         </p:txBody>
       </p:sp>
@@ -6579,13 +6607,6 @@
               </a:rPr>
               <a:t>何鹏</a:t>
             </a:r>
-            <a:endParaRPr lang="zh-CN" altLang="en-US" sz="1800" dirty="0">
-              <a:solidFill>
-                <a:schemeClr val="bg1"/>
-              </a:solidFill>
-              <a:latin typeface="微软雅黑" panose="020B0503020204020204" pitchFamily="34" charset="-122"/>
-              <a:ea typeface="微软雅黑" panose="020B0503020204020204" pitchFamily="34" charset="-122"/>
-            </a:endParaRPr>
           </a:p>
         </p:txBody>
       </p:sp>
@@ -6594,13 +6615,6 @@
   <p:clrMapOvr>
     <a:masterClrMapping/>
   </p:clrMapOvr>
-  <p:timing>
-    <p:tnLst>
-      <p:par>
-        <p:cTn id="1" dur="indefinite" restart="never" nodeType="tmRoot"/>
-      </p:par>
-    </p:tnLst>
-  </p:timing>
 </p:sld>
 </file>
 
@@ -6613,10 +6627,23 @@
         <p:cNvGrpSpPr/>
         <p:nvPr/>
       </p:nvGrpSpPr>
-      <p:grpSpPr/>
-      <p:sp>
-        <p:nvSpPr>
-          <p:cNvPr id="2" name="标题 1"/>
+      <p:grpSpPr>
+        <a:xfrm>
+          <a:off x="0" y="0"/>
+          <a:ext cx="0" cy="0"/>
+          <a:chOff x="0" y="0"/>
+          <a:chExt cx="0" cy="0"/>
+        </a:xfrm>
+      </p:grpSpPr>
+      <p:sp>
+        <p:nvSpPr>
+          <p:cNvPr id="2" name="标题 1">
+            <a:extLst>
+              <a:ext uri="{FF2B5EF4-FFF2-40B4-BE49-F238E27FC236}">
+                <a16:creationId xmlns:a16="http://schemas.microsoft.com/office/drawing/2014/main" id="{F4895A25-8A3E-4276-8A42-8795D486CB0B}"/>
+              </a:ext>
+            </a:extLst>
+          </p:cNvPr>
           <p:cNvSpPr>
             <a:spLocks noGrp="1"/>
           </p:cNvSpPr>
@@ -6627,18 +6654,283 @@
         <p:spPr/>
         <p:txBody>
           <a:bodyPr/>
-          <a:p>
-            <a:r>
-              <a:rPr lang="zh-CN" altLang="en-US"/>
-              <a:t>数据驱动</a:t>
-            </a:r>
-            <a:endParaRPr lang="zh-CN" altLang="en-US"/>
-          </a:p>
-        </p:txBody>
-      </p:sp>
-      <p:sp>
-        <p:nvSpPr>
-          <p:cNvPr id="4" name="日期占位符 3"/>
+          <a:lstStyle/>
+          <a:p>
+            <a:r>
+              <a:rPr lang="zh-CN" altLang="en-US" dirty="0"/>
+              <a:t>路由</a:t>
+            </a:r>
+          </a:p>
+        </p:txBody>
+      </p:sp>
+      <p:sp>
+        <p:nvSpPr>
+          <p:cNvPr id="3" name="内容占位符 2">
+            <a:extLst>
+              <a:ext uri="{FF2B5EF4-FFF2-40B4-BE49-F238E27FC236}">
+                <a16:creationId xmlns:a16="http://schemas.microsoft.com/office/drawing/2014/main" id="{E265E539-0D60-4BC8-AF2B-9A10F05938EA}"/>
+              </a:ext>
+            </a:extLst>
+          </p:cNvPr>
+          <p:cNvSpPr>
+            <a:spLocks noGrp="1"/>
+          </p:cNvSpPr>
+          <p:nvPr>
+            <p:ph idx="1"/>
+          </p:nvPr>
+        </p:nvSpPr>
+        <p:spPr/>
+        <p:txBody>
+          <a:bodyPr/>
+          <a:lstStyle/>
+          <a:p>
+            <a:pPr marL="464185" indent="-285750" algn="l" eaLnBrk="1" latinLnBrk="0" hangingPunct="1">
+              <a:lnSpc>
+                <a:spcPct val="140000"/>
+              </a:lnSpc>
+              <a:buFont typeface="Wingdings" panose="05000000000000000000" charset="0"/>
+              <a:buChar char=""/>
+            </a:pPr>
+            <a:r>
+              <a:rPr lang="zh-CN" altLang="en-US" sz="1600" dirty="0">
+                <a:solidFill>
+                  <a:schemeClr val="tx1"/>
+                </a:solidFill>
+                <a:latin typeface="+mn-ea"/>
+                <a:ea typeface="微软雅黑" panose="020B0503020204020204" charset="-122"/>
+              </a:rPr>
+              <a:t>导航被触发。</a:t>
+            </a:r>
+          </a:p>
+          <a:p>
+            <a:pPr marL="464185" indent="-285750" algn="l" eaLnBrk="1" latinLnBrk="0" hangingPunct="1">
+              <a:lnSpc>
+                <a:spcPct val="140000"/>
+              </a:lnSpc>
+              <a:buFont typeface="Wingdings" panose="05000000000000000000" charset="0"/>
+              <a:buChar char=""/>
+            </a:pPr>
+            <a:r>
+              <a:rPr lang="zh-CN" altLang="en-US" sz="1600" dirty="0">
+                <a:solidFill>
+                  <a:schemeClr val="tx1"/>
+                </a:solidFill>
+                <a:latin typeface="+mn-ea"/>
+                <a:ea typeface="微软雅黑" panose="020B0503020204020204" charset="-122"/>
+              </a:rPr>
+              <a:t>在失活的组件里调用离开守卫。</a:t>
+            </a:r>
+          </a:p>
+          <a:p>
+            <a:pPr marL="464185" indent="-285750" algn="l" eaLnBrk="1" latinLnBrk="0" hangingPunct="1">
+              <a:lnSpc>
+                <a:spcPct val="140000"/>
+              </a:lnSpc>
+              <a:buFont typeface="Wingdings" panose="05000000000000000000" charset="0"/>
+              <a:buChar char=""/>
+            </a:pPr>
+            <a:r>
+              <a:rPr lang="zh-CN" altLang="en-US" sz="1600" dirty="0">
+                <a:solidFill>
+                  <a:schemeClr val="tx1"/>
+                </a:solidFill>
+                <a:latin typeface="+mn-ea"/>
+                <a:ea typeface="微软雅黑" panose="020B0503020204020204" charset="-122"/>
+              </a:rPr>
+              <a:t>调用全局的 beforeEach 守卫。</a:t>
+            </a:r>
+          </a:p>
+          <a:p>
+            <a:pPr marL="464185" indent="-285750" algn="l" eaLnBrk="1" latinLnBrk="0" hangingPunct="1">
+              <a:lnSpc>
+                <a:spcPct val="140000"/>
+              </a:lnSpc>
+              <a:buFont typeface="Wingdings" panose="05000000000000000000" charset="0"/>
+              <a:buChar char=""/>
+            </a:pPr>
+            <a:r>
+              <a:rPr lang="zh-CN" altLang="en-US" sz="1600" dirty="0">
+                <a:solidFill>
+                  <a:schemeClr val="tx1"/>
+                </a:solidFill>
+                <a:latin typeface="+mn-ea"/>
+                <a:ea typeface="微软雅黑" panose="020B0503020204020204" charset="-122"/>
+              </a:rPr>
+              <a:t>在重用的组件里调用 beforeRouteUpdate 守卫 (2.2+)。</a:t>
+            </a:r>
+          </a:p>
+          <a:p>
+            <a:pPr marL="464185" indent="-285750" algn="l" eaLnBrk="1" latinLnBrk="0" hangingPunct="1">
+              <a:lnSpc>
+                <a:spcPct val="140000"/>
+              </a:lnSpc>
+              <a:buFont typeface="Wingdings" panose="05000000000000000000" charset="0"/>
+              <a:buChar char=""/>
+            </a:pPr>
+            <a:r>
+              <a:rPr lang="zh-CN" altLang="en-US" sz="1600" dirty="0">
+                <a:solidFill>
+                  <a:schemeClr val="tx1"/>
+                </a:solidFill>
+                <a:latin typeface="+mn-ea"/>
+                <a:ea typeface="微软雅黑" panose="020B0503020204020204" charset="-122"/>
+              </a:rPr>
+              <a:t>在路由配置里调用 beforeEnter。</a:t>
+            </a:r>
+          </a:p>
+          <a:p>
+            <a:pPr marL="464185" indent="-285750" algn="l" eaLnBrk="1" latinLnBrk="0" hangingPunct="1">
+              <a:lnSpc>
+                <a:spcPct val="140000"/>
+              </a:lnSpc>
+              <a:buFont typeface="Wingdings" panose="05000000000000000000" charset="0"/>
+              <a:buChar char=""/>
+            </a:pPr>
+            <a:r>
+              <a:rPr lang="zh-CN" altLang="en-US" sz="1600" dirty="0">
+                <a:solidFill>
+                  <a:schemeClr val="tx1"/>
+                </a:solidFill>
+                <a:latin typeface="+mn-ea"/>
+                <a:ea typeface="微软雅黑" panose="020B0503020204020204" charset="-122"/>
+              </a:rPr>
+              <a:t>解析异步路由组件。</a:t>
+            </a:r>
+          </a:p>
+          <a:p>
+            <a:pPr marL="464185" indent="-285750" algn="l" eaLnBrk="1" latinLnBrk="0" hangingPunct="1">
+              <a:lnSpc>
+                <a:spcPct val="140000"/>
+              </a:lnSpc>
+              <a:buFont typeface="Wingdings" panose="05000000000000000000" charset="0"/>
+              <a:buChar char=""/>
+            </a:pPr>
+            <a:r>
+              <a:rPr lang="zh-CN" altLang="en-US" sz="1600" dirty="0">
+                <a:solidFill>
+                  <a:schemeClr val="tx1"/>
+                </a:solidFill>
+                <a:latin typeface="+mn-ea"/>
+                <a:ea typeface="微软雅黑" panose="020B0503020204020204" charset="-122"/>
+              </a:rPr>
+              <a:t>在被激活的组件里调用 beforeRouteEnter。</a:t>
+            </a:r>
+          </a:p>
+          <a:p>
+            <a:pPr marL="464185" indent="-285750" algn="l" eaLnBrk="1" latinLnBrk="0" hangingPunct="1">
+              <a:lnSpc>
+                <a:spcPct val="140000"/>
+              </a:lnSpc>
+              <a:buFont typeface="Wingdings" panose="05000000000000000000" charset="0"/>
+              <a:buChar char=""/>
+            </a:pPr>
+            <a:r>
+              <a:rPr lang="zh-CN" altLang="en-US" sz="1600" dirty="0">
+                <a:solidFill>
+                  <a:schemeClr val="tx1"/>
+                </a:solidFill>
+                <a:latin typeface="+mn-ea"/>
+                <a:ea typeface="微软雅黑" panose="020B0503020204020204" charset="-122"/>
+              </a:rPr>
+              <a:t>调用全局的 beforeResolve 守卫 (2.5+)。</a:t>
+            </a:r>
+          </a:p>
+          <a:p>
+            <a:pPr marL="464185" indent="-285750" algn="l" eaLnBrk="1" latinLnBrk="0" hangingPunct="1">
+              <a:lnSpc>
+                <a:spcPct val="140000"/>
+              </a:lnSpc>
+              <a:buFont typeface="Wingdings" panose="05000000000000000000" charset="0"/>
+              <a:buChar char=""/>
+            </a:pPr>
+            <a:r>
+              <a:rPr lang="zh-CN" altLang="en-US" sz="1600" dirty="0">
+                <a:solidFill>
+                  <a:schemeClr val="tx1"/>
+                </a:solidFill>
+                <a:latin typeface="+mn-ea"/>
+                <a:ea typeface="微软雅黑" panose="020B0503020204020204" charset="-122"/>
+              </a:rPr>
+              <a:t>导航被确认。</a:t>
+            </a:r>
+          </a:p>
+          <a:p>
+            <a:pPr marL="464185" indent="-285750" algn="l" eaLnBrk="1" latinLnBrk="0" hangingPunct="1">
+              <a:lnSpc>
+                <a:spcPct val="140000"/>
+              </a:lnSpc>
+              <a:buFont typeface="Wingdings" panose="05000000000000000000" charset="0"/>
+              <a:buChar char=""/>
+            </a:pPr>
+            <a:r>
+              <a:rPr lang="zh-CN" altLang="en-US" sz="1600" dirty="0">
+                <a:solidFill>
+                  <a:schemeClr val="tx1"/>
+                </a:solidFill>
+                <a:latin typeface="+mn-ea"/>
+                <a:ea typeface="微软雅黑" panose="020B0503020204020204" charset="-122"/>
+              </a:rPr>
+              <a:t>调用全局的 afterEach 钩子。</a:t>
+            </a:r>
+          </a:p>
+          <a:p>
+            <a:pPr marL="464185" indent="-285750" algn="l" eaLnBrk="1" latinLnBrk="0" hangingPunct="1">
+              <a:lnSpc>
+                <a:spcPct val="140000"/>
+              </a:lnSpc>
+              <a:buFont typeface="Wingdings" panose="05000000000000000000" charset="0"/>
+              <a:buChar char=""/>
+            </a:pPr>
+            <a:r>
+              <a:rPr lang="zh-CN" altLang="en-US" sz="1600" dirty="0">
+                <a:solidFill>
+                  <a:schemeClr val="tx1"/>
+                </a:solidFill>
+                <a:latin typeface="+mn-ea"/>
+                <a:ea typeface="微软雅黑" panose="020B0503020204020204" charset="-122"/>
+              </a:rPr>
+              <a:t>触发 DOM 更新。</a:t>
+            </a:r>
+          </a:p>
+          <a:p>
+            <a:pPr marL="464185" indent="-285750" algn="l" eaLnBrk="1" latinLnBrk="0" hangingPunct="1">
+              <a:lnSpc>
+                <a:spcPct val="140000"/>
+              </a:lnSpc>
+              <a:buFont typeface="Wingdings" panose="05000000000000000000" charset="0"/>
+              <a:buChar char=""/>
+            </a:pPr>
+            <a:r>
+              <a:rPr lang="zh-CN" altLang="en-US" sz="1600" dirty="0">
+                <a:solidFill>
+                  <a:schemeClr val="tx1"/>
+                </a:solidFill>
+                <a:latin typeface="+mn-ea"/>
+                <a:ea typeface="微软雅黑" panose="020B0503020204020204" charset="-122"/>
+              </a:rPr>
+              <a:t>用创建好的实例调用 beforeRouteEnter 守卫中传给 next 的回调函数。</a:t>
+            </a:r>
+            <a:endParaRPr lang="zh-CN" altLang="en-US" sz="1600" dirty="0">
+              <a:solidFill>
+                <a:schemeClr val="tx1"/>
+              </a:solidFill>
+              <a:latin typeface="+mn-ea"/>
+            </a:endParaRPr>
+          </a:p>
+          <a:p>
+            <a:endParaRPr lang="zh-CN" altLang="en-US" sz="1600" dirty="0"/>
+          </a:p>
+        </p:txBody>
+      </p:sp>
+      <p:sp>
+        <p:nvSpPr>
+          <p:cNvPr id="4" name="日期占位符 3">
+            <a:extLst>
+              <a:ext uri="{FF2B5EF4-FFF2-40B4-BE49-F238E27FC236}">
+                <a16:creationId xmlns:a16="http://schemas.microsoft.com/office/drawing/2014/main" id="{86C6E236-34A6-4252-8D65-8D51A1AC8B31}"/>
+              </a:ext>
+            </a:extLst>
+          </p:cNvPr>
           <p:cNvSpPr>
             <a:spLocks noGrp="1"/>
           </p:cNvSpPr>
@@ -6649,12 +6941,14 @@
         <p:spPr/>
         <p:txBody>
           <a:bodyPr/>
+          <a:lstStyle/>
           <a:p>
             <a:pPr>
               <a:defRPr/>
             </a:pPr>
             <a:fld id="{BDABD382-6269-4314-BED9-F777FF741BD9}" type="datetime1">
-              <a:rPr lang="zh-CN" altLang="en-US"/>
+              <a:rPr lang="zh-CN" altLang="en-US" smtClean="0"/>
+              <a:t>2020/7/30</a:t>
             </a:fld>
             <a:endParaRPr lang="zh-CN" altLang="en-US" dirty="0"/>
           </a:p>
@@ -6662,7 +6956,13 @@
       </p:sp>
       <p:sp>
         <p:nvSpPr>
-          <p:cNvPr id="5" name="灯片编号占位符 4"/>
+          <p:cNvPr id="5" name="灯片编号占位符 4">
+            <a:extLst>
+              <a:ext uri="{FF2B5EF4-FFF2-40B4-BE49-F238E27FC236}">
+                <a16:creationId xmlns:a16="http://schemas.microsoft.com/office/drawing/2014/main" id="{E0E43268-B2DA-4436-8B1E-9B0FBB69FAF7}"/>
+              </a:ext>
+            </a:extLst>
+          </p:cNvPr>
           <p:cNvSpPr>
             <a:spLocks noGrp="1"/>
           </p:cNvSpPr>
@@ -6673,12 +6973,118 @@
         <p:spPr/>
         <p:txBody>
           <a:bodyPr/>
+          <a:lstStyle/>
           <a:p>
             <a:pPr>
               <a:defRPr/>
             </a:pPr>
             <a:fld id="{24CDF228-198A-44C2-BDC3-8F2BB7497790}" type="slidenum">
-              <a:rPr lang="zh-CN" altLang="en-US"/>
+              <a:rPr lang="zh-CN" altLang="en-US" smtClean="0"/>
+              <a:t>10</a:t>
+            </a:fld>
+            <a:endParaRPr lang="zh-CN" altLang="en-US" dirty="0"/>
+          </a:p>
+        </p:txBody>
+      </p:sp>
+    </p:spTree>
+    <p:extLst>
+      <p:ext uri="{BB962C8B-B14F-4D97-AF65-F5344CB8AC3E}">
+        <p14:creationId xmlns:p14="http://schemas.microsoft.com/office/powerpoint/2010/main" val="2269662831"/>
+      </p:ext>
+    </p:extLst>
+  </p:cSld>
+  <p:clrMapOvr>
+    <a:masterClrMapping/>
+  </p:clrMapOvr>
+</p:sld>
+</file>
+
+<file path=ppt/slides/slide11.xml><?xml version="1.0" encoding="utf-8"?>
+<p:sld xmlns:a="http://schemas.openxmlformats.org/drawingml/2006/main" xmlns:r="http://schemas.openxmlformats.org/officeDocument/2006/relationships" xmlns:p="http://schemas.openxmlformats.org/presentationml/2006/main">
+  <p:cSld>
+    <p:spTree>
+      <p:nvGrpSpPr>
+        <p:cNvPr id="1" name=""/>
+        <p:cNvGrpSpPr/>
+        <p:nvPr/>
+      </p:nvGrpSpPr>
+      <p:grpSpPr>
+        <a:xfrm>
+          <a:off x="0" y="0"/>
+          <a:ext cx="0" cy="0"/>
+          <a:chOff x="0" y="0"/>
+          <a:chExt cx="0" cy="0"/>
+        </a:xfrm>
+      </p:grpSpPr>
+      <p:sp>
+        <p:nvSpPr>
+          <p:cNvPr id="2" name="标题 1"/>
+          <p:cNvSpPr>
+            <a:spLocks noGrp="1"/>
+          </p:cNvSpPr>
+          <p:nvPr>
+            <p:ph type="title"/>
+          </p:nvPr>
+        </p:nvSpPr>
+        <p:spPr/>
+        <p:txBody>
+          <a:bodyPr/>
+          <a:lstStyle/>
+          <a:p>
+            <a:r>
+              <a:rPr lang="zh-CN" altLang="en-US"/>
+              <a:t>数据驱动</a:t>
+            </a:r>
+          </a:p>
+        </p:txBody>
+      </p:sp>
+      <p:sp>
+        <p:nvSpPr>
+          <p:cNvPr id="4" name="日期占位符 3"/>
+          <p:cNvSpPr>
+            <a:spLocks noGrp="1"/>
+          </p:cNvSpPr>
+          <p:nvPr>
+            <p:ph type="dt" sz="half" idx="10"/>
+          </p:nvPr>
+        </p:nvSpPr>
+        <p:spPr/>
+        <p:txBody>
+          <a:bodyPr/>
+          <a:lstStyle/>
+          <a:p>
+            <a:pPr>
+              <a:defRPr/>
+            </a:pPr>
+            <a:fld id="{BDABD382-6269-4314-BED9-F777FF741BD9}" type="datetime1">
+              <a:rPr lang="zh-CN" altLang="en-US"/>
+              <a:t>2020/7/30</a:t>
+            </a:fld>
+            <a:endParaRPr lang="zh-CN" altLang="en-US" dirty="0"/>
+          </a:p>
+        </p:txBody>
+      </p:sp>
+      <p:sp>
+        <p:nvSpPr>
+          <p:cNvPr id="5" name="灯片编号占位符 4"/>
+          <p:cNvSpPr>
+            <a:spLocks noGrp="1"/>
+          </p:cNvSpPr>
+          <p:nvPr>
+            <p:ph type="sldNum" sz="quarter" idx="12"/>
+          </p:nvPr>
+        </p:nvSpPr>
+        <p:spPr/>
+        <p:txBody>
+          <a:bodyPr/>
+          <a:lstStyle/>
+          <a:p>
+            <a:pPr>
+              <a:defRPr/>
+            </a:pPr>
+            <a:fld id="{24CDF228-198A-44C2-BDC3-8F2BB7497790}" type="slidenum">
+              <a:rPr lang="zh-CN" altLang="en-US"/>
+              <a:t>11</a:t>
             </a:fld>
             <a:endParaRPr lang="zh-CN" altLang="en-US" dirty="0"/>
           </a:p>
@@ -6688,14 +7094,14 @@
         <p:nvPicPr>
           <p:cNvPr id="6" name="内容占位符 5"/>
           <p:cNvPicPr>
-            <a:picLocks noChangeAspect="1"/>
+            <a:picLocks noGrp="1" noChangeAspect="1"/>
           </p:cNvPicPr>
           <p:nvPr>
             <p:ph idx="1"/>
           </p:nvPr>
         </p:nvPicPr>
         <p:blipFill>
-          <a:blip r:embed="rId1"/>
+          <a:blip r:embed="rId3"/>
           <a:stretch>
             <a:fillRect/>
           </a:stretch>
@@ -6718,7 +7124,7 @@
 </p:sld>
 </file>
 
-<file path=ppt/slides/slide11.xml><?xml version="1.0" encoding="utf-8"?>
+<file path=ppt/slides/slide12.xml><?xml version="1.0" encoding="utf-8"?>
 <p:sld xmlns:a="http://schemas.openxmlformats.org/drawingml/2006/main" xmlns:r="http://schemas.openxmlformats.org/officeDocument/2006/relationships" xmlns:p="http://schemas.openxmlformats.org/presentationml/2006/main">
   <p:cSld>
     <p:spTree>
@@ -6727,7 +7133,14 @@
         <p:cNvGrpSpPr/>
         <p:nvPr/>
       </p:nvGrpSpPr>
-      <p:grpSpPr/>
+      <p:grpSpPr>
+        <a:xfrm>
+          <a:off x="0" y="0"/>
+          <a:ext cx="0" cy="0"/>
+          <a:chOff x="0" y="0"/>
+          <a:chExt cx="0" cy="0"/>
+        </a:xfrm>
+      </p:grpSpPr>
       <p:sp>
         <p:nvSpPr>
           <p:cNvPr id="2" name="标题 1"/>
@@ -6741,12 +7154,12 @@
         <p:spPr/>
         <p:txBody>
           <a:bodyPr/>
+          <a:lstStyle/>
           <a:p>
             <a:r>
               <a:rPr lang="zh-CN" altLang="en-US"/>
               <a:t>组件化</a:t>
             </a:r>
-            <a:endParaRPr lang="zh-CN" altLang="en-US"/>
           </a:p>
         </p:txBody>
       </p:sp>
@@ -6763,12 +7176,14 @@
         <p:spPr/>
         <p:txBody>
           <a:bodyPr/>
+          <a:lstStyle/>
           <a:p>
             <a:pPr>
               <a:defRPr/>
             </a:pPr>
             <a:fld id="{BDABD382-6269-4314-BED9-F777FF741BD9}" type="datetime1">
               <a:rPr lang="zh-CN" altLang="en-US"/>
+              <a:t>2020/7/30</a:t>
             </a:fld>
             <a:endParaRPr lang="zh-CN" altLang="en-US" dirty="0"/>
           </a:p>
@@ -6787,12 +7202,14 @@
         <p:spPr/>
         <p:txBody>
           <a:bodyPr/>
+          <a:lstStyle/>
           <a:p>
             <a:pPr>
               <a:defRPr/>
             </a:pPr>
             <a:fld id="{24CDF228-198A-44C2-BDC3-8F2BB7497790}" type="slidenum">
               <a:rPr lang="zh-CN" altLang="en-US"/>
+              <a:t>12</a:t>
             </a:fld>
             <a:endParaRPr lang="zh-CN" altLang="en-US" dirty="0"/>
           </a:p>
@@ -6802,14 +7219,14 @@
         <p:nvPicPr>
           <p:cNvPr id="6" name="内容占位符 5"/>
           <p:cNvPicPr>
-            <a:picLocks noChangeAspect="1"/>
+            <a:picLocks noGrp="1" noChangeAspect="1"/>
           </p:cNvPicPr>
           <p:nvPr>
             <p:ph idx="1"/>
           </p:nvPr>
         </p:nvPicPr>
         <p:blipFill>
-          <a:blip r:embed="rId1"/>
+          <a:blip r:embed="rId2"/>
           <a:stretch>
             <a:fillRect/>
           </a:stretch>
@@ -6844,6 +7261,7 @@
           <a:bodyPr wrap="square" rtlCol="0">
             <a:spAutoFit/>
           </a:bodyPr>
+          <a:lstStyle/>
           <a:p>
             <a:pPr algn="l" eaLnBrk="1" hangingPunct="1">
               <a:lnSpc>
@@ -6851,7 +7269,7 @@
               </a:lnSpc>
             </a:pPr>
             <a:r>
-              <a:rPr lang="zh-CN" altLang="en-US" dirty="0" smtClean="0">
+              <a:rPr lang="zh-CN" altLang="en-US" dirty="0">
                 <a:sym typeface="+mn-ea"/>
               </a:rPr>
               <a:t>组件系统是 Vue 的另一个重要概念，因为它是一种抽象，允许我们使用小型、独立和通常可复用的组件构建大型应用。仔细想想，几乎任意类型的应用界面都可以抽象为一个组件树，如下图：</a:t>
@@ -6943,422 +7361,6 @@
 </p:sld>
 </file>
 
-<file path=ppt/slides/slide12.xml><?xml version="1.0" encoding="utf-8"?>
-<p:sld xmlns:a="http://schemas.openxmlformats.org/drawingml/2006/main" xmlns:r="http://schemas.openxmlformats.org/officeDocument/2006/relationships" xmlns:p="http://schemas.openxmlformats.org/presentationml/2006/main">
-  <p:cSld>
-    <p:spTree>
-      <p:nvGrpSpPr>
-        <p:cNvPr id="1" name=""/>
-        <p:cNvGrpSpPr/>
-        <p:nvPr/>
-      </p:nvGrpSpPr>
-      <p:grpSpPr/>
-      <p:sp>
-        <p:nvSpPr>
-          <p:cNvPr id="2" name="标题 1"/>
-          <p:cNvSpPr>
-            <a:spLocks noGrp="1"/>
-          </p:cNvSpPr>
-          <p:nvPr>
-            <p:ph type="title"/>
-          </p:nvPr>
-        </p:nvSpPr>
-        <p:spPr/>
-        <p:txBody>
-          <a:bodyPr/>
-          <a:p>
-            <a:r>
-              <a:rPr lang="zh-CN" altLang="en-US"/>
-              <a:t>组件化</a:t>
-            </a:r>
-            <a:endParaRPr lang="zh-CN" altLang="en-US"/>
-          </a:p>
-        </p:txBody>
-      </p:sp>
-      <p:sp>
-        <p:nvSpPr>
-          <p:cNvPr id="4" name="日期占位符 3"/>
-          <p:cNvSpPr>
-            <a:spLocks noGrp="1"/>
-          </p:cNvSpPr>
-          <p:nvPr>
-            <p:ph type="dt" sz="half" idx="10"/>
-          </p:nvPr>
-        </p:nvSpPr>
-        <p:spPr/>
-        <p:txBody>
-          <a:bodyPr/>
-          <a:p>
-            <a:pPr>
-              <a:defRPr/>
-            </a:pPr>
-            <a:fld id="{BDABD382-6269-4314-BED9-F777FF741BD9}" type="datetime1">
-              <a:rPr lang="zh-CN" altLang="en-US"/>
-            </a:fld>
-            <a:endParaRPr lang="zh-CN" altLang="en-US" dirty="0"/>
-          </a:p>
-        </p:txBody>
-      </p:sp>
-      <p:sp>
-        <p:nvSpPr>
-          <p:cNvPr id="5" name="灯片编号占位符 4"/>
-          <p:cNvSpPr>
-            <a:spLocks noGrp="1"/>
-          </p:cNvSpPr>
-          <p:nvPr>
-            <p:ph type="sldNum" sz="quarter" idx="12"/>
-          </p:nvPr>
-        </p:nvSpPr>
-        <p:spPr/>
-        <p:txBody>
-          <a:bodyPr/>
-          <a:p>
-            <a:pPr>
-              <a:defRPr/>
-            </a:pPr>
-            <a:fld id="{24CDF228-198A-44C2-BDC3-8F2BB7497790}" type="slidenum">
-              <a:rPr lang="zh-CN" altLang="en-US"/>
-            </a:fld>
-            <a:endParaRPr lang="zh-CN" altLang="en-US" dirty="0"/>
-          </a:p>
-        </p:txBody>
-      </p:sp>
-      <p:sp>
-        <p:nvSpPr>
-          <p:cNvPr id="8" name="文本框 7"/>
-          <p:cNvSpPr txBox="1"/>
-          <p:nvPr/>
-        </p:nvSpPr>
-        <p:spPr>
-          <a:xfrm>
-            <a:off x="558165" y="1273810"/>
-            <a:ext cx="8092440" cy="4310380"/>
-          </a:xfrm>
-          <a:prstGeom prst="rect">
-            <a:avLst/>
-          </a:prstGeom>
-          <a:noFill/>
-        </p:spPr>
-        <p:txBody>
-          <a:bodyPr wrap="square" rtlCol="0" anchor="t">
-            <a:spAutoFit/>
-          </a:bodyPr>
-          <a:p>
-            <a:pPr algn="l" eaLnBrk="1" hangingPunct="1">
-              <a:lnSpc>
-                <a:spcPct val="140000"/>
-              </a:lnSpc>
-            </a:pPr>
-            <a:r>
-              <a:rPr lang="zh-CN" altLang="en-US" sz="1400" dirty="0" err="1" smtClean="0">
-                <a:solidFill>
-                  <a:srgbClr val="0062AD"/>
-                </a:solidFill>
-                <a:latin typeface="微软雅黑" panose="020B0503020204020204" pitchFamily="34" charset="-122"/>
-                <a:ea typeface="微软雅黑" panose="020B0503020204020204" pitchFamily="34" charset="-122"/>
-                <a:sym typeface="+mn-ea"/>
-              </a:rPr>
-              <a:t>为什么要</a:t>
-            </a:r>
-            <a:r>
-              <a:rPr lang="en-US" altLang="zh-CN" sz="1400" dirty="0" err="1" smtClean="0">
-                <a:solidFill>
-                  <a:srgbClr val="0062AD"/>
-                </a:solidFill>
-                <a:latin typeface="微软雅黑" panose="020B0503020204020204" pitchFamily="34" charset="-122"/>
-                <a:ea typeface="微软雅黑" panose="020B0503020204020204" pitchFamily="34" charset="-122"/>
-                <a:sym typeface="+mn-ea"/>
-              </a:rPr>
-              <a:t>组件化？</a:t>
-            </a:r>
-            <a:endParaRPr lang="en-US" altLang="zh-CN" sz="1400" dirty="0" err="1" smtClean="0">
-              <a:solidFill>
-                <a:srgbClr val="0062AD"/>
-              </a:solidFill>
-              <a:latin typeface="微软雅黑" panose="020B0503020204020204" pitchFamily="34" charset="-122"/>
-              <a:ea typeface="微软雅黑" panose="020B0503020204020204" pitchFamily="34" charset="-122"/>
-            </a:endParaRPr>
-          </a:p>
-          <a:p>
-            <a:pPr marL="285750" indent="-285750" algn="l" eaLnBrk="1" hangingPunct="1">
-              <a:lnSpc>
-                <a:spcPct val="140000"/>
-              </a:lnSpc>
-              <a:buFont typeface="Wingdings" panose="05000000000000000000" charset="0"/>
-              <a:buChar char=""/>
-            </a:pPr>
-            <a:r>
-              <a:rPr lang="zh-CN" altLang="en-US" sz="1400" dirty="0" err="1" smtClean="0">
-                <a:solidFill>
-                  <a:srgbClr val="0062AD"/>
-                </a:solidFill>
-                <a:latin typeface="微软雅黑" panose="020B0503020204020204" pitchFamily="34" charset="-122"/>
-                <a:ea typeface="微软雅黑" panose="020B0503020204020204" pitchFamily="34" charset="-122"/>
-                <a:sym typeface="+mn-ea"/>
-              </a:rPr>
-              <a:t>高内聚性：</a:t>
-            </a:r>
-            <a:endParaRPr lang="zh-CN" altLang="en-US" sz="1400" dirty="0" err="1" smtClean="0">
-              <a:solidFill>
-                <a:srgbClr val="0062AD"/>
-              </a:solidFill>
-              <a:latin typeface="微软雅黑" panose="020B0503020204020204" pitchFamily="34" charset="-122"/>
-              <a:ea typeface="微软雅黑" panose="020B0503020204020204" pitchFamily="34" charset="-122"/>
-            </a:endParaRPr>
-          </a:p>
-          <a:p>
-            <a:pPr algn="l" eaLnBrk="1" hangingPunct="1">
-              <a:lnSpc>
-                <a:spcPct val="140000"/>
-              </a:lnSpc>
-              <a:buFont typeface="Wingdings" panose="05000000000000000000" charset="0"/>
-            </a:pPr>
-            <a:r>
-              <a:rPr lang="en-US" altLang="zh-CN" sz="1400" dirty="0" err="1" smtClean="0">
-                <a:latin typeface="微软雅黑" panose="020B0503020204020204" pitchFamily="34" charset="-122"/>
-                <a:ea typeface="微软雅黑" panose="020B0503020204020204" pitchFamily="34" charset="-122"/>
-                <a:sym typeface="+mn-ea"/>
-              </a:rPr>
-              <a:t>     组</a:t>
-            </a:r>
-            <a:r>
-              <a:rPr lang="zh-CN" altLang="en-US" sz="1400" dirty="0" err="1" smtClean="0">
-                <a:latin typeface="微软雅黑" panose="020B0503020204020204" pitchFamily="34" charset="-122"/>
-                <a:ea typeface="微软雅黑" panose="020B0503020204020204" pitchFamily="34" charset="-122"/>
-                <a:sym typeface="+mn-ea"/>
-              </a:rPr>
-              <a:t>件</a:t>
-            </a:r>
-            <a:r>
-              <a:rPr lang="en-US" altLang="zh-CN" sz="1400" dirty="0" err="1" smtClean="0">
-                <a:latin typeface="微软雅黑" panose="020B0503020204020204" pitchFamily="34" charset="-122"/>
-                <a:ea typeface="微软雅黑" panose="020B0503020204020204" pitchFamily="34" charset="-122"/>
-                <a:sym typeface="+mn-ea"/>
-              </a:rPr>
-              <a:t>功能必须是完整的，如我要实现下拉菜单功能，那在下拉菜单这个组件中，就把下拉菜单所需要的所有功能全部实现。</a:t>
-            </a:r>
-            <a:endParaRPr lang="en-US" altLang="zh-CN" sz="1400" dirty="0" err="1" smtClean="0">
-              <a:solidFill>
-                <a:schemeClr val="tx1"/>
-              </a:solidFill>
-              <a:latin typeface="微软雅黑" panose="020B0503020204020204" pitchFamily="34" charset="-122"/>
-              <a:ea typeface="微软雅黑" panose="020B0503020204020204" pitchFamily="34" charset="-122"/>
-            </a:endParaRPr>
-          </a:p>
-          <a:p>
-            <a:pPr marL="285750" indent="-285750" algn="l" eaLnBrk="1" hangingPunct="1">
-              <a:lnSpc>
-                <a:spcPct val="140000"/>
-              </a:lnSpc>
-              <a:buFont typeface="Wingdings" panose="05000000000000000000" charset="0"/>
-              <a:buChar char=""/>
-            </a:pPr>
-            <a:r>
-              <a:rPr lang="zh-CN" altLang="en-US" sz="1400" dirty="0" err="1" smtClean="0">
-                <a:solidFill>
-                  <a:srgbClr val="0062AD"/>
-                </a:solidFill>
-                <a:latin typeface="微软雅黑" panose="020B0503020204020204" pitchFamily="34" charset="-122"/>
-                <a:ea typeface="微软雅黑" panose="020B0503020204020204" pitchFamily="34" charset="-122"/>
-                <a:sym typeface="+mn-ea"/>
-              </a:rPr>
-              <a:t>低耦合度：</a:t>
-            </a:r>
-            <a:endParaRPr lang="zh-CN" altLang="en-US" sz="1400" dirty="0" err="1" smtClean="0">
-              <a:solidFill>
-                <a:srgbClr val="0062AD"/>
-              </a:solidFill>
-              <a:latin typeface="微软雅黑" panose="020B0503020204020204" pitchFamily="34" charset="-122"/>
-              <a:ea typeface="微软雅黑" panose="020B0503020204020204" pitchFamily="34" charset="-122"/>
-            </a:endParaRPr>
-          </a:p>
-          <a:p>
-            <a:pPr algn="l" eaLnBrk="1" hangingPunct="1">
-              <a:lnSpc>
-                <a:spcPct val="140000"/>
-              </a:lnSpc>
-              <a:buFont typeface="Wingdings" panose="05000000000000000000" charset="0"/>
-            </a:pPr>
-            <a:r>
-              <a:rPr lang="en-US" altLang="zh-CN" sz="1400" dirty="0" err="1" smtClean="0">
-                <a:latin typeface="微软雅黑" panose="020B0503020204020204" pitchFamily="34" charset="-122"/>
-                <a:ea typeface="微软雅黑" panose="020B0503020204020204" pitchFamily="34" charset="-122"/>
-                <a:sym typeface="+mn-ea"/>
-              </a:rPr>
-              <a:t>    通俗点说，代码独立不会和项目中的其他代码发生冲突。在实际工程中，我们经常会涉及到团队协作，传统按照业务线去编写代码的方式，就很容易相互冲突，所以运用组件化方式就可大大避免这种冲突的存在、每一个组件都有子集清晰的职责，完整的功能，较低的耦合便于单元测试和重复利用。</a:t>
-            </a:r>
-            <a:endParaRPr lang="en-US" altLang="zh-CN" sz="1400" dirty="0" err="1" smtClean="0">
-              <a:solidFill>
-                <a:schemeClr val="tx1"/>
-              </a:solidFill>
-              <a:latin typeface="微软雅黑" panose="020B0503020204020204" pitchFamily="34" charset="-122"/>
-              <a:ea typeface="微软雅黑" panose="020B0503020204020204" pitchFamily="34" charset="-122"/>
-            </a:endParaRPr>
-          </a:p>
-          <a:p>
-            <a:pPr algn="l" eaLnBrk="1" hangingPunct="1">
-              <a:lnSpc>
-                <a:spcPct val="140000"/>
-              </a:lnSpc>
-            </a:pPr>
-            <a:r>
-              <a:rPr lang="zh-CN" altLang="en-US" sz="1400" dirty="0" err="1" smtClean="0">
-                <a:solidFill>
-                  <a:srgbClr val="0062AD"/>
-                </a:solidFill>
-                <a:latin typeface="微软雅黑" panose="020B0503020204020204" pitchFamily="34" charset="-122"/>
-                <a:ea typeface="微软雅黑" panose="020B0503020204020204" pitchFamily="34" charset="-122"/>
-                <a:sym typeface="+mn-ea"/>
-              </a:rPr>
-              <a:t>组件化的优点</a:t>
-            </a:r>
-            <a:endParaRPr lang="zh-CN" altLang="en-US" sz="1400" dirty="0" err="1" smtClean="0">
-              <a:solidFill>
-                <a:schemeClr val="tx1"/>
-              </a:solidFill>
-              <a:latin typeface="微软雅黑" panose="020B0503020204020204" pitchFamily="34" charset="-122"/>
-              <a:ea typeface="微软雅黑" panose="020B0503020204020204" pitchFamily="34" charset="-122"/>
-            </a:endParaRPr>
-          </a:p>
-          <a:p>
-            <a:pPr marL="628650" lvl="1" indent="-285750" algn="l" eaLnBrk="1" hangingPunct="1">
-              <a:lnSpc>
-                <a:spcPct val="140000"/>
-              </a:lnSpc>
-              <a:buFont typeface="Wingdings" panose="05000000000000000000" charset="0"/>
-              <a:buChar char=""/>
-            </a:pPr>
-            <a:r>
-              <a:rPr lang="en-US" altLang="zh-CN" sz="1400" dirty="0" err="1" smtClean="0">
-                <a:latin typeface="微软雅黑" panose="020B0503020204020204" pitchFamily="34" charset="-122"/>
-                <a:ea typeface="微软雅黑" panose="020B0503020204020204" pitchFamily="34" charset="-122"/>
-                <a:sym typeface="+mn-ea"/>
-              </a:rPr>
-              <a:t>提高开发效率</a:t>
-            </a:r>
-            <a:endParaRPr lang="en-US" altLang="zh-CN" sz="1400" dirty="0" err="1" smtClean="0">
-              <a:solidFill>
-                <a:schemeClr val="tx1"/>
-              </a:solidFill>
-              <a:latin typeface="微软雅黑" panose="020B0503020204020204" pitchFamily="34" charset="-122"/>
-              <a:ea typeface="微软雅黑" panose="020B0503020204020204" pitchFamily="34" charset="-122"/>
-            </a:endParaRPr>
-          </a:p>
-          <a:p>
-            <a:pPr marL="628650" lvl="1" indent="-285750" algn="l" eaLnBrk="1" hangingPunct="1">
-              <a:lnSpc>
-                <a:spcPct val="140000"/>
-              </a:lnSpc>
-              <a:buFont typeface="Wingdings" panose="05000000000000000000" charset="0"/>
-              <a:buChar char=""/>
-            </a:pPr>
-            <a:r>
-              <a:rPr lang="en-US" altLang="zh-CN" sz="1400" dirty="0" err="1" smtClean="0">
-                <a:latin typeface="微软雅黑" panose="020B0503020204020204" pitchFamily="34" charset="-122"/>
-                <a:ea typeface="微软雅黑" panose="020B0503020204020204" pitchFamily="34" charset="-122"/>
-                <a:sym typeface="+mn-ea"/>
-              </a:rPr>
-              <a:t>方便重复使用</a:t>
-            </a:r>
-            <a:endParaRPr lang="en-US" altLang="zh-CN" sz="1400" dirty="0" err="1" smtClean="0">
-              <a:solidFill>
-                <a:schemeClr val="tx1"/>
-              </a:solidFill>
-              <a:latin typeface="微软雅黑" panose="020B0503020204020204" pitchFamily="34" charset="-122"/>
-              <a:ea typeface="微软雅黑" panose="020B0503020204020204" pitchFamily="34" charset="-122"/>
-            </a:endParaRPr>
-          </a:p>
-          <a:p>
-            <a:pPr marL="628650" lvl="1" indent="-285750" algn="l" eaLnBrk="1" hangingPunct="1">
-              <a:lnSpc>
-                <a:spcPct val="140000"/>
-              </a:lnSpc>
-              <a:buFont typeface="Wingdings" panose="05000000000000000000" charset="0"/>
-              <a:buChar char=""/>
-            </a:pPr>
-            <a:r>
-              <a:rPr lang="en-US" altLang="zh-CN" sz="1400" dirty="0" err="1" smtClean="0">
-                <a:latin typeface="微软雅黑" panose="020B0503020204020204" pitchFamily="34" charset="-122"/>
-                <a:ea typeface="微软雅黑" panose="020B0503020204020204" pitchFamily="34" charset="-122"/>
-                <a:sym typeface="+mn-ea"/>
-              </a:rPr>
-              <a:t>简化调试步骤</a:t>
-            </a:r>
-            <a:endParaRPr lang="en-US" altLang="zh-CN" sz="1400" dirty="0" err="1" smtClean="0">
-              <a:solidFill>
-                <a:schemeClr val="tx1"/>
-              </a:solidFill>
-              <a:latin typeface="微软雅黑" panose="020B0503020204020204" pitchFamily="34" charset="-122"/>
-              <a:ea typeface="微软雅黑" panose="020B0503020204020204" pitchFamily="34" charset="-122"/>
-            </a:endParaRPr>
-          </a:p>
-          <a:p>
-            <a:pPr marL="628650" lvl="1" indent="-285750" algn="l" eaLnBrk="1" hangingPunct="1">
-              <a:lnSpc>
-                <a:spcPct val="140000"/>
-              </a:lnSpc>
-              <a:buFont typeface="Wingdings" panose="05000000000000000000" charset="0"/>
-              <a:buChar char=""/>
-            </a:pPr>
-            <a:r>
-              <a:rPr lang="en-US" altLang="zh-CN" sz="1400" dirty="0" err="1" smtClean="0">
-                <a:latin typeface="微软雅黑" panose="020B0503020204020204" pitchFamily="34" charset="-122"/>
-                <a:ea typeface="微软雅黑" panose="020B0503020204020204" pitchFamily="34" charset="-122"/>
-                <a:sym typeface="+mn-ea"/>
-              </a:rPr>
-              <a:t>提升整个项目的可维护性</a:t>
-            </a:r>
-            <a:endParaRPr lang="en-US" altLang="zh-CN" sz="1400" dirty="0" err="1" smtClean="0">
-              <a:solidFill>
-                <a:schemeClr val="tx1"/>
-              </a:solidFill>
-              <a:latin typeface="微软雅黑" panose="020B0503020204020204" pitchFamily="34" charset="-122"/>
-              <a:ea typeface="微软雅黑" panose="020B0503020204020204" pitchFamily="34" charset="-122"/>
-            </a:endParaRPr>
-          </a:p>
-          <a:p>
-            <a:pPr marL="628650" lvl="1" indent="-285750" algn="l" eaLnBrk="1" hangingPunct="1">
-              <a:lnSpc>
-                <a:spcPct val="140000"/>
-              </a:lnSpc>
-              <a:buFont typeface="Wingdings" panose="05000000000000000000" charset="0"/>
-              <a:buChar char=""/>
-            </a:pPr>
-            <a:r>
-              <a:rPr lang="en-US" altLang="zh-CN" sz="1400" dirty="0" err="1" smtClean="0">
-                <a:latin typeface="微软雅黑" panose="020B0503020204020204" pitchFamily="34" charset="-122"/>
-                <a:ea typeface="微软雅黑" panose="020B0503020204020204" pitchFamily="34" charset="-122"/>
-                <a:sym typeface="+mn-ea"/>
-              </a:rPr>
-              <a:t>便于协同</a:t>
-            </a:r>
-            <a:r>
-              <a:rPr lang="zh-CN" altLang="en-US" sz="1400" dirty="0" err="1" smtClean="0">
-                <a:latin typeface="微软雅黑" panose="020B0503020204020204" pitchFamily="34" charset="-122"/>
-                <a:ea typeface="微软雅黑" panose="020B0503020204020204" pitchFamily="34" charset="-122"/>
-                <a:sym typeface="+mn-ea"/>
-              </a:rPr>
-              <a:t>开发</a:t>
-            </a:r>
-            <a:endParaRPr lang="zh-CN" altLang="en-US" sz="1400"/>
-          </a:p>
-        </p:txBody>
-      </p:sp>
-    </p:spTree>
-  </p:cSld>
-  <p:clrMapOvr>
-    <a:masterClrMapping/>
-  </p:clrMapOvr>
-  <p:timing>
-    <p:tnLst>
-      <p:par>
-        <p:cTn id="1" dur="indefinite" restart="never" nodeType="tmRoot"/>
-      </p:par>
-    </p:tnLst>
-  </p:timing>
-</p:sld>
-</file>
-
 <file path=ppt/slides/slide13.xml><?xml version="1.0" encoding="utf-8"?>
 <p:sld xmlns:a="http://schemas.openxmlformats.org/drawingml/2006/main" xmlns:r="http://schemas.openxmlformats.org/officeDocument/2006/relationships" xmlns:p="http://schemas.openxmlformats.org/presentationml/2006/main">
   <p:cSld>
@@ -7378,6 +7380,427 @@
       </p:grpSpPr>
       <p:sp>
         <p:nvSpPr>
+          <p:cNvPr id="2" name="标题 1"/>
+          <p:cNvSpPr>
+            <a:spLocks noGrp="1"/>
+          </p:cNvSpPr>
+          <p:nvPr>
+            <p:ph type="title"/>
+          </p:nvPr>
+        </p:nvSpPr>
+        <p:spPr/>
+        <p:txBody>
+          <a:bodyPr/>
+          <a:lstStyle/>
+          <a:p>
+            <a:r>
+              <a:rPr lang="zh-CN" altLang="en-US"/>
+              <a:t>组件化</a:t>
+            </a:r>
+          </a:p>
+        </p:txBody>
+      </p:sp>
+      <p:sp>
+        <p:nvSpPr>
+          <p:cNvPr id="4" name="日期占位符 3"/>
+          <p:cNvSpPr>
+            <a:spLocks noGrp="1"/>
+          </p:cNvSpPr>
+          <p:nvPr>
+            <p:ph type="dt" sz="half" idx="10"/>
+          </p:nvPr>
+        </p:nvSpPr>
+        <p:spPr/>
+        <p:txBody>
+          <a:bodyPr/>
+          <a:lstStyle/>
+          <a:p>
+            <a:pPr>
+              <a:defRPr/>
+            </a:pPr>
+            <a:fld id="{BDABD382-6269-4314-BED9-F777FF741BD9}" type="datetime1">
+              <a:rPr lang="zh-CN" altLang="en-US"/>
+              <a:t>2020/7/30</a:t>
+            </a:fld>
+            <a:endParaRPr lang="zh-CN" altLang="en-US" dirty="0"/>
+          </a:p>
+        </p:txBody>
+      </p:sp>
+      <p:sp>
+        <p:nvSpPr>
+          <p:cNvPr id="5" name="灯片编号占位符 4"/>
+          <p:cNvSpPr>
+            <a:spLocks noGrp="1"/>
+          </p:cNvSpPr>
+          <p:nvPr>
+            <p:ph type="sldNum" sz="quarter" idx="12"/>
+          </p:nvPr>
+        </p:nvSpPr>
+        <p:spPr/>
+        <p:txBody>
+          <a:bodyPr/>
+          <a:lstStyle/>
+          <a:p>
+            <a:pPr>
+              <a:defRPr/>
+            </a:pPr>
+            <a:fld id="{24CDF228-198A-44C2-BDC3-8F2BB7497790}" type="slidenum">
+              <a:rPr lang="zh-CN" altLang="en-US"/>
+              <a:t>13</a:t>
+            </a:fld>
+            <a:endParaRPr lang="zh-CN" altLang="en-US" dirty="0"/>
+          </a:p>
+        </p:txBody>
+      </p:sp>
+      <p:sp>
+        <p:nvSpPr>
+          <p:cNvPr id="8" name="文本框 7"/>
+          <p:cNvSpPr txBox="1"/>
+          <p:nvPr/>
+        </p:nvSpPr>
+        <p:spPr>
+          <a:xfrm>
+            <a:off x="558165" y="1273810"/>
+            <a:ext cx="8092440" cy="4310380"/>
+          </a:xfrm>
+          <a:prstGeom prst="rect">
+            <a:avLst/>
+          </a:prstGeom>
+          <a:noFill/>
+        </p:spPr>
+        <p:txBody>
+          <a:bodyPr wrap="square" rtlCol="0" anchor="t">
+            <a:spAutoFit/>
+          </a:bodyPr>
+          <a:lstStyle/>
+          <a:p>
+            <a:pPr algn="l" eaLnBrk="1" hangingPunct="1">
+              <a:lnSpc>
+                <a:spcPct val="140000"/>
+              </a:lnSpc>
+            </a:pPr>
+            <a:r>
+              <a:rPr lang="zh-CN" altLang="en-US" sz="1400" dirty="0" err="1">
+                <a:solidFill>
+                  <a:srgbClr val="0062AD"/>
+                </a:solidFill>
+                <a:latin typeface="微软雅黑" panose="020B0503020204020204" pitchFamily="34" charset="-122"/>
+                <a:ea typeface="微软雅黑" panose="020B0503020204020204" pitchFamily="34" charset="-122"/>
+                <a:sym typeface="+mn-ea"/>
+              </a:rPr>
+              <a:t>为什么要</a:t>
+            </a:r>
+            <a:r>
+              <a:rPr lang="en-US" altLang="zh-CN" sz="1400" dirty="0" err="1">
+                <a:solidFill>
+                  <a:srgbClr val="0062AD"/>
+                </a:solidFill>
+                <a:latin typeface="微软雅黑" panose="020B0503020204020204" pitchFamily="34" charset="-122"/>
+                <a:ea typeface="微软雅黑" panose="020B0503020204020204" pitchFamily="34" charset="-122"/>
+                <a:sym typeface="+mn-ea"/>
+              </a:rPr>
+              <a:t>组件化？</a:t>
+            </a:r>
+            <a:endParaRPr lang="en-US" altLang="zh-CN" sz="1400" dirty="0" err="1">
+              <a:solidFill>
+                <a:srgbClr val="0062AD"/>
+              </a:solidFill>
+              <a:latin typeface="微软雅黑" panose="020B0503020204020204" pitchFamily="34" charset="-122"/>
+              <a:ea typeface="微软雅黑" panose="020B0503020204020204" pitchFamily="34" charset="-122"/>
+            </a:endParaRPr>
+          </a:p>
+          <a:p>
+            <a:pPr marL="285750" indent="-285750" algn="l" eaLnBrk="1" hangingPunct="1">
+              <a:lnSpc>
+                <a:spcPct val="140000"/>
+              </a:lnSpc>
+              <a:buFont typeface="Wingdings" panose="05000000000000000000" charset="0"/>
+              <a:buChar char=""/>
+            </a:pPr>
+            <a:r>
+              <a:rPr lang="zh-CN" altLang="en-US" sz="1400" dirty="0" err="1">
+                <a:solidFill>
+                  <a:srgbClr val="0062AD"/>
+                </a:solidFill>
+                <a:latin typeface="微软雅黑" panose="020B0503020204020204" pitchFamily="34" charset="-122"/>
+                <a:ea typeface="微软雅黑" panose="020B0503020204020204" pitchFamily="34" charset="-122"/>
+                <a:sym typeface="+mn-ea"/>
+              </a:rPr>
+              <a:t>高内聚性：</a:t>
+            </a:r>
+            <a:endParaRPr lang="zh-CN" altLang="en-US" sz="1400" dirty="0" err="1">
+              <a:solidFill>
+                <a:srgbClr val="0062AD"/>
+              </a:solidFill>
+              <a:latin typeface="微软雅黑" panose="020B0503020204020204" pitchFamily="34" charset="-122"/>
+              <a:ea typeface="微软雅黑" panose="020B0503020204020204" pitchFamily="34" charset="-122"/>
+            </a:endParaRPr>
+          </a:p>
+          <a:p>
+            <a:pPr algn="l" eaLnBrk="1" hangingPunct="1">
+              <a:lnSpc>
+                <a:spcPct val="140000"/>
+              </a:lnSpc>
+              <a:buFont typeface="Wingdings" panose="05000000000000000000" charset="0"/>
+            </a:pPr>
+            <a:r>
+              <a:rPr lang="en-US" altLang="zh-CN" sz="1400" dirty="0" err="1">
+                <a:latin typeface="微软雅黑" panose="020B0503020204020204" pitchFamily="34" charset="-122"/>
+                <a:ea typeface="微软雅黑" panose="020B0503020204020204" pitchFamily="34" charset="-122"/>
+                <a:sym typeface="+mn-ea"/>
+              </a:rPr>
+              <a:t>     组</a:t>
+            </a:r>
+            <a:r>
+              <a:rPr lang="zh-CN" altLang="en-US" sz="1400" dirty="0" err="1">
+                <a:latin typeface="微软雅黑" panose="020B0503020204020204" pitchFamily="34" charset="-122"/>
+                <a:ea typeface="微软雅黑" panose="020B0503020204020204" pitchFamily="34" charset="-122"/>
+                <a:sym typeface="+mn-ea"/>
+              </a:rPr>
+              <a:t>件</a:t>
+            </a:r>
+            <a:r>
+              <a:rPr lang="en-US" altLang="zh-CN" sz="1400" dirty="0" err="1">
+                <a:latin typeface="微软雅黑" panose="020B0503020204020204" pitchFamily="34" charset="-122"/>
+                <a:ea typeface="微软雅黑" panose="020B0503020204020204" pitchFamily="34" charset="-122"/>
+                <a:sym typeface="+mn-ea"/>
+              </a:rPr>
+              <a:t>功能必须是完整的，如我要实现下拉菜单功能，那在下拉菜单这个组件中，就把下拉菜单所需要的所有功能全部实现。</a:t>
+            </a:r>
+            <a:endParaRPr lang="en-US" altLang="zh-CN" sz="1400" dirty="0" err="1">
+              <a:solidFill>
+                <a:schemeClr val="tx1"/>
+              </a:solidFill>
+              <a:latin typeface="微软雅黑" panose="020B0503020204020204" pitchFamily="34" charset="-122"/>
+              <a:ea typeface="微软雅黑" panose="020B0503020204020204" pitchFamily="34" charset="-122"/>
+            </a:endParaRPr>
+          </a:p>
+          <a:p>
+            <a:pPr marL="285750" indent="-285750" algn="l" eaLnBrk="1" hangingPunct="1">
+              <a:lnSpc>
+                <a:spcPct val="140000"/>
+              </a:lnSpc>
+              <a:buFont typeface="Wingdings" panose="05000000000000000000" charset="0"/>
+              <a:buChar char=""/>
+            </a:pPr>
+            <a:r>
+              <a:rPr lang="zh-CN" altLang="en-US" sz="1400" dirty="0" err="1">
+                <a:solidFill>
+                  <a:srgbClr val="0062AD"/>
+                </a:solidFill>
+                <a:latin typeface="微软雅黑" panose="020B0503020204020204" pitchFamily="34" charset="-122"/>
+                <a:ea typeface="微软雅黑" panose="020B0503020204020204" pitchFamily="34" charset="-122"/>
+                <a:sym typeface="+mn-ea"/>
+              </a:rPr>
+              <a:t>低耦合度：</a:t>
+            </a:r>
+            <a:endParaRPr lang="zh-CN" altLang="en-US" sz="1400" dirty="0" err="1">
+              <a:solidFill>
+                <a:srgbClr val="0062AD"/>
+              </a:solidFill>
+              <a:latin typeface="微软雅黑" panose="020B0503020204020204" pitchFamily="34" charset="-122"/>
+              <a:ea typeface="微软雅黑" panose="020B0503020204020204" pitchFamily="34" charset="-122"/>
+            </a:endParaRPr>
+          </a:p>
+          <a:p>
+            <a:pPr algn="l" eaLnBrk="1" hangingPunct="1">
+              <a:lnSpc>
+                <a:spcPct val="140000"/>
+              </a:lnSpc>
+              <a:buFont typeface="Wingdings" panose="05000000000000000000" charset="0"/>
+            </a:pPr>
+            <a:r>
+              <a:rPr lang="en-US" altLang="zh-CN" sz="1400" dirty="0" err="1">
+                <a:latin typeface="微软雅黑" panose="020B0503020204020204" pitchFamily="34" charset="-122"/>
+                <a:ea typeface="微软雅黑" panose="020B0503020204020204" pitchFamily="34" charset="-122"/>
+                <a:sym typeface="+mn-ea"/>
+              </a:rPr>
+              <a:t>    通俗点说，代码独立不会和项目中的其他代码发生冲突。在实际工程中，我们经常会涉及到团队协作，传统按照业务线去编写代码的方式，就很容易相互冲突，所以运用组件化方式就可大大避免这种冲突的存在、每一个组件都有子集清晰的职责，完整的功能，较低的耦合便于单元测试和重复利用。</a:t>
+            </a:r>
+            <a:endParaRPr lang="en-US" altLang="zh-CN" sz="1400" dirty="0" err="1">
+              <a:solidFill>
+                <a:schemeClr val="tx1"/>
+              </a:solidFill>
+              <a:latin typeface="微软雅黑" panose="020B0503020204020204" pitchFamily="34" charset="-122"/>
+              <a:ea typeface="微软雅黑" panose="020B0503020204020204" pitchFamily="34" charset="-122"/>
+            </a:endParaRPr>
+          </a:p>
+          <a:p>
+            <a:pPr algn="l" eaLnBrk="1" hangingPunct="1">
+              <a:lnSpc>
+                <a:spcPct val="140000"/>
+              </a:lnSpc>
+            </a:pPr>
+            <a:r>
+              <a:rPr lang="zh-CN" altLang="en-US" sz="1400" dirty="0" err="1">
+                <a:solidFill>
+                  <a:srgbClr val="0062AD"/>
+                </a:solidFill>
+                <a:latin typeface="微软雅黑" panose="020B0503020204020204" pitchFamily="34" charset="-122"/>
+                <a:ea typeface="微软雅黑" panose="020B0503020204020204" pitchFamily="34" charset="-122"/>
+                <a:sym typeface="+mn-ea"/>
+              </a:rPr>
+              <a:t>组件化的优点</a:t>
+            </a:r>
+            <a:endParaRPr lang="zh-CN" altLang="en-US" sz="1400" dirty="0" err="1">
+              <a:solidFill>
+                <a:schemeClr val="tx1"/>
+              </a:solidFill>
+              <a:latin typeface="微软雅黑" panose="020B0503020204020204" pitchFamily="34" charset="-122"/>
+              <a:ea typeface="微软雅黑" panose="020B0503020204020204" pitchFamily="34" charset="-122"/>
+            </a:endParaRPr>
+          </a:p>
+          <a:p>
+            <a:pPr marL="628650" lvl="1" indent="-285750" algn="l" eaLnBrk="1" hangingPunct="1">
+              <a:lnSpc>
+                <a:spcPct val="140000"/>
+              </a:lnSpc>
+              <a:buFont typeface="Wingdings" panose="05000000000000000000" charset="0"/>
+              <a:buChar char=""/>
+            </a:pPr>
+            <a:r>
+              <a:rPr lang="en-US" altLang="zh-CN" sz="1400" dirty="0" err="1">
+                <a:latin typeface="微软雅黑" panose="020B0503020204020204" pitchFamily="34" charset="-122"/>
+                <a:ea typeface="微软雅黑" panose="020B0503020204020204" pitchFamily="34" charset="-122"/>
+                <a:sym typeface="+mn-ea"/>
+              </a:rPr>
+              <a:t>提高开发效率</a:t>
+            </a:r>
+            <a:endParaRPr lang="en-US" altLang="zh-CN" sz="1400" dirty="0" err="1">
+              <a:solidFill>
+                <a:schemeClr val="tx1"/>
+              </a:solidFill>
+              <a:latin typeface="微软雅黑" panose="020B0503020204020204" pitchFamily="34" charset="-122"/>
+              <a:ea typeface="微软雅黑" panose="020B0503020204020204" pitchFamily="34" charset="-122"/>
+            </a:endParaRPr>
+          </a:p>
+          <a:p>
+            <a:pPr marL="628650" lvl="1" indent="-285750" algn="l" eaLnBrk="1" hangingPunct="1">
+              <a:lnSpc>
+                <a:spcPct val="140000"/>
+              </a:lnSpc>
+              <a:buFont typeface="Wingdings" panose="05000000000000000000" charset="0"/>
+              <a:buChar char=""/>
+            </a:pPr>
+            <a:r>
+              <a:rPr lang="en-US" altLang="zh-CN" sz="1400" dirty="0" err="1">
+                <a:latin typeface="微软雅黑" panose="020B0503020204020204" pitchFamily="34" charset="-122"/>
+                <a:ea typeface="微软雅黑" panose="020B0503020204020204" pitchFamily="34" charset="-122"/>
+                <a:sym typeface="+mn-ea"/>
+              </a:rPr>
+              <a:t>方便重复使用</a:t>
+            </a:r>
+            <a:endParaRPr lang="en-US" altLang="zh-CN" sz="1400" dirty="0" err="1">
+              <a:solidFill>
+                <a:schemeClr val="tx1"/>
+              </a:solidFill>
+              <a:latin typeface="微软雅黑" panose="020B0503020204020204" pitchFamily="34" charset="-122"/>
+              <a:ea typeface="微软雅黑" panose="020B0503020204020204" pitchFamily="34" charset="-122"/>
+            </a:endParaRPr>
+          </a:p>
+          <a:p>
+            <a:pPr marL="628650" lvl="1" indent="-285750" algn="l" eaLnBrk="1" hangingPunct="1">
+              <a:lnSpc>
+                <a:spcPct val="140000"/>
+              </a:lnSpc>
+              <a:buFont typeface="Wingdings" panose="05000000000000000000" charset="0"/>
+              <a:buChar char=""/>
+            </a:pPr>
+            <a:r>
+              <a:rPr lang="en-US" altLang="zh-CN" sz="1400" dirty="0" err="1">
+                <a:latin typeface="微软雅黑" panose="020B0503020204020204" pitchFamily="34" charset="-122"/>
+                <a:ea typeface="微软雅黑" panose="020B0503020204020204" pitchFamily="34" charset="-122"/>
+                <a:sym typeface="+mn-ea"/>
+              </a:rPr>
+              <a:t>简化调试步骤</a:t>
+            </a:r>
+            <a:endParaRPr lang="en-US" altLang="zh-CN" sz="1400" dirty="0" err="1">
+              <a:solidFill>
+                <a:schemeClr val="tx1"/>
+              </a:solidFill>
+              <a:latin typeface="微软雅黑" panose="020B0503020204020204" pitchFamily="34" charset="-122"/>
+              <a:ea typeface="微软雅黑" panose="020B0503020204020204" pitchFamily="34" charset="-122"/>
+            </a:endParaRPr>
+          </a:p>
+          <a:p>
+            <a:pPr marL="628650" lvl="1" indent="-285750" algn="l" eaLnBrk="1" hangingPunct="1">
+              <a:lnSpc>
+                <a:spcPct val="140000"/>
+              </a:lnSpc>
+              <a:buFont typeface="Wingdings" panose="05000000000000000000" charset="0"/>
+              <a:buChar char=""/>
+            </a:pPr>
+            <a:r>
+              <a:rPr lang="en-US" altLang="zh-CN" sz="1400" dirty="0" err="1">
+                <a:latin typeface="微软雅黑" panose="020B0503020204020204" pitchFamily="34" charset="-122"/>
+                <a:ea typeface="微软雅黑" panose="020B0503020204020204" pitchFamily="34" charset="-122"/>
+                <a:sym typeface="+mn-ea"/>
+              </a:rPr>
+              <a:t>提升整个项目的可维护性</a:t>
+            </a:r>
+            <a:endParaRPr lang="en-US" altLang="zh-CN" sz="1400" dirty="0" err="1">
+              <a:solidFill>
+                <a:schemeClr val="tx1"/>
+              </a:solidFill>
+              <a:latin typeface="微软雅黑" panose="020B0503020204020204" pitchFamily="34" charset="-122"/>
+              <a:ea typeface="微软雅黑" panose="020B0503020204020204" pitchFamily="34" charset="-122"/>
+            </a:endParaRPr>
+          </a:p>
+          <a:p>
+            <a:pPr marL="628650" lvl="1" indent="-285750" algn="l" eaLnBrk="1" hangingPunct="1">
+              <a:lnSpc>
+                <a:spcPct val="140000"/>
+              </a:lnSpc>
+              <a:buFont typeface="Wingdings" panose="05000000000000000000" charset="0"/>
+              <a:buChar char=""/>
+            </a:pPr>
+            <a:r>
+              <a:rPr lang="en-US" altLang="zh-CN" sz="1400" dirty="0" err="1">
+                <a:latin typeface="微软雅黑" panose="020B0503020204020204" pitchFamily="34" charset="-122"/>
+                <a:ea typeface="微软雅黑" panose="020B0503020204020204" pitchFamily="34" charset="-122"/>
+                <a:sym typeface="+mn-ea"/>
+              </a:rPr>
+              <a:t>便于协同</a:t>
+            </a:r>
+            <a:r>
+              <a:rPr lang="zh-CN" altLang="en-US" sz="1400" dirty="0" err="1">
+                <a:latin typeface="微软雅黑" panose="020B0503020204020204" pitchFamily="34" charset="-122"/>
+                <a:ea typeface="微软雅黑" panose="020B0503020204020204" pitchFamily="34" charset="-122"/>
+                <a:sym typeface="+mn-ea"/>
+              </a:rPr>
+              <a:t>开发</a:t>
+            </a:r>
+            <a:endParaRPr lang="zh-CN" altLang="en-US" sz="1400"/>
+          </a:p>
+        </p:txBody>
+      </p:sp>
+    </p:spTree>
+  </p:cSld>
+  <p:clrMapOvr>
+    <a:masterClrMapping/>
+  </p:clrMapOvr>
+</p:sld>
+</file>
+
+<file path=ppt/slides/slide14.xml><?xml version="1.0" encoding="utf-8"?>
+<p:sld xmlns:a="http://schemas.openxmlformats.org/drawingml/2006/main" xmlns:r="http://schemas.openxmlformats.org/officeDocument/2006/relationships" xmlns:p="http://schemas.openxmlformats.org/presentationml/2006/main">
+  <p:cSld>
+    <p:spTree>
+      <p:nvGrpSpPr>
+        <p:cNvPr id="1" name=""/>
+        <p:cNvGrpSpPr/>
+        <p:nvPr/>
+      </p:nvGrpSpPr>
+      <p:grpSpPr>
+        <a:xfrm>
+          <a:off x="0" y="0"/>
+          <a:ext cx="0" cy="0"/>
+          <a:chOff x="0" y="0"/>
+          <a:chExt cx="0" cy="0"/>
+        </a:xfrm>
+      </p:grpSpPr>
+      <p:sp>
+        <p:nvSpPr>
           <p:cNvPr id="4" name="标题 3"/>
           <p:cNvSpPr>
             <a:spLocks noGrp="1"/>
@@ -7403,10 +7826,9 @@
               <a:defRPr/>
             </a:pPr>
             <a:r>
-              <a:rPr lang="zh-CN" altLang="en-US" dirty="0" smtClean="0"/>
+              <a:rPr lang="zh-CN" altLang="en-US" dirty="0"/>
               <a:t>谢 谢</a:t>
             </a:r>
-            <a:endParaRPr lang="zh-CN" altLang="en-US" dirty="0"/>
           </a:p>
         </p:txBody>
       </p:sp>
@@ -7415,13 +7837,6 @@
   <p:clrMapOvr>
     <a:masterClrMapping/>
   </p:clrMapOvr>
-  <p:timing>
-    <p:tnLst>
-      <p:par>
-        <p:cTn id="1" dur="indefinite" restart="never" nodeType="tmRoot"/>
-      </p:par>
-    </p:tnLst>
-  </p:timing>
 </p:sld>
 </file>
 
@@ -7434,7 +7849,14 @@
         <p:cNvGrpSpPr/>
         <p:nvPr/>
       </p:nvGrpSpPr>
-      <p:grpSpPr/>
+      <p:grpSpPr>
+        <a:xfrm>
+          <a:off x="0" y="0"/>
+          <a:ext cx="0" cy="0"/>
+          <a:chOff x="0" y="0"/>
+          <a:chExt cx="0" cy="0"/>
+        </a:xfrm>
+      </p:grpSpPr>
       <p:sp>
         <p:nvSpPr>
           <p:cNvPr id="2" name="标题 1"/>
@@ -7448,12 +7870,12 @@
         <p:spPr/>
         <p:txBody>
           <a:bodyPr/>
+          <a:lstStyle/>
           <a:p>
             <a:r>
               <a:rPr lang="zh-CN" altLang="en-US"/>
               <a:t>开场</a:t>
             </a:r>
-            <a:endParaRPr lang="zh-CN" altLang="en-US"/>
           </a:p>
         </p:txBody>
       </p:sp>
@@ -7470,12 +7892,12 @@
         <p:spPr/>
         <p:txBody>
           <a:bodyPr/>
+          <a:lstStyle/>
           <a:p>
             <a:r>
               <a:rPr lang="zh-CN" altLang="en-US"/>
               <a:t>首先 感谢大家主（被）动（动）的放弃大好的周末休息时间。来学习知识                             </a:t>
             </a:r>
-            <a:endParaRPr lang="zh-CN" altLang="en-US"/>
           </a:p>
           <a:p>
             <a:endParaRPr lang="zh-CN" altLang="en-US"/>
@@ -7500,14 +7922,12 @@
               <a:rPr lang="zh-CN" altLang="en-US"/>
               <a:t>         </a:t>
             </a:r>
-            <a:endParaRPr lang="zh-CN" altLang="en-US"/>
           </a:p>
           <a:p>
             <a:r>
               <a:rPr lang="zh-CN" altLang="en-US"/>
               <a:t> 谢谢大家</a:t>
             </a:r>
-            <a:endParaRPr lang="zh-CN" altLang="en-US"/>
           </a:p>
         </p:txBody>
       </p:sp>
@@ -7524,12 +7944,14 @@
         <p:spPr/>
         <p:txBody>
           <a:bodyPr/>
+          <a:lstStyle/>
           <a:p>
             <a:pPr>
               <a:defRPr/>
             </a:pPr>
             <a:fld id="{BDABD382-6269-4314-BED9-F777FF741BD9}" type="datetime1">
               <a:rPr lang="zh-CN" altLang="en-US"/>
+              <a:t>2020/7/30</a:t>
             </a:fld>
             <a:endParaRPr lang="zh-CN" altLang="en-US" dirty="0"/>
           </a:p>
@@ -7548,12 +7970,14 @@
         <p:spPr/>
         <p:txBody>
           <a:bodyPr/>
+          <a:lstStyle/>
           <a:p>
             <a:pPr>
               <a:defRPr/>
             </a:pPr>
             <a:fld id="{24CDF228-198A-44C2-BDC3-8F2BB7497790}" type="slidenum">
               <a:rPr lang="zh-CN" altLang="en-US"/>
+              <a:t>2</a:t>
             </a:fld>
             <a:endParaRPr lang="zh-CN" altLang="en-US" dirty="0"/>
           </a:p>
@@ -7568,7 +7992,7 @@
           <p:nvPr/>
         </p:nvPicPr>
         <p:blipFill>
-          <a:blip r:embed="rId1"/>
+          <a:blip r:embed="rId2"/>
           <a:stretch>
             <a:fillRect/>
           </a:stretch>
@@ -7600,7 +8024,14 @@
         <p:cNvGrpSpPr/>
         <p:nvPr/>
       </p:nvGrpSpPr>
-      <p:grpSpPr/>
+      <p:grpSpPr>
+        <a:xfrm>
+          <a:off x="0" y="0"/>
+          <a:ext cx="0" cy="0"/>
+          <a:chOff x="0" y="0"/>
+          <a:chExt cx="0" cy="0"/>
+        </a:xfrm>
+      </p:grpSpPr>
       <p:sp>
         <p:nvSpPr>
           <p:cNvPr id="2" name="标题 1"/>
@@ -7614,6 +8045,7 @@
         <p:spPr/>
         <p:txBody>
           <a:bodyPr/>
+          <a:lstStyle/>
           <a:p>
             <a:r>
               <a:rPr lang="en-US" altLang="zh-CN"/>
@@ -7623,7 +8055,6 @@
               <a:rPr lang="zh-CN" altLang="en-US"/>
               <a:t>知识图谱</a:t>
             </a:r>
-            <a:endParaRPr lang="zh-CN" altLang="en-US"/>
           </a:p>
         </p:txBody>
       </p:sp>
@@ -7640,12 +8071,14 @@
         <p:spPr/>
         <p:txBody>
           <a:bodyPr/>
+          <a:lstStyle/>
           <a:p>
             <a:pPr>
               <a:defRPr/>
             </a:pPr>
             <a:fld id="{BDABD382-6269-4314-BED9-F777FF741BD9}" type="datetime1">
               <a:rPr lang="zh-CN" altLang="en-US"/>
+              <a:t>2020/7/30</a:t>
             </a:fld>
             <a:endParaRPr lang="zh-CN" altLang="en-US" dirty="0"/>
           </a:p>
@@ -7664,12 +8097,14 @@
         <p:spPr/>
         <p:txBody>
           <a:bodyPr/>
+          <a:lstStyle/>
           <a:p>
             <a:pPr>
               <a:defRPr/>
             </a:pPr>
             <a:fld id="{24CDF228-198A-44C2-BDC3-8F2BB7497790}" type="slidenum">
               <a:rPr lang="zh-CN" altLang="en-US"/>
+              <a:t>3</a:t>
             </a:fld>
             <a:endParaRPr lang="zh-CN" altLang="en-US" dirty="0"/>
           </a:p>
@@ -7679,14 +8114,14 @@
         <p:nvPicPr>
           <p:cNvPr id="6" name="内容占位符 5"/>
           <p:cNvPicPr>
-            <a:picLocks noChangeAspect="1"/>
+            <a:picLocks noGrp="1" noChangeAspect="1"/>
           </p:cNvPicPr>
           <p:nvPr>
             <p:ph idx="1"/>
           </p:nvPr>
         </p:nvPicPr>
         <p:blipFill>
-          <a:blip r:embed="rId1"/>
+          <a:blip r:embed="rId2"/>
           <a:stretch>
             <a:fillRect/>
           </a:stretch>
@@ -7718,7 +8153,14 @@
         <p:cNvGrpSpPr/>
         <p:nvPr/>
       </p:nvGrpSpPr>
-      <p:grpSpPr/>
+      <p:grpSpPr>
+        <a:xfrm>
+          <a:off x="0" y="0"/>
+          <a:ext cx="0" cy="0"/>
+          <a:chOff x="0" y="0"/>
+          <a:chExt cx="0" cy="0"/>
+        </a:xfrm>
+      </p:grpSpPr>
       <p:sp>
         <p:nvSpPr>
           <p:cNvPr id="2" name="标题 1"/>
@@ -7732,12 +8174,12 @@
         <p:spPr/>
         <p:txBody>
           <a:bodyPr/>
+          <a:lstStyle/>
           <a:p>
             <a:r>
               <a:rPr lang="zh-CN" altLang="en-US"/>
               <a:t>通过培训 能提升什么</a:t>
             </a:r>
-            <a:endParaRPr lang="zh-CN" altLang="en-US"/>
           </a:p>
         </p:txBody>
       </p:sp>
@@ -7759,6 +8201,7 @@
         </p:spPr>
         <p:txBody>
           <a:bodyPr/>
+          <a:lstStyle/>
           <a:p>
             <a:r>
               <a:rPr lang="zh-CN" altLang="en-US">
@@ -7766,9 +8209,6 @@
               </a:rPr>
               <a:t>了解前端项目结构</a:t>
             </a:r>
-            <a:endParaRPr lang="zh-CN" altLang="en-US">
-              <a:sym typeface="+mn-ea"/>
-            </a:endParaRPr>
           </a:p>
           <a:p>
             <a:r>
@@ -7789,9 +8229,6 @@
               </a:rPr>
               <a:t>开发前端模块</a:t>
             </a:r>
-            <a:endParaRPr lang="zh-CN" altLang="en-US">
-              <a:sym typeface="+mn-ea"/>
-            </a:endParaRPr>
           </a:p>
           <a:p>
             <a:r>
@@ -7800,9 +8237,6 @@
               </a:rPr>
               <a:t>了解组件化</a:t>
             </a:r>
-            <a:endParaRPr lang="zh-CN" altLang="en-US">
-              <a:sym typeface="+mn-ea"/>
-            </a:endParaRPr>
           </a:p>
           <a:p>
             <a:r>
@@ -7811,9 +8245,6 @@
               </a:rPr>
               <a:t>修改问题能快速定位源代码</a:t>
             </a:r>
-            <a:endParaRPr lang="zh-CN" altLang="en-US">
-              <a:sym typeface="+mn-ea"/>
-            </a:endParaRPr>
           </a:p>
           <a:p>
             <a:r>
@@ -7822,9 +8253,6 @@
               </a:rPr>
               <a:t>LESS</a:t>
             </a:r>
-            <a:endParaRPr lang="en-US" altLang="zh-CN">
-              <a:sym typeface="+mn-ea"/>
-            </a:endParaRPr>
           </a:p>
           <a:p>
             <a:r>
@@ -7845,9 +8273,6 @@
               </a:rPr>
               <a:t>指令</a:t>
             </a:r>
-            <a:endParaRPr lang="zh-CN" altLang="en-US">
-              <a:sym typeface="+mn-ea"/>
-            </a:endParaRPr>
           </a:p>
           <a:p>
             <a:pPr marL="0" indent="0">
@@ -7873,12 +8298,14 @@
         <p:spPr/>
         <p:txBody>
           <a:bodyPr/>
+          <a:lstStyle/>
           <a:p>
             <a:pPr>
               <a:defRPr/>
             </a:pPr>
             <a:fld id="{BDABD382-6269-4314-BED9-F777FF741BD9}" type="datetime1">
               <a:rPr lang="zh-CN" altLang="en-US"/>
+              <a:t>2020/7/30</a:t>
             </a:fld>
             <a:endParaRPr lang="zh-CN" altLang="en-US" dirty="0"/>
           </a:p>
@@ -7897,12 +8324,14 @@
         <p:spPr/>
         <p:txBody>
           <a:bodyPr/>
+          <a:lstStyle/>
           <a:p>
             <a:pPr>
               <a:defRPr/>
             </a:pPr>
             <a:fld id="{24CDF228-198A-44C2-BDC3-8F2BB7497790}" type="slidenum">
               <a:rPr lang="zh-CN" altLang="en-US"/>
+              <a:t>4</a:t>
             </a:fld>
             <a:endParaRPr lang="zh-CN" altLang="en-US" dirty="0"/>
           </a:p>
@@ -7925,7 +8354,14 @@
         <p:cNvGrpSpPr/>
         <p:nvPr/>
       </p:nvGrpSpPr>
-      <p:grpSpPr/>
+      <p:grpSpPr>
+        <a:xfrm>
+          <a:off x="0" y="0"/>
+          <a:ext cx="0" cy="0"/>
+          <a:chOff x="0" y="0"/>
+          <a:chExt cx="0" cy="0"/>
+        </a:xfrm>
+      </p:grpSpPr>
       <p:sp>
         <p:nvSpPr>
           <p:cNvPr id="2" name="标题 1"/>
@@ -7939,12 +8375,12 @@
         <p:spPr/>
         <p:txBody>
           <a:bodyPr/>
+          <a:lstStyle/>
           <a:p>
             <a:r>
               <a:rPr lang="zh-CN" altLang="en-US"/>
               <a:t>一个前端项目都需要什么</a:t>
             </a:r>
-            <a:endParaRPr lang="zh-CN" altLang="en-US"/>
           </a:p>
         </p:txBody>
       </p:sp>
@@ -7961,6 +8397,7 @@
         <p:spPr/>
         <p:txBody>
           <a:bodyPr/>
+          <a:lstStyle/>
           <a:p>
             <a:pPr algn="l" eaLnBrk="1" hangingPunct="1">
               <a:lnSpc>
@@ -8282,17 +8719,6 @@
               </a:rPr>
               <a:t>element 基于 vue 的后台组件库。</a:t>
             </a:r>
-            <a:endParaRPr altLang="zh-CN" sz="1200">
-              <a:solidFill>
-                <a:schemeClr val="tx1"/>
-              </a:solidFill>
-              <a:effectLst>
-                <a:outerShdw blurRad="38100" dist="38100" dir="2700000" algn="tl">
-                  <a:srgbClr val="C0C0C0"/>
-                </a:outerShdw>
-              </a:effectLst>
-              <a:sym typeface="+mn-ea"/>
-            </a:endParaRPr>
           </a:p>
           <a:p>
             <a:pPr algn="l" eaLnBrk="1" hangingPunct="1">
@@ -8419,12 +8845,14 @@
         <p:spPr/>
         <p:txBody>
           <a:bodyPr/>
+          <a:lstStyle/>
           <a:p>
             <a:pPr>
               <a:defRPr/>
             </a:pPr>
             <a:fld id="{BDABD382-6269-4314-BED9-F777FF741BD9}" type="datetime1">
               <a:rPr lang="zh-CN" altLang="en-US"/>
+              <a:t>2020/7/30</a:t>
             </a:fld>
             <a:endParaRPr lang="zh-CN" altLang="en-US" dirty="0"/>
           </a:p>
@@ -8443,12 +8871,14 @@
         <p:spPr/>
         <p:txBody>
           <a:bodyPr/>
+          <a:lstStyle/>
           <a:p>
             <a:pPr>
               <a:defRPr/>
             </a:pPr>
             <a:fld id="{24CDF228-198A-44C2-BDC3-8F2BB7497790}" type="slidenum">
               <a:rPr lang="zh-CN" altLang="en-US"/>
+              <a:t>5</a:t>
             </a:fld>
             <a:endParaRPr lang="zh-CN" altLang="en-US" dirty="0"/>
           </a:p>
@@ -8471,7 +8901,14 @@
         <p:cNvGrpSpPr/>
         <p:nvPr/>
       </p:nvGrpSpPr>
-      <p:grpSpPr/>
+      <p:grpSpPr>
+        <a:xfrm>
+          <a:off x="0" y="0"/>
+          <a:ext cx="0" cy="0"/>
+          <a:chOff x="0" y="0"/>
+          <a:chExt cx="0" cy="0"/>
+        </a:xfrm>
+      </p:grpSpPr>
       <p:sp>
         <p:nvSpPr>
           <p:cNvPr id="2" name="标题 1"/>
@@ -8485,12 +8922,12 @@
         <p:spPr/>
         <p:txBody>
           <a:bodyPr/>
+          <a:lstStyle/>
           <a:p>
             <a:r>
               <a:rPr lang="zh-CN" altLang="en-US"/>
               <a:t>我需要掌握什么</a:t>
             </a:r>
-            <a:endParaRPr lang="zh-CN" altLang="en-US"/>
           </a:p>
         </p:txBody>
       </p:sp>
@@ -8507,6 +8944,7 @@
         <p:spPr/>
         <p:txBody>
           <a:bodyPr/>
+          <a:lstStyle/>
           <a:p>
             <a:pPr eaLnBrk="1" hangingPunct="1">
               <a:lnSpc>
@@ -8568,14 +9006,6 @@
               </a:rPr>
               <a:t>es5 es6</a:t>
             </a:r>
-            <a:endParaRPr lang="en-US" altLang="zh-CN" sz="1800" dirty="0">
-              <a:effectLst>
-                <a:outerShdw blurRad="38100" dist="38100" dir="2700000" algn="tl">
-                  <a:srgbClr val="C0C0C0"/>
-                </a:outerShdw>
-              </a:effectLst>
-              <a:sym typeface="Calibri" panose="020F0502020204030204" charset="0"/>
-            </a:endParaRPr>
           </a:p>
           <a:p>
             <a:pPr eaLnBrk="1" hangingPunct="1">
@@ -8625,14 +9055,6 @@
               </a:rPr>
               <a:t>基础指令</a:t>
             </a:r>
-            <a:endParaRPr lang="zh-CN" altLang="en-US" sz="1800" dirty="0">
-              <a:effectLst>
-                <a:outerShdw blurRad="38100" dist="38100" dir="2700000" algn="tl">
-                  <a:srgbClr val="C0C0C0"/>
-                </a:outerShdw>
-              </a:effectLst>
-              <a:sym typeface="Calibri" panose="020F0502020204030204" charset="0"/>
-            </a:endParaRPr>
           </a:p>
           <a:p>
             <a:pPr eaLnBrk="1" hangingPunct="1">
@@ -8660,14 +9082,6 @@
               </a:rPr>
               <a:t>编译器</a:t>
             </a:r>
-            <a:endParaRPr lang="zh-CN" altLang="en-US" sz="1800" dirty="0">
-              <a:effectLst>
-                <a:outerShdw blurRad="38100" dist="38100" dir="2700000" algn="tl">
-                  <a:srgbClr val="C0C0C0"/>
-                </a:outerShdw>
-              </a:effectLst>
-              <a:sym typeface="Calibri" panose="020F0502020204030204" charset="0"/>
-            </a:endParaRPr>
           </a:p>
           <a:p>
             <a:pPr eaLnBrk="1" hangingPunct="1">
@@ -8695,14 +9109,6 @@
               </a:rPr>
               <a:t>百度</a:t>
             </a:r>
-            <a:endParaRPr lang="zh-CN" altLang="en-US" sz="6000" dirty="0">
-              <a:effectLst>
-                <a:outerShdw blurRad="38100" dist="38100" dir="2700000" algn="tl">
-                  <a:srgbClr val="C0C0C0"/>
-                </a:outerShdw>
-              </a:effectLst>
-              <a:sym typeface="Calibri" panose="020F0502020204030204" charset="0"/>
-            </a:endParaRPr>
           </a:p>
           <a:p>
             <a:endParaRPr lang="zh-CN" altLang="en-US" sz="6000"/>
@@ -8722,12 +9128,14 @@
         <p:spPr/>
         <p:txBody>
           <a:bodyPr/>
+          <a:lstStyle/>
           <a:p>
             <a:pPr>
               <a:defRPr/>
             </a:pPr>
             <a:fld id="{BDABD382-6269-4314-BED9-F777FF741BD9}" type="datetime1">
               <a:rPr lang="zh-CN" altLang="en-US"/>
+              <a:t>2020/7/30</a:t>
             </a:fld>
             <a:endParaRPr lang="zh-CN" altLang="en-US" dirty="0"/>
           </a:p>
@@ -8746,12 +9154,14 @@
         <p:spPr/>
         <p:txBody>
           <a:bodyPr/>
+          <a:lstStyle/>
           <a:p>
             <a:pPr>
               <a:defRPr/>
             </a:pPr>
             <a:fld id="{24CDF228-198A-44C2-BDC3-8F2BB7497790}" type="slidenum">
               <a:rPr lang="zh-CN" altLang="en-US"/>
+              <a:t>6</a:t>
             </a:fld>
             <a:endParaRPr lang="zh-CN" altLang="en-US" dirty="0"/>
           </a:p>
@@ -8770,7 +9180,7 @@
           </p:nvPr>
         </p:nvPicPr>
         <p:blipFill>
-          <a:blip r:embed="rId2"/>
+          <a:blip r:embed="rId3"/>
           <a:stretch>
             <a:fillRect/>
           </a:stretch>
@@ -8802,7 +9212,14 @@
         <p:cNvGrpSpPr/>
         <p:nvPr/>
       </p:nvGrpSpPr>
-      <p:grpSpPr/>
+      <p:grpSpPr>
+        <a:xfrm>
+          <a:off x="0" y="0"/>
+          <a:ext cx="0" cy="0"/>
+          <a:chOff x="0" y="0"/>
+          <a:chExt cx="0" cy="0"/>
+        </a:xfrm>
+      </p:grpSpPr>
       <p:sp>
         <p:nvSpPr>
           <p:cNvPr id="2" name="标题 1"/>
@@ -8816,6 +9233,7 @@
         <p:spPr/>
         <p:txBody>
           <a:bodyPr/>
+          <a:lstStyle/>
           <a:p>
             <a:r>
               <a:rPr lang="zh-CN" altLang="en-US"/>
@@ -8825,7 +9243,6 @@
               <a:rPr lang="en-US" altLang="zh-CN"/>
               <a:t>Vue</a:t>
             </a:r>
-            <a:endParaRPr lang="en-US" altLang="zh-CN"/>
           </a:p>
         </p:txBody>
       </p:sp>
@@ -8842,6 +9259,7 @@
         <p:spPr/>
         <p:txBody>
           <a:bodyPr/>
+          <a:lstStyle/>
           <a:p>
             <a:r>
               <a:rPr lang="en-US" altLang="zh-CN"/>
@@ -8870,21 +9288,18 @@
               <a:rPr lang="zh-CN" altLang="en-US"/>
               <a:t>有什么区别？</a:t>
             </a:r>
-            <a:endParaRPr lang="zh-CN" altLang="en-US"/>
           </a:p>
           <a:p>
             <a:r>
               <a:rPr lang="zh-CN" altLang="en-US"/>
               <a:t>啥是响应式数据绑定</a:t>
             </a:r>
-            <a:endParaRPr lang="zh-CN" altLang="en-US"/>
           </a:p>
           <a:p>
             <a:r>
               <a:rPr lang="zh-CN" altLang="en-US"/>
               <a:t>什么是组件化开发</a:t>
             </a:r>
-            <a:endParaRPr lang="zh-CN" altLang="en-US"/>
           </a:p>
           <a:p>
             <a:r>
@@ -8918,12 +9333,14 @@
         <p:spPr/>
         <p:txBody>
           <a:bodyPr/>
+          <a:lstStyle/>
           <a:p>
             <a:pPr>
               <a:defRPr/>
             </a:pPr>
             <a:fld id="{BDABD382-6269-4314-BED9-F777FF741BD9}" type="datetime1">
               <a:rPr lang="zh-CN" altLang="en-US"/>
+              <a:t>2020/7/30</a:t>
             </a:fld>
             <a:endParaRPr lang="zh-CN" altLang="en-US" dirty="0"/>
           </a:p>
@@ -8942,12 +9359,14 @@
         <p:spPr/>
         <p:txBody>
           <a:bodyPr/>
+          <a:lstStyle/>
           <a:p>
             <a:pPr>
               <a:defRPr/>
             </a:pPr>
             <a:fld id="{24CDF228-198A-44C2-BDC3-8F2BB7497790}" type="slidenum">
               <a:rPr lang="zh-CN" altLang="en-US"/>
+              <a:t>7</a:t>
             </a:fld>
             <a:endParaRPr lang="zh-CN" altLang="en-US" dirty="0"/>
           </a:p>
@@ -8962,7 +9381,7 @@
           <p:nvPr/>
         </p:nvPicPr>
         <p:blipFill>
-          <a:blip r:embed="rId1"/>
+          <a:blip r:embed="rId3"/>
           <a:stretch>
             <a:fillRect/>
           </a:stretch>
@@ -8994,7 +9413,14 @@
         <p:cNvGrpSpPr/>
         <p:nvPr/>
       </p:nvGrpSpPr>
-      <p:grpSpPr/>
+      <p:grpSpPr>
+        <a:xfrm>
+          <a:off x="0" y="0"/>
+          <a:ext cx="0" cy="0"/>
+          <a:chOff x="0" y="0"/>
+          <a:chExt cx="0" cy="0"/>
+        </a:xfrm>
+      </p:grpSpPr>
       <p:sp>
         <p:nvSpPr>
           <p:cNvPr id="2" name="标题 1"/>
@@ -9008,6 +9434,7 @@
         <p:spPr/>
         <p:txBody>
           <a:bodyPr/>
+          <a:lstStyle/>
           <a:p>
             <a:r>
               <a:rPr lang="en-US" altLang="zh-CN"/>
@@ -9017,7 +9444,6 @@
               <a:rPr lang="zh-CN" altLang="en-US"/>
               <a:t>的优点</a:t>
             </a:r>
-            <a:endParaRPr lang="zh-CN" altLang="en-US"/>
           </a:p>
         </p:txBody>
       </p:sp>
@@ -9034,6 +9460,7 @@
         <p:spPr/>
         <p:txBody>
           <a:bodyPr/>
+          <a:lstStyle/>
           <a:p>
             <a:pPr algn="l" eaLnBrk="1" hangingPunct="1">
               <a:lnSpc>
@@ -9046,9 +9473,6 @@
               </a:rPr>
               <a:t> 主要解决了 mvc 中大量的 DOM 操作使页面渲染性能降低，加载速度变慢，影响用户体验</a:t>
             </a:r>
-            <a:endParaRPr lang="en-US" altLang="zh-CN" sz="1600">
-              <a:sym typeface="+mn-ea"/>
-            </a:endParaRPr>
           </a:p>
           <a:p>
             <a:pPr algn="l" eaLnBrk="1" hangingPunct="1">
@@ -9062,9 +9486,6 @@
               </a:rPr>
               <a:t> 低耦合 视图（View）可以独立于 Model 变化和修改</a:t>
             </a:r>
-            <a:endParaRPr lang="en-US" altLang="zh-CN" sz="1600">
-              <a:sym typeface="+mn-ea"/>
-            </a:endParaRPr>
           </a:p>
           <a:p>
             <a:pPr algn="l" eaLnBrk="1" hangingPunct="1">
@@ -9095,12 +9516,14 @@
         <p:spPr/>
         <p:txBody>
           <a:bodyPr/>
+          <a:lstStyle/>
           <a:p>
             <a:pPr>
               <a:defRPr/>
             </a:pPr>
             <a:fld id="{BDABD382-6269-4314-BED9-F777FF741BD9}" type="datetime1">
               <a:rPr lang="zh-CN" altLang="en-US"/>
+              <a:t>2020/7/30</a:t>
             </a:fld>
             <a:endParaRPr lang="zh-CN" altLang="en-US" dirty="0"/>
           </a:p>
@@ -9119,12 +9542,14 @@
         <p:spPr/>
         <p:txBody>
           <a:bodyPr/>
+          <a:lstStyle/>
           <a:p>
             <a:pPr>
               <a:defRPr/>
             </a:pPr>
             <a:fld id="{24CDF228-198A-44C2-BDC3-8F2BB7497790}" type="slidenum">
               <a:rPr lang="zh-CN" altLang="en-US"/>
+              <a:t>8</a:t>
             </a:fld>
             <a:endParaRPr lang="zh-CN" altLang="en-US" dirty="0"/>
           </a:p>
@@ -9147,7 +9572,14 @@
         <p:cNvGrpSpPr/>
         <p:nvPr/>
       </p:nvGrpSpPr>
-      <p:grpSpPr/>
+      <p:grpSpPr>
+        <a:xfrm>
+          <a:off x="0" y="0"/>
+          <a:ext cx="0" cy="0"/>
+          <a:chOff x="0" y="0"/>
+          <a:chExt cx="0" cy="0"/>
+        </a:xfrm>
+      </p:grpSpPr>
       <p:sp>
         <p:nvSpPr>
           <p:cNvPr id="2" name="标题 1"/>
@@ -9161,12 +9593,12 @@
         <p:spPr/>
         <p:txBody>
           <a:bodyPr/>
+          <a:lstStyle/>
           <a:p>
             <a:r>
               <a:rPr lang="zh-CN" altLang="en-US"/>
               <a:t>声明周期</a:t>
             </a:r>
-            <a:endParaRPr lang="zh-CN" altLang="en-US"/>
           </a:p>
         </p:txBody>
       </p:sp>
@@ -9183,12 +9615,14 @@
         <p:spPr/>
         <p:txBody>
           <a:bodyPr/>
+          <a:lstStyle/>
           <a:p>
             <a:pPr>
               <a:defRPr/>
             </a:pPr>
             <a:fld id="{BDABD382-6269-4314-BED9-F777FF741BD9}" type="datetime1">
               <a:rPr lang="zh-CN" altLang="en-US"/>
+              <a:t>2020/7/30</a:t>
             </a:fld>
             <a:endParaRPr lang="zh-CN" altLang="en-US" dirty="0"/>
           </a:p>
@@ -9207,12 +9641,14 @@
         <p:spPr/>
         <p:txBody>
           <a:bodyPr/>
+          <a:lstStyle/>
           <a:p>
             <a:pPr>
               <a:defRPr/>
             </a:pPr>
             <a:fld id="{24CDF228-198A-44C2-BDC3-8F2BB7497790}" type="slidenum">
               <a:rPr lang="zh-CN" altLang="en-US"/>
+              <a:t>9</a:t>
             </a:fld>
             <a:endParaRPr lang="zh-CN" altLang="en-US" dirty="0"/>
           </a:p>
@@ -9222,14 +9658,14 @@
         <p:nvPicPr>
           <p:cNvPr id="6" name="内容占位符 5"/>
           <p:cNvPicPr>
-            <a:picLocks noChangeAspect="1"/>
+            <a:picLocks noGrp="1" noChangeAspect="1"/>
           </p:cNvPicPr>
           <p:nvPr>
             <p:ph idx="1"/>
           </p:nvPr>
         </p:nvPicPr>
         <p:blipFill>
-          <a:blip r:embed="rId1"/>
+          <a:blip r:embed="rId3"/>
           <a:stretch>
             <a:fillRect/>
           </a:stretch>
@@ -9253,7 +9689,7 @@
 </file>
 
 <file path=ppt/tags/tag1.xml><?xml version="1.0" encoding="utf-8"?>
-<p:tagLst xmlns:p="http://schemas.openxmlformats.org/presentationml/2006/main">
+<p:tagLst xmlns:a="http://schemas.openxmlformats.org/drawingml/2006/main" xmlns:r="http://schemas.openxmlformats.org/officeDocument/2006/relationships" xmlns:p="http://schemas.openxmlformats.org/presentationml/2006/main">
   <p:tag name="KSO_WM_UNIT_PLACING_PICTURE_USER_VIEWPORT" val="{&quot;height&quot;:4101,&quot;width&quot;:6331}"/>
 </p:tagLst>
 </file>
@@ -9538,6 +9974,8 @@
       </a:bgFillStyleLst>
     </a:fmtScheme>
   </a:themeElements>
+  <a:objectDefaults/>
+  <a:extraClrSchemeLst/>
   <a:extLst>
     <a:ext uri="{05A4C25C-085E-4340-85A3-A5531E510DB2}">
       <thm15:themeFamily xmlns:thm15="http://schemas.microsoft.com/office/thememl/2012/main" name="Office Theme" id="{62F939B6-93AF-4DB8-9C6B-D6C7DFDC589F}" vid="{4A3C46E8-61CC-4603-A589-7422A47A8E4A}"/>
@@ -9826,6 +10264,8 @@
       </a:bgFillStyleLst>
     </a:fmtScheme>
   </a:themeElements>
+  <a:objectDefaults/>
+  <a:extraClrSchemeLst/>
   <a:extLst>
     <a:ext uri="{05A4C25C-085E-4340-85A3-A5531E510DB2}">
       <thm15:themeFamily xmlns:thm15="http://schemas.microsoft.com/office/thememl/2012/main" name="Office Theme" id="{62F939B6-93AF-4DB8-9C6B-D6C7DFDC589F}" vid="{4A3C46E8-61CC-4603-A589-7422A47A8E4A}"/>

--- a/vue培训 v1.pptx
+++ b/vue培训 v1.pptx
@@ -5,23 +5,26 @@
     <p:sldMasterId id="2147483648" r:id="rId1"/>
   </p:sldMasterIdLst>
   <p:notesMasterIdLst>
-    <p:notesMasterId r:id="rId16"/>
+    <p:notesMasterId r:id="rId9"/>
   </p:notesMasterIdLst>
   <p:sldIdLst>
-    <p:sldId id="256" r:id="rId2"/>
-    <p:sldId id="417" r:id="rId3"/>
-    <p:sldId id="416" r:id="rId4"/>
-    <p:sldId id="420" r:id="rId5"/>
-    <p:sldId id="422" r:id="rId6"/>
-    <p:sldId id="429" r:id="rId7"/>
-    <p:sldId id="421" r:id="rId8"/>
-    <p:sldId id="428" r:id="rId9"/>
-    <p:sldId id="423" r:id="rId10"/>
-    <p:sldId id="431" r:id="rId11"/>
-    <p:sldId id="430" r:id="rId12"/>
-    <p:sldId id="424" r:id="rId13"/>
-    <p:sldId id="425" r:id="rId14"/>
-    <p:sldId id="282" r:id="rId15"/>
+    <p:sldId id="438" r:id="rId3"/>
+    <p:sldId id="256" r:id="rId4"/>
+    <p:sldId id="417" r:id="rId5"/>
+    <p:sldId id="439" r:id="rId6"/>
+    <p:sldId id="416" r:id="rId7"/>
+    <p:sldId id="420" r:id="rId8"/>
+    <p:sldId id="422" r:id="rId10"/>
+    <p:sldId id="429" r:id="rId11"/>
+    <p:sldId id="421" r:id="rId12"/>
+    <p:sldId id="428" r:id="rId13"/>
+    <p:sldId id="423" r:id="rId14"/>
+    <p:sldId id="431" r:id="rId15"/>
+    <p:sldId id="440" r:id="rId16"/>
+    <p:sldId id="430" r:id="rId17"/>
+    <p:sldId id="424" r:id="rId18"/>
+    <p:sldId id="425" r:id="rId19"/>
+    <p:sldId id="282" r:id="rId20"/>
   </p:sldIdLst>
   <p:sldSz cx="9144000" cy="6858000" type="screen4x3"/>
   <p:notesSz cx="6858000" cy="9144000"/>
@@ -150,22 +153,6 @@
       </a:defRPr>
     </a:lvl9pPr>
   </p:defaultTextStyle>
-  <p:extLst>
-    <p:ext uri="{EFAFB233-063F-42B5-8137-9DF3F51BA10A}">
-      <p15:sldGuideLst xmlns:p15="http://schemas.microsoft.com/office/powerpoint/2012/main">
-        <p15:guide id="1" orient="horz" pos="459">
-          <p15:clr>
-            <a:srgbClr val="A4A3A4"/>
-          </p15:clr>
-        </p15:guide>
-        <p15:guide id="2" pos="521">
-          <p15:clr>
-            <a:srgbClr val="A4A3A4"/>
-          </p15:clr>
-        </p15:guide>
-      </p15:sldGuideLst>
-    </p:ext>
-  </p:extLst>
 </p:presentation>
 </file>
 
@@ -275,7 +262,6 @@
             </a:pPr>
             <a:fld id="{7A9227FD-1AA5-4687-B852-FE564BF3D676}" type="datetimeFigureOut">
               <a:rPr lang="zh-CN" altLang="en-US"/>
-              <a:t>2020/7/30</a:t>
             </a:fld>
             <a:endParaRPr lang="zh-CN" altLang="en-US"/>
           </a:p>
@@ -343,6 +329,7 @@
               <a:rPr lang="zh-CN" altLang="en-US" noProof="0"/>
               <a:t>单击此处编辑母版文本样式</a:t>
             </a:r>
+            <a:endParaRPr lang="zh-CN" altLang="en-US" noProof="0"/>
           </a:p>
           <a:p>
             <a:pPr lvl="1"/>
@@ -350,6 +337,7 @@
               <a:rPr lang="zh-CN" altLang="en-US" noProof="0"/>
               <a:t>第二级</a:t>
             </a:r>
+            <a:endParaRPr lang="zh-CN" altLang="en-US" noProof="0"/>
           </a:p>
           <a:p>
             <a:pPr lvl="2"/>
@@ -357,6 +345,7 @@
               <a:rPr lang="zh-CN" altLang="en-US" noProof="0"/>
               <a:t>第三级</a:t>
             </a:r>
+            <a:endParaRPr lang="zh-CN" altLang="en-US" noProof="0"/>
           </a:p>
           <a:p>
             <a:pPr lvl="3"/>
@@ -364,6 +353,7 @@
               <a:rPr lang="zh-CN" altLang="en-US" noProof="0"/>
               <a:t>第四级</a:t>
             </a:r>
+            <a:endParaRPr lang="zh-CN" altLang="en-US" noProof="0"/>
           </a:p>
           <a:p>
             <a:pPr lvl="4"/>
@@ -371,6 +361,7 @@
               <a:rPr lang="zh-CN" altLang="en-US" noProof="0"/>
               <a:t>第五级</a:t>
             </a:r>
+            <a:endParaRPr lang="zh-CN" altLang="en-US" noProof="0"/>
           </a:p>
         </p:txBody>
       </p:sp>
@@ -458,7 +449,6 @@
             </a:pPr>
             <a:fld id="{C74DDE03-70CE-4A7F-B333-382359835226}" type="slidenum">
               <a:rPr lang="zh-CN" altLang="en-US"/>
-              <a:t>‹#›</a:t>
             </a:fld>
             <a:endParaRPr lang="zh-CN" altLang="en-US"/>
           </a:p>
@@ -862,13 +852,16 @@
               </a:rPr>
               <a:t>dom</a:t>
             </a:r>
-          </a:p>
-          <a:p>
             <a:endParaRPr lang="en-US" altLang="zh-CN" dirty="0" err="1">
               <a:sym typeface="+mn-ea"/>
             </a:endParaRPr>
           </a:p>
           <a:p>
+            <a:endParaRPr lang="en-US" altLang="zh-CN" dirty="0" err="1">
+              <a:sym typeface="+mn-ea"/>
+            </a:endParaRPr>
+          </a:p>
+          <a:p>
             <a:r>
               <a:rPr lang="en-US" altLang="zh-CN" dirty="0">
                 <a:sym typeface="+mn-ea"/>
@@ -1061,6 +1054,9 @@
               </a:rPr>
               <a:t>树上。</a:t>
             </a:r>
+            <a:endParaRPr lang="zh-CN" altLang="en-US" dirty="0">
+              <a:sym typeface="+mn-ea"/>
+            </a:endParaRPr>
           </a:p>
           <a:p>
             <a:endParaRPr lang="zh-CN" altLang="en-US" dirty="0">
@@ -1641,6 +1637,7 @@
               <a:rPr lang="zh-CN" altLang="en-US"/>
               <a:t>中是用的数据结构。</a:t>
             </a:r>
+            <a:endParaRPr lang="zh-CN" altLang="en-US"/>
           </a:p>
           <a:p>
             <a:r>
@@ -1691,6 +1688,7 @@
               <a:rPr lang="zh-CN" altLang="en-US"/>
               <a:t>状态 会让人烦不胜烦。</a:t>
             </a:r>
+            <a:endParaRPr lang="zh-CN" altLang="en-US"/>
           </a:p>
           <a:p>
             <a:endParaRPr lang="zh-CN" altLang="en-US"/>
@@ -1724,6 +1722,7 @@
               <a:rPr lang="zh-CN" altLang="en-US"/>
               <a:t>算法</a:t>
             </a:r>
+            <a:endParaRPr lang="zh-CN" altLang="en-US"/>
           </a:p>
           <a:p>
             <a:endParaRPr lang="zh-CN" altLang="en-US"/>
@@ -1801,7 +1800,7 @@
 </file>
 
 <file path=ppt/slideLayouts/slideLayout1.xml><?xml version="1.0" encoding="utf-8"?>
-<p:sldLayout xmlns:a="http://schemas.openxmlformats.org/drawingml/2006/main" xmlns:r="http://schemas.openxmlformats.org/officeDocument/2006/relationships" xmlns:p="http://schemas.openxmlformats.org/presentationml/2006/main" showMasterSp="0" preserve="1" userDrawn="1">
+<p:sldLayout xmlns:a="http://schemas.openxmlformats.org/drawingml/2006/main" xmlns:r="http://schemas.openxmlformats.org/officeDocument/2006/relationships" xmlns:p="http://schemas.openxmlformats.org/presentationml/2006/main" preserve="1" showMasterSp="0" userDrawn="1">
   <p:cSld name="标题幻灯片">
     <p:spTree>
       <p:nvGrpSpPr>
@@ -2459,7 +2458,6 @@
                 <a:latin typeface="Arial" panose="020B0604020202020204" pitchFamily="34" charset="0"/>
                 <a:cs typeface="Arial" panose="020B0604020202020204" pitchFamily="34" charset="0"/>
               </a:rPr>
-              <a:t>2020/7/30</a:t>
             </a:fld>
             <a:endParaRPr lang="zh-CN" altLang="zh-CN" dirty="0">
               <a:latin typeface="Arial" panose="020B0604020202020204" pitchFamily="34" charset="0"/>
@@ -2535,7 +2533,6 @@
             </a:pPr>
             <a:fld id="{DA56F101-4122-42F7-B522-24899E6D52E4}" type="datetime1">
               <a:rPr lang="zh-CN" altLang="en-US"/>
-              <a:t>2020/7/30</a:t>
             </a:fld>
             <a:endParaRPr lang="zh-CN" altLang="en-US" dirty="0"/>
           </a:p>
@@ -2594,7 +2591,6 @@
             </a:pPr>
             <a:fld id="{5E0CD85B-D93B-4965-A459-B8BD5F550254}" type="slidenum">
               <a:rPr lang="zh-CN" altLang="en-US"/>
-              <a:t>‹#›</a:t>
             </a:fld>
             <a:endParaRPr lang="zh-CN" altLang="en-US" dirty="0"/>
           </a:p>
@@ -2653,6 +2649,7 @@
               <a:rPr lang="zh-CN" altLang="en-US"/>
               <a:t>单击此处编辑母版标题样式</a:t>
             </a:r>
+            <a:endParaRPr lang="zh-CN" altLang="en-US"/>
           </a:p>
         </p:txBody>
       </p:sp>
@@ -2720,6 +2717,7 @@
               <a:rPr lang="zh-CN" altLang="en-US" noProof="0"/>
               <a:t>单击图标添加图片</a:t>
             </a:r>
+            <a:endParaRPr lang="zh-CN" altLang="en-US" noProof="0"/>
           </a:p>
         </p:txBody>
       </p:sp>
@@ -2785,6 +2783,7 @@
               <a:rPr lang="zh-CN" altLang="en-US"/>
               <a:t>单击此处编辑母版文本样式</a:t>
             </a:r>
+            <a:endParaRPr lang="zh-CN" altLang="en-US"/>
           </a:p>
         </p:txBody>
       </p:sp>
@@ -2812,7 +2811,6 @@
             </a:pPr>
             <a:fld id="{52141C43-E444-4844-B131-72BECD35C5CC}" type="datetime1">
               <a:rPr lang="zh-CN" altLang="en-US"/>
-              <a:t>2020/7/30</a:t>
             </a:fld>
             <a:endParaRPr lang="zh-CN" altLang="en-US" dirty="0"/>
           </a:p>
@@ -2868,7 +2866,6 @@
             </a:pPr>
             <a:fld id="{FC6947C7-0F59-4374-9F7E-954165F87637}" type="slidenum">
               <a:rPr lang="zh-CN" altLang="en-US"/>
-              <a:t>‹#›</a:t>
             </a:fld>
             <a:endParaRPr lang="zh-CN" altLang="en-US" dirty="0"/>
           </a:p>
@@ -2918,6 +2915,7 @@
               <a:rPr lang="zh-CN" altLang="en-US"/>
               <a:t>单击此处编辑母版标题样式</a:t>
             </a:r>
+            <a:endParaRPr lang="zh-CN" altLang="en-US"/>
           </a:p>
         </p:txBody>
       </p:sp>
@@ -2941,6 +2939,7 @@
               <a:rPr lang="zh-CN" altLang="en-US"/>
               <a:t>单击此处编辑母版文本样式</a:t>
             </a:r>
+            <a:endParaRPr lang="zh-CN" altLang="en-US"/>
           </a:p>
           <a:p>
             <a:pPr lvl="1"/>
@@ -2948,6 +2947,7 @@
               <a:rPr lang="zh-CN" altLang="en-US"/>
               <a:t>第二级</a:t>
             </a:r>
+            <a:endParaRPr lang="zh-CN" altLang="en-US"/>
           </a:p>
           <a:p>
             <a:pPr lvl="2"/>
@@ -2955,6 +2955,7 @@
               <a:rPr lang="zh-CN" altLang="en-US"/>
               <a:t>第三级</a:t>
             </a:r>
+            <a:endParaRPr lang="zh-CN" altLang="en-US"/>
           </a:p>
           <a:p>
             <a:pPr lvl="3"/>
@@ -2962,6 +2963,7 @@
               <a:rPr lang="zh-CN" altLang="en-US"/>
               <a:t>第四级</a:t>
             </a:r>
+            <a:endParaRPr lang="zh-CN" altLang="en-US"/>
           </a:p>
           <a:p>
             <a:pPr lvl="4"/>
@@ -2969,6 +2971,7 @@
               <a:rPr lang="zh-CN" altLang="en-US"/>
               <a:t>第五级</a:t>
             </a:r>
+            <a:endParaRPr lang="zh-CN" altLang="en-US"/>
           </a:p>
         </p:txBody>
       </p:sp>
@@ -2996,7 +2999,6 @@
             </a:pPr>
             <a:fld id="{D07A2E66-1B28-44EE-957D-21A5FEA14CB1}" type="datetime1">
               <a:rPr lang="zh-CN" altLang="en-US"/>
-              <a:t>2020/7/30</a:t>
             </a:fld>
             <a:endParaRPr lang="zh-CN" altLang="en-US" dirty="0"/>
           </a:p>
@@ -3052,7 +3054,6 @@
             </a:pPr>
             <a:fld id="{5AC2B490-4F4B-4800-B9D7-08098B58B505}" type="slidenum">
               <a:rPr lang="zh-CN" altLang="en-US"/>
-              <a:t>‹#›</a:t>
             </a:fld>
             <a:endParaRPr lang="zh-CN" altLang="en-US" dirty="0"/>
           </a:p>
@@ -3107,6 +3108,7 @@
               <a:rPr lang="zh-CN" altLang="en-US"/>
               <a:t>单击此处编辑母版标题样式</a:t>
             </a:r>
+            <a:endParaRPr lang="zh-CN" altLang="en-US"/>
           </a:p>
         </p:txBody>
       </p:sp>
@@ -3135,6 +3137,7 @@
               <a:rPr lang="zh-CN" altLang="en-US"/>
               <a:t>单击此处编辑母版文本样式</a:t>
             </a:r>
+            <a:endParaRPr lang="zh-CN" altLang="en-US"/>
           </a:p>
           <a:p>
             <a:pPr lvl="1"/>
@@ -3142,6 +3145,7 @@
               <a:rPr lang="zh-CN" altLang="en-US"/>
               <a:t>第二级</a:t>
             </a:r>
+            <a:endParaRPr lang="zh-CN" altLang="en-US"/>
           </a:p>
           <a:p>
             <a:pPr lvl="2"/>
@@ -3149,6 +3153,7 @@
               <a:rPr lang="zh-CN" altLang="en-US"/>
               <a:t>第三级</a:t>
             </a:r>
+            <a:endParaRPr lang="zh-CN" altLang="en-US"/>
           </a:p>
           <a:p>
             <a:pPr lvl="3"/>
@@ -3156,6 +3161,7 @@
               <a:rPr lang="zh-CN" altLang="en-US"/>
               <a:t>第四级</a:t>
             </a:r>
+            <a:endParaRPr lang="zh-CN" altLang="en-US"/>
           </a:p>
           <a:p>
             <a:pPr lvl="4"/>
@@ -3163,6 +3169,7 @@
               <a:rPr lang="zh-CN" altLang="en-US"/>
               <a:t>第五级</a:t>
             </a:r>
+            <a:endParaRPr lang="zh-CN" altLang="en-US"/>
           </a:p>
         </p:txBody>
       </p:sp>
@@ -3190,7 +3197,6 @@
             </a:pPr>
             <a:fld id="{1F85AE46-B81F-473A-953D-1B53C1E14B4B}" type="datetime1">
               <a:rPr lang="zh-CN" altLang="en-US"/>
-              <a:t>2020/7/30</a:t>
             </a:fld>
             <a:endParaRPr lang="zh-CN" altLang="en-US" dirty="0"/>
           </a:p>
@@ -3246,7 +3252,6 @@
             </a:pPr>
             <a:fld id="{C1D1DF05-84C3-49BD-881B-1E4D5AC2BF3A}" type="slidenum">
               <a:rPr lang="zh-CN" altLang="en-US"/>
-              <a:t>‹#›</a:t>
             </a:fld>
             <a:endParaRPr lang="zh-CN" altLang="en-US" dirty="0"/>
           </a:p>
@@ -3385,6 +3390,7 @@
               <a:rPr lang="zh-CN" altLang="en-US"/>
               <a:t>单击此处编辑母版文本样式</a:t>
             </a:r>
+            <a:endParaRPr lang="zh-CN" altLang="en-US"/>
           </a:p>
           <a:p>
             <a:pPr lvl="1"/>
@@ -3392,6 +3398,7 @@
               <a:rPr lang="zh-CN" altLang="en-US"/>
               <a:t>第二级</a:t>
             </a:r>
+            <a:endParaRPr lang="zh-CN" altLang="en-US"/>
           </a:p>
           <a:p>
             <a:pPr lvl="2"/>
@@ -3399,6 +3406,7 @@
               <a:rPr lang="zh-CN" altLang="en-US"/>
               <a:t>第三级</a:t>
             </a:r>
+            <a:endParaRPr lang="zh-CN" altLang="en-US"/>
           </a:p>
           <a:p>
             <a:pPr lvl="3"/>
@@ -3406,6 +3414,7 @@
               <a:rPr lang="zh-CN" altLang="en-US"/>
               <a:t>第四级</a:t>
             </a:r>
+            <a:endParaRPr lang="zh-CN" altLang="en-US"/>
           </a:p>
           <a:p>
             <a:pPr lvl="4"/>
@@ -3441,7 +3450,6 @@
             </a:pPr>
             <a:fld id="{BDABD382-6269-4314-BED9-F777FF741BD9}" type="datetime1">
               <a:rPr lang="zh-CN" altLang="en-US"/>
-              <a:t>2020/7/30</a:t>
             </a:fld>
             <a:endParaRPr lang="zh-CN" altLang="en-US" dirty="0"/>
           </a:p>
@@ -3497,7 +3505,6 @@
             </a:pPr>
             <a:fld id="{24CDF228-198A-44C2-BDC3-8F2BB7497790}" type="slidenum">
               <a:rPr lang="zh-CN" altLang="en-US"/>
-              <a:t>‹#›</a:t>
             </a:fld>
             <a:endParaRPr lang="zh-CN" altLang="en-US" dirty="0"/>
           </a:p>
@@ -3777,6 +3784,7 @@
               <a:rPr lang="zh-CN" altLang="en-US" dirty="0"/>
               <a:t>单击此处编辑母版文本样式</a:t>
             </a:r>
+            <a:endParaRPr lang="zh-CN" altLang="en-US" dirty="0"/>
           </a:p>
           <a:p>
             <a:pPr lvl="1"/>
@@ -3784,6 +3792,7 @@
               <a:rPr lang="zh-CN" altLang="en-US" dirty="0"/>
               <a:t>第二级</a:t>
             </a:r>
+            <a:endParaRPr lang="zh-CN" altLang="en-US" dirty="0"/>
           </a:p>
           <a:p>
             <a:pPr lvl="2"/>
@@ -3791,6 +3800,7 @@
               <a:rPr lang="zh-CN" altLang="en-US" dirty="0"/>
               <a:t>第三级</a:t>
             </a:r>
+            <a:endParaRPr lang="zh-CN" altLang="en-US" dirty="0"/>
           </a:p>
           <a:p>
             <a:pPr lvl="3"/>
@@ -3798,6 +3808,7 @@
               <a:rPr lang="zh-CN" altLang="en-US" dirty="0"/>
               <a:t>第四级</a:t>
             </a:r>
+            <a:endParaRPr lang="zh-CN" altLang="en-US" dirty="0"/>
           </a:p>
         </p:txBody>
       </p:sp>
@@ -3825,7 +3836,6 @@
             </a:pPr>
             <a:fld id="{E3DC315B-1D8F-47C7-BEA6-E89B72D51E1D}" type="datetime1">
               <a:rPr lang="zh-CN" altLang="en-US"/>
-              <a:t>2020/7/30</a:t>
             </a:fld>
             <a:endParaRPr lang="zh-CN" altLang="en-US" dirty="0"/>
           </a:p>
@@ -3887,7 +3897,6 @@
             </a:pPr>
             <a:fld id="{9BE908CB-1334-448D-838A-DBB26CC976FE}" type="slidenum">
               <a:rPr lang="zh-CN" altLang="en-US"/>
-              <a:t>‹#›</a:t>
             </a:fld>
             <a:endParaRPr lang="zh-CN" altLang="en-US"/>
           </a:p>
@@ -3902,7 +3911,7 @@
 </file>
 
 <file path=ppt/slideLayouts/slideLayout4.xml><?xml version="1.0" encoding="utf-8"?>
-<p:sldLayout xmlns:a="http://schemas.openxmlformats.org/drawingml/2006/main" xmlns:r="http://schemas.openxmlformats.org/officeDocument/2006/relationships" xmlns:p="http://schemas.openxmlformats.org/presentationml/2006/main" showMasterSp="0" preserve="1" userDrawn="1">
+<p:sldLayout xmlns:a="http://schemas.openxmlformats.org/drawingml/2006/main" xmlns:r="http://schemas.openxmlformats.org/officeDocument/2006/relationships" xmlns:p="http://schemas.openxmlformats.org/presentationml/2006/main" preserve="1" showMasterSp="0" userDrawn="1">
   <p:cSld name="节标题">
     <p:spTree>
       <p:nvGrpSpPr>
@@ -4329,6 +4338,7 @@
               <a:rPr lang="zh-CN" altLang="en-US"/>
               <a:t>单击此处编辑母版标题样式</a:t>
             </a:r>
+            <a:endParaRPr lang="zh-CN" altLang="en-US"/>
           </a:p>
         </p:txBody>
       </p:sp>
@@ -4385,6 +4395,7 @@
               <a:rPr lang="zh-CN" altLang="en-US"/>
               <a:t>单击此处编辑母版文本样式</a:t>
             </a:r>
+            <a:endParaRPr lang="zh-CN" altLang="en-US"/>
           </a:p>
           <a:p>
             <a:pPr lvl="1"/>
@@ -4392,6 +4403,7 @@
               <a:rPr lang="zh-CN" altLang="en-US"/>
               <a:t>第二级</a:t>
             </a:r>
+            <a:endParaRPr lang="zh-CN" altLang="en-US"/>
           </a:p>
           <a:p>
             <a:pPr lvl="2"/>
@@ -4399,6 +4411,7 @@
               <a:rPr lang="zh-CN" altLang="en-US"/>
               <a:t>第三级</a:t>
             </a:r>
+            <a:endParaRPr lang="zh-CN" altLang="en-US"/>
           </a:p>
           <a:p>
             <a:pPr lvl="3"/>
@@ -4406,6 +4419,7 @@
               <a:rPr lang="zh-CN" altLang="en-US"/>
               <a:t>第四级</a:t>
             </a:r>
+            <a:endParaRPr lang="zh-CN" altLang="en-US"/>
           </a:p>
           <a:p>
             <a:pPr lvl="4"/>
@@ -4413,6 +4427,7 @@
               <a:rPr lang="zh-CN" altLang="en-US"/>
               <a:t>第五级</a:t>
             </a:r>
+            <a:endParaRPr lang="zh-CN" altLang="en-US"/>
           </a:p>
         </p:txBody>
       </p:sp>
@@ -4469,6 +4484,7 @@
               <a:rPr lang="zh-CN" altLang="en-US"/>
               <a:t>单击此处编辑母版文本样式</a:t>
             </a:r>
+            <a:endParaRPr lang="zh-CN" altLang="en-US"/>
           </a:p>
           <a:p>
             <a:pPr lvl="1"/>
@@ -4476,6 +4492,7 @@
               <a:rPr lang="zh-CN" altLang="en-US"/>
               <a:t>第二级</a:t>
             </a:r>
+            <a:endParaRPr lang="zh-CN" altLang="en-US"/>
           </a:p>
           <a:p>
             <a:pPr lvl="2"/>
@@ -4483,6 +4500,7 @@
               <a:rPr lang="zh-CN" altLang="en-US"/>
               <a:t>第三级</a:t>
             </a:r>
+            <a:endParaRPr lang="zh-CN" altLang="en-US"/>
           </a:p>
           <a:p>
             <a:pPr lvl="3"/>
@@ -4490,6 +4508,7 @@
               <a:rPr lang="zh-CN" altLang="en-US"/>
               <a:t>第四级</a:t>
             </a:r>
+            <a:endParaRPr lang="zh-CN" altLang="en-US"/>
           </a:p>
           <a:p>
             <a:pPr lvl="4"/>
@@ -4497,6 +4516,7 @@
               <a:rPr lang="zh-CN" altLang="en-US"/>
               <a:t>第五级</a:t>
             </a:r>
+            <a:endParaRPr lang="zh-CN" altLang="en-US"/>
           </a:p>
         </p:txBody>
       </p:sp>
@@ -4524,7 +4544,6 @@
             </a:pPr>
             <a:fld id="{7D12C1CF-D2E3-49BD-9B9C-1FDA05456A14}" type="datetime1">
               <a:rPr lang="zh-CN" altLang="en-US"/>
-              <a:t>2020/7/30</a:t>
             </a:fld>
             <a:endParaRPr lang="zh-CN" altLang="en-US" dirty="0"/>
           </a:p>
@@ -4580,7 +4599,6 @@
             </a:pPr>
             <a:fld id="{21A0B30E-BAD0-4937-9049-287890F677C4}" type="slidenum">
               <a:rPr lang="zh-CN" altLang="en-US"/>
-              <a:t>‹#›</a:t>
             </a:fld>
             <a:endParaRPr lang="zh-CN" altLang="en-US" dirty="0"/>
           </a:p>
@@ -4634,6 +4652,7 @@
               <a:rPr lang="zh-CN" altLang="en-US"/>
               <a:t>单击此处编辑母版标题样式</a:t>
             </a:r>
+            <a:endParaRPr lang="zh-CN" altLang="en-US"/>
           </a:p>
         </p:txBody>
       </p:sp>
@@ -4699,6 +4718,7 @@
               <a:rPr lang="zh-CN" altLang="en-US"/>
               <a:t>单击此处编辑母版文本样式</a:t>
             </a:r>
+            <a:endParaRPr lang="zh-CN" altLang="en-US"/>
           </a:p>
         </p:txBody>
       </p:sp>
@@ -4755,6 +4775,7 @@
               <a:rPr lang="zh-CN" altLang="en-US"/>
               <a:t>单击此处编辑母版文本样式</a:t>
             </a:r>
+            <a:endParaRPr lang="zh-CN" altLang="en-US"/>
           </a:p>
           <a:p>
             <a:pPr lvl="1"/>
@@ -4762,6 +4783,7 @@
               <a:rPr lang="zh-CN" altLang="en-US"/>
               <a:t>第二级</a:t>
             </a:r>
+            <a:endParaRPr lang="zh-CN" altLang="en-US"/>
           </a:p>
           <a:p>
             <a:pPr lvl="2"/>
@@ -4769,6 +4791,7 @@
               <a:rPr lang="zh-CN" altLang="en-US"/>
               <a:t>第三级</a:t>
             </a:r>
+            <a:endParaRPr lang="zh-CN" altLang="en-US"/>
           </a:p>
           <a:p>
             <a:pPr lvl="3"/>
@@ -4776,6 +4799,7 @@
               <a:rPr lang="zh-CN" altLang="en-US"/>
               <a:t>第四级</a:t>
             </a:r>
+            <a:endParaRPr lang="zh-CN" altLang="en-US"/>
           </a:p>
           <a:p>
             <a:pPr lvl="4"/>
@@ -4783,6 +4807,7 @@
               <a:rPr lang="zh-CN" altLang="en-US"/>
               <a:t>第五级</a:t>
             </a:r>
+            <a:endParaRPr lang="zh-CN" altLang="en-US"/>
           </a:p>
         </p:txBody>
       </p:sp>
@@ -4848,6 +4873,7 @@
               <a:rPr lang="zh-CN" altLang="en-US"/>
               <a:t>单击此处编辑母版文本样式</a:t>
             </a:r>
+            <a:endParaRPr lang="zh-CN" altLang="en-US"/>
           </a:p>
         </p:txBody>
       </p:sp>
@@ -4904,6 +4930,7 @@
               <a:rPr lang="zh-CN" altLang="en-US"/>
               <a:t>单击此处编辑母版文本样式</a:t>
             </a:r>
+            <a:endParaRPr lang="zh-CN" altLang="en-US"/>
           </a:p>
           <a:p>
             <a:pPr lvl="1"/>
@@ -4911,6 +4938,7 @@
               <a:rPr lang="zh-CN" altLang="en-US"/>
               <a:t>第二级</a:t>
             </a:r>
+            <a:endParaRPr lang="zh-CN" altLang="en-US"/>
           </a:p>
           <a:p>
             <a:pPr lvl="2"/>
@@ -4918,6 +4946,7 @@
               <a:rPr lang="zh-CN" altLang="en-US"/>
               <a:t>第三级</a:t>
             </a:r>
+            <a:endParaRPr lang="zh-CN" altLang="en-US"/>
           </a:p>
           <a:p>
             <a:pPr lvl="3"/>
@@ -4925,6 +4954,7 @@
               <a:rPr lang="zh-CN" altLang="en-US"/>
               <a:t>第四级</a:t>
             </a:r>
+            <a:endParaRPr lang="zh-CN" altLang="en-US"/>
           </a:p>
           <a:p>
             <a:pPr lvl="4"/>
@@ -4932,6 +4962,7 @@
               <a:rPr lang="zh-CN" altLang="en-US"/>
               <a:t>第五级</a:t>
             </a:r>
+            <a:endParaRPr lang="zh-CN" altLang="en-US"/>
           </a:p>
         </p:txBody>
       </p:sp>
@@ -4959,7 +4990,6 @@
             </a:pPr>
             <a:fld id="{0785EFA1-2C22-444A-9767-1084D5DB9B3B}" type="datetime1">
               <a:rPr lang="zh-CN" altLang="en-US"/>
-              <a:t>2020/7/30</a:t>
             </a:fld>
             <a:endParaRPr lang="zh-CN" altLang="en-US" dirty="0"/>
           </a:p>
@@ -5015,7 +5045,6 @@
             </a:pPr>
             <a:fld id="{2485F8B0-0258-44E1-A188-14D26997767B}" type="slidenum">
               <a:rPr lang="zh-CN" altLang="en-US"/>
-              <a:t>‹#›</a:t>
             </a:fld>
             <a:endParaRPr lang="zh-CN" altLang="en-US" dirty="0"/>
           </a:p>
@@ -5065,6 +5094,7 @@
               <a:rPr lang="zh-CN" altLang="en-US"/>
               <a:t>单击此处编辑母版标题样式</a:t>
             </a:r>
+            <a:endParaRPr lang="zh-CN" altLang="en-US"/>
           </a:p>
         </p:txBody>
       </p:sp>
@@ -5092,7 +5122,6 @@
             </a:pPr>
             <a:fld id="{ACA1B443-77B4-42A2-9738-C6B4F08CDBC3}" type="datetime1">
               <a:rPr lang="zh-CN" altLang="en-US"/>
-              <a:t>2020/7/30</a:t>
             </a:fld>
             <a:endParaRPr lang="zh-CN" altLang="en-US" dirty="0"/>
           </a:p>
@@ -5148,7 +5177,6 @@
             </a:pPr>
             <a:fld id="{7AF6CB2A-5F76-4693-8384-90EB38C71648}" type="slidenum">
               <a:rPr lang="zh-CN" altLang="en-US"/>
-              <a:t>‹#›</a:t>
             </a:fld>
             <a:endParaRPr lang="zh-CN" altLang="en-US" dirty="0"/>
           </a:p>
@@ -5203,7 +5231,6 @@
             </a:pPr>
             <a:fld id="{AED73BBC-A389-4179-B797-CC778D9B6194}" type="datetime1">
               <a:rPr lang="zh-CN" altLang="en-US"/>
-              <a:t>2020/7/30</a:t>
             </a:fld>
             <a:endParaRPr lang="zh-CN" altLang="en-US" dirty="0"/>
           </a:p>
@@ -5259,7 +5286,6 @@
             </a:pPr>
             <a:fld id="{6D0D9EA9-B15C-4837-877E-97BB21841FEF}" type="slidenum">
               <a:rPr lang="zh-CN" altLang="en-US"/>
-              <a:t>‹#›</a:t>
             </a:fld>
             <a:endParaRPr lang="zh-CN" altLang="en-US" dirty="0"/>
           </a:p>
@@ -5318,6 +5344,7 @@
               <a:rPr lang="zh-CN" altLang="en-US"/>
               <a:t>单击此处编辑母版标题样式</a:t>
             </a:r>
+            <a:endParaRPr lang="zh-CN" altLang="en-US"/>
           </a:p>
         </p:txBody>
       </p:sp>
@@ -5374,6 +5401,7 @@
               <a:rPr lang="zh-CN" altLang="en-US"/>
               <a:t>单击此处编辑母版文本样式</a:t>
             </a:r>
+            <a:endParaRPr lang="zh-CN" altLang="en-US"/>
           </a:p>
           <a:p>
             <a:pPr lvl="1"/>
@@ -5381,6 +5409,7 @@
               <a:rPr lang="zh-CN" altLang="en-US"/>
               <a:t>第二级</a:t>
             </a:r>
+            <a:endParaRPr lang="zh-CN" altLang="en-US"/>
           </a:p>
           <a:p>
             <a:pPr lvl="2"/>
@@ -5388,6 +5417,7 @@
               <a:rPr lang="zh-CN" altLang="en-US"/>
               <a:t>第三级</a:t>
             </a:r>
+            <a:endParaRPr lang="zh-CN" altLang="en-US"/>
           </a:p>
           <a:p>
             <a:pPr lvl="3"/>
@@ -5395,6 +5425,7 @@
               <a:rPr lang="zh-CN" altLang="en-US"/>
               <a:t>第四级</a:t>
             </a:r>
+            <a:endParaRPr lang="zh-CN" altLang="en-US"/>
           </a:p>
           <a:p>
             <a:pPr lvl="4"/>
@@ -5402,6 +5433,7 @@
               <a:rPr lang="zh-CN" altLang="en-US"/>
               <a:t>第五级</a:t>
             </a:r>
+            <a:endParaRPr lang="zh-CN" altLang="en-US"/>
           </a:p>
         </p:txBody>
       </p:sp>
@@ -5467,6 +5499,7 @@
               <a:rPr lang="zh-CN" altLang="en-US"/>
               <a:t>单击此处编辑母版文本样式</a:t>
             </a:r>
+            <a:endParaRPr lang="zh-CN" altLang="en-US"/>
           </a:p>
         </p:txBody>
       </p:sp>
@@ -5494,7 +5527,6 @@
             </a:pPr>
             <a:fld id="{71F51774-7118-4E84-A97F-B86B56E06435}" type="datetime1">
               <a:rPr lang="zh-CN" altLang="en-US"/>
-              <a:t>2020/7/30</a:t>
             </a:fld>
             <a:endParaRPr lang="zh-CN" altLang="en-US" dirty="0"/>
           </a:p>
@@ -5550,7 +5582,6 @@
             </a:pPr>
             <a:fld id="{AD3D471B-F25C-4B6B-B7B3-88F12265387F}" type="slidenum">
               <a:rPr lang="zh-CN" altLang="en-US"/>
-              <a:t>‹#›</a:t>
             </a:fld>
             <a:endParaRPr lang="zh-CN" altLang="en-US" dirty="0"/>
           </a:p>
@@ -5619,6 +5650,7 @@
               <a:rPr lang="zh-CN" altLang="en-US"/>
               <a:t>单击此处编辑母版标题样式</a:t>
             </a:r>
+            <a:endParaRPr lang="zh-CN" altLang="en-US"/>
           </a:p>
         </p:txBody>
       </p:sp>
@@ -5655,6 +5687,7 @@
               <a:rPr lang="zh-CN" altLang="en-US"/>
               <a:t>单击此处编辑母版文本样式</a:t>
             </a:r>
+            <a:endParaRPr lang="zh-CN" altLang="en-US"/>
           </a:p>
           <a:p>
             <a:pPr lvl="1"/>
@@ -5662,6 +5695,7 @@
               <a:rPr lang="zh-CN" altLang="en-US"/>
               <a:t>第二级</a:t>
             </a:r>
+            <a:endParaRPr lang="zh-CN" altLang="en-US"/>
           </a:p>
           <a:p>
             <a:pPr lvl="2"/>
@@ -5669,6 +5703,7 @@
               <a:rPr lang="zh-CN" altLang="en-US"/>
               <a:t>第三级</a:t>
             </a:r>
+            <a:endParaRPr lang="zh-CN" altLang="en-US"/>
           </a:p>
           <a:p>
             <a:pPr lvl="3"/>
@@ -5676,6 +5711,7 @@
               <a:rPr lang="zh-CN" altLang="en-US"/>
               <a:t>第四级</a:t>
             </a:r>
+            <a:endParaRPr lang="zh-CN" altLang="en-US"/>
           </a:p>
           <a:p>
             <a:pPr lvl="4"/>
@@ -5683,6 +5719,7 @@
               <a:rPr lang="zh-CN" altLang="en-US"/>
               <a:t>第五级</a:t>
             </a:r>
+            <a:endParaRPr lang="zh-CN" altLang="en-US"/>
           </a:p>
         </p:txBody>
       </p:sp>
@@ -5731,7 +5768,6 @@
             </a:pPr>
             <a:fld id="{9E1E15A4-8D64-47BC-8229-034C68B9B3FF}" type="datetime1">
               <a:rPr lang="zh-CN" altLang="en-US"/>
-              <a:t>2020/7/30</a:t>
             </a:fld>
             <a:endParaRPr lang="zh-CN" altLang="en-US" dirty="0"/>
           </a:p>
@@ -5830,7 +5866,6 @@
             </a:pPr>
             <a:fld id="{E9A2E420-90EE-40A6-9FC4-B68633894ED4}" type="slidenum">
               <a:rPr lang="zh-CN" altLang="en-US"/>
-              <a:t>‹#›</a:t>
             </a:fld>
             <a:endParaRPr lang="zh-CN" altLang="en-US" dirty="0"/>
           </a:p>
@@ -6032,7 +6067,7 @@
           <p:nvPr/>
         </p:nvPicPr>
         <p:blipFill>
-          <a:blip r:embed="rId14" cstate="print"/>
+          <a:blip r:embed="rId13" cstate="print"/>
           <a:srcRect/>
           <a:stretch>
             <a:fillRect/>
@@ -6504,112 +6539,103 @@
         <p:cNvGrpSpPr/>
         <p:nvPr/>
       </p:nvGrpSpPr>
-      <p:grpSpPr>
-        <a:xfrm>
-          <a:off x="0" y="0"/>
-          <a:ext cx="0" cy="0"/>
-          <a:chOff x="0" y="0"/>
-          <a:chExt cx="0" cy="0"/>
-        </a:xfrm>
-      </p:grpSpPr>
-      <p:sp>
-        <p:nvSpPr>
-          <p:cNvPr id="15361" name="Text Box 10"/>
-          <p:cNvSpPr txBox="1">
-            <a:spLocks noChangeArrowheads="1"/>
-          </p:cNvSpPr>
-          <p:nvPr/>
-        </p:nvSpPr>
-        <p:spPr bwMode="auto">
+      <p:grpSpPr/>
+      <p:sp>
+        <p:nvSpPr>
+          <p:cNvPr id="2" name="标题 1"/>
+          <p:cNvSpPr>
+            <a:spLocks noGrp="1"/>
+          </p:cNvSpPr>
+          <p:nvPr>
+            <p:ph type="title"/>
+          </p:nvPr>
+        </p:nvSpPr>
+        <p:spPr/>
+        <p:txBody>
+          <a:bodyPr/>
+          <a:p>
+            <a:r>
+              <a:rPr lang="zh-CN" altLang="en-US"/>
+              <a:t>签到</a:t>
+            </a:r>
+            <a:endParaRPr lang="zh-CN" altLang="en-US"/>
+          </a:p>
+        </p:txBody>
+      </p:sp>
+      <p:sp>
+        <p:nvSpPr>
+          <p:cNvPr id="4" name="日期占位符 3"/>
+          <p:cNvSpPr>
+            <a:spLocks noGrp="1"/>
+          </p:cNvSpPr>
+          <p:nvPr>
+            <p:ph type="dt" sz="half" idx="10"/>
+          </p:nvPr>
+        </p:nvSpPr>
+        <p:spPr/>
+        <p:txBody>
+          <a:bodyPr/>
+          <a:p>
+            <a:pPr>
+              <a:defRPr/>
+            </a:pPr>
+            <a:fld id="{BDABD382-6269-4314-BED9-F777FF741BD9}" type="datetime1">
+              <a:rPr lang="zh-CN" altLang="en-US"/>
+            </a:fld>
+            <a:endParaRPr lang="zh-CN" altLang="en-US" dirty="0"/>
+          </a:p>
+        </p:txBody>
+      </p:sp>
+      <p:sp>
+        <p:nvSpPr>
+          <p:cNvPr id="5" name="灯片编号占位符 4"/>
+          <p:cNvSpPr>
+            <a:spLocks noGrp="1"/>
+          </p:cNvSpPr>
+          <p:nvPr>
+            <p:ph type="sldNum" sz="quarter" idx="12"/>
+          </p:nvPr>
+        </p:nvSpPr>
+        <p:spPr/>
+        <p:txBody>
+          <a:bodyPr/>
+          <a:p>
+            <a:pPr>
+              <a:defRPr/>
+            </a:pPr>
+            <a:fld id="{24CDF228-198A-44C2-BDC3-8F2BB7497790}" type="slidenum">
+              <a:rPr lang="zh-CN" altLang="en-US"/>
+            </a:fld>
+            <a:endParaRPr lang="zh-CN" altLang="en-US" dirty="0"/>
+          </a:p>
+        </p:txBody>
+      </p:sp>
+      <p:pic>
+        <p:nvPicPr>
+          <p:cNvPr id="6" name="内容占位符 5"/>
+          <p:cNvPicPr>
+            <a:picLocks noChangeAspect="1"/>
+          </p:cNvPicPr>
+          <p:nvPr>
+            <p:ph idx="1"/>
+          </p:nvPr>
+        </p:nvPicPr>
+        <p:blipFill>
+          <a:blip r:embed="rId1"/>
+          <a:stretch>
+            <a:fillRect/>
+          </a:stretch>
+        </p:blipFill>
+        <p:spPr>
           <a:xfrm>
-            <a:off x="1691680" y="2852737"/>
-            <a:ext cx="6336704" cy="487680"/>
+            <a:off x="2028825" y="1448435"/>
+            <a:ext cx="5086350" cy="4647565"/>
           </a:xfrm>
           <a:prstGeom prst="rect">
             <a:avLst/>
           </a:prstGeom>
-          <a:noFill/>
-          <a:ln w="9525">
-            <a:noFill/>
-            <a:miter lim="800000"/>
-          </a:ln>
         </p:spPr>
-        <p:txBody>
-          <a:bodyPr wrap="square" lIns="58055" tIns="29028" rIns="58055" bIns="29028">
-            <a:spAutoFit/>
-          </a:bodyPr>
-          <a:lstStyle/>
-          <a:p>
-            <a:pPr defTabSz="1294130"/>
-            <a:r>
-              <a:rPr lang="en-US" altLang="zh-CN" sz="2800" dirty="0">
-                <a:solidFill>
-                  <a:schemeClr val="bg1"/>
-                </a:solidFill>
-                <a:latin typeface="微软雅黑" panose="020B0503020204020204" pitchFamily="34" charset="-122"/>
-                <a:ea typeface="微软雅黑" panose="020B0503020204020204" pitchFamily="34" charset="-122"/>
-              </a:rPr>
-              <a:t>VUE</a:t>
-            </a:r>
-            <a:r>
-              <a:rPr lang="zh-CN" altLang="en-US" sz="2800" dirty="0">
-                <a:solidFill>
-                  <a:schemeClr val="bg1"/>
-                </a:solidFill>
-                <a:latin typeface="微软雅黑" panose="020B0503020204020204" pitchFamily="34" charset="-122"/>
-                <a:ea typeface="微软雅黑" panose="020B0503020204020204" pitchFamily="34" charset="-122"/>
-              </a:rPr>
-              <a:t>培训</a:t>
-            </a:r>
-          </a:p>
-        </p:txBody>
-      </p:sp>
-      <p:sp>
-        <p:nvSpPr>
-          <p:cNvPr id="15362" name="Text Box 3"/>
-          <p:cNvSpPr txBox="1">
-            <a:spLocks noChangeArrowheads="1"/>
-          </p:cNvSpPr>
-          <p:nvPr/>
-        </p:nvSpPr>
-        <p:spPr bwMode="auto">
-          <a:xfrm>
-            <a:off x="5307260" y="4941168"/>
-            <a:ext cx="3836740" cy="368300"/>
-          </a:xfrm>
-          <a:prstGeom prst="rect">
-            <a:avLst/>
-          </a:prstGeom>
-          <a:solidFill>
-            <a:schemeClr val="accent1">
-              <a:alpha val="0"/>
-            </a:schemeClr>
-          </a:solidFill>
-          <a:ln w="9525">
-            <a:noFill/>
-            <a:miter lim="800000"/>
-          </a:ln>
-        </p:spPr>
-        <p:txBody>
-          <a:bodyPr wrap="square">
-            <a:spAutoFit/>
-          </a:bodyPr>
-          <a:lstStyle/>
-          <a:p>
-            <a:pPr algn="ctr"/>
-            <a:r>
-              <a:rPr lang="zh-CN" altLang="en-US" sz="1800" dirty="0">
-                <a:solidFill>
-                  <a:schemeClr val="bg1"/>
-                </a:solidFill>
-                <a:latin typeface="微软雅黑" panose="020B0503020204020204" pitchFamily="34" charset="-122"/>
-                <a:ea typeface="微软雅黑" panose="020B0503020204020204" pitchFamily="34" charset="-122"/>
-              </a:rPr>
-              <a:t>何鹏</a:t>
-            </a:r>
-          </a:p>
-        </p:txBody>
-      </p:sp>
+      </p:pic>
     </p:spTree>
   </p:cSld>
   <p:clrMapOvr>
@@ -6637,13 +6663,7 @@
       </p:grpSpPr>
       <p:sp>
         <p:nvSpPr>
-          <p:cNvPr id="2" name="标题 1">
-            <a:extLst>
-              <a:ext uri="{FF2B5EF4-FFF2-40B4-BE49-F238E27FC236}">
-                <a16:creationId xmlns:a16="http://schemas.microsoft.com/office/drawing/2014/main" id="{F4895A25-8A3E-4276-8A42-8795D486CB0B}"/>
-              </a:ext>
-            </a:extLst>
-          </p:cNvPr>
+          <p:cNvPr id="2" name="标题 1"/>
           <p:cNvSpPr>
             <a:spLocks noGrp="1"/>
           </p:cNvSpPr>
@@ -6657,21 +6677,20 @@
           <a:lstStyle/>
           <a:p>
             <a:r>
-              <a:rPr lang="zh-CN" altLang="en-US" dirty="0"/>
-              <a:t>路由</a:t>
-            </a:r>
-          </a:p>
-        </p:txBody>
-      </p:sp>
-      <p:sp>
-        <p:nvSpPr>
-          <p:cNvPr id="3" name="内容占位符 2">
-            <a:extLst>
-              <a:ext uri="{FF2B5EF4-FFF2-40B4-BE49-F238E27FC236}">
-                <a16:creationId xmlns:a16="http://schemas.microsoft.com/office/drawing/2014/main" id="{E265E539-0D60-4BC8-AF2B-9A10F05938EA}"/>
-              </a:ext>
-            </a:extLst>
-          </p:cNvPr>
+              <a:rPr lang="en-US" altLang="zh-CN"/>
+              <a:t>Vue</a:t>
+            </a:r>
+            <a:r>
+              <a:rPr lang="zh-CN" altLang="en-US"/>
+              <a:t>的优点</a:t>
+            </a:r>
+            <a:endParaRPr lang="zh-CN" altLang="en-US"/>
+          </a:p>
+        </p:txBody>
+      </p:sp>
+      <p:sp>
+        <p:nvSpPr>
+          <p:cNvPr id="3" name="内容占位符 2"/>
           <p:cNvSpPr>
             <a:spLocks noGrp="1"/>
           </p:cNvSpPr>
@@ -6684,253 +6703,56 @@
           <a:bodyPr/>
           <a:lstStyle/>
           <a:p>
-            <a:pPr marL="464185" indent="-285750" algn="l" eaLnBrk="1" latinLnBrk="0" hangingPunct="1">
+            <a:pPr algn="l" eaLnBrk="1" hangingPunct="1">
               <a:lnSpc>
-                <a:spcPct val="140000"/>
+                <a:spcPct val="150000"/>
               </a:lnSpc>
-              <a:buFont typeface="Wingdings" panose="05000000000000000000" charset="0"/>
-              <a:buChar char=""/>
-            </a:pPr>
-            <a:r>
-              <a:rPr lang="zh-CN" altLang="en-US" sz="1600" dirty="0">
-                <a:solidFill>
-                  <a:schemeClr val="tx1"/>
-                </a:solidFill>
-                <a:latin typeface="+mn-ea"/>
-                <a:ea typeface="微软雅黑" panose="020B0503020204020204" charset="-122"/>
-              </a:rPr>
-              <a:t>导航被触发。</a:t>
-            </a:r>
-          </a:p>
-          <a:p>
-            <a:pPr marL="464185" indent="-285750" algn="l" eaLnBrk="1" latinLnBrk="0" hangingPunct="1">
+            </a:pPr>
+            <a:r>
+              <a:rPr lang="en-US" altLang="zh-CN" sz="1600">
+                <a:sym typeface="+mn-ea"/>
+              </a:rPr>
+              <a:t> 主要解决了 mvc 中大量的 DOM 操作使页面渲染性能降低，加载速度变慢，影响用户体验</a:t>
+            </a:r>
+            <a:endParaRPr lang="en-US" altLang="zh-CN" sz="1600">
+              <a:sym typeface="+mn-ea"/>
+            </a:endParaRPr>
+          </a:p>
+          <a:p>
+            <a:pPr algn="l" eaLnBrk="1" hangingPunct="1">
               <a:lnSpc>
-                <a:spcPct val="140000"/>
+                <a:spcPct val="150000"/>
               </a:lnSpc>
-              <a:buFont typeface="Wingdings" panose="05000000000000000000" charset="0"/>
-              <a:buChar char=""/>
-            </a:pPr>
-            <a:r>
-              <a:rPr lang="zh-CN" altLang="en-US" sz="1600" dirty="0">
-                <a:solidFill>
-                  <a:schemeClr val="tx1"/>
-                </a:solidFill>
-                <a:latin typeface="+mn-ea"/>
-                <a:ea typeface="微软雅黑" panose="020B0503020204020204" charset="-122"/>
-              </a:rPr>
-              <a:t>在失活的组件里调用离开守卫。</a:t>
-            </a:r>
-          </a:p>
-          <a:p>
-            <a:pPr marL="464185" indent="-285750" algn="l" eaLnBrk="1" latinLnBrk="0" hangingPunct="1">
+            </a:pPr>
+            <a:r>
+              <a:rPr lang="en-US" altLang="zh-CN" sz="1600">
+                <a:sym typeface="+mn-ea"/>
+              </a:rPr>
+              <a:t> 低耦合 视图（View）可以独立于 Model 变化和修改</a:t>
+            </a:r>
+            <a:endParaRPr lang="en-US" altLang="zh-CN" sz="1600">
+              <a:sym typeface="+mn-ea"/>
+            </a:endParaRPr>
+          </a:p>
+          <a:p>
+            <a:pPr algn="l" eaLnBrk="1" hangingPunct="1">
               <a:lnSpc>
-                <a:spcPct val="140000"/>
+                <a:spcPct val="150000"/>
               </a:lnSpc>
-              <a:buFont typeface="Wingdings" panose="05000000000000000000" charset="0"/>
-              <a:buChar char=""/>
-            </a:pPr>
-            <a:r>
-              <a:rPr lang="zh-CN" altLang="en-US" sz="1600" dirty="0">
-                <a:solidFill>
-                  <a:schemeClr val="tx1"/>
-                </a:solidFill>
-                <a:latin typeface="+mn-ea"/>
-                <a:ea typeface="微软雅黑" panose="020B0503020204020204" charset="-122"/>
-              </a:rPr>
-              <a:t>调用全局的 beforeEach 守卫。</a:t>
-            </a:r>
-          </a:p>
-          <a:p>
-            <a:pPr marL="464185" indent="-285750" algn="l" eaLnBrk="1" latinLnBrk="0" hangingPunct="1">
-              <a:lnSpc>
-                <a:spcPct val="140000"/>
-              </a:lnSpc>
-              <a:buFont typeface="Wingdings" panose="05000000000000000000" charset="0"/>
-              <a:buChar char=""/>
-            </a:pPr>
-            <a:r>
-              <a:rPr lang="zh-CN" altLang="en-US" sz="1600" dirty="0">
-                <a:solidFill>
-                  <a:schemeClr val="tx1"/>
-                </a:solidFill>
-                <a:latin typeface="+mn-ea"/>
-                <a:ea typeface="微软雅黑" panose="020B0503020204020204" charset="-122"/>
-              </a:rPr>
-              <a:t>在重用的组件里调用 beforeRouteUpdate 守卫 (2.2+)。</a:t>
-            </a:r>
-          </a:p>
-          <a:p>
-            <a:pPr marL="464185" indent="-285750" algn="l" eaLnBrk="1" latinLnBrk="0" hangingPunct="1">
-              <a:lnSpc>
-                <a:spcPct val="140000"/>
-              </a:lnSpc>
-              <a:buFont typeface="Wingdings" panose="05000000000000000000" charset="0"/>
-              <a:buChar char=""/>
-            </a:pPr>
-            <a:r>
-              <a:rPr lang="zh-CN" altLang="en-US" sz="1600" dirty="0">
-                <a:solidFill>
-                  <a:schemeClr val="tx1"/>
-                </a:solidFill>
-                <a:latin typeface="+mn-ea"/>
-                <a:ea typeface="微软雅黑" panose="020B0503020204020204" charset="-122"/>
-              </a:rPr>
-              <a:t>在路由配置里调用 beforeEnter。</a:t>
-            </a:r>
-          </a:p>
-          <a:p>
-            <a:pPr marL="464185" indent="-285750" algn="l" eaLnBrk="1" latinLnBrk="0" hangingPunct="1">
-              <a:lnSpc>
-                <a:spcPct val="140000"/>
-              </a:lnSpc>
-              <a:buFont typeface="Wingdings" panose="05000000000000000000" charset="0"/>
-              <a:buChar char=""/>
-            </a:pPr>
-            <a:r>
-              <a:rPr lang="zh-CN" altLang="en-US" sz="1600" dirty="0">
-                <a:solidFill>
-                  <a:schemeClr val="tx1"/>
-                </a:solidFill>
-                <a:latin typeface="+mn-ea"/>
-                <a:ea typeface="微软雅黑" panose="020B0503020204020204" charset="-122"/>
-              </a:rPr>
-              <a:t>解析异步路由组件。</a:t>
-            </a:r>
-          </a:p>
-          <a:p>
-            <a:pPr marL="464185" indent="-285750" algn="l" eaLnBrk="1" latinLnBrk="0" hangingPunct="1">
-              <a:lnSpc>
-                <a:spcPct val="140000"/>
-              </a:lnSpc>
-              <a:buFont typeface="Wingdings" panose="05000000000000000000" charset="0"/>
-              <a:buChar char=""/>
-            </a:pPr>
-            <a:r>
-              <a:rPr lang="zh-CN" altLang="en-US" sz="1600" dirty="0">
-                <a:solidFill>
-                  <a:schemeClr val="tx1"/>
-                </a:solidFill>
-                <a:latin typeface="+mn-ea"/>
-                <a:ea typeface="微软雅黑" panose="020B0503020204020204" charset="-122"/>
-              </a:rPr>
-              <a:t>在被激活的组件里调用 beforeRouteEnter。</a:t>
-            </a:r>
-          </a:p>
-          <a:p>
-            <a:pPr marL="464185" indent="-285750" algn="l" eaLnBrk="1" latinLnBrk="0" hangingPunct="1">
-              <a:lnSpc>
-                <a:spcPct val="140000"/>
-              </a:lnSpc>
-              <a:buFont typeface="Wingdings" panose="05000000000000000000" charset="0"/>
-              <a:buChar char=""/>
-            </a:pPr>
-            <a:r>
-              <a:rPr lang="zh-CN" altLang="en-US" sz="1600" dirty="0">
-                <a:solidFill>
-                  <a:schemeClr val="tx1"/>
-                </a:solidFill>
-                <a:latin typeface="+mn-ea"/>
-                <a:ea typeface="微软雅黑" panose="020B0503020204020204" charset="-122"/>
-              </a:rPr>
-              <a:t>调用全局的 beforeResolve 守卫 (2.5+)。</a:t>
-            </a:r>
-          </a:p>
-          <a:p>
-            <a:pPr marL="464185" indent="-285750" algn="l" eaLnBrk="1" latinLnBrk="0" hangingPunct="1">
-              <a:lnSpc>
-                <a:spcPct val="140000"/>
-              </a:lnSpc>
-              <a:buFont typeface="Wingdings" panose="05000000000000000000" charset="0"/>
-              <a:buChar char=""/>
-            </a:pPr>
-            <a:r>
-              <a:rPr lang="zh-CN" altLang="en-US" sz="1600" dirty="0">
-                <a:solidFill>
-                  <a:schemeClr val="tx1"/>
-                </a:solidFill>
-                <a:latin typeface="+mn-ea"/>
-                <a:ea typeface="微软雅黑" panose="020B0503020204020204" charset="-122"/>
-              </a:rPr>
-              <a:t>导航被确认。</a:t>
-            </a:r>
-          </a:p>
-          <a:p>
-            <a:pPr marL="464185" indent="-285750" algn="l" eaLnBrk="1" latinLnBrk="0" hangingPunct="1">
-              <a:lnSpc>
-                <a:spcPct val="140000"/>
-              </a:lnSpc>
-              <a:buFont typeface="Wingdings" panose="05000000000000000000" charset="0"/>
-              <a:buChar char=""/>
-            </a:pPr>
-            <a:r>
-              <a:rPr lang="zh-CN" altLang="en-US" sz="1600" dirty="0">
-                <a:solidFill>
-                  <a:schemeClr val="tx1"/>
-                </a:solidFill>
-                <a:latin typeface="+mn-ea"/>
-                <a:ea typeface="微软雅黑" panose="020B0503020204020204" charset="-122"/>
-              </a:rPr>
-              <a:t>调用全局的 afterEach 钩子。</a:t>
-            </a:r>
-          </a:p>
-          <a:p>
-            <a:pPr marL="464185" indent="-285750" algn="l" eaLnBrk="1" latinLnBrk="0" hangingPunct="1">
-              <a:lnSpc>
-                <a:spcPct val="140000"/>
-              </a:lnSpc>
-              <a:buFont typeface="Wingdings" panose="05000000000000000000" charset="0"/>
-              <a:buChar char=""/>
-            </a:pPr>
-            <a:r>
-              <a:rPr lang="zh-CN" altLang="en-US" sz="1600" dirty="0">
-                <a:solidFill>
-                  <a:schemeClr val="tx1"/>
-                </a:solidFill>
-                <a:latin typeface="+mn-ea"/>
-                <a:ea typeface="微软雅黑" panose="020B0503020204020204" charset="-122"/>
-              </a:rPr>
-              <a:t>触发 DOM 更新。</a:t>
-            </a:r>
-          </a:p>
-          <a:p>
-            <a:pPr marL="464185" indent="-285750" algn="l" eaLnBrk="1" latinLnBrk="0" hangingPunct="1">
-              <a:lnSpc>
-                <a:spcPct val="140000"/>
-              </a:lnSpc>
-              <a:buFont typeface="Wingdings" panose="05000000000000000000" charset="0"/>
-              <a:buChar char=""/>
-            </a:pPr>
-            <a:r>
-              <a:rPr lang="zh-CN" altLang="en-US" sz="1600" dirty="0">
-                <a:solidFill>
-                  <a:schemeClr val="tx1"/>
-                </a:solidFill>
-                <a:latin typeface="+mn-ea"/>
-                <a:ea typeface="微软雅黑" panose="020B0503020204020204" charset="-122"/>
-              </a:rPr>
-              <a:t>用创建好的实例调用 beforeRouteEnter 守卫中传给 next 的回调函数。</a:t>
-            </a:r>
-            <a:endParaRPr lang="zh-CN" altLang="en-US" sz="1600" dirty="0">
-              <a:solidFill>
-                <a:schemeClr val="tx1"/>
-              </a:solidFill>
-              <a:latin typeface="+mn-ea"/>
-            </a:endParaRPr>
-          </a:p>
-          <a:p>
-            <a:endParaRPr lang="zh-CN" altLang="en-US" sz="1600" dirty="0"/>
-          </a:p>
-        </p:txBody>
-      </p:sp>
-      <p:sp>
-        <p:nvSpPr>
-          <p:cNvPr id="4" name="日期占位符 3">
-            <a:extLst>
-              <a:ext uri="{FF2B5EF4-FFF2-40B4-BE49-F238E27FC236}">
-                <a16:creationId xmlns:a16="http://schemas.microsoft.com/office/drawing/2014/main" id="{86C6E236-34A6-4252-8D65-8D51A1AC8B31}"/>
-              </a:ext>
-            </a:extLst>
-          </p:cNvPr>
+            </a:pPr>
+            <a:r>
+              <a:rPr lang="en-US" altLang="zh-CN" sz="1600">
+                <a:sym typeface="+mn-ea"/>
+              </a:rPr>
+              <a:t>开发人员可以专注于业务逻辑和数据的开发（ViewModel），设计人员可以专注于页面设计</a:t>
+            </a:r>
+            <a:endParaRPr lang="zh-CN" altLang="en-US" sz="1600"/>
+          </a:p>
+        </p:txBody>
+      </p:sp>
+      <p:sp>
+        <p:nvSpPr>
+          <p:cNvPr id="4" name="日期占位符 3"/>
           <p:cNvSpPr>
             <a:spLocks noGrp="1"/>
           </p:cNvSpPr>
@@ -6947,8 +6769,7 @@
               <a:defRPr/>
             </a:pPr>
             <a:fld id="{BDABD382-6269-4314-BED9-F777FF741BD9}" type="datetime1">
-              <a:rPr lang="zh-CN" altLang="en-US" smtClean="0"/>
-              <a:t>2020/7/30</a:t>
+              <a:rPr lang="zh-CN" altLang="en-US"/>
             </a:fld>
             <a:endParaRPr lang="zh-CN" altLang="en-US" dirty="0"/>
           </a:p>
@@ -6956,13 +6777,7 @@
       </p:sp>
       <p:sp>
         <p:nvSpPr>
-          <p:cNvPr id="5" name="灯片编号占位符 4">
-            <a:extLst>
-              <a:ext uri="{FF2B5EF4-FFF2-40B4-BE49-F238E27FC236}">
-                <a16:creationId xmlns:a16="http://schemas.microsoft.com/office/drawing/2014/main" id="{E0E43268-B2DA-4436-8B1E-9B0FBB69FAF7}"/>
-              </a:ext>
-            </a:extLst>
-          </p:cNvPr>
+          <p:cNvPr id="5" name="灯片编号占位符 4"/>
           <p:cNvSpPr>
             <a:spLocks noGrp="1"/>
           </p:cNvSpPr>
@@ -6979,19 +6794,13 @@
               <a:defRPr/>
             </a:pPr>
             <a:fld id="{24CDF228-198A-44C2-BDC3-8F2BB7497790}" type="slidenum">
-              <a:rPr lang="zh-CN" altLang="en-US" smtClean="0"/>
-              <a:t>10</a:t>
+              <a:rPr lang="zh-CN" altLang="en-US"/>
             </a:fld>
             <a:endParaRPr lang="zh-CN" altLang="en-US" dirty="0"/>
           </a:p>
         </p:txBody>
       </p:sp>
     </p:spTree>
-    <p:extLst>
-      <p:ext uri="{BB962C8B-B14F-4D97-AF65-F5344CB8AC3E}">
-        <p14:creationId xmlns:p14="http://schemas.microsoft.com/office/powerpoint/2010/main" val="2269662831"/>
-      </p:ext>
-    </p:extLst>
   </p:cSld>
   <p:clrMapOvr>
     <a:masterClrMapping/>
@@ -7033,8 +6842,9 @@
           <a:p>
             <a:r>
               <a:rPr lang="zh-CN" altLang="en-US"/>
-              <a:t>数据驱动</a:t>
-            </a:r>
+              <a:t>声明周期</a:t>
+            </a:r>
+            <a:endParaRPr lang="zh-CN" altLang="en-US"/>
           </a:p>
         </p:txBody>
       </p:sp>
@@ -7058,7 +6868,6 @@
             </a:pPr>
             <a:fld id="{BDABD382-6269-4314-BED9-F777FF741BD9}" type="datetime1">
               <a:rPr lang="zh-CN" altLang="en-US"/>
-              <a:t>2020/7/30</a:t>
             </a:fld>
             <a:endParaRPr lang="zh-CN" altLang="en-US" dirty="0"/>
           </a:p>
@@ -7084,7 +6893,6 @@
             </a:pPr>
             <a:fld id="{24CDF228-198A-44C2-BDC3-8F2BB7497790}" type="slidenum">
               <a:rPr lang="zh-CN" altLang="en-US"/>
-              <a:t>11</a:t>
             </a:fld>
             <a:endParaRPr lang="zh-CN" altLang="en-US" dirty="0"/>
           </a:p>
@@ -7101,15 +6909,15 @@
           </p:nvPr>
         </p:nvPicPr>
         <p:blipFill>
-          <a:blip r:embed="rId3"/>
+          <a:blip r:embed="rId1"/>
           <a:stretch>
             <a:fillRect/>
           </a:stretch>
         </p:blipFill>
         <p:spPr>
           <a:xfrm>
-            <a:off x="1204595" y="1062990"/>
-            <a:ext cx="6877050" cy="5162550"/>
+            <a:off x="3590925" y="980440"/>
+            <a:ext cx="2104390" cy="5328285"/>
           </a:xfrm>
           <a:prstGeom prst="rect">
             <a:avLst/>
@@ -7157,20 +6965,21 @@
           <a:lstStyle/>
           <a:p>
             <a:r>
-              <a:rPr lang="zh-CN" altLang="en-US"/>
-              <a:t>组件化</a:t>
-            </a:r>
-          </a:p>
-        </p:txBody>
-      </p:sp>
-      <p:sp>
-        <p:nvSpPr>
-          <p:cNvPr id="4" name="日期占位符 3"/>
-          <p:cNvSpPr>
-            <a:spLocks noGrp="1"/>
-          </p:cNvSpPr>
-          <p:nvPr>
-            <p:ph type="dt" sz="half" idx="10"/>
+              <a:rPr lang="zh-CN" altLang="en-US" dirty="0"/>
+              <a:t>路由</a:t>
+            </a:r>
+            <a:endParaRPr lang="zh-CN" altLang="en-US" dirty="0"/>
+          </a:p>
+        </p:txBody>
+      </p:sp>
+      <p:sp>
+        <p:nvSpPr>
+          <p:cNvPr id="3" name="内容占位符 2"/>
+          <p:cNvSpPr>
+            <a:spLocks noGrp="1"/>
+          </p:cNvSpPr>
+          <p:nvPr>
+            <p:ph idx="1"/>
           </p:nvPr>
         </p:nvSpPr>
         <p:spPr/>
@@ -7178,12 +6987,315 @@
           <a:bodyPr/>
           <a:lstStyle/>
           <a:p>
+            <a:pPr marL="464185" indent="-285750" algn="l" eaLnBrk="1" latinLnBrk="0" hangingPunct="1">
+              <a:lnSpc>
+                <a:spcPct val="140000"/>
+              </a:lnSpc>
+              <a:buFont typeface="Wingdings" panose="05000000000000000000" charset="0"/>
+              <a:buChar char=""/>
+            </a:pPr>
+            <a:r>
+              <a:rPr lang="zh-CN" altLang="en-US" sz="1600" dirty="0">
+                <a:solidFill>
+                  <a:schemeClr val="tx1"/>
+                </a:solidFill>
+                <a:latin typeface="+mn-ea"/>
+                <a:ea typeface="微软雅黑" panose="020B0503020204020204" pitchFamily="34" charset="-122"/>
+              </a:rPr>
+              <a:t>导航被触发。</a:t>
+            </a:r>
+            <a:endParaRPr lang="zh-CN" altLang="en-US" sz="1600" dirty="0">
+              <a:solidFill>
+                <a:schemeClr val="tx1"/>
+              </a:solidFill>
+              <a:latin typeface="+mn-ea"/>
+              <a:ea typeface="微软雅黑" panose="020B0503020204020204" pitchFamily="34" charset="-122"/>
+            </a:endParaRPr>
+          </a:p>
+          <a:p>
+            <a:pPr marL="464185" indent="-285750" algn="l" eaLnBrk="1" latinLnBrk="0" hangingPunct="1">
+              <a:lnSpc>
+                <a:spcPct val="140000"/>
+              </a:lnSpc>
+              <a:buFont typeface="Wingdings" panose="05000000000000000000" charset="0"/>
+              <a:buChar char=""/>
+            </a:pPr>
+            <a:r>
+              <a:rPr lang="zh-CN" altLang="en-US" sz="1600" dirty="0">
+                <a:solidFill>
+                  <a:schemeClr val="tx1"/>
+                </a:solidFill>
+                <a:latin typeface="+mn-ea"/>
+                <a:ea typeface="微软雅黑" panose="020B0503020204020204" pitchFamily="34" charset="-122"/>
+              </a:rPr>
+              <a:t>在失活的组件里调用离开守卫。</a:t>
+            </a:r>
+            <a:endParaRPr lang="zh-CN" altLang="en-US" sz="1600" dirty="0">
+              <a:solidFill>
+                <a:schemeClr val="tx1"/>
+              </a:solidFill>
+              <a:latin typeface="+mn-ea"/>
+              <a:ea typeface="微软雅黑" panose="020B0503020204020204" pitchFamily="34" charset="-122"/>
+            </a:endParaRPr>
+          </a:p>
+          <a:p>
+            <a:pPr marL="464185" indent="-285750" algn="l" eaLnBrk="1" latinLnBrk="0" hangingPunct="1">
+              <a:lnSpc>
+                <a:spcPct val="140000"/>
+              </a:lnSpc>
+              <a:buFont typeface="Wingdings" panose="05000000000000000000" charset="0"/>
+              <a:buChar char=""/>
+            </a:pPr>
+            <a:r>
+              <a:rPr lang="zh-CN" altLang="en-US" sz="1600" dirty="0">
+                <a:solidFill>
+                  <a:schemeClr val="tx1"/>
+                </a:solidFill>
+                <a:latin typeface="+mn-ea"/>
+                <a:ea typeface="微软雅黑" panose="020B0503020204020204" pitchFamily="34" charset="-122"/>
+              </a:rPr>
+              <a:t>调用全局的 beforeEach 守卫。</a:t>
+            </a:r>
+            <a:endParaRPr lang="zh-CN" altLang="en-US" sz="1600" dirty="0">
+              <a:solidFill>
+                <a:schemeClr val="tx1"/>
+              </a:solidFill>
+              <a:latin typeface="+mn-ea"/>
+              <a:ea typeface="微软雅黑" panose="020B0503020204020204" pitchFamily="34" charset="-122"/>
+            </a:endParaRPr>
+          </a:p>
+          <a:p>
+            <a:pPr marL="464185" indent="-285750" algn="l" eaLnBrk="1" latinLnBrk="0" hangingPunct="1">
+              <a:lnSpc>
+                <a:spcPct val="140000"/>
+              </a:lnSpc>
+              <a:buFont typeface="Wingdings" panose="05000000000000000000" charset="0"/>
+              <a:buChar char=""/>
+            </a:pPr>
+            <a:r>
+              <a:rPr lang="zh-CN" altLang="en-US" sz="1600" dirty="0">
+                <a:solidFill>
+                  <a:schemeClr val="tx1"/>
+                </a:solidFill>
+                <a:latin typeface="+mn-ea"/>
+                <a:ea typeface="微软雅黑" panose="020B0503020204020204" pitchFamily="34" charset="-122"/>
+              </a:rPr>
+              <a:t>在路由配置里调用 beforeEnter。</a:t>
+            </a:r>
+            <a:endParaRPr lang="zh-CN" altLang="en-US" sz="1600" dirty="0">
+              <a:solidFill>
+                <a:schemeClr val="tx1"/>
+              </a:solidFill>
+              <a:latin typeface="+mn-ea"/>
+              <a:ea typeface="微软雅黑" panose="020B0503020204020204" pitchFamily="34" charset="-122"/>
+            </a:endParaRPr>
+          </a:p>
+          <a:p>
+            <a:pPr marL="464185" indent="-285750" algn="l" eaLnBrk="1" latinLnBrk="0" hangingPunct="1">
+              <a:lnSpc>
+                <a:spcPct val="140000"/>
+              </a:lnSpc>
+              <a:buFont typeface="Wingdings" panose="05000000000000000000" charset="0"/>
+              <a:buChar char=""/>
+            </a:pPr>
+            <a:r>
+              <a:rPr lang="zh-CN" altLang="en-US" sz="1600" dirty="0">
+                <a:solidFill>
+                  <a:schemeClr val="tx1"/>
+                </a:solidFill>
+                <a:latin typeface="+mn-ea"/>
+                <a:ea typeface="微软雅黑" panose="020B0503020204020204" pitchFamily="34" charset="-122"/>
+              </a:rPr>
+              <a:t>解析异步路由组件。</a:t>
+            </a:r>
+            <a:endParaRPr lang="zh-CN" altLang="en-US" sz="1600" dirty="0">
+              <a:solidFill>
+                <a:schemeClr val="tx1"/>
+              </a:solidFill>
+              <a:latin typeface="+mn-ea"/>
+              <a:ea typeface="微软雅黑" panose="020B0503020204020204" pitchFamily="34" charset="-122"/>
+            </a:endParaRPr>
+          </a:p>
+          <a:p>
+            <a:pPr marL="464185" indent="-285750" algn="l" eaLnBrk="1" latinLnBrk="0" hangingPunct="1">
+              <a:lnSpc>
+                <a:spcPct val="140000"/>
+              </a:lnSpc>
+              <a:buFont typeface="Wingdings" panose="05000000000000000000" charset="0"/>
+              <a:buChar char=""/>
+            </a:pPr>
+            <a:r>
+              <a:rPr lang="zh-CN" altLang="en-US" sz="1600" dirty="0">
+                <a:solidFill>
+                  <a:schemeClr val="tx1"/>
+                </a:solidFill>
+                <a:latin typeface="+mn-ea"/>
+                <a:ea typeface="微软雅黑" panose="020B0503020204020204" pitchFamily="34" charset="-122"/>
+              </a:rPr>
+              <a:t>在被激活的组件里调用 beforeRouteEnter。</a:t>
+            </a:r>
+            <a:endParaRPr lang="zh-CN" altLang="en-US" sz="1600" dirty="0">
+              <a:solidFill>
+                <a:schemeClr val="tx1"/>
+              </a:solidFill>
+              <a:latin typeface="+mn-ea"/>
+              <a:ea typeface="微软雅黑" panose="020B0503020204020204" pitchFamily="34" charset="-122"/>
+            </a:endParaRPr>
+          </a:p>
+          <a:p>
+            <a:pPr marL="464185" indent="-285750" algn="l" eaLnBrk="1" latinLnBrk="0" hangingPunct="1">
+              <a:lnSpc>
+                <a:spcPct val="140000"/>
+              </a:lnSpc>
+              <a:buFont typeface="Wingdings" panose="05000000000000000000" charset="0"/>
+              <a:buChar char=""/>
+            </a:pPr>
+            <a:r>
+              <a:rPr lang="zh-CN" altLang="en-US" sz="1600" dirty="0">
+                <a:solidFill>
+                  <a:schemeClr val="tx1"/>
+                </a:solidFill>
+                <a:latin typeface="+mn-ea"/>
+                <a:ea typeface="微软雅黑" panose="020B0503020204020204" pitchFamily="34" charset="-122"/>
+              </a:rPr>
+              <a:t>调用全局的 beforeResolve 守卫 (2.5+)。</a:t>
+            </a:r>
+            <a:endParaRPr lang="zh-CN" altLang="en-US" sz="1600" dirty="0">
+              <a:solidFill>
+                <a:schemeClr val="tx1"/>
+              </a:solidFill>
+              <a:latin typeface="+mn-ea"/>
+              <a:ea typeface="微软雅黑" panose="020B0503020204020204" pitchFamily="34" charset="-122"/>
+            </a:endParaRPr>
+          </a:p>
+          <a:p>
+            <a:pPr marL="464185" indent="-285750" algn="l" eaLnBrk="1" latinLnBrk="0" hangingPunct="1">
+              <a:lnSpc>
+                <a:spcPct val="140000"/>
+              </a:lnSpc>
+              <a:buFont typeface="Wingdings" panose="05000000000000000000" charset="0"/>
+              <a:buChar char=""/>
+            </a:pPr>
+            <a:r>
+              <a:rPr lang="zh-CN" altLang="en-US" sz="1600" dirty="0">
+                <a:solidFill>
+                  <a:schemeClr val="tx1"/>
+                </a:solidFill>
+                <a:latin typeface="+mn-ea"/>
+                <a:ea typeface="微软雅黑" panose="020B0503020204020204" pitchFamily="34" charset="-122"/>
+              </a:rPr>
+              <a:t>导航被确认。</a:t>
+            </a:r>
+            <a:endParaRPr lang="zh-CN" altLang="en-US" sz="1600" dirty="0">
+              <a:solidFill>
+                <a:schemeClr val="tx1"/>
+              </a:solidFill>
+              <a:latin typeface="+mn-ea"/>
+              <a:ea typeface="微软雅黑" panose="020B0503020204020204" pitchFamily="34" charset="-122"/>
+            </a:endParaRPr>
+          </a:p>
+          <a:p>
+            <a:pPr marL="464185" indent="-285750" algn="l" eaLnBrk="1" latinLnBrk="0" hangingPunct="1">
+              <a:lnSpc>
+                <a:spcPct val="140000"/>
+              </a:lnSpc>
+              <a:buFont typeface="Wingdings" panose="05000000000000000000" charset="0"/>
+              <a:buChar char=""/>
+            </a:pPr>
+            <a:r>
+              <a:rPr lang="zh-CN" altLang="en-US" sz="1600" dirty="0">
+                <a:solidFill>
+                  <a:schemeClr val="tx1"/>
+                </a:solidFill>
+                <a:latin typeface="+mn-ea"/>
+                <a:ea typeface="微软雅黑" panose="020B0503020204020204" pitchFamily="34" charset="-122"/>
+              </a:rPr>
+              <a:t>调用全局的 afterEach 钩子。</a:t>
+            </a:r>
+            <a:endParaRPr lang="zh-CN" altLang="en-US" sz="1600" dirty="0">
+              <a:solidFill>
+                <a:schemeClr val="tx1"/>
+              </a:solidFill>
+              <a:latin typeface="+mn-ea"/>
+              <a:ea typeface="微软雅黑" panose="020B0503020204020204" pitchFamily="34" charset="-122"/>
+            </a:endParaRPr>
+          </a:p>
+          <a:p>
+            <a:pPr marL="464185" indent="-285750" algn="l" eaLnBrk="1" latinLnBrk="0" hangingPunct="1">
+              <a:lnSpc>
+                <a:spcPct val="140000"/>
+              </a:lnSpc>
+              <a:buFont typeface="Wingdings" panose="05000000000000000000" charset="0"/>
+              <a:buChar char=""/>
+            </a:pPr>
+            <a:r>
+              <a:rPr lang="zh-CN" altLang="en-US" sz="1600" dirty="0">
+                <a:solidFill>
+                  <a:schemeClr val="tx1"/>
+                </a:solidFill>
+                <a:latin typeface="+mn-ea"/>
+                <a:ea typeface="微软雅黑" panose="020B0503020204020204" pitchFamily="34" charset="-122"/>
+              </a:rPr>
+              <a:t>触发 DOM 更新。</a:t>
+            </a:r>
+            <a:endParaRPr lang="zh-CN" altLang="en-US" sz="1600" dirty="0">
+              <a:solidFill>
+                <a:schemeClr val="tx1"/>
+              </a:solidFill>
+              <a:latin typeface="+mn-ea"/>
+              <a:ea typeface="微软雅黑" panose="020B0503020204020204" pitchFamily="34" charset="-122"/>
+            </a:endParaRPr>
+          </a:p>
+          <a:p>
+            <a:pPr marL="464185" indent="-285750" algn="l" eaLnBrk="1" latinLnBrk="0" hangingPunct="1">
+              <a:lnSpc>
+                <a:spcPct val="140000"/>
+              </a:lnSpc>
+              <a:buFont typeface="Wingdings" panose="05000000000000000000" charset="0"/>
+              <a:buChar char=""/>
+            </a:pPr>
+            <a:r>
+              <a:rPr lang="zh-CN" altLang="en-US" sz="1600" dirty="0">
+                <a:solidFill>
+                  <a:schemeClr val="tx1"/>
+                </a:solidFill>
+                <a:latin typeface="+mn-ea"/>
+                <a:ea typeface="微软雅黑" panose="020B0503020204020204" pitchFamily="34" charset="-122"/>
+              </a:rPr>
+              <a:t>用创建好的实例调用 beforeRouteEnter 守卫中传给 next 的回调函数。</a:t>
+            </a:r>
+            <a:endParaRPr lang="zh-CN" altLang="en-US" sz="1600" dirty="0">
+              <a:solidFill>
+                <a:schemeClr val="tx1"/>
+              </a:solidFill>
+              <a:latin typeface="+mn-ea"/>
+            </a:endParaRPr>
+          </a:p>
+          <a:p>
+            <a:endParaRPr lang="zh-CN" altLang="en-US" sz="1600" dirty="0"/>
+          </a:p>
+        </p:txBody>
+      </p:sp>
+      <p:sp>
+        <p:nvSpPr>
+          <p:cNvPr id="4" name="日期占位符 3"/>
+          <p:cNvSpPr>
+            <a:spLocks noGrp="1"/>
+          </p:cNvSpPr>
+          <p:nvPr>
+            <p:ph type="dt" sz="half" idx="10"/>
+          </p:nvPr>
+        </p:nvSpPr>
+        <p:spPr/>
+        <p:txBody>
+          <a:bodyPr/>
+          <a:lstStyle/>
+          <a:p>
             <a:pPr>
               <a:defRPr/>
             </a:pPr>
             <a:fld id="{BDABD382-6269-4314-BED9-F777FF741BD9}" type="datetime1">
-              <a:rPr lang="zh-CN" altLang="en-US"/>
-              <a:t>2020/7/30</a:t>
+              <a:rPr lang="zh-CN" altLang="en-US" smtClean="0"/>
             </a:fld>
             <a:endParaRPr lang="zh-CN" altLang="en-US" dirty="0"/>
           </a:p>
@@ -7208,8 +7320,451 @@
               <a:defRPr/>
             </a:pPr>
             <a:fld id="{24CDF228-198A-44C2-BDC3-8F2BB7497790}" type="slidenum">
-              <a:rPr lang="zh-CN" altLang="en-US"/>
-              <a:t>12</a:t>
+              <a:rPr lang="zh-CN" altLang="en-US" smtClean="0"/>
+            </a:fld>
+            <a:endParaRPr lang="zh-CN" altLang="en-US" dirty="0"/>
+          </a:p>
+        </p:txBody>
+      </p:sp>
+    </p:spTree>
+  </p:cSld>
+  <p:clrMapOvr>
+    <a:masterClrMapping/>
+  </p:clrMapOvr>
+</p:sld>
+</file>
+
+<file path=ppt/slides/slide13.xml><?xml version="1.0" encoding="utf-8"?>
+<p:sld xmlns:a="http://schemas.openxmlformats.org/drawingml/2006/main" xmlns:r="http://schemas.openxmlformats.org/officeDocument/2006/relationships" xmlns:p="http://schemas.openxmlformats.org/presentationml/2006/main">
+  <p:cSld>
+    <p:spTree>
+      <p:nvGrpSpPr>
+        <p:cNvPr id="1" name=""/>
+        <p:cNvGrpSpPr/>
+        <p:nvPr/>
+      </p:nvGrpSpPr>
+      <p:grpSpPr/>
+      <p:sp>
+        <p:nvSpPr>
+          <p:cNvPr id="2" name="标题 1"/>
+          <p:cNvSpPr>
+            <a:spLocks noGrp="1"/>
+          </p:cNvSpPr>
+          <p:nvPr>
+            <p:ph type="title"/>
+          </p:nvPr>
+        </p:nvSpPr>
+        <p:spPr/>
+        <p:txBody>
+          <a:bodyPr/>
+          <a:p>
+            <a:r>
+              <a:rPr lang="en-US" altLang="zh-CN"/>
+              <a:t>API</a:t>
+            </a:r>
+            <a:endParaRPr lang="en-US" altLang="zh-CN"/>
+          </a:p>
+        </p:txBody>
+      </p:sp>
+      <p:sp>
+        <p:nvSpPr>
+          <p:cNvPr id="3" name="内容占位符 2"/>
+          <p:cNvSpPr>
+            <a:spLocks noGrp="1"/>
+          </p:cNvSpPr>
+          <p:nvPr>
+            <p:ph idx="1"/>
+          </p:nvPr>
+        </p:nvSpPr>
+        <p:spPr/>
+        <p:txBody>
+          <a:bodyPr/>
+          <a:p>
+            <a:pPr algn="l" eaLnBrk="1" hangingPunct="1">
+              <a:lnSpc>
+                <a:spcPct val="130000"/>
+              </a:lnSpc>
+              <a:buFont typeface="Wingdings" panose="05000000000000000000" charset="0"/>
+            </a:pPr>
+            <a:r>
+              <a:rPr lang="zh-CN" altLang="en-US" sz="1400" dirty="0" err="1" smtClean="0">
+                <a:solidFill>
+                  <a:srgbClr val="0062AD"/>
+                </a:solidFill>
+                <a:sym typeface="Arial" panose="020B0604020202020204" pitchFamily="34" charset="0"/>
+              </a:rPr>
+              <a:t>完整的</a:t>
+            </a:r>
+            <a:r>
+              <a:rPr lang="en-US" altLang="zh-CN" sz="1400" dirty="0" err="1" smtClean="0">
+                <a:solidFill>
+                  <a:srgbClr val="0062AD"/>
+                </a:solidFill>
+                <a:sym typeface="Arial" panose="020B0604020202020204" pitchFamily="34" charset="0"/>
+              </a:rPr>
+              <a:t>API</a:t>
+            </a:r>
+            <a:r>
+              <a:rPr lang="zh-CN" altLang="en-US" sz="1400" dirty="0" err="1" smtClean="0">
+                <a:solidFill>
+                  <a:srgbClr val="0062AD"/>
+                </a:solidFill>
+                <a:sym typeface="Arial" panose="020B0604020202020204" pitchFamily="34" charset="0"/>
+              </a:rPr>
+              <a:t>内容参照官网</a:t>
+            </a:r>
+            <a:r>
+              <a:rPr lang="en-US" altLang="zh-CN" sz="1400" dirty="0" err="1" smtClean="0">
+                <a:solidFill>
+                  <a:srgbClr val="0062AD"/>
+                </a:solidFill>
+                <a:sym typeface="Arial" panose="020B0604020202020204" pitchFamily="34" charset="0"/>
+              </a:rPr>
+              <a:t>: </a:t>
+            </a:r>
+            <a:r>
+              <a:rPr lang="zh-CN" altLang="en-US" sz="1400" dirty="0" err="1" smtClean="0">
+                <a:solidFill>
+                  <a:srgbClr val="0062AD"/>
+                </a:solidFill>
+                <a:sym typeface="Arial" panose="020B0604020202020204" pitchFamily="34" charset="0"/>
+                <a:hlinkClick r:id="rId1" action="ppaction://hlinkfile"/>
+              </a:rPr>
+              <a:t>https://cn.vuejs.org/v2/api/#vm-data</a:t>
+            </a:r>
+            <a:endParaRPr lang="zh-CN" altLang="en-US" sz="1400" dirty="0" err="1" smtClean="0">
+              <a:solidFill>
+                <a:srgbClr val="0062AD"/>
+              </a:solidFill>
+              <a:latin typeface="微软雅黑" panose="020B0503020204020204" pitchFamily="34" charset="-122"/>
+              <a:ea typeface="微软雅黑" panose="020B0503020204020204" pitchFamily="34" charset="-122"/>
+              <a:sym typeface="Arial" panose="020B0604020202020204" pitchFamily="34" charset="0"/>
+            </a:endParaRPr>
+          </a:p>
+          <a:p>
+            <a:pPr algn="l" eaLnBrk="1" hangingPunct="1">
+              <a:lnSpc>
+                <a:spcPct val="130000"/>
+              </a:lnSpc>
+              <a:buFont typeface="Wingdings" panose="05000000000000000000" charset="0"/>
+            </a:pPr>
+            <a:r>
+              <a:rPr lang="en-US" altLang="zh-CN" sz="1400" dirty="0">
+                <a:sym typeface="+mn-ea"/>
+              </a:rPr>
+              <a:t>项目中常用到的API有哪些？</a:t>
+            </a:r>
+            <a:endParaRPr lang="en-US" altLang="zh-CN" sz="1400" dirty="0">
+              <a:sym typeface="+mn-ea"/>
+            </a:endParaRPr>
+          </a:p>
+          <a:p>
+            <a:pPr algn="l" eaLnBrk="1" hangingPunct="1">
+              <a:lnSpc>
+                <a:spcPct val="130000"/>
+              </a:lnSpc>
+              <a:buFont typeface="Wingdings" panose="05000000000000000000" charset="0"/>
+            </a:pPr>
+            <a:r>
+              <a:rPr lang="en-US" altLang="zh-CN" sz="1400" dirty="0">
+                <a:sym typeface="+mn-ea"/>
+              </a:rPr>
+              <a:t>   vm.$data      Vue 实例观察的数据对象。Vue 实例代理了对其 data 对象属性的访问。</a:t>
+            </a:r>
+            <a:endParaRPr lang="en-US" altLang="zh-CN" sz="1400" dirty="0">
+              <a:sym typeface="+mn-ea"/>
+            </a:endParaRPr>
+          </a:p>
+          <a:p>
+            <a:pPr algn="l" eaLnBrk="1" hangingPunct="1">
+              <a:lnSpc>
+                <a:spcPct val="130000"/>
+              </a:lnSpc>
+              <a:buFont typeface="Wingdings" panose="05000000000000000000" charset="0"/>
+            </a:pPr>
+            <a:r>
+              <a:rPr lang="en-US" altLang="zh-CN" sz="1400" dirty="0">
+                <a:sym typeface="+mn-ea"/>
+              </a:rPr>
+              <a:t>    vm.$props     当前组件接收到的 props 对象。Vue 实例代理了对其 props 对象属性的访问。</a:t>
+            </a:r>
+            <a:endParaRPr lang="en-US" altLang="zh-CN" sz="1400" dirty="0">
+              <a:sym typeface="+mn-ea"/>
+            </a:endParaRPr>
+          </a:p>
+          <a:p>
+            <a:pPr algn="l" eaLnBrk="1" hangingPunct="1">
+              <a:lnSpc>
+                <a:spcPct val="130000"/>
+              </a:lnSpc>
+              <a:buFont typeface="Wingdings" panose="05000000000000000000" charset="0"/>
+            </a:pPr>
+            <a:r>
+              <a:rPr lang="en-US" altLang="zh-CN" sz="1400" dirty="0">
+                <a:sym typeface="+mn-ea"/>
+              </a:rPr>
+              <a:t>    vm.$el           Vue 实例使用的根 DOM 元素。</a:t>
+            </a:r>
+            <a:endParaRPr lang="en-US" altLang="zh-CN" sz="1400" dirty="0">
+              <a:sym typeface="+mn-ea"/>
+            </a:endParaRPr>
+          </a:p>
+          <a:p>
+            <a:pPr algn="l" eaLnBrk="1" hangingPunct="1">
+              <a:lnSpc>
+                <a:spcPct val="130000"/>
+              </a:lnSpc>
+              <a:buFont typeface="Wingdings" panose="05000000000000000000" charset="0"/>
+            </a:pPr>
+            <a:r>
+              <a:rPr lang="en-US" altLang="zh-CN" sz="1400" dirty="0">
+                <a:sym typeface="+mn-ea"/>
+              </a:rPr>
+              <a:t>    vm.$refs        一个对象，</a:t>
+            </a:r>
+            <a:r>
+              <a:rPr lang="zh-CN" altLang="en-US" sz="1400" dirty="0">
+                <a:sym typeface="+mn-ea"/>
+              </a:rPr>
+              <a:t>元素上面定义过</a:t>
+            </a:r>
+            <a:r>
+              <a:rPr lang="en-US" altLang="zh-CN" sz="1400" dirty="0">
+                <a:sym typeface="+mn-ea"/>
+              </a:rPr>
+              <a:t>ref 特性的所有 DOM 元素和组件实例</a:t>
+            </a:r>
+            <a:r>
+              <a:rPr lang="zh-CN" altLang="en-US" sz="1400" dirty="0">
+                <a:sym typeface="+mn-ea"/>
+              </a:rPr>
+              <a:t>，常用在图表等需要具体载体元素的时候要定义</a:t>
+            </a:r>
+            <a:r>
+              <a:rPr lang="en-US" altLang="zh-CN" sz="1400" dirty="0">
+                <a:sym typeface="+mn-ea"/>
+              </a:rPr>
+              <a:t>refs</a:t>
+            </a:r>
+            <a:endParaRPr lang="en-US" altLang="zh-CN" sz="1400" dirty="0">
+              <a:sym typeface="+mn-ea"/>
+            </a:endParaRPr>
+          </a:p>
+          <a:p>
+            <a:pPr algn="l" eaLnBrk="1" hangingPunct="1">
+              <a:lnSpc>
+                <a:spcPct val="130000"/>
+              </a:lnSpc>
+              <a:buFont typeface="Wingdings" panose="05000000000000000000" charset="0"/>
+            </a:pPr>
+            <a:r>
+              <a:rPr lang="en-US" altLang="zh-CN" sz="1400" dirty="0">
+                <a:sym typeface="+mn-ea"/>
+              </a:rPr>
+              <a:t>    vm.$set         vm.$set( target, propertyName/index, value ) // </a:t>
+            </a:r>
+            <a:r>
+              <a:rPr lang="zh-CN" altLang="en-US" sz="1400" dirty="0">
+                <a:sym typeface="+mn-ea"/>
+              </a:rPr>
+              <a:t>通常会用来手动更新</a:t>
+            </a:r>
+            <a:r>
+              <a:rPr lang="en-US" altLang="zh-CN" sz="1400" dirty="0">
+                <a:sym typeface="+mn-ea"/>
+              </a:rPr>
+              <a:t>state</a:t>
+            </a:r>
+            <a:r>
+              <a:rPr lang="zh-CN" altLang="en-US" sz="1400" dirty="0">
+                <a:sym typeface="+mn-ea"/>
+              </a:rPr>
+              <a:t>的值来更新视图</a:t>
+            </a:r>
+            <a:endParaRPr lang="zh-CN" altLang="en-US" sz="1400" dirty="0">
+              <a:sym typeface="+mn-ea"/>
+            </a:endParaRPr>
+          </a:p>
+          <a:p>
+            <a:pPr algn="l" eaLnBrk="1" hangingPunct="1">
+              <a:lnSpc>
+                <a:spcPct val="130000"/>
+              </a:lnSpc>
+              <a:buFont typeface="Wingdings" panose="05000000000000000000" charset="0"/>
+            </a:pPr>
+            <a:r>
+              <a:rPr lang="en-US" altLang="zh-CN" sz="1400" dirty="0">
+                <a:sym typeface="+mn-ea"/>
+              </a:rPr>
+              <a:t>    vm.$delete    vm.$delete( target, propertyName/index )</a:t>
+            </a:r>
+            <a:endParaRPr lang="en-US" altLang="zh-CN" sz="1400" dirty="0">
+              <a:sym typeface="+mn-ea"/>
+            </a:endParaRPr>
+          </a:p>
+          <a:p>
+            <a:pPr algn="l" eaLnBrk="1" hangingPunct="1">
+              <a:lnSpc>
+                <a:spcPct val="130000"/>
+              </a:lnSpc>
+              <a:buFont typeface="Wingdings" panose="05000000000000000000" charset="0"/>
+            </a:pPr>
+            <a:r>
+              <a:rPr lang="en-US" altLang="zh-CN" sz="1400" dirty="0">
+                <a:sym typeface="+mn-ea"/>
+              </a:rPr>
+              <a:t>    vm.$nextTick vm.$nextTick( [callback] )  //将回调延迟到下次 DOM 更新循环之后执行。在修改数据之后立即使用它，然后等待 DOM 更新。它跟全局方法 Vue.nextTick 一样，不同的是回调的 this 自动绑定到调用它的实例上。</a:t>
+            </a:r>
+            <a:endParaRPr lang="en-US" altLang="zh-CN" sz="1400" dirty="0">
+              <a:sym typeface="+mn-ea"/>
+            </a:endParaRPr>
+          </a:p>
+          <a:p>
+            <a:endParaRPr lang="zh-CN" altLang="en-US" sz="1400"/>
+          </a:p>
+        </p:txBody>
+      </p:sp>
+      <p:sp>
+        <p:nvSpPr>
+          <p:cNvPr id="4" name="日期占位符 3"/>
+          <p:cNvSpPr>
+            <a:spLocks noGrp="1"/>
+          </p:cNvSpPr>
+          <p:nvPr>
+            <p:ph type="dt" sz="half" idx="10"/>
+          </p:nvPr>
+        </p:nvSpPr>
+        <p:spPr/>
+        <p:txBody>
+          <a:bodyPr/>
+          <a:p>
+            <a:pPr>
+              <a:defRPr/>
+            </a:pPr>
+            <a:fld id="{BDABD382-6269-4314-BED9-F777FF741BD9}" type="datetime1">
+              <a:rPr lang="zh-CN" altLang="en-US"/>
+            </a:fld>
+            <a:endParaRPr lang="zh-CN" altLang="en-US" dirty="0"/>
+          </a:p>
+        </p:txBody>
+      </p:sp>
+      <p:sp>
+        <p:nvSpPr>
+          <p:cNvPr id="5" name="灯片编号占位符 4"/>
+          <p:cNvSpPr>
+            <a:spLocks noGrp="1"/>
+          </p:cNvSpPr>
+          <p:nvPr>
+            <p:ph type="sldNum" sz="quarter" idx="12"/>
+          </p:nvPr>
+        </p:nvSpPr>
+        <p:spPr/>
+        <p:txBody>
+          <a:bodyPr/>
+          <a:p>
+            <a:pPr>
+              <a:defRPr/>
+            </a:pPr>
+            <a:fld id="{24CDF228-198A-44C2-BDC3-8F2BB7497790}" type="slidenum">
+              <a:rPr lang="zh-CN" altLang="en-US"/>
+            </a:fld>
+            <a:endParaRPr lang="zh-CN" altLang="en-US" dirty="0"/>
+          </a:p>
+        </p:txBody>
+      </p:sp>
+    </p:spTree>
+  </p:cSld>
+  <p:clrMapOvr>
+    <a:masterClrMapping/>
+  </p:clrMapOvr>
+</p:sld>
+</file>
+
+<file path=ppt/slides/slide14.xml><?xml version="1.0" encoding="utf-8"?>
+<p:sld xmlns:a="http://schemas.openxmlformats.org/drawingml/2006/main" xmlns:r="http://schemas.openxmlformats.org/officeDocument/2006/relationships" xmlns:p="http://schemas.openxmlformats.org/presentationml/2006/main">
+  <p:cSld>
+    <p:spTree>
+      <p:nvGrpSpPr>
+        <p:cNvPr id="1" name=""/>
+        <p:cNvGrpSpPr/>
+        <p:nvPr/>
+      </p:nvGrpSpPr>
+      <p:grpSpPr>
+        <a:xfrm>
+          <a:off x="0" y="0"/>
+          <a:ext cx="0" cy="0"/>
+          <a:chOff x="0" y="0"/>
+          <a:chExt cx="0" cy="0"/>
+        </a:xfrm>
+      </p:grpSpPr>
+      <p:sp>
+        <p:nvSpPr>
+          <p:cNvPr id="2" name="标题 1"/>
+          <p:cNvSpPr>
+            <a:spLocks noGrp="1"/>
+          </p:cNvSpPr>
+          <p:nvPr>
+            <p:ph type="title"/>
+          </p:nvPr>
+        </p:nvSpPr>
+        <p:spPr/>
+        <p:txBody>
+          <a:bodyPr/>
+          <a:lstStyle/>
+          <a:p>
+            <a:r>
+              <a:rPr lang="zh-CN" altLang="en-US"/>
+              <a:t>数据驱动</a:t>
+            </a:r>
+            <a:endParaRPr lang="zh-CN" altLang="en-US"/>
+          </a:p>
+        </p:txBody>
+      </p:sp>
+      <p:sp>
+        <p:nvSpPr>
+          <p:cNvPr id="4" name="日期占位符 3"/>
+          <p:cNvSpPr>
+            <a:spLocks noGrp="1"/>
+          </p:cNvSpPr>
+          <p:nvPr>
+            <p:ph type="dt" sz="half" idx="10"/>
+          </p:nvPr>
+        </p:nvSpPr>
+        <p:spPr/>
+        <p:txBody>
+          <a:bodyPr/>
+          <a:lstStyle/>
+          <a:p>
+            <a:pPr>
+              <a:defRPr/>
+            </a:pPr>
+            <a:fld id="{BDABD382-6269-4314-BED9-F777FF741BD9}" type="datetime1">
+              <a:rPr lang="zh-CN" altLang="en-US"/>
+            </a:fld>
+            <a:endParaRPr lang="zh-CN" altLang="en-US" dirty="0"/>
+          </a:p>
+        </p:txBody>
+      </p:sp>
+      <p:sp>
+        <p:nvSpPr>
+          <p:cNvPr id="5" name="灯片编号占位符 4"/>
+          <p:cNvSpPr>
+            <a:spLocks noGrp="1"/>
+          </p:cNvSpPr>
+          <p:nvPr>
+            <p:ph type="sldNum" sz="quarter" idx="12"/>
+          </p:nvPr>
+        </p:nvSpPr>
+        <p:spPr/>
+        <p:txBody>
+          <a:bodyPr/>
+          <a:lstStyle/>
+          <a:p>
+            <a:pPr>
+              <a:defRPr/>
+            </a:pPr>
+            <a:fld id="{24CDF228-198A-44C2-BDC3-8F2BB7497790}" type="slidenum">
+              <a:rPr lang="zh-CN" altLang="en-US"/>
             </a:fld>
             <a:endParaRPr lang="zh-CN" altLang="en-US" dirty="0"/>
           </a:p>
@@ -7226,7 +7781,131 @@
           </p:nvPr>
         </p:nvPicPr>
         <p:blipFill>
-          <a:blip r:embed="rId2"/>
+          <a:blip r:embed="rId1"/>
+          <a:stretch>
+            <a:fillRect/>
+          </a:stretch>
+        </p:blipFill>
+        <p:spPr>
+          <a:xfrm>
+            <a:off x="1204595" y="1062990"/>
+            <a:ext cx="6877050" cy="5162550"/>
+          </a:xfrm>
+          <a:prstGeom prst="rect">
+            <a:avLst/>
+          </a:prstGeom>
+        </p:spPr>
+      </p:pic>
+    </p:spTree>
+  </p:cSld>
+  <p:clrMapOvr>
+    <a:masterClrMapping/>
+  </p:clrMapOvr>
+</p:sld>
+</file>
+
+<file path=ppt/slides/slide15.xml><?xml version="1.0" encoding="utf-8"?>
+<p:sld xmlns:a="http://schemas.openxmlformats.org/drawingml/2006/main" xmlns:r="http://schemas.openxmlformats.org/officeDocument/2006/relationships" xmlns:p="http://schemas.openxmlformats.org/presentationml/2006/main">
+  <p:cSld>
+    <p:spTree>
+      <p:nvGrpSpPr>
+        <p:cNvPr id="1" name=""/>
+        <p:cNvGrpSpPr/>
+        <p:nvPr/>
+      </p:nvGrpSpPr>
+      <p:grpSpPr>
+        <a:xfrm>
+          <a:off x="0" y="0"/>
+          <a:ext cx="0" cy="0"/>
+          <a:chOff x="0" y="0"/>
+          <a:chExt cx="0" cy="0"/>
+        </a:xfrm>
+      </p:grpSpPr>
+      <p:sp>
+        <p:nvSpPr>
+          <p:cNvPr id="2" name="标题 1"/>
+          <p:cNvSpPr>
+            <a:spLocks noGrp="1"/>
+          </p:cNvSpPr>
+          <p:nvPr>
+            <p:ph type="title"/>
+          </p:nvPr>
+        </p:nvSpPr>
+        <p:spPr/>
+        <p:txBody>
+          <a:bodyPr/>
+          <a:lstStyle/>
+          <a:p>
+            <a:r>
+              <a:rPr lang="zh-CN" altLang="en-US"/>
+              <a:t>组件化</a:t>
+            </a:r>
+            <a:endParaRPr lang="zh-CN" altLang="en-US"/>
+          </a:p>
+        </p:txBody>
+      </p:sp>
+      <p:sp>
+        <p:nvSpPr>
+          <p:cNvPr id="4" name="日期占位符 3"/>
+          <p:cNvSpPr>
+            <a:spLocks noGrp="1"/>
+          </p:cNvSpPr>
+          <p:nvPr>
+            <p:ph type="dt" sz="half" idx="10"/>
+          </p:nvPr>
+        </p:nvSpPr>
+        <p:spPr/>
+        <p:txBody>
+          <a:bodyPr/>
+          <a:lstStyle/>
+          <a:p>
+            <a:pPr>
+              <a:defRPr/>
+            </a:pPr>
+            <a:fld id="{BDABD382-6269-4314-BED9-F777FF741BD9}" type="datetime1">
+              <a:rPr lang="zh-CN" altLang="en-US"/>
+            </a:fld>
+            <a:endParaRPr lang="zh-CN" altLang="en-US" dirty="0"/>
+          </a:p>
+        </p:txBody>
+      </p:sp>
+      <p:sp>
+        <p:nvSpPr>
+          <p:cNvPr id="5" name="灯片编号占位符 4"/>
+          <p:cNvSpPr>
+            <a:spLocks noGrp="1"/>
+          </p:cNvSpPr>
+          <p:nvPr>
+            <p:ph type="sldNum" sz="quarter" idx="12"/>
+          </p:nvPr>
+        </p:nvSpPr>
+        <p:spPr/>
+        <p:txBody>
+          <a:bodyPr/>
+          <a:lstStyle/>
+          <a:p>
+            <a:pPr>
+              <a:defRPr/>
+            </a:pPr>
+            <a:fld id="{24CDF228-198A-44C2-BDC3-8F2BB7497790}" type="slidenum">
+              <a:rPr lang="zh-CN" altLang="en-US"/>
+            </a:fld>
+            <a:endParaRPr lang="zh-CN" altLang="en-US" dirty="0"/>
+          </a:p>
+        </p:txBody>
+      </p:sp>
+      <p:pic>
+        <p:nvPicPr>
+          <p:cNvPr id="6" name="内容占位符 5"/>
+          <p:cNvPicPr>
+            <a:picLocks noGrp="1" noChangeAspect="1"/>
+          </p:cNvPicPr>
+          <p:nvPr>
+            <p:ph idx="1"/>
+          </p:nvPr>
+        </p:nvPicPr>
+        <p:blipFill>
+          <a:blip r:embed="rId1"/>
           <a:stretch>
             <a:fillRect/>
           </a:stretch>
@@ -7361,7 +8040,7 @@
 </p:sld>
 </file>
 
-<file path=ppt/slides/slide13.xml><?xml version="1.0" encoding="utf-8"?>
+<file path=ppt/slides/slide16.xml><?xml version="1.0" encoding="utf-8"?>
 <p:sld xmlns:a="http://schemas.openxmlformats.org/drawingml/2006/main" xmlns:r="http://schemas.openxmlformats.org/officeDocument/2006/relationships" xmlns:p="http://schemas.openxmlformats.org/presentationml/2006/main">
   <p:cSld>
     <p:spTree>
@@ -7397,6 +8076,7 @@
               <a:rPr lang="zh-CN" altLang="en-US"/>
               <a:t>组件化</a:t>
             </a:r>
+            <a:endParaRPr lang="zh-CN" altLang="en-US"/>
           </a:p>
         </p:txBody>
       </p:sp>
@@ -7420,7 +8100,6 @@
             </a:pPr>
             <a:fld id="{BDABD382-6269-4314-BED9-F777FF741BD9}" type="datetime1">
               <a:rPr lang="zh-CN" altLang="en-US"/>
-              <a:t>2020/7/30</a:t>
             </a:fld>
             <a:endParaRPr lang="zh-CN" altLang="en-US" dirty="0"/>
           </a:p>
@@ -7446,7 +8125,6 @@
             </a:pPr>
             <a:fld id="{24CDF228-198A-44C2-BDC3-8F2BB7497790}" type="slidenum">
               <a:rPr lang="zh-CN" altLang="en-US"/>
-              <a:t>13</a:t>
             </a:fld>
             <a:endParaRPr lang="zh-CN" altLang="en-US" dirty="0"/>
           </a:p>
@@ -7782,7 +8460,7 @@
 </p:sld>
 </file>
 
-<file path=ppt/slides/slide14.xml><?xml version="1.0" encoding="utf-8"?>
+<file path=ppt/slides/slide17.xml><?xml version="1.0" encoding="utf-8"?>
 <p:sld xmlns:a="http://schemas.openxmlformats.org/drawingml/2006/main" xmlns:r="http://schemas.openxmlformats.org/officeDocument/2006/relationships" xmlns:p="http://schemas.openxmlformats.org/presentationml/2006/main">
   <p:cSld>
     <p:spTree>
@@ -7829,6 +8507,7 @@
               <a:rPr lang="zh-CN" altLang="en-US" dirty="0"/>
               <a:t>谢 谢</a:t>
             </a:r>
+            <a:endParaRPr lang="zh-CN" altLang="en-US" dirty="0"/>
           </a:p>
         </p:txBody>
       </p:sp>
@@ -7859,154 +8538,116 @@
       </p:grpSpPr>
       <p:sp>
         <p:nvSpPr>
-          <p:cNvPr id="2" name="标题 1"/>
-          <p:cNvSpPr>
-            <a:spLocks noGrp="1"/>
-          </p:cNvSpPr>
-          <p:nvPr>
-            <p:ph type="title"/>
-          </p:nvPr>
-        </p:nvSpPr>
-        <p:spPr/>
-        <p:txBody>
-          <a:bodyPr/>
-          <a:lstStyle/>
-          <a:p>
-            <a:r>
-              <a:rPr lang="zh-CN" altLang="en-US"/>
-              <a:t>开场</a:t>
-            </a:r>
-          </a:p>
-        </p:txBody>
-      </p:sp>
-      <p:sp>
-        <p:nvSpPr>
-          <p:cNvPr id="3" name="内容占位符 2"/>
-          <p:cNvSpPr>
-            <a:spLocks noGrp="1"/>
-          </p:cNvSpPr>
-          <p:nvPr>
-            <p:ph idx="1"/>
-          </p:nvPr>
-        </p:nvSpPr>
-        <p:spPr/>
-        <p:txBody>
-          <a:bodyPr/>
-          <a:lstStyle/>
-          <a:p>
-            <a:r>
-              <a:rPr lang="zh-CN" altLang="en-US"/>
-              <a:t>首先 感谢大家主（被）动（动）的放弃大好的周末休息时间。来学习知识                             </a:t>
-            </a:r>
-          </a:p>
-          <a:p>
-            <a:endParaRPr lang="zh-CN" altLang="en-US"/>
-          </a:p>
-          <a:p>
-            <a:endParaRPr lang="zh-CN" altLang="en-US"/>
-          </a:p>
-          <a:p>
-            <a:endParaRPr lang="zh-CN" altLang="en-US"/>
-          </a:p>
-          <a:p>
-            <a:endParaRPr lang="zh-CN" altLang="en-US"/>
-          </a:p>
-          <a:p>
-            <a:endParaRPr lang="zh-CN" altLang="en-US"/>
-          </a:p>
-          <a:p>
-            <a:pPr marL="0" indent="0">
-              <a:buNone/>
-            </a:pPr>
-            <a:r>
-              <a:rPr lang="zh-CN" altLang="en-US"/>
-              <a:t>         </a:t>
-            </a:r>
-          </a:p>
-          <a:p>
-            <a:r>
-              <a:rPr lang="zh-CN" altLang="en-US"/>
-              <a:t> 谢谢大家</a:t>
-            </a:r>
-          </a:p>
-        </p:txBody>
-      </p:sp>
-      <p:sp>
-        <p:nvSpPr>
-          <p:cNvPr id="4" name="日期占位符 3"/>
-          <p:cNvSpPr>
-            <a:spLocks noGrp="1"/>
-          </p:cNvSpPr>
-          <p:nvPr>
-            <p:ph type="dt" sz="half" idx="10"/>
-          </p:nvPr>
-        </p:nvSpPr>
-        <p:spPr/>
-        <p:txBody>
-          <a:bodyPr/>
-          <a:lstStyle/>
-          <a:p>
-            <a:pPr>
-              <a:defRPr/>
-            </a:pPr>
-            <a:fld id="{BDABD382-6269-4314-BED9-F777FF741BD9}" type="datetime1">
-              <a:rPr lang="zh-CN" altLang="en-US"/>
-              <a:t>2020/7/30</a:t>
-            </a:fld>
-            <a:endParaRPr lang="zh-CN" altLang="en-US" dirty="0"/>
-          </a:p>
-        </p:txBody>
-      </p:sp>
-      <p:sp>
-        <p:nvSpPr>
-          <p:cNvPr id="5" name="灯片编号占位符 4"/>
-          <p:cNvSpPr>
-            <a:spLocks noGrp="1"/>
-          </p:cNvSpPr>
-          <p:nvPr>
-            <p:ph type="sldNum" sz="quarter" idx="12"/>
-          </p:nvPr>
-        </p:nvSpPr>
-        <p:spPr/>
-        <p:txBody>
-          <a:bodyPr/>
-          <a:lstStyle/>
-          <a:p>
-            <a:pPr>
-              <a:defRPr/>
-            </a:pPr>
-            <a:fld id="{24CDF228-198A-44C2-BDC3-8F2BB7497790}" type="slidenum">
-              <a:rPr lang="zh-CN" altLang="en-US"/>
-              <a:t>2</a:t>
-            </a:fld>
-            <a:endParaRPr lang="zh-CN" altLang="en-US" dirty="0"/>
-          </a:p>
-        </p:txBody>
-      </p:sp>
-      <p:pic>
-        <p:nvPicPr>
-          <p:cNvPr id="8" name="图片 7"/>
-          <p:cNvPicPr>
-            <a:picLocks noChangeAspect="1"/>
-          </p:cNvPicPr>
+          <p:cNvPr id="15361" name="Text Box 10"/>
+          <p:cNvSpPr txBox="1">
+            <a:spLocks noChangeArrowheads="1"/>
+          </p:cNvSpPr>
           <p:nvPr/>
-        </p:nvPicPr>
-        <p:blipFill>
-          <a:blip r:embed="rId2"/>
-          <a:stretch>
-            <a:fillRect/>
-          </a:stretch>
-        </p:blipFill>
-        <p:spPr>
+        </p:nvSpPr>
+        <p:spPr bwMode="auto">
           <a:xfrm>
-            <a:off x="5330825" y="2790825"/>
-            <a:ext cx="3375660" cy="3517900"/>
+            <a:off x="1691680" y="2852737"/>
+            <a:ext cx="6336704" cy="487680"/>
           </a:xfrm>
           <a:prstGeom prst="rect">
             <a:avLst/>
           </a:prstGeom>
+          <a:noFill/>
+          <a:ln w="9525">
+            <a:noFill/>
+            <a:miter lim="800000"/>
+          </a:ln>
         </p:spPr>
-      </p:pic>
+        <p:txBody>
+          <a:bodyPr wrap="square" lIns="58055" tIns="29028" rIns="58055" bIns="29028">
+            <a:spAutoFit/>
+          </a:bodyPr>
+          <a:lstStyle/>
+          <a:p>
+            <a:pPr defTabSz="1294130"/>
+            <a:r>
+              <a:rPr lang="en-US" altLang="zh-CN" sz="2800" dirty="0">
+                <a:solidFill>
+                  <a:schemeClr val="bg1"/>
+                </a:solidFill>
+                <a:latin typeface="微软雅黑" panose="020B0503020204020204" pitchFamily="34" charset="-122"/>
+                <a:ea typeface="微软雅黑" panose="020B0503020204020204" pitchFamily="34" charset="-122"/>
+              </a:rPr>
+              <a:t>VUE</a:t>
+            </a:r>
+            <a:r>
+              <a:rPr lang="zh-CN" altLang="en-US" sz="2800" dirty="0">
+                <a:solidFill>
+                  <a:schemeClr val="bg1"/>
+                </a:solidFill>
+                <a:latin typeface="微软雅黑" panose="020B0503020204020204" pitchFamily="34" charset="-122"/>
+                <a:ea typeface="微软雅黑" panose="020B0503020204020204" pitchFamily="34" charset="-122"/>
+              </a:rPr>
+              <a:t>培训</a:t>
+            </a:r>
+            <a:endParaRPr lang="zh-CN" altLang="en-US" sz="2800" dirty="0">
+              <a:solidFill>
+                <a:schemeClr val="bg1"/>
+              </a:solidFill>
+              <a:latin typeface="微软雅黑" panose="020B0503020204020204" pitchFamily="34" charset="-122"/>
+              <a:ea typeface="微软雅黑" panose="020B0503020204020204" pitchFamily="34" charset="-122"/>
+            </a:endParaRPr>
+          </a:p>
+        </p:txBody>
+      </p:sp>
+      <p:sp>
+        <p:nvSpPr>
+          <p:cNvPr id="15362" name="Text Box 3"/>
+          <p:cNvSpPr txBox="1">
+            <a:spLocks noChangeArrowheads="1"/>
+          </p:cNvSpPr>
+          <p:nvPr/>
+        </p:nvSpPr>
+        <p:spPr bwMode="auto">
+          <a:xfrm>
+            <a:off x="5307260" y="4941168"/>
+            <a:ext cx="3836740" cy="368300"/>
+          </a:xfrm>
+          <a:prstGeom prst="rect">
+            <a:avLst/>
+          </a:prstGeom>
+          <a:solidFill>
+            <a:schemeClr val="accent1">
+              <a:alpha val="0"/>
+            </a:schemeClr>
+          </a:solidFill>
+          <a:ln w="9525">
+            <a:noFill/>
+            <a:miter lim="800000"/>
+          </a:ln>
+        </p:spPr>
+        <p:txBody>
+          <a:bodyPr wrap="square">
+            <a:spAutoFit/>
+          </a:bodyPr>
+          <a:lstStyle/>
+          <a:p>
+            <a:pPr algn="ctr"/>
+            <a:r>
+              <a:rPr lang="zh-CN" altLang="en-US" sz="1800" dirty="0">
+                <a:solidFill>
+                  <a:schemeClr val="bg1"/>
+                </a:solidFill>
+                <a:latin typeface="微软雅黑" panose="020B0503020204020204" pitchFamily="34" charset="-122"/>
+                <a:ea typeface="微软雅黑" panose="020B0503020204020204" pitchFamily="34" charset="-122"/>
+              </a:rPr>
+              <a:t>何鹏</a:t>
+            </a:r>
+            <a:endParaRPr lang="zh-CN" altLang="en-US" sz="1800" dirty="0">
+              <a:solidFill>
+                <a:schemeClr val="bg1"/>
+              </a:solidFill>
+              <a:latin typeface="微软雅黑" panose="020B0503020204020204" pitchFamily="34" charset="-122"/>
+              <a:ea typeface="微软雅黑" panose="020B0503020204020204" pitchFamily="34" charset="-122"/>
+            </a:endParaRPr>
+          </a:p>
+        </p:txBody>
+      </p:sp>
     </p:spTree>
   </p:cSld>
   <p:clrMapOvr>
@@ -8048,24 +8689,21 @@
           <a:lstStyle/>
           <a:p>
             <a:r>
-              <a:rPr lang="en-US" altLang="zh-CN"/>
-              <a:t>vue</a:t>
-            </a:r>
-            <a:r>
-              <a:rPr lang="zh-CN" altLang="en-US"/>
-              <a:t>知识图谱</a:t>
-            </a:r>
-          </a:p>
-        </p:txBody>
-      </p:sp>
-      <p:sp>
-        <p:nvSpPr>
-          <p:cNvPr id="4" name="日期占位符 3"/>
-          <p:cNvSpPr>
-            <a:spLocks noGrp="1"/>
-          </p:cNvSpPr>
-          <p:nvPr>
-            <p:ph type="dt" sz="half" idx="10"/>
+              <a:rPr lang="zh-CN" altLang="en-US"/>
+              <a:t>开场</a:t>
+            </a:r>
+            <a:endParaRPr lang="zh-CN" altLang="en-US"/>
+          </a:p>
+        </p:txBody>
+      </p:sp>
+      <p:sp>
+        <p:nvSpPr>
+          <p:cNvPr id="3" name="内容占位符 2"/>
+          <p:cNvSpPr>
+            <a:spLocks noGrp="1"/>
+          </p:cNvSpPr>
+          <p:nvPr>
+            <p:ph idx="1"/>
           </p:nvPr>
         </p:nvSpPr>
         <p:spPr/>
@@ -8073,12 +8711,66 @@
           <a:bodyPr/>
           <a:lstStyle/>
           <a:p>
+            <a:r>
+              <a:rPr lang="zh-CN" altLang="en-US"/>
+              <a:t>首先 感谢大家主（被）动（动）的放弃大好的周末休息时间。来学习知识                             </a:t>
+            </a:r>
+            <a:endParaRPr lang="zh-CN" altLang="en-US"/>
+          </a:p>
+          <a:p>
+            <a:endParaRPr lang="zh-CN" altLang="en-US"/>
+          </a:p>
+          <a:p>
+            <a:endParaRPr lang="zh-CN" altLang="en-US"/>
+          </a:p>
+          <a:p>
+            <a:endParaRPr lang="zh-CN" altLang="en-US"/>
+          </a:p>
+          <a:p>
+            <a:endParaRPr lang="zh-CN" altLang="en-US"/>
+          </a:p>
+          <a:p>
+            <a:endParaRPr lang="zh-CN" altLang="en-US"/>
+          </a:p>
+          <a:p>
+            <a:pPr marL="0" indent="0">
+              <a:buNone/>
+            </a:pPr>
+            <a:r>
+              <a:rPr lang="zh-CN" altLang="en-US"/>
+              <a:t>         </a:t>
+            </a:r>
+            <a:endParaRPr lang="zh-CN" altLang="en-US"/>
+          </a:p>
+          <a:p>
+            <a:r>
+              <a:rPr lang="zh-CN" altLang="en-US"/>
+              <a:t> 谢谢大家</a:t>
+            </a:r>
+            <a:endParaRPr lang="zh-CN" altLang="en-US"/>
+          </a:p>
+        </p:txBody>
+      </p:sp>
+      <p:sp>
+        <p:nvSpPr>
+          <p:cNvPr id="4" name="日期占位符 3"/>
+          <p:cNvSpPr>
+            <a:spLocks noGrp="1"/>
+          </p:cNvSpPr>
+          <p:nvPr>
+            <p:ph type="dt" sz="half" idx="10"/>
+          </p:nvPr>
+        </p:nvSpPr>
+        <p:spPr/>
+        <p:txBody>
+          <a:bodyPr/>
+          <a:lstStyle/>
+          <a:p>
             <a:pPr>
               <a:defRPr/>
             </a:pPr>
             <a:fld id="{BDABD382-6269-4314-BED9-F777FF741BD9}" type="datetime1">
               <a:rPr lang="zh-CN" altLang="en-US"/>
-              <a:t>2020/7/30</a:t>
             </a:fld>
             <a:endParaRPr lang="zh-CN" altLang="en-US" dirty="0"/>
           </a:p>
@@ -8104,7 +8796,6 @@
             </a:pPr>
             <a:fld id="{24CDF228-198A-44C2-BDC3-8F2BB7497790}" type="slidenum">
               <a:rPr lang="zh-CN" altLang="en-US"/>
-              <a:t>3</a:t>
             </a:fld>
             <a:endParaRPr lang="zh-CN" altLang="en-US" dirty="0"/>
           </a:p>
@@ -8112,24 +8803,22 @@
       </p:sp>
       <p:pic>
         <p:nvPicPr>
-          <p:cNvPr id="6" name="内容占位符 5"/>
+          <p:cNvPr id="8" name="图片 7"/>
           <p:cNvPicPr>
-            <a:picLocks noGrp="1" noChangeAspect="1"/>
+            <a:picLocks noChangeAspect="1"/>
           </p:cNvPicPr>
-          <p:nvPr>
-            <p:ph idx="1"/>
-          </p:nvPr>
+          <p:nvPr/>
         </p:nvPicPr>
         <p:blipFill>
-          <a:blip r:embed="rId2"/>
+          <a:blip r:embed="rId1"/>
           <a:stretch>
             <a:fillRect/>
           </a:stretch>
         </p:blipFill>
         <p:spPr>
           <a:xfrm>
-            <a:off x="719455" y="1227455"/>
-            <a:ext cx="7848600" cy="4832985"/>
+            <a:off x="5330825" y="2790825"/>
+            <a:ext cx="3375660" cy="3517900"/>
           </a:xfrm>
           <a:prstGeom prst="rect">
             <a:avLst/>
@@ -8153,14 +8842,7 @@
         <p:cNvGrpSpPr/>
         <p:nvPr/>
       </p:nvGrpSpPr>
-      <p:grpSpPr>
-        <a:xfrm>
-          <a:off x="0" y="0"/>
-          <a:ext cx="0" cy="0"/>
-          <a:chOff x="0" y="0"/>
-          <a:chExt cx="0" cy="0"/>
-        </a:xfrm>
-      </p:grpSpPr>
+      <p:grpSpPr/>
       <p:sp>
         <p:nvSpPr>
           <p:cNvPr id="2" name="标题 1"/>
@@ -8174,169 +8856,89 @@
         <p:spPr/>
         <p:txBody>
           <a:bodyPr/>
-          <a:lstStyle/>
-          <a:p>
-            <a:r>
-              <a:rPr lang="zh-CN" altLang="en-US"/>
-              <a:t>通过培训 能提升什么</a:t>
-            </a:r>
-          </a:p>
-        </p:txBody>
-      </p:sp>
-      <p:sp>
-        <p:nvSpPr>
-          <p:cNvPr id="3" name="内容占位符 2"/>
-          <p:cNvSpPr>
-            <a:spLocks noGrp="1"/>
-          </p:cNvSpPr>
+          <a:p>
+            <a:r>
+              <a:rPr lang="zh-CN" altLang="en-US"/>
+              <a:t>前端发展史</a:t>
+            </a:r>
+            <a:endParaRPr lang="zh-CN" altLang="en-US"/>
+          </a:p>
+        </p:txBody>
+      </p:sp>
+      <p:sp>
+        <p:nvSpPr>
+          <p:cNvPr id="4" name="日期占位符 3"/>
+          <p:cNvSpPr>
+            <a:spLocks noGrp="1"/>
+          </p:cNvSpPr>
+          <p:nvPr>
+            <p:ph type="dt" sz="half" idx="10"/>
+          </p:nvPr>
+        </p:nvSpPr>
+        <p:spPr/>
+        <p:txBody>
+          <a:bodyPr/>
+          <a:p>
+            <a:pPr>
+              <a:defRPr/>
+            </a:pPr>
+            <a:fld id="{BDABD382-6269-4314-BED9-F777FF741BD9}" type="datetime1">
+              <a:rPr lang="zh-CN" altLang="en-US"/>
+            </a:fld>
+            <a:endParaRPr lang="zh-CN" altLang="en-US" dirty="0"/>
+          </a:p>
+        </p:txBody>
+      </p:sp>
+      <p:sp>
+        <p:nvSpPr>
+          <p:cNvPr id="5" name="灯片编号占位符 4"/>
+          <p:cNvSpPr>
+            <a:spLocks noGrp="1"/>
+          </p:cNvSpPr>
+          <p:nvPr>
+            <p:ph type="sldNum" sz="quarter" idx="12"/>
+          </p:nvPr>
+        </p:nvSpPr>
+        <p:spPr/>
+        <p:txBody>
+          <a:bodyPr/>
+          <a:p>
+            <a:pPr>
+              <a:defRPr/>
+            </a:pPr>
+            <a:fld id="{24CDF228-198A-44C2-BDC3-8F2BB7497790}" type="slidenum">
+              <a:rPr lang="zh-CN" altLang="en-US"/>
+            </a:fld>
+            <a:endParaRPr lang="zh-CN" altLang="en-US" dirty="0"/>
+          </a:p>
+        </p:txBody>
+      </p:sp>
+      <p:pic>
+        <p:nvPicPr>
+          <p:cNvPr id="6" name="内容占位符 5"/>
+          <p:cNvPicPr>
+            <a:picLocks noChangeAspect="1"/>
+          </p:cNvPicPr>
           <p:nvPr>
             <p:ph idx="1"/>
           </p:nvPr>
-        </p:nvSpPr>
+        </p:nvPicPr>
+        <p:blipFill>
+          <a:blip r:embed="rId1"/>
+          <a:stretch>
+            <a:fillRect/>
+          </a:stretch>
+        </p:blipFill>
         <p:spPr>
           <a:xfrm>
-            <a:off x="719572" y="908973"/>
-            <a:ext cx="7848872" cy="5328592"/>
+            <a:off x="2078355" y="980440"/>
+            <a:ext cx="5130165" cy="5328285"/>
           </a:xfrm>
+          <a:prstGeom prst="rect">
+            <a:avLst/>
+          </a:prstGeom>
         </p:spPr>
-        <p:txBody>
-          <a:bodyPr/>
-          <a:lstStyle/>
-          <a:p>
-            <a:r>
-              <a:rPr lang="zh-CN" altLang="en-US">
-                <a:sym typeface="+mn-ea"/>
-              </a:rPr>
-              <a:t>了解前端项目结构</a:t>
-            </a:r>
-          </a:p>
-          <a:p>
-            <a:r>
-              <a:rPr lang="zh-CN" altLang="en-US">
-                <a:sym typeface="+mn-ea"/>
-              </a:rPr>
-              <a:t>可尝试修改</a:t>
-            </a:r>
-            <a:r>
-              <a:rPr lang="en-US" altLang="zh-CN">
-                <a:sym typeface="+mn-ea"/>
-              </a:rPr>
-              <a:t>&amp;</a:t>
-            </a:r>
-            <a:r>
-              <a:rPr lang="zh-CN" altLang="en-US">
-                <a:sym typeface="+mn-ea"/>
-              </a:rPr>
-              <a:t>开发前端模块</a:t>
-            </a:r>
-          </a:p>
-          <a:p>
-            <a:r>
-              <a:rPr lang="zh-CN" altLang="en-US">
-                <a:sym typeface="+mn-ea"/>
-              </a:rPr>
-              <a:t>了解组件化</a:t>
-            </a:r>
-          </a:p>
-          <a:p>
-            <a:r>
-              <a:rPr lang="zh-CN" altLang="en-US">
-                <a:sym typeface="+mn-ea"/>
-              </a:rPr>
-              <a:t>修改问题能快速定位源代码</a:t>
-            </a:r>
-          </a:p>
-          <a:p>
-            <a:r>
-              <a:rPr lang="en-US" altLang="zh-CN">
-                <a:sym typeface="+mn-ea"/>
-              </a:rPr>
-              <a:t>LESS</a:t>
-            </a:r>
-          </a:p>
-          <a:p>
-            <a:r>
-              <a:rPr lang="zh-CN" altLang="en-US">
-                <a:sym typeface="+mn-ea"/>
-              </a:rPr>
-              <a:t>基础</a:t>
-            </a:r>
-            <a:r>
-              <a:rPr lang="en-US" altLang="zh-CN">
-                <a:sym typeface="+mn-ea"/>
-              </a:rPr>
-              <a:t>vue</a:t>
-            </a:r>
-            <a:r>
-              <a:rPr lang="zh-CN" altLang="en-US">
-                <a:sym typeface="+mn-ea"/>
-              </a:rPr>
-              <a:t>指令</a:t>
-            </a:r>
-          </a:p>
-          <a:p>
-            <a:pPr marL="0" indent="0">
-              <a:buNone/>
-            </a:pPr>
-            <a:endParaRPr lang="zh-CN" altLang="en-US"/>
-          </a:p>
-          <a:p>
-            <a:endParaRPr lang="zh-CN" altLang="en-US"/>
-          </a:p>
-        </p:txBody>
-      </p:sp>
-      <p:sp>
-        <p:nvSpPr>
-          <p:cNvPr id="4" name="日期占位符 3"/>
-          <p:cNvSpPr>
-            <a:spLocks noGrp="1"/>
-          </p:cNvSpPr>
-          <p:nvPr>
-            <p:ph type="dt" sz="half" idx="10"/>
-          </p:nvPr>
-        </p:nvSpPr>
-        <p:spPr/>
-        <p:txBody>
-          <a:bodyPr/>
-          <a:lstStyle/>
-          <a:p>
-            <a:pPr>
-              <a:defRPr/>
-            </a:pPr>
-            <a:fld id="{BDABD382-6269-4314-BED9-F777FF741BD9}" type="datetime1">
-              <a:rPr lang="zh-CN" altLang="en-US"/>
-              <a:t>2020/7/30</a:t>
-            </a:fld>
-            <a:endParaRPr lang="zh-CN" altLang="en-US" dirty="0"/>
-          </a:p>
-        </p:txBody>
-      </p:sp>
-      <p:sp>
-        <p:nvSpPr>
-          <p:cNvPr id="5" name="灯片编号占位符 4"/>
-          <p:cNvSpPr>
-            <a:spLocks noGrp="1"/>
-          </p:cNvSpPr>
-          <p:nvPr>
-            <p:ph type="sldNum" sz="quarter" idx="12"/>
-          </p:nvPr>
-        </p:nvSpPr>
-        <p:spPr/>
-        <p:txBody>
-          <a:bodyPr/>
-          <a:lstStyle/>
-          <a:p>
-            <a:pPr>
-              <a:defRPr/>
-            </a:pPr>
-            <a:fld id="{24CDF228-198A-44C2-BDC3-8F2BB7497790}" type="slidenum">
-              <a:rPr lang="zh-CN" altLang="en-US"/>
-              <a:t>4</a:t>
-            </a:fld>
-            <a:endParaRPr lang="zh-CN" altLang="en-US" dirty="0"/>
-          </a:p>
-        </p:txBody>
-      </p:sp>
+      </p:pic>
     </p:spTree>
   </p:cSld>
   <p:clrMapOvr>
@@ -8378,20 +8980,25 @@
           <a:lstStyle/>
           <a:p>
             <a:r>
-              <a:rPr lang="zh-CN" altLang="en-US"/>
-              <a:t>一个前端项目都需要什么</a:t>
-            </a:r>
-          </a:p>
-        </p:txBody>
-      </p:sp>
-      <p:sp>
-        <p:nvSpPr>
-          <p:cNvPr id="3" name="内容占位符 2"/>
-          <p:cNvSpPr>
-            <a:spLocks noGrp="1"/>
-          </p:cNvSpPr>
-          <p:nvPr>
-            <p:ph idx="1"/>
+              <a:rPr lang="en-US" altLang="zh-CN"/>
+              <a:t>vue</a:t>
+            </a:r>
+            <a:r>
+              <a:rPr lang="zh-CN" altLang="en-US"/>
+              <a:t>知识图谱</a:t>
+            </a:r>
+            <a:endParaRPr lang="zh-CN" altLang="en-US"/>
+          </a:p>
+        </p:txBody>
+      </p:sp>
+      <p:sp>
+        <p:nvSpPr>
+          <p:cNvPr id="4" name="日期占位符 3"/>
+          <p:cNvSpPr>
+            <a:spLocks noGrp="1"/>
+          </p:cNvSpPr>
+          <p:nvPr>
+            <p:ph type="dt" sz="half" idx="10"/>
           </p:nvPr>
         </p:nvSpPr>
         <p:spPr/>
@@ -8399,447 +9006,24 @@
           <a:bodyPr/>
           <a:lstStyle/>
           <a:p>
-            <a:pPr algn="l" eaLnBrk="1" hangingPunct="1">
-              <a:lnSpc>
-                <a:spcPct val="150000"/>
-              </a:lnSpc>
-            </a:pPr>
-            <a:r>
-              <a:rPr altLang="zh-CN" sz="1200">
-                <a:solidFill>
-                  <a:schemeClr val="tx1"/>
-                </a:solidFill>
-                <a:effectLst>
-                  <a:outerShdw blurRad="38100" dist="38100" dir="2700000" algn="tl">
-                    <a:srgbClr val="C0C0C0"/>
-                  </a:outerShdw>
-                </a:effectLst>
-                <a:sym typeface="+mn-ea"/>
-              </a:rPr>
-              <a:t>vue.js 核心，不解释。</a:t>
-            </a:r>
-            <a:endParaRPr altLang="zh-CN" sz="1200" noProof="1">
-              <a:solidFill>
-                <a:schemeClr val="tx1"/>
-              </a:solidFill>
-              <a:effectLst>
-                <a:outerShdw blurRad="38100" dist="38100" dir="2700000" algn="tl">
-                  <a:srgbClr val="C0C0C0"/>
-                </a:outerShdw>
-              </a:effectLst>
-            </a:endParaRPr>
-          </a:p>
-          <a:p>
-            <a:pPr algn="l" eaLnBrk="1" hangingPunct="1">
-              <a:lnSpc>
-                <a:spcPct val="150000"/>
-              </a:lnSpc>
-            </a:pPr>
-            <a:r>
-              <a:rPr altLang="zh-CN" sz="1200">
-                <a:solidFill>
-                  <a:schemeClr val="tx1"/>
-                </a:solidFill>
-                <a:effectLst>
-                  <a:outerShdw blurRad="38100" dist="38100" dir="2700000" algn="tl">
-                    <a:srgbClr val="C0C0C0"/>
-                  </a:outerShdw>
-                </a:effectLst>
-                <a:sym typeface="+mn-ea"/>
-              </a:rPr>
-              <a:t>VueRouter2 实现路由组织工具。</a:t>
-            </a:r>
-            <a:endParaRPr altLang="zh-CN" sz="1200" noProof="1">
-              <a:solidFill>
-                <a:schemeClr val="tx1"/>
-              </a:solidFill>
-              <a:effectLst>
-                <a:outerShdw blurRad="38100" dist="38100" dir="2700000" algn="tl">
-                  <a:srgbClr val="C0C0C0"/>
-                </a:outerShdw>
-              </a:effectLst>
-            </a:endParaRPr>
-          </a:p>
-          <a:p>
-            <a:pPr algn="l" eaLnBrk="1" hangingPunct="1">
-              <a:lnSpc>
-                <a:spcPct val="150000"/>
-              </a:lnSpc>
-            </a:pPr>
-            <a:r>
-              <a:rPr altLang="zh-CN" sz="1200">
-                <a:solidFill>
-                  <a:schemeClr val="tx1"/>
-                </a:solidFill>
-                <a:effectLst>
-                  <a:outerShdw blurRad="38100" dist="38100" dir="2700000" algn="tl">
-                    <a:srgbClr val="C0C0C0"/>
-                  </a:outerShdw>
-                </a:effectLst>
-                <a:sym typeface="+mn-ea"/>
-              </a:rPr>
-              <a:t>webpack 项目打包以及编译工具。</a:t>
-            </a:r>
-            <a:endParaRPr altLang="zh-CN" sz="1200" noProof="1">
-              <a:solidFill>
-                <a:schemeClr val="tx1"/>
-              </a:solidFill>
-              <a:effectLst>
-                <a:outerShdw blurRad="38100" dist="38100" dir="2700000" algn="tl">
-                  <a:srgbClr val="C0C0C0"/>
-                </a:outerShdw>
-              </a:effectLst>
-            </a:endParaRPr>
-          </a:p>
-          <a:p>
-            <a:pPr algn="l" eaLnBrk="1" hangingPunct="1">
-              <a:lnSpc>
-                <a:spcPct val="150000"/>
-              </a:lnSpc>
-            </a:pPr>
-            <a:r>
-              <a:rPr altLang="zh-CN" sz="1200">
-                <a:solidFill>
-                  <a:schemeClr val="tx1"/>
-                </a:solidFill>
-                <a:effectLst>
-                  <a:outerShdw blurRad="38100" dist="38100" dir="2700000" algn="tl">
-                    <a:srgbClr val="C0C0C0"/>
-                  </a:outerShdw>
-                </a:effectLst>
-                <a:sym typeface="+mn-ea"/>
-              </a:rPr>
-              <a:t>nodejs 前端开发环境。</a:t>
-            </a:r>
-            <a:endParaRPr altLang="zh-CN" sz="1200" noProof="1">
-              <a:solidFill>
-                <a:schemeClr val="tx1"/>
-              </a:solidFill>
-              <a:effectLst>
-                <a:outerShdw blurRad="38100" dist="38100" dir="2700000" algn="tl">
-                  <a:srgbClr val="C0C0C0"/>
-                </a:outerShdw>
-              </a:effectLst>
-            </a:endParaRPr>
-          </a:p>
-          <a:p>
-            <a:pPr algn="l" eaLnBrk="1" hangingPunct="1">
-              <a:lnSpc>
-                <a:spcPct val="150000"/>
-              </a:lnSpc>
-            </a:pPr>
-            <a:r>
-              <a:rPr altLang="zh-CN" sz="1200">
-                <a:solidFill>
-                  <a:schemeClr val="tx1"/>
-                </a:solidFill>
-                <a:effectLst>
-                  <a:outerShdw blurRad="38100" dist="38100" dir="2700000" algn="tl">
-                    <a:srgbClr val="C0C0C0"/>
-                  </a:outerShdw>
-                </a:effectLst>
-                <a:sym typeface="+mn-ea"/>
-              </a:rPr>
-              <a:t>npm 前端包管理器。</a:t>
-            </a:r>
-            <a:endParaRPr altLang="zh-CN" sz="1200" noProof="1">
-              <a:solidFill>
-                <a:schemeClr val="tx1"/>
-              </a:solidFill>
-              <a:effectLst>
-                <a:outerShdw blurRad="38100" dist="38100" dir="2700000" algn="tl">
-                  <a:srgbClr val="C0C0C0"/>
-                </a:outerShdw>
-              </a:effectLst>
-            </a:endParaRPr>
-          </a:p>
-          <a:p>
-            <a:pPr algn="l" eaLnBrk="1" hangingPunct="1">
-              <a:lnSpc>
-                <a:spcPct val="150000"/>
-              </a:lnSpc>
-            </a:pPr>
-            <a:r>
-              <a:rPr altLang="zh-CN" sz="1200">
-                <a:solidFill>
-                  <a:schemeClr val="tx1"/>
-                </a:solidFill>
-                <a:effectLst>
-                  <a:outerShdw blurRad="38100" dist="38100" dir="2700000" algn="tl">
-                    <a:srgbClr val="C0C0C0"/>
-                  </a:outerShdw>
-                </a:effectLst>
-                <a:sym typeface="+mn-ea"/>
-              </a:rPr>
-              <a:t>axios ajax  </a:t>
-            </a:r>
-            <a:r>
-              <a:rPr lang="en-US" sz="1200">
-                <a:solidFill>
-                  <a:schemeClr val="tx1"/>
-                </a:solidFill>
-                <a:effectLst>
-                  <a:outerShdw blurRad="38100" dist="38100" dir="2700000" algn="tl">
-                    <a:srgbClr val="C0C0C0"/>
-                  </a:outerShdw>
-                </a:effectLst>
-                <a:sym typeface="+mn-ea"/>
-              </a:rPr>
-              <a:t>fetch $http </a:t>
-            </a:r>
-            <a:r>
-              <a:rPr altLang="zh-CN" sz="1200">
-                <a:solidFill>
-                  <a:schemeClr val="tx1"/>
-                </a:solidFill>
-                <a:effectLst>
-                  <a:outerShdw blurRad="38100" dist="38100" dir="2700000" algn="tl">
-                    <a:srgbClr val="C0C0C0"/>
-                  </a:outerShdw>
-                </a:effectLst>
-                <a:sym typeface="+mn-ea"/>
-              </a:rPr>
-              <a:t>接口请求工具。</a:t>
-            </a:r>
-            <a:endParaRPr altLang="zh-CN" sz="1200" noProof="1">
-              <a:solidFill>
-                <a:schemeClr val="tx1"/>
-              </a:solidFill>
-              <a:effectLst>
-                <a:outerShdw blurRad="38100" dist="38100" dir="2700000" algn="tl">
-                  <a:srgbClr val="C0C0C0"/>
-                </a:outerShdw>
-              </a:effectLst>
-            </a:endParaRPr>
-          </a:p>
-          <a:p>
-            <a:pPr algn="l" eaLnBrk="1" hangingPunct="1">
-              <a:lnSpc>
-                <a:spcPct val="150000"/>
-              </a:lnSpc>
-            </a:pPr>
-            <a:r>
-              <a:rPr altLang="zh-CN" sz="1200">
-                <a:solidFill>
-                  <a:schemeClr val="tx1"/>
-                </a:solidFill>
-                <a:effectLst>
-                  <a:outerShdw blurRad="38100" dist="38100" dir="2700000" algn="tl">
-                    <a:srgbClr val="C0C0C0"/>
-                  </a:outerShdw>
-                </a:effectLst>
-                <a:sym typeface="+mn-ea"/>
-              </a:rPr>
-              <a:t>sass </a:t>
-            </a:r>
-            <a:r>
-              <a:rPr lang="zh-CN" sz="1200">
-                <a:solidFill>
-                  <a:schemeClr val="tx1"/>
-                </a:solidFill>
-                <a:effectLst>
-                  <a:outerShdw blurRad="38100" dist="38100" dir="2700000" algn="tl">
-                    <a:srgbClr val="C0C0C0"/>
-                  </a:outerShdw>
-                </a:effectLst>
-                <a:sym typeface="+mn-ea"/>
-              </a:rPr>
-              <a:t>或</a:t>
-            </a:r>
-            <a:r>
-              <a:rPr altLang="zh-CN" sz="1200">
-                <a:solidFill>
-                  <a:schemeClr val="tx1"/>
-                </a:solidFill>
-                <a:effectLst>
-                  <a:outerShdw blurRad="38100" dist="38100" dir="2700000" algn="tl">
-                    <a:srgbClr val="C0C0C0"/>
-                  </a:outerShdw>
-                </a:effectLst>
-                <a:sym typeface="+mn-ea"/>
-              </a:rPr>
-              <a:t> </a:t>
-            </a:r>
-            <a:r>
-              <a:rPr lang="en-US" altLang="x-none" sz="1200" dirty="0">
-                <a:solidFill>
-                  <a:schemeClr val="tx1"/>
-                </a:solidFill>
-                <a:effectLst>
-                  <a:outerShdw blurRad="38100" dist="38100" dir="2700000" algn="tl">
-                    <a:srgbClr val="C0C0C0"/>
-                  </a:outerShdw>
-                </a:effectLst>
-                <a:sym typeface="+mn-ea"/>
-              </a:rPr>
-              <a:t>less</a:t>
-            </a:r>
-            <a:r>
-              <a:rPr altLang="zh-CN" sz="1200">
-                <a:solidFill>
-                  <a:schemeClr val="tx1"/>
-                </a:solidFill>
-                <a:effectLst>
-                  <a:outerShdw blurRad="38100" dist="38100" dir="2700000" algn="tl">
-                    <a:srgbClr val="C0C0C0"/>
-                  </a:outerShdw>
-                </a:effectLst>
-                <a:sym typeface="+mn-ea"/>
-              </a:rPr>
-              <a:t> css 预处理。</a:t>
-            </a:r>
-            <a:endParaRPr altLang="zh-CN" sz="1200" noProof="1">
-              <a:solidFill>
-                <a:schemeClr val="tx1"/>
-              </a:solidFill>
-              <a:effectLst>
-                <a:outerShdw blurRad="38100" dist="38100" dir="2700000" algn="tl">
-                  <a:srgbClr val="C0C0C0"/>
-                </a:outerShdw>
-              </a:effectLst>
-            </a:endParaRPr>
-          </a:p>
-          <a:p>
-            <a:pPr algn="l" eaLnBrk="1" hangingPunct="1">
-              <a:lnSpc>
-                <a:spcPct val="150000"/>
-              </a:lnSpc>
-            </a:pPr>
-            <a:r>
-              <a:rPr altLang="zh-CN" sz="1200">
-                <a:solidFill>
-                  <a:schemeClr val="tx1"/>
-                </a:solidFill>
-                <a:effectLst>
-                  <a:outerShdw blurRad="38100" dist="38100" dir="2700000" algn="tl">
-                    <a:srgbClr val="C0C0C0"/>
-                  </a:outerShdw>
-                </a:effectLst>
-                <a:sym typeface="+mn-ea"/>
-              </a:rPr>
-              <a:t>element 基于 vue 的后台组件库。</a:t>
-            </a:r>
-          </a:p>
-          <a:p>
-            <a:pPr algn="l" eaLnBrk="1" hangingPunct="1">
-              <a:lnSpc>
-                <a:spcPct val="150000"/>
-              </a:lnSpc>
-            </a:pPr>
-            <a:r>
-              <a:rPr lang="en-US" sz="1200">
-                <a:solidFill>
-                  <a:schemeClr val="tx1"/>
-                </a:solidFill>
-                <a:effectLst>
-                  <a:outerShdw blurRad="38100" dist="38100" dir="2700000" algn="tl">
-                    <a:srgbClr val="C0C0C0"/>
-                  </a:outerShdw>
-                </a:effectLst>
-                <a:sym typeface="+mn-ea"/>
-              </a:rPr>
-              <a:t>antD </a:t>
-            </a:r>
-            <a:r>
-              <a:rPr lang="zh-CN" altLang="en-US" sz="1200">
-                <a:solidFill>
-                  <a:schemeClr val="tx1"/>
-                </a:solidFill>
-                <a:effectLst>
-                  <a:outerShdw blurRad="38100" dist="38100" dir="2700000" algn="tl">
-                    <a:srgbClr val="C0C0C0"/>
-                  </a:outerShdw>
-                </a:effectLst>
-                <a:sym typeface="+mn-ea"/>
-              </a:rPr>
-              <a:t>同上</a:t>
-            </a:r>
-            <a:endParaRPr altLang="zh-CN" sz="1200" noProof="1">
-              <a:solidFill>
-                <a:schemeClr val="tx1"/>
-              </a:solidFill>
-              <a:effectLst>
-                <a:outerShdw blurRad="38100" dist="38100" dir="2700000" algn="tl">
-                  <a:srgbClr val="C0C0C0"/>
-                </a:outerShdw>
-              </a:effectLst>
-            </a:endParaRPr>
-          </a:p>
-          <a:p>
-            <a:pPr algn="l" eaLnBrk="1" hangingPunct="1">
-              <a:lnSpc>
-                <a:spcPct val="150000"/>
-              </a:lnSpc>
-            </a:pPr>
-            <a:r>
-              <a:rPr altLang="zh-CN" sz="1200">
-                <a:solidFill>
-                  <a:schemeClr val="tx1"/>
-                </a:solidFill>
-                <a:effectLst>
-                  <a:outerShdw blurRad="38100" dist="38100" dir="2700000" algn="tl">
-                    <a:srgbClr val="C0C0C0"/>
-                  </a:outerShdw>
-                </a:effectLst>
-                <a:sym typeface="+mn-ea"/>
-              </a:rPr>
-              <a:t>iview 基于 vue 的另一套后台组件库。</a:t>
-            </a:r>
-            <a:endParaRPr altLang="zh-CN" sz="1200" noProof="1">
-              <a:solidFill>
-                <a:schemeClr val="tx1"/>
-              </a:solidFill>
-              <a:effectLst>
-                <a:outerShdw blurRad="38100" dist="38100" dir="2700000" algn="tl">
-                  <a:srgbClr val="C0C0C0"/>
-                </a:outerShdw>
-              </a:effectLst>
-            </a:endParaRPr>
-          </a:p>
-          <a:p>
-            <a:pPr algn="l" eaLnBrk="1" hangingPunct="1">
-              <a:lnSpc>
-                <a:spcPct val="150000"/>
-              </a:lnSpc>
-            </a:pPr>
-            <a:r>
-              <a:rPr altLang="zh-CN" sz="1200">
-                <a:solidFill>
-                  <a:schemeClr val="tx1"/>
-                </a:solidFill>
-                <a:effectLst>
-                  <a:outerShdw blurRad="38100" dist="38100" dir="2700000" algn="tl">
-                    <a:srgbClr val="C0C0C0"/>
-                  </a:outerShdw>
-                </a:effectLst>
-                <a:sym typeface="+mn-ea"/>
-              </a:rPr>
-              <a:t>vue-cli vue 项目脚手架。一键安装 vue 全家桶的工具。</a:t>
-            </a:r>
-            <a:endParaRPr altLang="zh-CN" sz="1200" noProof="1">
-              <a:solidFill>
-                <a:schemeClr val="tx1"/>
-              </a:solidFill>
-              <a:effectLst>
-                <a:outerShdw blurRad="38100" dist="38100" dir="2700000" algn="tl">
-                  <a:srgbClr val="C0C0C0"/>
-                </a:outerShdw>
-              </a:effectLst>
-            </a:endParaRPr>
-          </a:p>
-          <a:p>
-            <a:endParaRPr lang="zh-CN" altLang="en-US" sz="1200"/>
-          </a:p>
-        </p:txBody>
-      </p:sp>
-      <p:sp>
-        <p:nvSpPr>
-          <p:cNvPr id="4" name="日期占位符 3"/>
-          <p:cNvSpPr>
-            <a:spLocks noGrp="1"/>
-          </p:cNvSpPr>
-          <p:nvPr>
-            <p:ph type="dt" sz="half" idx="10"/>
+            <a:pPr>
+              <a:defRPr/>
+            </a:pPr>
+            <a:fld id="{BDABD382-6269-4314-BED9-F777FF741BD9}" type="datetime1">
+              <a:rPr lang="zh-CN" altLang="en-US"/>
+            </a:fld>
+            <a:endParaRPr lang="zh-CN" altLang="en-US" dirty="0"/>
+          </a:p>
+        </p:txBody>
+      </p:sp>
+      <p:sp>
+        <p:nvSpPr>
+          <p:cNvPr id="5" name="灯片编号占位符 4"/>
+          <p:cNvSpPr>
+            <a:spLocks noGrp="1"/>
+          </p:cNvSpPr>
+          <p:nvPr>
+            <p:ph type="sldNum" sz="quarter" idx="12"/>
           </p:nvPr>
         </p:nvSpPr>
         <p:spPr/>
@@ -8850,40 +9034,39 @@
             <a:pPr>
               <a:defRPr/>
             </a:pPr>
-            <a:fld id="{BDABD382-6269-4314-BED9-F777FF741BD9}" type="datetime1">
-              <a:rPr lang="zh-CN" altLang="en-US"/>
-              <a:t>2020/7/30</a:t>
+            <a:fld id="{24CDF228-198A-44C2-BDC3-8F2BB7497790}" type="slidenum">
+              <a:rPr lang="zh-CN" altLang="en-US"/>
             </a:fld>
             <a:endParaRPr lang="zh-CN" altLang="en-US" dirty="0"/>
           </a:p>
         </p:txBody>
       </p:sp>
-      <p:sp>
-        <p:nvSpPr>
-          <p:cNvPr id="5" name="灯片编号占位符 4"/>
-          <p:cNvSpPr>
-            <a:spLocks noGrp="1"/>
-          </p:cNvSpPr>
-          <p:nvPr>
-            <p:ph type="sldNum" sz="quarter" idx="12"/>
-          </p:nvPr>
-        </p:nvSpPr>
-        <p:spPr/>
-        <p:txBody>
-          <a:bodyPr/>
-          <a:lstStyle/>
-          <a:p>
-            <a:pPr>
-              <a:defRPr/>
-            </a:pPr>
-            <a:fld id="{24CDF228-198A-44C2-BDC3-8F2BB7497790}" type="slidenum">
-              <a:rPr lang="zh-CN" altLang="en-US"/>
-              <a:t>5</a:t>
-            </a:fld>
-            <a:endParaRPr lang="zh-CN" altLang="en-US" dirty="0"/>
-          </a:p>
-        </p:txBody>
-      </p:sp>
+      <p:pic>
+        <p:nvPicPr>
+          <p:cNvPr id="6" name="内容占位符 5"/>
+          <p:cNvPicPr>
+            <a:picLocks noGrp="1" noChangeAspect="1"/>
+          </p:cNvPicPr>
+          <p:nvPr>
+            <p:ph idx="1"/>
+          </p:nvPr>
+        </p:nvPicPr>
+        <p:blipFill>
+          <a:blip r:embed="rId1"/>
+          <a:stretch>
+            <a:fillRect/>
+          </a:stretch>
+        </p:blipFill>
+        <p:spPr>
+          <a:xfrm>
+            <a:off x="719455" y="1227455"/>
+            <a:ext cx="7848600" cy="4832985"/>
+          </a:xfrm>
+          <a:prstGeom prst="rect">
+            <a:avLst/>
+          </a:prstGeom>
+        </p:spPr>
+      </p:pic>
     </p:spTree>
   </p:cSld>
   <p:clrMapOvr>
@@ -8926,8 +9109,9 @@
           <a:p>
             <a:r>
               <a:rPr lang="zh-CN" altLang="en-US"/>
-              <a:t>我需要掌握什么</a:t>
-            </a:r>
+              <a:t>通过培训 能提升什么</a:t>
+            </a:r>
+            <a:endParaRPr lang="zh-CN" altLang="en-US"/>
           </a:p>
         </p:txBody>
       </p:sp>
@@ -8941,177 +9125,113 @@
             <p:ph idx="1"/>
           </p:nvPr>
         </p:nvSpPr>
-        <p:spPr/>
+        <p:spPr>
+          <a:xfrm>
+            <a:off x="719572" y="908973"/>
+            <a:ext cx="7848872" cy="5328592"/>
+          </a:xfrm>
+        </p:spPr>
         <p:txBody>
           <a:bodyPr/>
           <a:lstStyle/>
           <a:p>
-            <a:pPr eaLnBrk="1" hangingPunct="1">
-              <a:lnSpc>
-                <a:spcPct val="150000"/>
-              </a:lnSpc>
-              <a:spcBef>
-                <a:spcPts val="300"/>
-              </a:spcBef>
-              <a:buClr>
-                <a:srgbClr val="00479D"/>
-              </a:buClr>
-              <a:buSzPct val="60000"/>
-              <a:buFont typeface="Wingdings" panose="05000000000000000000" pitchFamily="2" charset="2"/>
+            <a:r>
+              <a:rPr lang="zh-CN" altLang="en-US">
+                <a:sym typeface="+mn-ea"/>
+              </a:rPr>
+              <a:t>了解前端项目结构</a:t>
+            </a:r>
+            <a:endParaRPr lang="zh-CN" altLang="en-US">
+              <a:sym typeface="+mn-ea"/>
+            </a:endParaRPr>
+          </a:p>
+          <a:p>
+            <a:r>
+              <a:rPr lang="zh-CN" altLang="en-US">
+                <a:sym typeface="+mn-ea"/>
+              </a:rPr>
+              <a:t>可尝试修改</a:t>
+            </a:r>
+            <a:r>
+              <a:rPr lang="en-US" altLang="zh-CN">
+                <a:sym typeface="+mn-ea"/>
+              </a:rPr>
+              <a:t>&amp;</a:t>
+            </a:r>
+            <a:r>
+              <a:rPr lang="zh-CN" altLang="en-US">
+                <a:sym typeface="+mn-ea"/>
+              </a:rPr>
+              <a:t>开发前端模块</a:t>
+            </a:r>
+            <a:endParaRPr lang="zh-CN" altLang="en-US">
+              <a:sym typeface="+mn-ea"/>
+            </a:endParaRPr>
+          </a:p>
+          <a:p>
+            <a:r>
+              <a:rPr lang="zh-CN" altLang="en-US">
+                <a:sym typeface="+mn-ea"/>
+              </a:rPr>
+              <a:t>了解组件化</a:t>
+            </a:r>
+            <a:endParaRPr lang="zh-CN" altLang="en-US">
+              <a:sym typeface="+mn-ea"/>
+            </a:endParaRPr>
+          </a:p>
+          <a:p>
+            <a:r>
+              <a:rPr lang="zh-CN" altLang="en-US">
+                <a:sym typeface="+mn-ea"/>
+              </a:rPr>
+              <a:t>修改问题能快速定位源代码</a:t>
+            </a:r>
+            <a:endParaRPr lang="zh-CN" altLang="en-US">
+              <a:sym typeface="+mn-ea"/>
+            </a:endParaRPr>
+          </a:p>
+          <a:p>
+            <a:r>
+              <a:rPr lang="en-US" altLang="zh-CN">
+                <a:sym typeface="+mn-ea"/>
+              </a:rPr>
+              <a:t>LESS</a:t>
+            </a:r>
+            <a:endParaRPr lang="en-US" altLang="zh-CN">
+              <a:sym typeface="+mn-ea"/>
+            </a:endParaRPr>
+          </a:p>
+          <a:p>
+            <a:r>
+              <a:rPr lang="zh-CN" altLang="en-US">
+                <a:sym typeface="+mn-ea"/>
+              </a:rPr>
+              <a:t>基础</a:t>
+            </a:r>
+            <a:r>
+              <a:rPr lang="en-US" altLang="zh-CN">
+                <a:sym typeface="+mn-ea"/>
+              </a:rPr>
+              <a:t>vue</a:t>
+            </a:r>
+            <a:r>
+              <a:rPr lang="zh-CN" altLang="en-US">
+                <a:sym typeface="+mn-ea"/>
+              </a:rPr>
+              <a:t>指令</a:t>
+            </a:r>
+            <a:endParaRPr lang="zh-CN" altLang="en-US">
+              <a:sym typeface="+mn-ea"/>
+            </a:endParaRPr>
+          </a:p>
+          <a:p>
+            <a:pPr marL="0" indent="0">
               <a:buNone/>
             </a:pPr>
-            <a:r>
-              <a:rPr lang="en-US" altLang="zh-CN" sz="1800" dirty="0" err="1">
-                <a:effectLst>
-                  <a:outerShdw blurRad="38100" dist="38100" dir="2700000" algn="tl">
-                    <a:srgbClr val="C0C0C0"/>
-                  </a:outerShdw>
-                </a:effectLst>
-                <a:sym typeface="Calibri" panose="020F0502020204030204" charset="0"/>
-              </a:rPr>
-              <a:t>html+css+js</a:t>
-            </a:r>
-            <a:endParaRPr lang="en-US" altLang="zh-CN" sz="1800" dirty="0">
-              <a:effectLst>
-                <a:outerShdw blurRad="38100" dist="38100" dir="2700000" algn="tl">
-                  <a:srgbClr val="C0C0C0"/>
-                </a:outerShdw>
-              </a:effectLst>
-              <a:sym typeface="Calibri" panose="020F0502020204030204" charset="0"/>
-            </a:endParaRPr>
-          </a:p>
-          <a:p>
-            <a:pPr eaLnBrk="1" hangingPunct="1">
-              <a:lnSpc>
-                <a:spcPct val="150000"/>
-              </a:lnSpc>
-              <a:spcBef>
-                <a:spcPts val="300"/>
-              </a:spcBef>
-              <a:buClr>
-                <a:srgbClr val="00479D"/>
-              </a:buClr>
-              <a:buSzPct val="60000"/>
-              <a:buFont typeface="Wingdings" panose="05000000000000000000" pitchFamily="2" charset="2"/>
-              <a:buNone/>
-            </a:pPr>
-            <a:r>
-              <a:rPr lang="en-US" altLang="zh-CN" sz="1800" dirty="0">
-                <a:effectLst>
-                  <a:outerShdw blurRad="38100" dist="38100" dir="2700000" algn="tl">
-                    <a:srgbClr val="C0C0C0"/>
-                  </a:outerShdw>
-                </a:effectLst>
-                <a:sym typeface="Calibri" panose="020F0502020204030204" charset="0"/>
-              </a:rPr>
-              <a:t>es5 es6</a:t>
-            </a:r>
-          </a:p>
-          <a:p>
-            <a:pPr eaLnBrk="1" hangingPunct="1">
-              <a:lnSpc>
-                <a:spcPct val="150000"/>
-              </a:lnSpc>
-              <a:spcBef>
-                <a:spcPts val="300"/>
-              </a:spcBef>
-              <a:buClr>
-                <a:srgbClr val="00479D"/>
-              </a:buClr>
-              <a:buSzPct val="60000"/>
-              <a:buFont typeface="Wingdings" panose="05000000000000000000" pitchFamily="2" charset="2"/>
-              <a:buNone/>
-            </a:pPr>
-            <a:r>
-              <a:rPr lang="en-US" altLang="zh-CN" sz="1800" dirty="0" err="1">
-                <a:effectLst>
-                  <a:outerShdw blurRad="38100" dist="38100" dir="2700000" algn="tl">
-                    <a:srgbClr val="C0C0C0"/>
-                  </a:outerShdw>
-                </a:effectLst>
-                <a:sym typeface="Calibri" panose="020F0502020204030204" charset="0"/>
-              </a:rPr>
-              <a:t>npm</a:t>
-            </a:r>
-            <a:r>
-              <a:rPr lang="en-US" altLang="zh-CN" sz="1800" dirty="0">
-                <a:effectLst>
-                  <a:outerShdw blurRad="38100" dist="38100" dir="2700000" algn="tl">
-                    <a:srgbClr val="C0C0C0"/>
-                  </a:outerShdw>
-                </a:effectLst>
-                <a:sym typeface="Calibri" panose="020F0502020204030204" charset="0"/>
-              </a:rPr>
-              <a:t> </a:t>
-            </a:r>
-            <a:r>
-              <a:rPr lang="zh-CN" altLang="en-US" sz="1800" dirty="0">
-                <a:effectLst>
-                  <a:outerShdw blurRad="38100" dist="38100" dir="2700000" algn="tl">
-                    <a:srgbClr val="C0C0C0"/>
-                  </a:outerShdw>
-                </a:effectLst>
-                <a:sym typeface="Calibri" panose="020F0502020204030204" charset="0"/>
-              </a:rPr>
-              <a:t>基础指令</a:t>
-            </a:r>
-          </a:p>
-          <a:p>
-            <a:pPr eaLnBrk="1" hangingPunct="1">
-              <a:lnSpc>
-                <a:spcPct val="150000"/>
-              </a:lnSpc>
-              <a:spcBef>
-                <a:spcPts val="300"/>
-              </a:spcBef>
-              <a:buClr>
-                <a:srgbClr val="00479D"/>
-              </a:buClr>
-              <a:buSzPct val="60000"/>
-              <a:buFont typeface="Wingdings" panose="05000000000000000000" pitchFamily="2" charset="2"/>
-              <a:buNone/>
-            </a:pPr>
-            <a:r>
-              <a:rPr lang="zh-CN" altLang="en-US" sz="1800" dirty="0">
-                <a:effectLst>
-                  <a:outerShdw blurRad="38100" dist="38100" dir="2700000" algn="tl">
-                    <a:srgbClr val="C0C0C0"/>
-                  </a:outerShdw>
-                </a:effectLst>
-                <a:sym typeface="Calibri" panose="020F0502020204030204" charset="0"/>
-              </a:rPr>
-              <a:t>编译器</a:t>
-            </a:r>
-          </a:p>
-          <a:p>
-            <a:pPr eaLnBrk="1" hangingPunct="1">
-              <a:lnSpc>
-                <a:spcPct val="150000"/>
-              </a:lnSpc>
-              <a:spcBef>
-                <a:spcPts val="300"/>
-              </a:spcBef>
-              <a:buClr>
-                <a:srgbClr val="00479D"/>
-              </a:buClr>
-              <a:buSzPct val="60000"/>
-              <a:buFont typeface="Wingdings" panose="05000000000000000000" pitchFamily="2" charset="2"/>
-              <a:buNone/>
-            </a:pPr>
-            <a:r>
-              <a:rPr lang="zh-CN" altLang="en-US" sz="6000" dirty="0">
-                <a:effectLst>
-                  <a:outerShdw blurRad="38100" dist="38100" dir="2700000" algn="tl">
-                    <a:srgbClr val="C0C0C0"/>
-                  </a:outerShdw>
-                </a:effectLst>
-                <a:sym typeface="Calibri" panose="020F0502020204030204" charset="0"/>
-              </a:rPr>
-              <a:t>百度</a:t>
-            </a:r>
-          </a:p>
-          <a:p>
-            <a:endParaRPr lang="zh-CN" altLang="en-US" sz="6000"/>
+            <a:endParaRPr lang="zh-CN" altLang="en-US"/>
+          </a:p>
+          <a:p>
+            <a:endParaRPr lang="zh-CN" altLang="en-US"/>
           </a:p>
         </p:txBody>
       </p:sp>
@@ -9135,7 +9255,6 @@
             </a:pPr>
             <a:fld id="{BDABD382-6269-4314-BED9-F777FF741BD9}" type="datetime1">
               <a:rPr lang="zh-CN" altLang="en-US"/>
-              <a:t>2020/7/30</a:t>
             </a:fld>
             <a:endParaRPr lang="zh-CN" altLang="en-US" dirty="0"/>
           </a:p>
@@ -9161,40 +9280,11 @@
             </a:pPr>
             <a:fld id="{24CDF228-198A-44C2-BDC3-8F2BB7497790}" type="slidenum">
               <a:rPr lang="zh-CN" altLang="en-US"/>
-              <a:t>6</a:t>
             </a:fld>
             <a:endParaRPr lang="zh-CN" altLang="en-US" dirty="0"/>
           </a:p>
         </p:txBody>
       </p:sp>
-      <p:pic>
-        <p:nvPicPr>
-          <p:cNvPr id="6" name="图片 5"/>
-          <p:cNvPicPr>
-            <a:picLocks noChangeAspect="1"/>
-          </p:cNvPicPr>
-          <p:nvPr>
-            <p:custDataLst>
-              <p:tags r:id="rId1"/>
-            </p:custDataLst>
-          </p:nvPr>
-        </p:nvPicPr>
-        <p:blipFill>
-          <a:blip r:embed="rId3"/>
-          <a:stretch>
-            <a:fillRect/>
-          </a:stretch>
-        </p:blipFill>
-        <p:spPr>
-          <a:xfrm>
-            <a:off x="4345940" y="2127250"/>
-            <a:ext cx="4020185" cy="2604135"/>
-          </a:xfrm>
-          <a:prstGeom prst="rect">
-            <a:avLst/>
-          </a:prstGeom>
-        </p:spPr>
-      </p:pic>
     </p:spTree>
   </p:cSld>
   <p:clrMapOvr>
@@ -9237,12 +9327,9 @@
           <a:p>
             <a:r>
               <a:rPr lang="zh-CN" altLang="en-US"/>
-              <a:t>了解</a:t>
-            </a:r>
-            <a:r>
-              <a:rPr lang="en-US" altLang="zh-CN"/>
-              <a:t>Vue</a:t>
-            </a:r>
+              <a:t>一个前端项目都需要什么</a:t>
+            </a:r>
+            <a:endParaRPr lang="zh-CN" altLang="en-US"/>
           </a:p>
         </p:txBody>
       </p:sp>
@@ -9261,62 +9348,447 @@
           <a:bodyPr/>
           <a:lstStyle/>
           <a:p>
-            <a:r>
-              <a:rPr lang="en-US" altLang="zh-CN"/>
-              <a:t>vue.js</a:t>
-            </a:r>
-            <a:r>
-              <a:rPr lang="zh-CN" altLang="en-US"/>
-              <a:t>是什么</a:t>
-            </a:r>
-            <a:endParaRPr lang="en-US" altLang="zh-CN"/>
-          </a:p>
-          <a:p>
-            <a:r>
-              <a:rPr lang="en-US" altLang="zh-CN"/>
-              <a:t>vue</a:t>
-            </a:r>
-            <a:r>
-              <a:rPr lang="zh-CN" altLang="en-US"/>
-              <a:t>和传统</a:t>
-            </a:r>
-            <a:r>
-              <a:rPr lang="en-US" altLang="zh-CN"/>
-              <a:t>jquery</a:t>
-            </a:r>
-            <a:r>
-              <a:rPr lang="zh-CN" altLang="en-US"/>
-              <a:t>有什么区别？</a:t>
-            </a:r>
-          </a:p>
-          <a:p>
-            <a:r>
-              <a:rPr lang="zh-CN" altLang="en-US"/>
-              <a:t>啥是响应式数据绑定</a:t>
-            </a:r>
-          </a:p>
-          <a:p>
-            <a:r>
-              <a:rPr lang="zh-CN" altLang="en-US"/>
-              <a:t>什么是组件化开发</a:t>
-            </a:r>
-          </a:p>
-          <a:p>
-            <a:r>
-              <a:rPr lang="zh-CN" altLang="en-US"/>
-              <a:t>虚拟</a:t>
-            </a:r>
-            <a:r>
-              <a:rPr lang="en-US" altLang="zh-CN"/>
-              <a:t>dom</a:t>
-            </a:r>
-            <a:endParaRPr lang="zh-CN" altLang="en-US"/>
-          </a:p>
-          <a:p>
-            <a:pPr marL="0" indent="0">
-              <a:buNone/>
-            </a:pPr>
-            <a:endParaRPr lang="en-US" altLang="zh-CN"/>
+            <a:pPr algn="l" eaLnBrk="1" hangingPunct="1">
+              <a:lnSpc>
+                <a:spcPct val="150000"/>
+              </a:lnSpc>
+            </a:pPr>
+            <a:r>
+              <a:rPr altLang="zh-CN" sz="1200">
+                <a:solidFill>
+                  <a:schemeClr val="tx1"/>
+                </a:solidFill>
+                <a:effectLst>
+                  <a:outerShdw blurRad="38100" dist="38100" dir="2700000" algn="tl">
+                    <a:srgbClr val="C0C0C0"/>
+                  </a:outerShdw>
+                </a:effectLst>
+                <a:sym typeface="+mn-ea"/>
+              </a:rPr>
+              <a:t>vue.js 核心，不解释。</a:t>
+            </a:r>
+            <a:endParaRPr altLang="zh-CN" sz="1200" noProof="1">
+              <a:solidFill>
+                <a:schemeClr val="tx1"/>
+              </a:solidFill>
+              <a:effectLst>
+                <a:outerShdw blurRad="38100" dist="38100" dir="2700000" algn="tl">
+                  <a:srgbClr val="C0C0C0"/>
+                </a:outerShdw>
+              </a:effectLst>
+            </a:endParaRPr>
+          </a:p>
+          <a:p>
+            <a:pPr algn="l" eaLnBrk="1" hangingPunct="1">
+              <a:lnSpc>
+                <a:spcPct val="150000"/>
+              </a:lnSpc>
+            </a:pPr>
+            <a:r>
+              <a:rPr altLang="zh-CN" sz="1200">
+                <a:solidFill>
+                  <a:schemeClr val="tx1"/>
+                </a:solidFill>
+                <a:effectLst>
+                  <a:outerShdw blurRad="38100" dist="38100" dir="2700000" algn="tl">
+                    <a:srgbClr val="C0C0C0"/>
+                  </a:outerShdw>
+                </a:effectLst>
+                <a:sym typeface="+mn-ea"/>
+              </a:rPr>
+              <a:t>VueRouter2 实现路由组织工具。</a:t>
+            </a:r>
+            <a:endParaRPr altLang="zh-CN" sz="1200" noProof="1">
+              <a:solidFill>
+                <a:schemeClr val="tx1"/>
+              </a:solidFill>
+              <a:effectLst>
+                <a:outerShdw blurRad="38100" dist="38100" dir="2700000" algn="tl">
+                  <a:srgbClr val="C0C0C0"/>
+                </a:outerShdw>
+              </a:effectLst>
+            </a:endParaRPr>
+          </a:p>
+          <a:p>
+            <a:pPr algn="l" eaLnBrk="1" hangingPunct="1">
+              <a:lnSpc>
+                <a:spcPct val="150000"/>
+              </a:lnSpc>
+            </a:pPr>
+            <a:r>
+              <a:rPr altLang="zh-CN" sz="1200">
+                <a:solidFill>
+                  <a:schemeClr val="tx1"/>
+                </a:solidFill>
+                <a:effectLst>
+                  <a:outerShdw blurRad="38100" dist="38100" dir="2700000" algn="tl">
+                    <a:srgbClr val="C0C0C0"/>
+                  </a:outerShdw>
+                </a:effectLst>
+                <a:sym typeface="+mn-ea"/>
+              </a:rPr>
+              <a:t>webpack 项目打包以及编译工具。</a:t>
+            </a:r>
+            <a:endParaRPr altLang="zh-CN" sz="1200" noProof="1">
+              <a:solidFill>
+                <a:schemeClr val="tx1"/>
+              </a:solidFill>
+              <a:effectLst>
+                <a:outerShdw blurRad="38100" dist="38100" dir="2700000" algn="tl">
+                  <a:srgbClr val="C0C0C0"/>
+                </a:outerShdw>
+              </a:effectLst>
+            </a:endParaRPr>
+          </a:p>
+          <a:p>
+            <a:pPr algn="l" eaLnBrk="1" hangingPunct="1">
+              <a:lnSpc>
+                <a:spcPct val="150000"/>
+              </a:lnSpc>
+            </a:pPr>
+            <a:r>
+              <a:rPr altLang="zh-CN" sz="1200">
+                <a:solidFill>
+                  <a:schemeClr val="tx1"/>
+                </a:solidFill>
+                <a:effectLst>
+                  <a:outerShdw blurRad="38100" dist="38100" dir="2700000" algn="tl">
+                    <a:srgbClr val="C0C0C0"/>
+                  </a:outerShdw>
+                </a:effectLst>
+                <a:sym typeface="+mn-ea"/>
+              </a:rPr>
+              <a:t>nodejs 前端开发环境。</a:t>
+            </a:r>
+            <a:endParaRPr altLang="zh-CN" sz="1200" noProof="1">
+              <a:solidFill>
+                <a:schemeClr val="tx1"/>
+              </a:solidFill>
+              <a:effectLst>
+                <a:outerShdw blurRad="38100" dist="38100" dir="2700000" algn="tl">
+                  <a:srgbClr val="C0C0C0"/>
+                </a:outerShdw>
+              </a:effectLst>
+            </a:endParaRPr>
+          </a:p>
+          <a:p>
+            <a:pPr algn="l" eaLnBrk="1" hangingPunct="1">
+              <a:lnSpc>
+                <a:spcPct val="150000"/>
+              </a:lnSpc>
+            </a:pPr>
+            <a:r>
+              <a:rPr altLang="zh-CN" sz="1200">
+                <a:solidFill>
+                  <a:schemeClr val="tx1"/>
+                </a:solidFill>
+                <a:effectLst>
+                  <a:outerShdw blurRad="38100" dist="38100" dir="2700000" algn="tl">
+                    <a:srgbClr val="C0C0C0"/>
+                  </a:outerShdw>
+                </a:effectLst>
+                <a:sym typeface="+mn-ea"/>
+              </a:rPr>
+              <a:t>npm 前端包管理器。</a:t>
+            </a:r>
+            <a:endParaRPr altLang="zh-CN" sz="1200" noProof="1">
+              <a:solidFill>
+                <a:schemeClr val="tx1"/>
+              </a:solidFill>
+              <a:effectLst>
+                <a:outerShdw blurRad="38100" dist="38100" dir="2700000" algn="tl">
+                  <a:srgbClr val="C0C0C0"/>
+                </a:outerShdw>
+              </a:effectLst>
+            </a:endParaRPr>
+          </a:p>
+          <a:p>
+            <a:pPr algn="l" eaLnBrk="1" hangingPunct="1">
+              <a:lnSpc>
+                <a:spcPct val="150000"/>
+              </a:lnSpc>
+            </a:pPr>
+            <a:r>
+              <a:rPr altLang="zh-CN" sz="1200">
+                <a:solidFill>
+                  <a:schemeClr val="tx1"/>
+                </a:solidFill>
+                <a:effectLst>
+                  <a:outerShdw blurRad="38100" dist="38100" dir="2700000" algn="tl">
+                    <a:srgbClr val="C0C0C0"/>
+                  </a:outerShdw>
+                </a:effectLst>
+                <a:sym typeface="+mn-ea"/>
+              </a:rPr>
+              <a:t>axios ajax  </a:t>
+            </a:r>
+            <a:r>
+              <a:rPr lang="en-US" sz="1200">
+                <a:solidFill>
+                  <a:schemeClr val="tx1"/>
+                </a:solidFill>
+                <a:effectLst>
+                  <a:outerShdw blurRad="38100" dist="38100" dir="2700000" algn="tl">
+                    <a:srgbClr val="C0C0C0"/>
+                  </a:outerShdw>
+                </a:effectLst>
+                <a:sym typeface="+mn-ea"/>
+              </a:rPr>
+              <a:t>fetch $http </a:t>
+            </a:r>
+            <a:r>
+              <a:rPr altLang="zh-CN" sz="1200">
+                <a:solidFill>
+                  <a:schemeClr val="tx1"/>
+                </a:solidFill>
+                <a:effectLst>
+                  <a:outerShdw blurRad="38100" dist="38100" dir="2700000" algn="tl">
+                    <a:srgbClr val="C0C0C0"/>
+                  </a:outerShdw>
+                </a:effectLst>
+                <a:sym typeface="+mn-ea"/>
+              </a:rPr>
+              <a:t>接口请求工具。</a:t>
+            </a:r>
+            <a:endParaRPr altLang="zh-CN" sz="1200" noProof="1">
+              <a:solidFill>
+                <a:schemeClr val="tx1"/>
+              </a:solidFill>
+              <a:effectLst>
+                <a:outerShdw blurRad="38100" dist="38100" dir="2700000" algn="tl">
+                  <a:srgbClr val="C0C0C0"/>
+                </a:outerShdw>
+              </a:effectLst>
+            </a:endParaRPr>
+          </a:p>
+          <a:p>
+            <a:pPr algn="l" eaLnBrk="1" hangingPunct="1">
+              <a:lnSpc>
+                <a:spcPct val="150000"/>
+              </a:lnSpc>
+            </a:pPr>
+            <a:r>
+              <a:rPr altLang="zh-CN" sz="1200">
+                <a:solidFill>
+                  <a:schemeClr val="tx1"/>
+                </a:solidFill>
+                <a:effectLst>
+                  <a:outerShdw blurRad="38100" dist="38100" dir="2700000" algn="tl">
+                    <a:srgbClr val="C0C0C0"/>
+                  </a:outerShdw>
+                </a:effectLst>
+                <a:sym typeface="+mn-ea"/>
+              </a:rPr>
+              <a:t>sass </a:t>
+            </a:r>
+            <a:r>
+              <a:rPr lang="zh-CN" sz="1200">
+                <a:solidFill>
+                  <a:schemeClr val="tx1"/>
+                </a:solidFill>
+                <a:effectLst>
+                  <a:outerShdw blurRad="38100" dist="38100" dir="2700000" algn="tl">
+                    <a:srgbClr val="C0C0C0"/>
+                  </a:outerShdw>
+                </a:effectLst>
+                <a:sym typeface="+mn-ea"/>
+              </a:rPr>
+              <a:t>或</a:t>
+            </a:r>
+            <a:r>
+              <a:rPr altLang="zh-CN" sz="1200">
+                <a:solidFill>
+                  <a:schemeClr val="tx1"/>
+                </a:solidFill>
+                <a:effectLst>
+                  <a:outerShdw blurRad="38100" dist="38100" dir="2700000" algn="tl">
+                    <a:srgbClr val="C0C0C0"/>
+                  </a:outerShdw>
+                </a:effectLst>
+                <a:sym typeface="+mn-ea"/>
+              </a:rPr>
+              <a:t> </a:t>
+            </a:r>
+            <a:r>
+              <a:rPr lang="en-US" altLang="x-none" sz="1200" dirty="0">
+                <a:solidFill>
+                  <a:schemeClr val="tx1"/>
+                </a:solidFill>
+                <a:effectLst>
+                  <a:outerShdw blurRad="38100" dist="38100" dir="2700000" algn="tl">
+                    <a:srgbClr val="C0C0C0"/>
+                  </a:outerShdw>
+                </a:effectLst>
+                <a:sym typeface="+mn-ea"/>
+              </a:rPr>
+              <a:t>less</a:t>
+            </a:r>
+            <a:r>
+              <a:rPr altLang="zh-CN" sz="1200">
+                <a:solidFill>
+                  <a:schemeClr val="tx1"/>
+                </a:solidFill>
+                <a:effectLst>
+                  <a:outerShdw blurRad="38100" dist="38100" dir="2700000" algn="tl">
+                    <a:srgbClr val="C0C0C0"/>
+                  </a:outerShdw>
+                </a:effectLst>
+                <a:sym typeface="+mn-ea"/>
+              </a:rPr>
+              <a:t> css 预处理。</a:t>
+            </a:r>
+            <a:endParaRPr altLang="zh-CN" sz="1200" noProof="1">
+              <a:solidFill>
+                <a:schemeClr val="tx1"/>
+              </a:solidFill>
+              <a:effectLst>
+                <a:outerShdw blurRad="38100" dist="38100" dir="2700000" algn="tl">
+                  <a:srgbClr val="C0C0C0"/>
+                </a:outerShdw>
+              </a:effectLst>
+            </a:endParaRPr>
+          </a:p>
+          <a:p>
+            <a:pPr algn="l" eaLnBrk="1" hangingPunct="1">
+              <a:lnSpc>
+                <a:spcPct val="150000"/>
+              </a:lnSpc>
+            </a:pPr>
+            <a:r>
+              <a:rPr altLang="zh-CN" sz="1200">
+                <a:solidFill>
+                  <a:schemeClr val="tx1"/>
+                </a:solidFill>
+                <a:effectLst>
+                  <a:outerShdw blurRad="38100" dist="38100" dir="2700000" algn="tl">
+                    <a:srgbClr val="C0C0C0"/>
+                  </a:outerShdw>
+                </a:effectLst>
+                <a:sym typeface="+mn-ea"/>
+              </a:rPr>
+              <a:t>element 基于 vue 的后台组件库。</a:t>
+            </a:r>
+            <a:endParaRPr altLang="zh-CN" sz="1200">
+              <a:solidFill>
+                <a:schemeClr val="tx1"/>
+              </a:solidFill>
+              <a:effectLst>
+                <a:outerShdw blurRad="38100" dist="38100" dir="2700000" algn="tl">
+                  <a:srgbClr val="C0C0C0"/>
+                </a:outerShdw>
+              </a:effectLst>
+              <a:sym typeface="+mn-ea"/>
+            </a:endParaRPr>
+          </a:p>
+          <a:p>
+            <a:pPr algn="l" eaLnBrk="1" hangingPunct="1">
+              <a:lnSpc>
+                <a:spcPct val="150000"/>
+              </a:lnSpc>
+            </a:pPr>
+            <a:r>
+              <a:rPr lang="en-US" sz="1200">
+                <a:solidFill>
+                  <a:schemeClr val="tx1"/>
+                </a:solidFill>
+                <a:effectLst>
+                  <a:outerShdw blurRad="38100" dist="38100" dir="2700000" algn="tl">
+                    <a:srgbClr val="C0C0C0"/>
+                  </a:outerShdw>
+                </a:effectLst>
+                <a:sym typeface="+mn-ea"/>
+              </a:rPr>
+              <a:t>antD </a:t>
+            </a:r>
+            <a:r>
+              <a:rPr lang="zh-CN" altLang="en-US" sz="1200">
+                <a:solidFill>
+                  <a:schemeClr val="tx1"/>
+                </a:solidFill>
+                <a:effectLst>
+                  <a:outerShdw blurRad="38100" dist="38100" dir="2700000" algn="tl">
+                    <a:srgbClr val="C0C0C0"/>
+                  </a:outerShdw>
+                </a:effectLst>
+                <a:sym typeface="+mn-ea"/>
+              </a:rPr>
+              <a:t>同上</a:t>
+            </a:r>
+            <a:endParaRPr altLang="zh-CN" sz="1200" noProof="1">
+              <a:solidFill>
+                <a:schemeClr val="tx1"/>
+              </a:solidFill>
+              <a:effectLst>
+                <a:outerShdw blurRad="38100" dist="38100" dir="2700000" algn="tl">
+                  <a:srgbClr val="C0C0C0"/>
+                </a:outerShdw>
+              </a:effectLst>
+            </a:endParaRPr>
+          </a:p>
+          <a:p>
+            <a:pPr algn="l" eaLnBrk="1" hangingPunct="1">
+              <a:lnSpc>
+                <a:spcPct val="150000"/>
+              </a:lnSpc>
+            </a:pPr>
+            <a:r>
+              <a:rPr altLang="zh-CN" sz="1200">
+                <a:solidFill>
+                  <a:schemeClr val="tx1"/>
+                </a:solidFill>
+                <a:effectLst>
+                  <a:outerShdw blurRad="38100" dist="38100" dir="2700000" algn="tl">
+                    <a:srgbClr val="C0C0C0"/>
+                  </a:outerShdw>
+                </a:effectLst>
+                <a:sym typeface="+mn-ea"/>
+              </a:rPr>
+              <a:t>iview 基于 vue 的另一套后台组件库。</a:t>
+            </a:r>
+            <a:endParaRPr altLang="zh-CN" sz="1200" noProof="1">
+              <a:solidFill>
+                <a:schemeClr val="tx1"/>
+              </a:solidFill>
+              <a:effectLst>
+                <a:outerShdw blurRad="38100" dist="38100" dir="2700000" algn="tl">
+                  <a:srgbClr val="C0C0C0"/>
+                </a:outerShdw>
+              </a:effectLst>
+            </a:endParaRPr>
+          </a:p>
+          <a:p>
+            <a:pPr algn="l" eaLnBrk="1" hangingPunct="1">
+              <a:lnSpc>
+                <a:spcPct val="150000"/>
+              </a:lnSpc>
+            </a:pPr>
+            <a:r>
+              <a:rPr altLang="zh-CN" sz="1200">
+                <a:solidFill>
+                  <a:schemeClr val="tx1"/>
+                </a:solidFill>
+                <a:effectLst>
+                  <a:outerShdw blurRad="38100" dist="38100" dir="2700000" algn="tl">
+                    <a:srgbClr val="C0C0C0"/>
+                  </a:outerShdw>
+                </a:effectLst>
+                <a:sym typeface="+mn-ea"/>
+              </a:rPr>
+              <a:t>vue-cli vue 项目脚手架。一键安装 vue 全家桶的工具。</a:t>
+            </a:r>
+            <a:endParaRPr altLang="zh-CN" sz="1200" noProof="1">
+              <a:solidFill>
+                <a:schemeClr val="tx1"/>
+              </a:solidFill>
+              <a:effectLst>
+                <a:outerShdw blurRad="38100" dist="38100" dir="2700000" algn="tl">
+                  <a:srgbClr val="C0C0C0"/>
+                </a:outerShdw>
+              </a:effectLst>
+            </a:endParaRPr>
+          </a:p>
+          <a:p>
+            <a:endParaRPr lang="zh-CN" altLang="en-US" sz="1200"/>
           </a:p>
         </p:txBody>
       </p:sp>
@@ -9340,7 +9812,6 @@
             </a:pPr>
             <a:fld id="{BDABD382-6269-4314-BED9-F777FF741BD9}" type="datetime1">
               <a:rPr lang="zh-CN" altLang="en-US"/>
-              <a:t>2020/7/30</a:t>
             </a:fld>
             <a:endParaRPr lang="zh-CN" altLang="en-US" dirty="0"/>
           </a:p>
@@ -9366,36 +9837,11 @@
             </a:pPr>
             <a:fld id="{24CDF228-198A-44C2-BDC3-8F2BB7497790}" type="slidenum">
               <a:rPr lang="zh-CN" altLang="en-US"/>
-              <a:t>7</a:t>
             </a:fld>
             <a:endParaRPr lang="zh-CN" altLang="en-US" dirty="0"/>
           </a:p>
         </p:txBody>
       </p:sp>
-      <p:pic>
-        <p:nvPicPr>
-          <p:cNvPr id="6" name="图片 5"/>
-          <p:cNvPicPr>
-            <a:picLocks noChangeAspect="1"/>
-          </p:cNvPicPr>
-          <p:nvPr/>
-        </p:nvPicPr>
-        <p:blipFill>
-          <a:blip r:embed="rId3"/>
-          <a:stretch>
-            <a:fillRect/>
-          </a:stretch>
-        </p:blipFill>
-        <p:spPr>
-          <a:xfrm>
-            <a:off x="5154930" y="3136900"/>
-            <a:ext cx="3495675" cy="2962275"/>
-          </a:xfrm>
-          <a:prstGeom prst="rect">
-            <a:avLst/>
-          </a:prstGeom>
-        </p:spPr>
-      </p:pic>
     </p:spTree>
   </p:cSld>
   <p:clrMapOvr>
@@ -9437,13 +9883,10 @@
           <a:lstStyle/>
           <a:p>
             <a:r>
-              <a:rPr lang="en-US" altLang="zh-CN"/>
-              <a:t>Vue</a:t>
-            </a:r>
-            <a:r>
-              <a:rPr lang="zh-CN" altLang="en-US"/>
-              <a:t>的优点</a:t>
-            </a:r>
+              <a:rPr lang="zh-CN" altLang="en-US"/>
+              <a:t>我需要掌握什么</a:t>
+            </a:r>
+            <a:endParaRPr lang="zh-CN" altLang="en-US"/>
           </a:p>
         </p:txBody>
       </p:sp>
@@ -9462,44 +9905,204 @@
           <a:bodyPr/>
           <a:lstStyle/>
           <a:p>
-            <a:pPr algn="l" eaLnBrk="1" hangingPunct="1">
+            <a:pPr eaLnBrk="1" hangingPunct="1">
               <a:lnSpc>
                 <a:spcPct val="150000"/>
               </a:lnSpc>
-            </a:pPr>
-            <a:r>
-              <a:rPr lang="en-US" altLang="zh-CN" sz="1600">
-                <a:sym typeface="+mn-ea"/>
-              </a:rPr>
-              <a:t> 主要解决了 mvc 中大量的 DOM 操作使页面渲染性能降低，加载速度变慢，影响用户体验</a:t>
-            </a:r>
-          </a:p>
-          <a:p>
-            <a:pPr algn="l" eaLnBrk="1" hangingPunct="1">
+              <a:spcBef>
+                <a:spcPts val="300"/>
+              </a:spcBef>
+              <a:buClr>
+                <a:srgbClr val="00479D"/>
+              </a:buClr>
+              <a:buSzPct val="60000"/>
+              <a:buFont typeface="Wingdings" panose="05000000000000000000" pitchFamily="2" charset="2"/>
+              <a:buNone/>
+            </a:pPr>
+            <a:r>
+              <a:rPr lang="en-US" altLang="zh-CN" sz="1800" dirty="0" err="1">
+                <a:effectLst>
+                  <a:outerShdw blurRad="38100" dist="38100" dir="2700000" algn="tl">
+                    <a:srgbClr val="C0C0C0"/>
+                  </a:outerShdw>
+                </a:effectLst>
+                <a:sym typeface="Calibri" panose="020F0502020204030204" charset="0"/>
+              </a:rPr>
+              <a:t>html+css+js</a:t>
+            </a:r>
+            <a:endParaRPr lang="en-US" altLang="zh-CN" sz="1800" dirty="0">
+              <a:effectLst>
+                <a:outerShdw blurRad="38100" dist="38100" dir="2700000" algn="tl">
+                  <a:srgbClr val="C0C0C0"/>
+                </a:outerShdw>
+              </a:effectLst>
+              <a:sym typeface="Calibri" panose="020F0502020204030204" charset="0"/>
+            </a:endParaRPr>
+          </a:p>
+          <a:p>
+            <a:pPr eaLnBrk="1" hangingPunct="1">
               <a:lnSpc>
                 <a:spcPct val="150000"/>
               </a:lnSpc>
-            </a:pPr>
-            <a:r>
-              <a:rPr lang="en-US" altLang="zh-CN" sz="1600">
-                <a:sym typeface="+mn-ea"/>
-              </a:rPr>
-              <a:t> 低耦合 视图（View）可以独立于 Model 变化和修改</a:t>
-            </a:r>
-          </a:p>
-          <a:p>
-            <a:pPr algn="l" eaLnBrk="1" hangingPunct="1">
+              <a:spcBef>
+                <a:spcPts val="300"/>
+              </a:spcBef>
+              <a:buClr>
+                <a:srgbClr val="00479D"/>
+              </a:buClr>
+              <a:buSzPct val="60000"/>
+              <a:buFont typeface="Wingdings" panose="05000000000000000000" pitchFamily="2" charset="2"/>
+              <a:buNone/>
+            </a:pPr>
+            <a:r>
+              <a:rPr lang="en-US" altLang="zh-CN" sz="1800" dirty="0">
+                <a:effectLst>
+                  <a:outerShdw blurRad="38100" dist="38100" dir="2700000" algn="tl">
+                    <a:srgbClr val="C0C0C0"/>
+                  </a:outerShdw>
+                </a:effectLst>
+                <a:sym typeface="Calibri" panose="020F0502020204030204" charset="0"/>
+              </a:rPr>
+              <a:t>es5 es6</a:t>
+            </a:r>
+            <a:endParaRPr lang="en-US" altLang="zh-CN" sz="1800" dirty="0">
+              <a:effectLst>
+                <a:outerShdw blurRad="38100" dist="38100" dir="2700000" algn="tl">
+                  <a:srgbClr val="C0C0C0"/>
+                </a:outerShdw>
+              </a:effectLst>
+              <a:sym typeface="Calibri" panose="020F0502020204030204" charset="0"/>
+            </a:endParaRPr>
+          </a:p>
+          <a:p>
+            <a:pPr eaLnBrk="1" hangingPunct="1">
               <a:lnSpc>
                 <a:spcPct val="150000"/>
               </a:lnSpc>
-            </a:pPr>
-            <a:r>
-              <a:rPr lang="en-US" altLang="zh-CN" sz="1600">
-                <a:sym typeface="+mn-ea"/>
-              </a:rPr>
-              <a:t>开发人员可以专注于业务逻辑和数据的开发（ViewModel），设计人员可以专注于页面设计</a:t>
-            </a:r>
-            <a:endParaRPr lang="zh-CN" altLang="en-US" sz="1600"/>
+              <a:spcBef>
+                <a:spcPts val="300"/>
+              </a:spcBef>
+              <a:buClr>
+                <a:srgbClr val="00479D"/>
+              </a:buClr>
+              <a:buSzPct val="60000"/>
+              <a:buFont typeface="Wingdings" panose="05000000000000000000" pitchFamily="2" charset="2"/>
+              <a:buNone/>
+            </a:pPr>
+            <a:r>
+              <a:rPr lang="en-US" altLang="zh-CN" sz="1800" dirty="0" err="1">
+                <a:effectLst>
+                  <a:outerShdw blurRad="38100" dist="38100" dir="2700000" algn="tl">
+                    <a:srgbClr val="C0C0C0"/>
+                  </a:outerShdw>
+                </a:effectLst>
+                <a:sym typeface="Calibri" panose="020F0502020204030204" charset="0"/>
+              </a:rPr>
+              <a:t>npm</a:t>
+            </a:r>
+            <a:r>
+              <a:rPr lang="en-US" altLang="zh-CN" sz="1800" dirty="0">
+                <a:effectLst>
+                  <a:outerShdw blurRad="38100" dist="38100" dir="2700000" algn="tl">
+                    <a:srgbClr val="C0C0C0"/>
+                  </a:outerShdw>
+                </a:effectLst>
+                <a:sym typeface="Calibri" panose="020F0502020204030204" charset="0"/>
+              </a:rPr>
+              <a:t> </a:t>
+            </a:r>
+            <a:r>
+              <a:rPr lang="zh-CN" altLang="en-US" sz="1800" dirty="0">
+                <a:effectLst>
+                  <a:outerShdw blurRad="38100" dist="38100" dir="2700000" algn="tl">
+                    <a:srgbClr val="C0C0C0"/>
+                  </a:outerShdw>
+                </a:effectLst>
+                <a:sym typeface="Calibri" panose="020F0502020204030204" charset="0"/>
+              </a:rPr>
+              <a:t>基础指令</a:t>
+            </a:r>
+            <a:endParaRPr lang="zh-CN" altLang="en-US" sz="1800" dirty="0">
+              <a:effectLst>
+                <a:outerShdw blurRad="38100" dist="38100" dir="2700000" algn="tl">
+                  <a:srgbClr val="C0C0C0"/>
+                </a:outerShdw>
+              </a:effectLst>
+              <a:sym typeface="Calibri" panose="020F0502020204030204" charset="0"/>
+            </a:endParaRPr>
+          </a:p>
+          <a:p>
+            <a:pPr eaLnBrk="1" hangingPunct="1">
+              <a:lnSpc>
+                <a:spcPct val="150000"/>
+              </a:lnSpc>
+              <a:spcBef>
+                <a:spcPts val="300"/>
+              </a:spcBef>
+              <a:buClr>
+                <a:srgbClr val="00479D"/>
+              </a:buClr>
+              <a:buSzPct val="60000"/>
+              <a:buFont typeface="Wingdings" panose="05000000000000000000" pitchFamily="2" charset="2"/>
+              <a:buNone/>
+            </a:pPr>
+            <a:r>
+              <a:rPr lang="zh-CN" altLang="en-US" sz="1800" dirty="0">
+                <a:effectLst>
+                  <a:outerShdw blurRad="38100" dist="38100" dir="2700000" algn="tl">
+                    <a:srgbClr val="C0C0C0"/>
+                  </a:outerShdw>
+                </a:effectLst>
+                <a:sym typeface="Calibri" panose="020F0502020204030204" charset="0"/>
+              </a:rPr>
+              <a:t>编译器</a:t>
+            </a:r>
+            <a:endParaRPr lang="zh-CN" altLang="en-US" sz="1800" dirty="0">
+              <a:effectLst>
+                <a:outerShdw blurRad="38100" dist="38100" dir="2700000" algn="tl">
+                  <a:srgbClr val="C0C0C0"/>
+                </a:outerShdw>
+              </a:effectLst>
+              <a:sym typeface="Calibri" panose="020F0502020204030204" charset="0"/>
+            </a:endParaRPr>
+          </a:p>
+          <a:p>
+            <a:pPr eaLnBrk="1" hangingPunct="1">
+              <a:lnSpc>
+                <a:spcPct val="150000"/>
+              </a:lnSpc>
+              <a:spcBef>
+                <a:spcPts val="300"/>
+              </a:spcBef>
+              <a:buClr>
+                <a:srgbClr val="00479D"/>
+              </a:buClr>
+              <a:buSzPct val="60000"/>
+              <a:buFont typeface="Wingdings" panose="05000000000000000000" pitchFamily="2" charset="2"/>
+              <a:buNone/>
+            </a:pPr>
+            <a:r>
+              <a:rPr lang="zh-CN" altLang="en-US" sz="6000" dirty="0">
+                <a:effectLst>
+                  <a:outerShdw blurRad="38100" dist="38100" dir="2700000" algn="tl">
+                    <a:srgbClr val="C0C0C0"/>
+                  </a:outerShdw>
+                </a:effectLst>
+                <a:sym typeface="Calibri" panose="020F0502020204030204" charset="0"/>
+              </a:rPr>
+              <a:t>百度</a:t>
+            </a:r>
+            <a:endParaRPr lang="zh-CN" altLang="en-US" sz="6000" dirty="0">
+              <a:effectLst>
+                <a:outerShdw blurRad="38100" dist="38100" dir="2700000" algn="tl">
+                  <a:srgbClr val="C0C0C0"/>
+                </a:outerShdw>
+              </a:effectLst>
+              <a:sym typeface="Calibri" panose="020F0502020204030204" charset="0"/>
+            </a:endParaRPr>
+          </a:p>
+          <a:p>
+            <a:endParaRPr lang="zh-CN" altLang="en-US" sz="6000"/>
           </a:p>
         </p:txBody>
       </p:sp>
@@ -9523,7 +10126,6 @@
             </a:pPr>
             <a:fld id="{BDABD382-6269-4314-BED9-F777FF741BD9}" type="datetime1">
               <a:rPr lang="zh-CN" altLang="en-US"/>
-              <a:t>2020/7/30</a:t>
             </a:fld>
             <a:endParaRPr lang="zh-CN" altLang="en-US" dirty="0"/>
           </a:p>
@@ -9549,12 +10151,39 @@
             </a:pPr>
             <a:fld id="{24CDF228-198A-44C2-BDC3-8F2BB7497790}" type="slidenum">
               <a:rPr lang="zh-CN" altLang="en-US"/>
-              <a:t>8</a:t>
             </a:fld>
             <a:endParaRPr lang="zh-CN" altLang="en-US" dirty="0"/>
           </a:p>
         </p:txBody>
       </p:sp>
+      <p:pic>
+        <p:nvPicPr>
+          <p:cNvPr id="6" name="图片 5"/>
+          <p:cNvPicPr>
+            <a:picLocks noChangeAspect="1"/>
+          </p:cNvPicPr>
+          <p:nvPr>
+            <p:custDataLst>
+              <p:tags r:id="rId1"/>
+            </p:custDataLst>
+          </p:nvPr>
+        </p:nvPicPr>
+        <p:blipFill>
+          <a:blip r:embed="rId2"/>
+          <a:stretch>
+            <a:fillRect/>
+          </a:stretch>
+        </p:blipFill>
+        <p:spPr>
+          <a:xfrm>
+            <a:off x="4345940" y="2127250"/>
+            <a:ext cx="4020185" cy="2604135"/>
+          </a:xfrm>
+          <a:prstGeom prst="rect">
+            <a:avLst/>
+          </a:prstGeom>
+        </p:spPr>
+      </p:pic>
     </p:spTree>
   </p:cSld>
   <p:clrMapOvr>
@@ -9597,19 +10226,24 @@
           <a:p>
             <a:r>
               <a:rPr lang="zh-CN" altLang="en-US"/>
-              <a:t>声明周期</a:t>
-            </a:r>
-          </a:p>
-        </p:txBody>
-      </p:sp>
-      <p:sp>
-        <p:nvSpPr>
-          <p:cNvPr id="4" name="日期占位符 3"/>
-          <p:cNvSpPr>
-            <a:spLocks noGrp="1"/>
-          </p:cNvSpPr>
-          <p:nvPr>
-            <p:ph type="dt" sz="half" idx="10"/>
+              <a:t>了解</a:t>
+            </a:r>
+            <a:r>
+              <a:rPr lang="en-US" altLang="zh-CN"/>
+              <a:t>Vue</a:t>
+            </a:r>
+            <a:endParaRPr lang="en-US" altLang="zh-CN"/>
+          </a:p>
+        </p:txBody>
+      </p:sp>
+      <p:sp>
+        <p:nvSpPr>
+          <p:cNvPr id="3" name="内容占位符 2"/>
+          <p:cNvSpPr>
+            <a:spLocks noGrp="1"/>
+          </p:cNvSpPr>
+          <p:nvPr>
+            <p:ph idx="1"/>
           </p:nvPr>
         </p:nvSpPr>
         <p:spPr/>
@@ -9617,12 +10251,88 @@
           <a:bodyPr/>
           <a:lstStyle/>
           <a:p>
+            <a:r>
+              <a:rPr lang="en-US" altLang="zh-CN"/>
+              <a:t>vue.js</a:t>
+            </a:r>
+            <a:r>
+              <a:rPr lang="zh-CN" altLang="en-US"/>
+              <a:t>是什么</a:t>
+            </a:r>
+            <a:endParaRPr lang="en-US" altLang="zh-CN"/>
+          </a:p>
+          <a:p>
+            <a:r>
+              <a:rPr lang="en-US" altLang="zh-CN"/>
+              <a:t>vue</a:t>
+            </a:r>
+            <a:r>
+              <a:rPr lang="zh-CN" altLang="en-US"/>
+              <a:t>和传统</a:t>
+            </a:r>
+            <a:r>
+              <a:rPr lang="en-US" altLang="zh-CN"/>
+              <a:t>jquery</a:t>
+            </a:r>
+            <a:r>
+              <a:rPr lang="zh-CN" altLang="en-US"/>
+              <a:t>有什么区别？</a:t>
+            </a:r>
+            <a:endParaRPr lang="zh-CN" altLang="en-US"/>
+          </a:p>
+          <a:p>
+            <a:r>
+              <a:rPr lang="zh-CN" altLang="en-US"/>
+              <a:t>啥是响应式数据绑定</a:t>
+            </a:r>
+            <a:endParaRPr lang="zh-CN" altLang="en-US"/>
+          </a:p>
+          <a:p>
+            <a:r>
+              <a:rPr lang="zh-CN" altLang="en-US"/>
+              <a:t>什么是组件化开发</a:t>
+            </a:r>
+            <a:endParaRPr lang="zh-CN" altLang="en-US"/>
+          </a:p>
+          <a:p>
+            <a:r>
+              <a:rPr lang="zh-CN" altLang="en-US"/>
+              <a:t>虚拟</a:t>
+            </a:r>
+            <a:r>
+              <a:rPr lang="en-US" altLang="zh-CN"/>
+              <a:t>dom</a:t>
+            </a:r>
+            <a:endParaRPr lang="zh-CN" altLang="en-US"/>
+          </a:p>
+          <a:p>
+            <a:pPr marL="0" indent="0">
+              <a:buNone/>
+            </a:pPr>
+            <a:endParaRPr lang="en-US" altLang="zh-CN"/>
+          </a:p>
+        </p:txBody>
+      </p:sp>
+      <p:sp>
+        <p:nvSpPr>
+          <p:cNvPr id="4" name="日期占位符 3"/>
+          <p:cNvSpPr>
+            <a:spLocks noGrp="1"/>
+          </p:cNvSpPr>
+          <p:nvPr>
+            <p:ph type="dt" sz="half" idx="10"/>
+          </p:nvPr>
+        </p:nvSpPr>
+        <p:spPr/>
+        <p:txBody>
+          <a:bodyPr/>
+          <a:lstStyle/>
+          <a:p>
             <a:pPr>
               <a:defRPr/>
             </a:pPr>
             <a:fld id="{BDABD382-6269-4314-BED9-F777FF741BD9}" type="datetime1">
               <a:rPr lang="zh-CN" altLang="en-US"/>
-              <a:t>2020/7/30</a:t>
             </a:fld>
             <a:endParaRPr lang="zh-CN" altLang="en-US" dirty="0"/>
           </a:p>
@@ -9648,7 +10358,6 @@
             </a:pPr>
             <a:fld id="{24CDF228-198A-44C2-BDC3-8F2BB7497790}" type="slidenum">
               <a:rPr lang="zh-CN" altLang="en-US"/>
-              <a:t>9</a:t>
             </a:fld>
             <a:endParaRPr lang="zh-CN" altLang="en-US" dirty="0"/>
           </a:p>
@@ -9656,24 +10365,22 @@
       </p:sp>
       <p:pic>
         <p:nvPicPr>
-          <p:cNvPr id="6" name="内容占位符 5"/>
+          <p:cNvPr id="6" name="图片 5"/>
           <p:cNvPicPr>
-            <a:picLocks noGrp="1" noChangeAspect="1"/>
+            <a:picLocks noChangeAspect="1"/>
           </p:cNvPicPr>
-          <p:nvPr>
-            <p:ph idx="1"/>
-          </p:nvPr>
+          <p:nvPr/>
         </p:nvPicPr>
         <p:blipFill>
-          <a:blip r:embed="rId3"/>
+          <a:blip r:embed="rId1"/>
           <a:stretch>
             <a:fillRect/>
           </a:stretch>
         </p:blipFill>
         <p:spPr>
           <a:xfrm>
-            <a:off x="3590925" y="980440"/>
-            <a:ext cx="2104390" cy="5328285"/>
+            <a:off x="5154930" y="3136900"/>
+            <a:ext cx="3495675" cy="2962275"/>
           </a:xfrm>
           <a:prstGeom prst="rect">
             <a:avLst/>
@@ -9689,7 +10396,7 @@
 </file>
 
 <file path=ppt/tags/tag1.xml><?xml version="1.0" encoding="utf-8"?>
-<p:tagLst xmlns:a="http://schemas.openxmlformats.org/drawingml/2006/main" xmlns:r="http://schemas.openxmlformats.org/officeDocument/2006/relationships" xmlns:p="http://schemas.openxmlformats.org/presentationml/2006/main">
+<p:tagLst xmlns:p="http://schemas.openxmlformats.org/presentationml/2006/main">
   <p:tag name="KSO_WM_UNIT_PLACING_PICTURE_USER_VIEWPORT" val="{&quot;height&quot;:4101,&quot;width&quot;:6331}"/>
 </p:tagLst>
 </file>
@@ -9974,8 +10681,6 @@
       </a:bgFillStyleLst>
     </a:fmtScheme>
   </a:themeElements>
-  <a:objectDefaults/>
-  <a:extraClrSchemeLst/>
   <a:extLst>
     <a:ext uri="{05A4C25C-085E-4340-85A3-A5531E510DB2}">
       <thm15:themeFamily xmlns:thm15="http://schemas.microsoft.com/office/thememl/2012/main" name="Office Theme" id="{62F939B6-93AF-4DB8-9C6B-D6C7DFDC589F}" vid="{4A3C46E8-61CC-4603-A589-7422A47A8E4A}"/>
@@ -10264,8 +10969,6 @@
       </a:bgFillStyleLst>
     </a:fmtScheme>
   </a:themeElements>
-  <a:objectDefaults/>
-  <a:extraClrSchemeLst/>
   <a:extLst>
     <a:ext uri="{05A4C25C-085E-4340-85A3-A5531E510DB2}">
       <thm15:themeFamily xmlns:thm15="http://schemas.microsoft.com/office/thememl/2012/main" name="Office Theme" id="{62F939B6-93AF-4DB8-9C6B-D6C7DFDC589F}" vid="{4A3C46E8-61CC-4603-A589-7422A47A8E4A}"/>
